--- a/_julio/ApresentaçãoTCC-Julio_Vicente_Brych.pptx
+++ b/_julio/ApresentaçãoTCC-Julio_Vicente_Brych.pptx
@@ -9,19 +9,26 @@
     <p:sldId id="258" r:id="rId3"/>
     <p:sldId id="259" r:id="rId4"/>
     <p:sldId id="260" r:id="rId5"/>
-    <p:sldId id="261" r:id="rId6"/>
-    <p:sldId id="262" r:id="rId7"/>
-    <p:sldId id="269" r:id="rId8"/>
-    <p:sldId id="270" r:id="rId9"/>
-    <p:sldId id="263" r:id="rId10"/>
-    <p:sldId id="264" r:id="rId11"/>
-    <p:sldId id="271" r:id="rId12"/>
-    <p:sldId id="272" r:id="rId13"/>
-    <p:sldId id="274" r:id="rId14"/>
+    <p:sldId id="277" r:id="rId6"/>
+    <p:sldId id="261" r:id="rId7"/>
+    <p:sldId id="262" r:id="rId8"/>
+    <p:sldId id="269" r:id="rId9"/>
+    <p:sldId id="270" r:id="rId10"/>
+    <p:sldId id="263" r:id="rId11"/>
+    <p:sldId id="264" r:id="rId12"/>
+    <p:sldId id="274" r:id="rId13"/>
+    <p:sldId id="272" r:id="rId14"/>
     <p:sldId id="276" r:id="rId15"/>
-    <p:sldId id="265" r:id="rId16"/>
-    <p:sldId id="267" r:id="rId17"/>
-    <p:sldId id="268" r:id="rId18"/>
+    <p:sldId id="287" r:id="rId16"/>
+    <p:sldId id="284" r:id="rId17"/>
+    <p:sldId id="285" r:id="rId18"/>
+    <p:sldId id="283" r:id="rId19"/>
+    <p:sldId id="279" r:id="rId20"/>
+    <p:sldId id="282" r:id="rId21"/>
+    <p:sldId id="280" r:id="rId22"/>
+    <p:sldId id="268" r:id="rId23"/>
+    <p:sldId id="286" r:id="rId24"/>
+    <p:sldId id="288" r:id="rId25"/>
   </p:sldIdLst>
   <p:sldSz cx="9144000" cy="6858000" type="screen4x3"/>
   <p:notesSz cx="6858000" cy="9144000"/>
@@ -3582,7 +3589,7 @@
           <a:p>
             <a:r>
               <a:rPr lang="pt-BR" dirty="0"/>
-              <a:t>Especificação</a:t>
+              <a:t>Requisitos</a:t>
             </a:r>
           </a:p>
         </p:txBody>
@@ -3600,39 +3607,130 @@
         <p:spPr/>
         <p:txBody>
           <a:bodyPr>
-            <a:normAutofit lnSpcReduction="10000"/>
+            <a:normAutofit fontScale="92500"/>
           </a:bodyPr>
           <a:lstStyle/>
           <a:p>
-            <a:r>
-              <a:rPr lang="pt-BR" dirty="0"/>
-              <a:t>(Apresentar os principais diagramas desenvolvidos na especificação e que permitem compreender os elementos essenciais do trabalho</a:t>
-            </a:r>
-          </a:p>
-          <a:p>
-            <a:pPr lvl="1"/>
-            <a:r>
-              <a:rPr lang="pt-BR" dirty="0"/>
-              <a:t>Pelo menos um estrutural</a:t>
-            </a:r>
-          </a:p>
-          <a:p>
-            <a:pPr lvl="1"/>
-            <a:r>
-              <a:rPr lang="pt-BR" dirty="0"/>
-              <a:t>Pelo menos um comportamental)</a:t>
-            </a:r>
-          </a:p>
-          <a:p>
-            <a:r>
-              <a:rPr lang="pt-BR" dirty="0"/>
-              <a:t>(Cuidado com a legibilidade das figuras – redesenhe-as caso necessário)</a:t>
-            </a:r>
-          </a:p>
-          <a:p>
-            <a:r>
-              <a:rPr lang="pt-BR" dirty="0"/>
-              <a:t>(Tempo estimado – 5 minutos)</a:t>
+            <a:pPr marL="0" lvl="0" indent="0" algn="just">
+              <a:buNone/>
+              <a:tabLst>
+                <a:tab pos="683895" algn="l"/>
+              </a:tabLst>
+            </a:pPr>
+            <a:r>
+              <a:rPr lang="pt-BR" sz="2400" dirty="0">
+                <a:effectLst/>
+                <a:ea typeface="Times New Roman" panose="02020603050405020304" pitchFamily="18" charset="0"/>
+              </a:rPr>
+              <a:t>RF01 - permitir ao usuário aumentar e diminuir os modelos virtuais;</a:t>
+            </a:r>
+          </a:p>
+          <a:p>
+            <a:pPr marL="0" lvl="0" indent="0" algn="just">
+              <a:buNone/>
+              <a:tabLst>
+                <a:tab pos="683895" algn="l"/>
+              </a:tabLst>
+            </a:pPr>
+            <a:r>
+              <a:rPr lang="pt-BR" sz="2400" dirty="0">
+                <a:effectLst/>
+                <a:ea typeface="Times New Roman" panose="02020603050405020304" pitchFamily="18" charset="0"/>
+              </a:rPr>
+              <a:t>RF02 - permitir ao usuário rotacionar os modelos virtuais;</a:t>
+            </a:r>
+          </a:p>
+          <a:p>
+            <a:pPr marL="0" lvl="0" indent="0" algn="just">
+              <a:buNone/>
+              <a:tabLst>
+                <a:tab pos="683895" algn="l"/>
+              </a:tabLst>
+            </a:pPr>
+            <a:r>
+              <a:rPr lang="pt-BR" sz="2400" dirty="0">
+                <a:effectLst/>
+                <a:ea typeface="Times New Roman" panose="02020603050405020304" pitchFamily="18" charset="0"/>
+              </a:rPr>
+              <a:t>RF03 - permitir ao usuário alterar a forma dos modelos virtuais;</a:t>
+            </a:r>
+          </a:p>
+          <a:p>
+            <a:pPr marL="0" lvl="0" indent="0" algn="just">
+              <a:buNone/>
+              <a:tabLst>
+                <a:tab pos="683895" algn="l"/>
+              </a:tabLst>
+            </a:pPr>
+            <a:r>
+              <a:rPr lang="pt-BR" sz="2400" dirty="0">
+                <a:effectLst/>
+                <a:ea typeface="Times New Roman" panose="02020603050405020304" pitchFamily="18" charset="0"/>
+              </a:rPr>
+              <a:t>RF04 - permitir ao usuário se movimentar no espaço 3D e manter a posição dos modelos virtuais;</a:t>
+            </a:r>
+          </a:p>
+          <a:p>
+            <a:pPr marL="0" lvl="0" indent="0" algn="just">
+              <a:buNone/>
+              <a:tabLst>
+                <a:tab pos="683895" algn="l"/>
+              </a:tabLst>
+            </a:pPr>
+            <a:r>
+              <a:rPr lang="pt-BR" sz="2400" dirty="0">
+                <a:effectLst/>
+                <a:ea typeface="Times New Roman" panose="02020603050405020304" pitchFamily="18" charset="0"/>
+              </a:rPr>
+              <a:t>RNF01 - ser compatível com dispositivos móveis com Android 8 ou superior;</a:t>
+            </a:r>
+          </a:p>
+          <a:p>
+            <a:pPr marL="0" lvl="0" indent="0" algn="just">
+              <a:buNone/>
+              <a:tabLst>
+                <a:tab pos="683895" algn="l"/>
+              </a:tabLst>
+            </a:pPr>
+            <a:r>
+              <a:rPr lang="pt-BR" sz="2400" dirty="0">
+                <a:effectLst/>
+                <a:ea typeface="Times New Roman" panose="02020603050405020304" pitchFamily="18" charset="0"/>
+              </a:rPr>
+              <a:t>RNF02 - utilizar o ambiente de desenvolvimento Unity;</a:t>
+            </a:r>
+          </a:p>
+          <a:p>
+            <a:pPr marL="0" lvl="0" indent="0" algn="just">
+              <a:buNone/>
+              <a:tabLst>
+                <a:tab pos="683895" algn="l"/>
+              </a:tabLst>
+            </a:pPr>
+            <a:r>
+              <a:rPr lang="pt-BR" sz="2400" dirty="0">
+                <a:effectLst/>
+                <a:ea typeface="Times New Roman" panose="02020603050405020304" pitchFamily="18" charset="0"/>
+              </a:rPr>
+              <a:t>RNF03 - utilizar a linguagem C#;</a:t>
+            </a:r>
+          </a:p>
+          <a:p>
+            <a:pPr marL="0" lvl="0" indent="0" algn="just">
+              <a:spcAft>
+                <a:spcPts val="600"/>
+              </a:spcAft>
+              <a:buNone/>
+              <a:tabLst>
+                <a:tab pos="683895" algn="l"/>
+              </a:tabLst>
+            </a:pPr>
+            <a:r>
+              <a:rPr lang="pt-BR" sz="2400" dirty="0">
+                <a:effectLst/>
+                <a:ea typeface="Times New Roman" panose="02020603050405020304" pitchFamily="18" charset="0"/>
+              </a:rPr>
+              <a:t>RNF04 - usar o Leap Motion para manipular os modelos virtuais.</a:t>
             </a:r>
           </a:p>
           <a:p>
@@ -3643,7 +3741,7 @@
     </p:spTree>
     <p:extLst>
       <p:ext uri="{BB962C8B-B14F-4D97-AF65-F5344CB8AC3E}">
-        <p14:creationId xmlns:p14="http://schemas.microsoft.com/office/powerpoint/2010/main" val="2007070856"/>
+        <p14:creationId xmlns:p14="http://schemas.microsoft.com/office/powerpoint/2010/main" val="1997644590"/>
       </p:ext>
     </p:extLst>
   </p:cSld>
@@ -3680,61 +3778,147 @@
             <p:ph type="title"/>
           </p:nvPr>
         </p:nvSpPr>
-        <p:spPr/>
-        <p:txBody>
-          <a:bodyPr/>
-          <a:lstStyle/>
-          <a:p>
-            <a:r>
-              <a:rPr lang="pt-BR" dirty="0"/>
-              <a:t>Implementação</a:t>
-            </a:r>
-          </a:p>
-        </p:txBody>
-      </p:sp>
-      <p:sp>
-        <p:nvSpPr>
-          <p:cNvPr id="3" name="Espaço Reservado para Conteúdo 2"/>
-          <p:cNvSpPr>
-            <a:spLocks noGrp="1"/>
-          </p:cNvSpPr>
-          <p:nvPr>
-            <p:ph idx="1"/>
-          </p:nvPr>
-        </p:nvSpPr>
-        <p:spPr/>
-        <p:txBody>
-          <a:bodyPr>
+        <p:spPr>
+          <a:xfrm>
+            <a:off x="457200" y="274638"/>
+            <a:ext cx="8229600" cy="1143000"/>
+          </a:xfrm>
+        </p:spPr>
+        <p:txBody>
+          <a:bodyPr wrap="square" anchor="ctr">
             <a:normAutofit/>
           </a:bodyPr>
           <a:lstStyle/>
           <a:p>
             <a:r>
               <a:rPr lang="pt-BR" dirty="0"/>
-              <a:t>Vuforia</a:t>
-            </a:r>
-          </a:p>
-          <a:p>
+              <a:t>Especificação</a:t>
+            </a:r>
+          </a:p>
+        </p:txBody>
+      </p:sp>
+      <p:sp>
+        <p:nvSpPr>
+          <p:cNvPr id="3" name="Espaço Reservado para Conteúdo 2"/>
+          <p:cNvSpPr>
+            <a:spLocks noGrp="1"/>
+          </p:cNvSpPr>
+          <p:nvPr>
+            <p:ph sz="half" idx="1"/>
+          </p:nvPr>
+        </p:nvSpPr>
+        <p:spPr>
+          <a:xfrm>
+            <a:off x="457200" y="1600200"/>
+            <a:ext cx="4038600" cy="4525963"/>
+          </a:xfrm>
+        </p:spPr>
+        <p:txBody>
+          <a:bodyPr wrap="square" anchor="t">
+            <a:normAutofit/>
+          </a:bodyPr>
+          <a:lstStyle/>
+          <a:p>
+            <a:pPr>
+              <a:lnSpc>
+                <a:spcPct val="200000"/>
+              </a:lnSpc>
+            </a:pPr>
             <a:r>
               <a:rPr lang="pt-BR" dirty="0"/>
-              <a:t>Ultraleap Tracking</a:t>
-            </a:r>
-          </a:p>
-          <a:p>
+              <a:t>Fóssil</a:t>
+            </a:r>
+          </a:p>
+          <a:p>
+            <a:pPr>
+              <a:lnSpc>
+                <a:spcPct val="200000"/>
+              </a:lnSpc>
+            </a:pPr>
             <a:r>
               <a:rPr lang="pt-BR" dirty="0"/>
-              <a:t>Mirror</a:t>
-            </a:r>
-          </a:p>
-          <a:p>
-            <a:endParaRPr lang="pt-BR" dirty="0"/>
-          </a:p>
-        </p:txBody>
-      </p:sp>
+              <a:t>Painel</a:t>
+            </a:r>
+          </a:p>
+          <a:p>
+            <a:pPr>
+              <a:lnSpc>
+                <a:spcPct val="200000"/>
+              </a:lnSpc>
+            </a:pPr>
+            <a:r>
+              <a:rPr lang="pt-BR" dirty="0"/>
+              <a:t>Botões</a:t>
+            </a:r>
+          </a:p>
+          <a:p>
+            <a:pPr>
+              <a:lnSpc>
+                <a:spcPct val="200000"/>
+              </a:lnSpc>
+            </a:pPr>
+            <a:r>
+              <a:rPr lang="pt-BR" dirty="0"/>
+              <a:t>Miniaturas </a:t>
+            </a:r>
+          </a:p>
+          <a:p>
+            <a:pPr>
+              <a:lnSpc>
+                <a:spcPct val="90000"/>
+              </a:lnSpc>
+            </a:pPr>
+            <a:endParaRPr lang="pt-BR" sz="2000" dirty="0"/>
+          </a:p>
+          <a:p>
+            <a:pPr>
+              <a:lnSpc>
+                <a:spcPct val="90000"/>
+              </a:lnSpc>
+            </a:pPr>
+            <a:endParaRPr lang="pt-BR" sz="2000" dirty="0"/>
+          </a:p>
+        </p:txBody>
+      </p:sp>
+      <p:pic>
+        <p:nvPicPr>
+          <p:cNvPr id="4" name="Imagem 3" descr="Tela de computador com celular na mão&#10;&#10;Descrição gerada automaticamente">
+            <a:extLst>
+              <a:ext uri="{FF2B5EF4-FFF2-40B4-BE49-F238E27FC236}">
+                <a16:creationId xmlns:a16="http://schemas.microsoft.com/office/drawing/2014/main" id="{48891497-C8C9-1A7C-A1AC-87CEA1C1302C}"/>
+              </a:ext>
+            </a:extLst>
+          </p:cNvPr>
+          <p:cNvPicPr>
+            <a:picLocks noChangeAspect="1"/>
+          </p:cNvPicPr>
+          <p:nvPr/>
+        </p:nvPicPr>
+        <p:blipFill rotWithShape="1">
+          <a:blip r:embed="rId2"/>
+          <a:srcRect l="2666" r="19030" b="-4"/>
+          <a:stretch/>
+        </p:blipFill>
+        <p:spPr>
+          <a:xfrm>
+            <a:off x="4678777" y="1268760"/>
+            <a:ext cx="4038600" cy="4525963"/>
+          </a:xfrm>
+          <a:prstGeom prst="rect">
+            <a:avLst/>
+          </a:prstGeom>
+          <a:noFill/>
+          <a:ln w="12700">
+            <a:solidFill>
+              <a:schemeClr val="tx1"/>
+            </a:solidFill>
+          </a:ln>
+        </p:spPr>
+      </p:pic>
     </p:spTree>
     <p:extLst>
       <p:ext uri="{BB962C8B-B14F-4D97-AF65-F5344CB8AC3E}">
-        <p14:creationId xmlns:p14="http://schemas.microsoft.com/office/powerpoint/2010/main" val="137381966"/>
+        <p14:creationId xmlns:p14="http://schemas.microsoft.com/office/powerpoint/2010/main" val="2007070856"/>
       </p:ext>
     </p:extLst>
   </p:cSld>
@@ -3810,19 +3994,320 @@
             </a:pPr>
             <a:r>
               <a:rPr lang="pt-BR" sz="2000" b="1" dirty="0"/>
-              <a:t>Vuforia</a:t>
+              <a:t>Ultraleap Tracking</a:t>
             </a:r>
           </a:p>
           <a:p>
             <a:pPr algn="ctr"/>
             <a:endParaRPr lang="pt-BR" dirty="0"/>
+          </a:p>
+        </p:txBody>
+      </p:sp>
+      <p:pic>
+        <p:nvPicPr>
+          <p:cNvPr id="4" name="Imagem 3" descr="Interface gráfica do usuário, Site&#10;&#10;Descrição gerada automaticamente">
+            <a:extLst>
+              <a:ext uri="{FF2B5EF4-FFF2-40B4-BE49-F238E27FC236}">
+                <a16:creationId xmlns:a16="http://schemas.microsoft.com/office/drawing/2014/main" id="{9BD9930B-0D20-5C10-CF98-16F1BFE249AD}"/>
+              </a:ext>
+            </a:extLst>
+          </p:cNvPr>
+          <p:cNvPicPr>
+            <a:picLocks noChangeAspect="1"/>
+          </p:cNvPicPr>
+          <p:nvPr/>
+        </p:nvPicPr>
+        <p:blipFill>
+          <a:blip r:embed="rId2">
+            <a:extLst>
+              <a:ext uri="{28A0092B-C50C-407E-A947-70E740481C1C}">
+                <a14:useLocalDpi xmlns:a14="http://schemas.microsoft.com/office/drawing/2010/main" val="0"/>
+              </a:ext>
+            </a:extLst>
+          </a:blip>
+          <a:srcRect/>
+          <a:stretch>
+            <a:fillRect/>
+          </a:stretch>
+        </p:blipFill>
+        <p:spPr bwMode="auto">
+          <a:xfrm>
+            <a:off x="4465142" y="1700808"/>
+            <a:ext cx="4397987" cy="3672408"/>
+          </a:xfrm>
+          <a:prstGeom prst="rect">
+            <a:avLst/>
+          </a:prstGeom>
+          <a:noFill/>
+          <a:ln w="12700">
+            <a:solidFill>
+              <a:schemeClr val="tx1"/>
+            </a:solidFill>
+          </a:ln>
+        </p:spPr>
+      </p:pic>
+      <p:sp>
+        <p:nvSpPr>
+          <p:cNvPr id="6" name="Espaço Reservado para Conteúdo 2">
+            <a:extLst>
+              <a:ext uri="{FF2B5EF4-FFF2-40B4-BE49-F238E27FC236}">
+                <a16:creationId xmlns:a16="http://schemas.microsoft.com/office/drawing/2014/main" id="{FC014FD7-0929-8FDD-16FB-6CEC3707DA9A}"/>
+              </a:ext>
+            </a:extLst>
+          </p:cNvPr>
+          <p:cNvSpPr txBox="1">
+            <a:spLocks/>
+          </p:cNvSpPr>
+          <p:nvPr/>
+        </p:nvSpPr>
+        <p:spPr bwMode="auto">
+          <a:xfrm>
+            <a:off x="457200" y="1600200"/>
+            <a:ext cx="4038600" cy="4525963"/>
+          </a:xfrm>
+          <a:prstGeom prst="rect">
+            <a:avLst/>
+          </a:prstGeom>
+          <a:noFill/>
+          <a:ln w="9525">
+            <a:noFill/>
+            <a:miter lim="800000"/>
+            <a:headEnd/>
+            <a:tailEnd/>
+          </a:ln>
+          <a:effectLst/>
+        </p:spPr>
+        <p:txBody>
+          <a:bodyPr vert="horz" wrap="square" lIns="91440" tIns="45720" rIns="91440" bIns="45720" numCol="1" anchor="t" anchorCtr="0" compatLnSpc="1">
+            <a:prstTxWarp prst="textNoShape">
+              <a:avLst/>
+            </a:prstTxWarp>
+            <a:normAutofit/>
+          </a:bodyPr>
+          <a:lstStyle>
+            <a:lvl1pPr marL="342900" indent="-342900" algn="l" rtl="0" fontAlgn="base">
+              <a:spcBef>
+                <a:spcPct val="20000"/>
+              </a:spcBef>
+              <a:spcAft>
+                <a:spcPct val="0"/>
+              </a:spcAft>
+              <a:buChar char="•"/>
+              <a:defRPr sz="3200">
+                <a:solidFill>
+                  <a:schemeClr val="tx1"/>
+                </a:solidFill>
+                <a:latin typeface="+mn-lt"/>
+                <a:ea typeface="+mn-ea"/>
+                <a:cs typeface="+mn-cs"/>
+              </a:defRPr>
+            </a:lvl1pPr>
+            <a:lvl2pPr marL="742950" indent="-285750" algn="l" rtl="0" fontAlgn="base">
+              <a:spcBef>
+                <a:spcPct val="20000"/>
+              </a:spcBef>
+              <a:spcAft>
+                <a:spcPct val="0"/>
+              </a:spcAft>
+              <a:buChar char="–"/>
+              <a:defRPr sz="2800">
+                <a:solidFill>
+                  <a:schemeClr val="tx1"/>
+                </a:solidFill>
+                <a:latin typeface="+mn-lt"/>
+              </a:defRPr>
+            </a:lvl2pPr>
+            <a:lvl3pPr marL="1143000" indent="-228600" algn="l" rtl="0" fontAlgn="base">
+              <a:spcBef>
+                <a:spcPct val="20000"/>
+              </a:spcBef>
+              <a:spcAft>
+                <a:spcPct val="0"/>
+              </a:spcAft>
+              <a:buChar char="•"/>
+              <a:defRPr sz="2400">
+                <a:solidFill>
+                  <a:schemeClr val="tx1"/>
+                </a:solidFill>
+                <a:latin typeface="+mn-lt"/>
+              </a:defRPr>
+            </a:lvl3pPr>
+            <a:lvl4pPr marL="1600200" indent="-228600" algn="l" rtl="0" fontAlgn="base">
+              <a:spcBef>
+                <a:spcPct val="20000"/>
+              </a:spcBef>
+              <a:spcAft>
+                <a:spcPct val="0"/>
+              </a:spcAft>
+              <a:buChar char="–"/>
+              <a:defRPr sz="2000">
+                <a:solidFill>
+                  <a:schemeClr val="tx1"/>
+                </a:solidFill>
+                <a:latin typeface="+mn-lt"/>
+              </a:defRPr>
+            </a:lvl4pPr>
+            <a:lvl5pPr marL="2057400" indent="-228600" algn="l" rtl="0" fontAlgn="base">
+              <a:spcBef>
+                <a:spcPct val="20000"/>
+              </a:spcBef>
+              <a:spcAft>
+                <a:spcPct val="0"/>
+              </a:spcAft>
+              <a:buChar char="»"/>
+              <a:defRPr sz="2000">
+                <a:solidFill>
+                  <a:schemeClr val="tx1"/>
+                </a:solidFill>
+                <a:latin typeface="+mn-lt"/>
+              </a:defRPr>
+            </a:lvl5pPr>
+            <a:lvl6pPr marL="2514600" indent="-228600" algn="l" rtl="0" fontAlgn="base">
+              <a:spcBef>
+                <a:spcPct val="20000"/>
+              </a:spcBef>
+              <a:spcAft>
+                <a:spcPct val="0"/>
+              </a:spcAft>
+              <a:buChar char="»"/>
+              <a:defRPr sz="2000">
+                <a:solidFill>
+                  <a:schemeClr val="tx1"/>
+                </a:solidFill>
+                <a:latin typeface="+mn-lt"/>
+              </a:defRPr>
+            </a:lvl6pPr>
+            <a:lvl7pPr marL="2971800" indent="-228600" algn="l" rtl="0" fontAlgn="base">
+              <a:spcBef>
+                <a:spcPct val="20000"/>
+              </a:spcBef>
+              <a:spcAft>
+                <a:spcPct val="0"/>
+              </a:spcAft>
+              <a:buChar char="»"/>
+              <a:defRPr sz="2000">
+                <a:solidFill>
+                  <a:schemeClr val="tx1"/>
+                </a:solidFill>
+                <a:latin typeface="+mn-lt"/>
+              </a:defRPr>
+            </a:lvl7pPr>
+            <a:lvl8pPr marL="3429000" indent="-228600" algn="l" rtl="0" fontAlgn="base">
+              <a:spcBef>
+                <a:spcPct val="20000"/>
+              </a:spcBef>
+              <a:spcAft>
+                <a:spcPct val="0"/>
+              </a:spcAft>
+              <a:buChar char="»"/>
+              <a:defRPr sz="2000">
+                <a:solidFill>
+                  <a:schemeClr val="tx1"/>
+                </a:solidFill>
+                <a:latin typeface="+mn-lt"/>
+              </a:defRPr>
+            </a:lvl8pPr>
+            <a:lvl9pPr marL="3886200" indent="-228600" algn="l" rtl="0" fontAlgn="base">
+              <a:spcBef>
+                <a:spcPct val="20000"/>
+              </a:spcBef>
+              <a:spcAft>
+                <a:spcPct val="0"/>
+              </a:spcAft>
+              <a:buChar char="»"/>
+              <a:defRPr sz="2000">
+                <a:solidFill>
+                  <a:schemeClr val="tx1"/>
+                </a:solidFill>
+                <a:latin typeface="+mn-lt"/>
+              </a:defRPr>
+            </a:lvl9pPr>
+          </a:lstStyle>
+          <a:p>
+            <a:pPr>
+              <a:lnSpc>
+                <a:spcPct val="150000"/>
+              </a:lnSpc>
+            </a:pPr>
+            <a:r>
+              <a:rPr lang="pt-BR" sz="2800" kern="0" dirty="0"/>
+              <a:t>Service Provider;</a:t>
+            </a:r>
+          </a:p>
+          <a:p>
+            <a:pPr>
+              <a:lnSpc>
+                <a:spcPct val="150000"/>
+              </a:lnSpc>
+            </a:pPr>
+            <a:r>
+              <a:rPr lang="pt-BR" sz="2800" kern="0" dirty="0"/>
+              <a:t>Skeleton Hands;</a:t>
+            </a:r>
+          </a:p>
+          <a:p>
+            <a:pPr>
+              <a:lnSpc>
+                <a:spcPct val="150000"/>
+              </a:lnSpc>
+            </a:pPr>
+            <a:r>
+              <a:rPr lang="pt-BR" sz="2800" kern="0" dirty="0" err="1"/>
+              <a:t>Attachment</a:t>
+            </a:r>
+            <a:r>
+              <a:rPr lang="pt-BR" sz="2800" kern="0" dirty="0"/>
+              <a:t> Hands;</a:t>
+            </a:r>
+          </a:p>
+          <a:p>
+            <a:pPr>
+              <a:lnSpc>
+                <a:spcPct val="150000"/>
+              </a:lnSpc>
+            </a:pPr>
+            <a:r>
+              <a:rPr lang="pt-BR" sz="2800" kern="0" dirty="0" err="1"/>
+              <a:t>Interactive</a:t>
+            </a:r>
+            <a:r>
+              <a:rPr lang="pt-BR" sz="2800" kern="0" dirty="0"/>
+              <a:t> </a:t>
+            </a:r>
+            <a:r>
+              <a:rPr lang="pt-BR" sz="2800" kern="0" dirty="0" err="1"/>
+              <a:t>Maneger</a:t>
+            </a:r>
+            <a:r>
+              <a:rPr lang="pt-BR" sz="2800" kern="0" dirty="0"/>
+              <a:t>;</a:t>
+            </a:r>
+          </a:p>
+          <a:p>
+            <a:pPr>
+              <a:lnSpc>
+                <a:spcPct val="150000"/>
+              </a:lnSpc>
+            </a:pPr>
+            <a:r>
+              <a:rPr lang="pt-BR" sz="2800" kern="0" dirty="0"/>
+              <a:t>3D Button;</a:t>
+            </a:r>
+          </a:p>
+          <a:p>
+            <a:pPr>
+              <a:lnSpc>
+                <a:spcPct val="90000"/>
+              </a:lnSpc>
+            </a:pPr>
+            <a:endParaRPr lang="pt-BR" sz="2000" kern="0" dirty="0"/>
           </a:p>
         </p:txBody>
       </p:sp>
     </p:spTree>
     <p:extLst>
       <p:ext uri="{BB962C8B-B14F-4D97-AF65-F5344CB8AC3E}">
-        <p14:creationId xmlns:p14="http://schemas.microsoft.com/office/powerpoint/2010/main" val="1245702101"/>
+        <p14:creationId xmlns:p14="http://schemas.microsoft.com/office/powerpoint/2010/main" val="2241453464"/>
       </p:ext>
     </p:extLst>
   </p:cSld>
@@ -3898,7 +4383,7 @@
             </a:pPr>
             <a:r>
               <a:rPr lang="pt-BR" sz="2000" b="1" dirty="0"/>
-              <a:t>Ultraleap Tracking</a:t>
+              <a:t>Vuforia</a:t>
             </a:r>
           </a:p>
           <a:p>
@@ -3907,10 +4392,285 @@
           </a:p>
         </p:txBody>
       </p:sp>
+      <p:sp>
+        <p:nvSpPr>
+          <p:cNvPr id="4" name="Espaço Reservado para Conteúdo 2">
+            <a:extLst>
+              <a:ext uri="{FF2B5EF4-FFF2-40B4-BE49-F238E27FC236}">
+                <a16:creationId xmlns:a16="http://schemas.microsoft.com/office/drawing/2014/main" id="{C022FE70-0660-7C09-D417-B9B0ED6E14D7}"/>
+              </a:ext>
+            </a:extLst>
+          </p:cNvPr>
+          <p:cNvSpPr txBox="1">
+            <a:spLocks/>
+          </p:cNvSpPr>
+          <p:nvPr/>
+        </p:nvSpPr>
+        <p:spPr bwMode="auto">
+          <a:xfrm>
+            <a:off x="323528" y="1844824"/>
+            <a:ext cx="4038600" cy="4525963"/>
+          </a:xfrm>
+          <a:prstGeom prst="rect">
+            <a:avLst/>
+          </a:prstGeom>
+          <a:noFill/>
+          <a:ln w="9525">
+            <a:noFill/>
+            <a:miter lim="800000"/>
+            <a:headEnd/>
+            <a:tailEnd/>
+          </a:ln>
+          <a:effectLst/>
+        </p:spPr>
+        <p:txBody>
+          <a:bodyPr vert="horz" wrap="square" lIns="91440" tIns="45720" rIns="91440" bIns="45720" numCol="1" anchor="t" anchorCtr="0" compatLnSpc="1">
+            <a:prstTxWarp prst="textNoShape">
+              <a:avLst/>
+            </a:prstTxWarp>
+            <a:normAutofit/>
+          </a:bodyPr>
+          <a:lstStyle>
+            <a:lvl1pPr marL="342900" indent="-342900" algn="l" rtl="0" fontAlgn="base">
+              <a:spcBef>
+                <a:spcPct val="20000"/>
+              </a:spcBef>
+              <a:spcAft>
+                <a:spcPct val="0"/>
+              </a:spcAft>
+              <a:buChar char="•"/>
+              <a:defRPr sz="3200">
+                <a:solidFill>
+                  <a:schemeClr val="tx1"/>
+                </a:solidFill>
+                <a:latin typeface="+mn-lt"/>
+                <a:ea typeface="+mn-ea"/>
+                <a:cs typeface="+mn-cs"/>
+              </a:defRPr>
+            </a:lvl1pPr>
+            <a:lvl2pPr marL="742950" indent="-285750" algn="l" rtl="0" fontAlgn="base">
+              <a:spcBef>
+                <a:spcPct val="20000"/>
+              </a:spcBef>
+              <a:spcAft>
+                <a:spcPct val="0"/>
+              </a:spcAft>
+              <a:buChar char="–"/>
+              <a:defRPr sz="2800">
+                <a:solidFill>
+                  <a:schemeClr val="tx1"/>
+                </a:solidFill>
+                <a:latin typeface="+mn-lt"/>
+              </a:defRPr>
+            </a:lvl2pPr>
+            <a:lvl3pPr marL="1143000" indent="-228600" algn="l" rtl="0" fontAlgn="base">
+              <a:spcBef>
+                <a:spcPct val="20000"/>
+              </a:spcBef>
+              <a:spcAft>
+                <a:spcPct val="0"/>
+              </a:spcAft>
+              <a:buChar char="•"/>
+              <a:defRPr sz="2400">
+                <a:solidFill>
+                  <a:schemeClr val="tx1"/>
+                </a:solidFill>
+                <a:latin typeface="+mn-lt"/>
+              </a:defRPr>
+            </a:lvl3pPr>
+            <a:lvl4pPr marL="1600200" indent="-228600" algn="l" rtl="0" fontAlgn="base">
+              <a:spcBef>
+                <a:spcPct val="20000"/>
+              </a:spcBef>
+              <a:spcAft>
+                <a:spcPct val="0"/>
+              </a:spcAft>
+              <a:buChar char="–"/>
+              <a:defRPr sz="2000">
+                <a:solidFill>
+                  <a:schemeClr val="tx1"/>
+                </a:solidFill>
+                <a:latin typeface="+mn-lt"/>
+              </a:defRPr>
+            </a:lvl4pPr>
+            <a:lvl5pPr marL="2057400" indent="-228600" algn="l" rtl="0" fontAlgn="base">
+              <a:spcBef>
+                <a:spcPct val="20000"/>
+              </a:spcBef>
+              <a:spcAft>
+                <a:spcPct val="0"/>
+              </a:spcAft>
+              <a:buChar char="»"/>
+              <a:defRPr sz="2000">
+                <a:solidFill>
+                  <a:schemeClr val="tx1"/>
+                </a:solidFill>
+                <a:latin typeface="+mn-lt"/>
+              </a:defRPr>
+            </a:lvl5pPr>
+            <a:lvl6pPr marL="2514600" indent="-228600" algn="l" rtl="0" fontAlgn="base">
+              <a:spcBef>
+                <a:spcPct val="20000"/>
+              </a:spcBef>
+              <a:spcAft>
+                <a:spcPct val="0"/>
+              </a:spcAft>
+              <a:buChar char="»"/>
+              <a:defRPr sz="2000">
+                <a:solidFill>
+                  <a:schemeClr val="tx1"/>
+                </a:solidFill>
+                <a:latin typeface="+mn-lt"/>
+              </a:defRPr>
+            </a:lvl6pPr>
+            <a:lvl7pPr marL="2971800" indent="-228600" algn="l" rtl="0" fontAlgn="base">
+              <a:spcBef>
+                <a:spcPct val="20000"/>
+              </a:spcBef>
+              <a:spcAft>
+                <a:spcPct val="0"/>
+              </a:spcAft>
+              <a:buChar char="»"/>
+              <a:defRPr sz="2000">
+                <a:solidFill>
+                  <a:schemeClr val="tx1"/>
+                </a:solidFill>
+                <a:latin typeface="+mn-lt"/>
+              </a:defRPr>
+            </a:lvl7pPr>
+            <a:lvl8pPr marL="3429000" indent="-228600" algn="l" rtl="0" fontAlgn="base">
+              <a:spcBef>
+                <a:spcPct val="20000"/>
+              </a:spcBef>
+              <a:spcAft>
+                <a:spcPct val="0"/>
+              </a:spcAft>
+              <a:buChar char="»"/>
+              <a:defRPr sz="2000">
+                <a:solidFill>
+                  <a:schemeClr val="tx1"/>
+                </a:solidFill>
+                <a:latin typeface="+mn-lt"/>
+              </a:defRPr>
+            </a:lvl8pPr>
+            <a:lvl9pPr marL="3886200" indent="-228600" algn="l" rtl="0" fontAlgn="base">
+              <a:spcBef>
+                <a:spcPct val="20000"/>
+              </a:spcBef>
+              <a:spcAft>
+                <a:spcPct val="0"/>
+              </a:spcAft>
+              <a:buChar char="»"/>
+              <a:defRPr sz="2000">
+                <a:solidFill>
+                  <a:schemeClr val="tx1"/>
+                </a:solidFill>
+                <a:latin typeface="+mn-lt"/>
+              </a:defRPr>
+            </a:lvl9pPr>
+          </a:lstStyle>
+          <a:p>
+            <a:pPr>
+              <a:lnSpc>
+                <a:spcPct val="200000"/>
+              </a:lnSpc>
+            </a:pPr>
+            <a:r>
+              <a:rPr lang="pt-BR" sz="2800" kern="0" dirty="0"/>
+              <a:t>AR </a:t>
+            </a:r>
+            <a:r>
+              <a:rPr lang="pt-BR" sz="2800" kern="0" dirty="0" err="1"/>
+              <a:t>Camera</a:t>
+            </a:r>
+            <a:r>
+              <a:rPr lang="pt-BR" sz="2800" kern="0" dirty="0"/>
+              <a:t>;</a:t>
+            </a:r>
+          </a:p>
+          <a:p>
+            <a:pPr>
+              <a:lnSpc>
+                <a:spcPct val="200000"/>
+              </a:lnSpc>
+            </a:pPr>
+            <a:r>
+              <a:rPr lang="pt-BR" sz="2800" kern="0" dirty="0" err="1"/>
+              <a:t>Image</a:t>
+            </a:r>
+            <a:r>
+              <a:rPr lang="pt-BR" sz="2800" kern="0" dirty="0"/>
+              <a:t> Target;</a:t>
+            </a:r>
+          </a:p>
+          <a:p>
+            <a:pPr>
+              <a:lnSpc>
+                <a:spcPct val="200000"/>
+              </a:lnSpc>
+            </a:pPr>
+            <a:r>
+              <a:rPr lang="pt-BR" sz="2800" kern="0" dirty="0"/>
+              <a:t>Model Target;</a:t>
+            </a:r>
+          </a:p>
+          <a:p>
+            <a:pPr>
+              <a:lnSpc>
+                <a:spcPct val="90000"/>
+              </a:lnSpc>
+            </a:pPr>
+            <a:endParaRPr lang="pt-BR" sz="2000" kern="0" dirty="0"/>
+          </a:p>
+        </p:txBody>
+      </p:sp>
+      <p:pic>
+        <p:nvPicPr>
+          <p:cNvPr id="5" name="Imagem 4">
+            <a:extLst>
+              <a:ext uri="{FF2B5EF4-FFF2-40B4-BE49-F238E27FC236}">
+                <a16:creationId xmlns:a16="http://schemas.microsoft.com/office/drawing/2014/main" id="{D26B2818-1D86-5DAD-203F-34374CDBA1D9}"/>
+              </a:ext>
+            </a:extLst>
+          </p:cNvPr>
+          <p:cNvPicPr>
+            <a:picLocks noChangeAspect="1"/>
+          </p:cNvPicPr>
+          <p:nvPr/>
+        </p:nvPicPr>
+        <p:blipFill>
+          <a:blip r:embed="rId2">
+            <a:extLst>
+              <a:ext uri="{28A0092B-C50C-407E-A947-70E740481C1C}">
+                <a14:useLocalDpi xmlns:a14="http://schemas.microsoft.com/office/drawing/2010/main" val="0"/>
+              </a:ext>
+            </a:extLst>
+          </a:blip>
+          <a:srcRect/>
+          <a:stretch>
+            <a:fillRect/>
+          </a:stretch>
+        </p:blipFill>
+        <p:spPr bwMode="auto">
+          <a:xfrm>
+            <a:off x="4913557" y="2060848"/>
+            <a:ext cx="3748522" cy="2441916"/>
+          </a:xfrm>
+          <a:prstGeom prst="rect">
+            <a:avLst/>
+          </a:prstGeom>
+          <a:noFill/>
+          <a:ln w="12700">
+            <a:solidFill>
+              <a:schemeClr val="tx1"/>
+            </a:solidFill>
+          </a:ln>
+        </p:spPr>
+      </p:pic>
     </p:spTree>
     <p:extLst>
       <p:ext uri="{BB962C8B-B14F-4D97-AF65-F5344CB8AC3E}">
-        <p14:creationId xmlns:p14="http://schemas.microsoft.com/office/powerpoint/2010/main" val="2241453464"/>
+        <p14:creationId xmlns:p14="http://schemas.microsoft.com/office/powerpoint/2010/main" val="1245702101"/>
       </p:ext>
     </p:extLst>
   </p:cSld>
@@ -3995,6 +4755,273 @@
           </a:p>
         </p:txBody>
       </p:sp>
+      <p:sp>
+        <p:nvSpPr>
+          <p:cNvPr id="4" name="Espaço Reservado para Conteúdo 2">
+            <a:extLst>
+              <a:ext uri="{FF2B5EF4-FFF2-40B4-BE49-F238E27FC236}">
+                <a16:creationId xmlns:a16="http://schemas.microsoft.com/office/drawing/2014/main" id="{D51DA1C0-3A5F-2E89-C3F7-ECCDF83651AA}"/>
+              </a:ext>
+            </a:extLst>
+          </p:cNvPr>
+          <p:cNvSpPr txBox="1">
+            <a:spLocks/>
+          </p:cNvSpPr>
+          <p:nvPr/>
+        </p:nvSpPr>
+        <p:spPr bwMode="auto">
+          <a:xfrm>
+            <a:off x="323527" y="2122743"/>
+            <a:ext cx="4248473" cy="4525963"/>
+          </a:xfrm>
+          <a:prstGeom prst="rect">
+            <a:avLst/>
+          </a:prstGeom>
+          <a:noFill/>
+          <a:ln w="9525">
+            <a:noFill/>
+            <a:miter lim="800000"/>
+            <a:headEnd/>
+            <a:tailEnd/>
+          </a:ln>
+          <a:effectLst/>
+        </p:spPr>
+        <p:txBody>
+          <a:bodyPr vert="horz" wrap="square" lIns="91440" tIns="45720" rIns="91440" bIns="45720" numCol="1" anchor="t" anchorCtr="0" compatLnSpc="1">
+            <a:prstTxWarp prst="textNoShape">
+              <a:avLst/>
+            </a:prstTxWarp>
+            <a:normAutofit/>
+          </a:bodyPr>
+          <a:lstStyle>
+            <a:lvl1pPr marL="342900" indent="-342900" algn="l" rtl="0" fontAlgn="base">
+              <a:spcBef>
+                <a:spcPct val="20000"/>
+              </a:spcBef>
+              <a:spcAft>
+                <a:spcPct val="0"/>
+              </a:spcAft>
+              <a:buChar char="•"/>
+              <a:defRPr sz="3200">
+                <a:solidFill>
+                  <a:schemeClr val="tx1"/>
+                </a:solidFill>
+                <a:latin typeface="+mn-lt"/>
+                <a:ea typeface="+mn-ea"/>
+                <a:cs typeface="+mn-cs"/>
+              </a:defRPr>
+            </a:lvl1pPr>
+            <a:lvl2pPr marL="742950" indent="-285750" algn="l" rtl="0" fontAlgn="base">
+              <a:spcBef>
+                <a:spcPct val="20000"/>
+              </a:spcBef>
+              <a:spcAft>
+                <a:spcPct val="0"/>
+              </a:spcAft>
+              <a:buChar char="–"/>
+              <a:defRPr sz="2800">
+                <a:solidFill>
+                  <a:schemeClr val="tx1"/>
+                </a:solidFill>
+                <a:latin typeface="+mn-lt"/>
+              </a:defRPr>
+            </a:lvl2pPr>
+            <a:lvl3pPr marL="1143000" indent="-228600" algn="l" rtl="0" fontAlgn="base">
+              <a:spcBef>
+                <a:spcPct val="20000"/>
+              </a:spcBef>
+              <a:spcAft>
+                <a:spcPct val="0"/>
+              </a:spcAft>
+              <a:buChar char="•"/>
+              <a:defRPr sz="2400">
+                <a:solidFill>
+                  <a:schemeClr val="tx1"/>
+                </a:solidFill>
+                <a:latin typeface="+mn-lt"/>
+              </a:defRPr>
+            </a:lvl3pPr>
+            <a:lvl4pPr marL="1600200" indent="-228600" algn="l" rtl="0" fontAlgn="base">
+              <a:spcBef>
+                <a:spcPct val="20000"/>
+              </a:spcBef>
+              <a:spcAft>
+                <a:spcPct val="0"/>
+              </a:spcAft>
+              <a:buChar char="–"/>
+              <a:defRPr sz="2000">
+                <a:solidFill>
+                  <a:schemeClr val="tx1"/>
+                </a:solidFill>
+                <a:latin typeface="+mn-lt"/>
+              </a:defRPr>
+            </a:lvl4pPr>
+            <a:lvl5pPr marL="2057400" indent="-228600" algn="l" rtl="0" fontAlgn="base">
+              <a:spcBef>
+                <a:spcPct val="20000"/>
+              </a:spcBef>
+              <a:spcAft>
+                <a:spcPct val="0"/>
+              </a:spcAft>
+              <a:buChar char="»"/>
+              <a:defRPr sz="2000">
+                <a:solidFill>
+                  <a:schemeClr val="tx1"/>
+                </a:solidFill>
+                <a:latin typeface="+mn-lt"/>
+              </a:defRPr>
+            </a:lvl5pPr>
+            <a:lvl6pPr marL="2514600" indent="-228600" algn="l" rtl="0" fontAlgn="base">
+              <a:spcBef>
+                <a:spcPct val="20000"/>
+              </a:spcBef>
+              <a:spcAft>
+                <a:spcPct val="0"/>
+              </a:spcAft>
+              <a:buChar char="»"/>
+              <a:defRPr sz="2000">
+                <a:solidFill>
+                  <a:schemeClr val="tx1"/>
+                </a:solidFill>
+                <a:latin typeface="+mn-lt"/>
+              </a:defRPr>
+            </a:lvl6pPr>
+            <a:lvl7pPr marL="2971800" indent="-228600" algn="l" rtl="0" fontAlgn="base">
+              <a:spcBef>
+                <a:spcPct val="20000"/>
+              </a:spcBef>
+              <a:spcAft>
+                <a:spcPct val="0"/>
+              </a:spcAft>
+              <a:buChar char="»"/>
+              <a:defRPr sz="2000">
+                <a:solidFill>
+                  <a:schemeClr val="tx1"/>
+                </a:solidFill>
+                <a:latin typeface="+mn-lt"/>
+              </a:defRPr>
+            </a:lvl7pPr>
+            <a:lvl8pPr marL="3429000" indent="-228600" algn="l" rtl="0" fontAlgn="base">
+              <a:spcBef>
+                <a:spcPct val="20000"/>
+              </a:spcBef>
+              <a:spcAft>
+                <a:spcPct val="0"/>
+              </a:spcAft>
+              <a:buChar char="»"/>
+              <a:defRPr sz="2000">
+                <a:solidFill>
+                  <a:schemeClr val="tx1"/>
+                </a:solidFill>
+                <a:latin typeface="+mn-lt"/>
+              </a:defRPr>
+            </a:lvl8pPr>
+            <a:lvl9pPr marL="3886200" indent="-228600" algn="l" rtl="0" fontAlgn="base">
+              <a:spcBef>
+                <a:spcPct val="20000"/>
+              </a:spcBef>
+              <a:spcAft>
+                <a:spcPct val="0"/>
+              </a:spcAft>
+              <a:buChar char="»"/>
+              <a:defRPr sz="2000">
+                <a:solidFill>
+                  <a:schemeClr val="tx1"/>
+                </a:solidFill>
+                <a:latin typeface="+mn-lt"/>
+              </a:defRPr>
+            </a:lvl9pPr>
+          </a:lstStyle>
+          <a:p>
+            <a:pPr>
+              <a:lnSpc>
+                <a:spcPct val="150000"/>
+              </a:lnSpc>
+            </a:pPr>
+            <a:r>
+              <a:rPr lang="pt-BR" sz="2800" kern="0" dirty="0"/>
+              <a:t>Network Manager;</a:t>
+            </a:r>
+          </a:p>
+          <a:p>
+            <a:pPr>
+              <a:lnSpc>
+                <a:spcPct val="150000"/>
+              </a:lnSpc>
+            </a:pPr>
+            <a:r>
+              <a:rPr lang="pt-BR" sz="2800" kern="0" dirty="0"/>
+              <a:t>Network Manager HUD</a:t>
+            </a:r>
+          </a:p>
+          <a:p>
+            <a:pPr>
+              <a:lnSpc>
+                <a:spcPct val="150000"/>
+              </a:lnSpc>
+            </a:pPr>
+            <a:r>
+              <a:rPr lang="pt-BR" sz="2800" kern="0" dirty="0" err="1"/>
+              <a:t>Telepathy</a:t>
+            </a:r>
+            <a:r>
+              <a:rPr lang="pt-BR" sz="2800" kern="0" dirty="0"/>
+              <a:t> </a:t>
+            </a:r>
+            <a:r>
+              <a:rPr lang="pt-BR" sz="2800" kern="0" dirty="0" err="1"/>
+              <a:t>Transport</a:t>
+            </a:r>
+            <a:r>
+              <a:rPr lang="pt-BR" sz="2800" kern="0" dirty="0"/>
+              <a:t>;</a:t>
+            </a:r>
+          </a:p>
+          <a:p>
+            <a:pPr>
+              <a:lnSpc>
+                <a:spcPct val="90000"/>
+              </a:lnSpc>
+            </a:pPr>
+            <a:endParaRPr lang="pt-BR" sz="2000" kern="0" dirty="0"/>
+          </a:p>
+        </p:txBody>
+      </p:sp>
+      <p:pic>
+        <p:nvPicPr>
+          <p:cNvPr id="5" name="Imagem 4" descr="Interface gráfica do usuário&#10;&#10;Descrição gerada automaticamente">
+            <a:extLst>
+              <a:ext uri="{FF2B5EF4-FFF2-40B4-BE49-F238E27FC236}">
+                <a16:creationId xmlns:a16="http://schemas.microsoft.com/office/drawing/2014/main" id="{EC8C410C-8902-FC7D-908C-74813C080DF2}"/>
+              </a:ext>
+            </a:extLst>
+          </p:cNvPr>
+          <p:cNvPicPr>
+            <a:picLocks noChangeAspect="1"/>
+          </p:cNvPicPr>
+          <p:nvPr/>
+        </p:nvPicPr>
+        <p:blipFill>
+          <a:blip r:embed="rId2"/>
+          <a:stretch>
+            <a:fillRect/>
+          </a:stretch>
+        </p:blipFill>
+        <p:spPr>
+          <a:xfrm>
+            <a:off x="4788024" y="2258616"/>
+            <a:ext cx="3811904" cy="2229604"/>
+          </a:xfrm>
+          <a:prstGeom prst="rect">
+            <a:avLst/>
+          </a:prstGeom>
+          <a:ln w="12700">
+            <a:solidFill>
+              <a:schemeClr val="tx1"/>
+            </a:solidFill>
+          </a:ln>
+        </p:spPr>
+      </p:pic>
     </p:spTree>
     <p:extLst>
       <p:ext uri="{BB962C8B-B14F-4D97-AF65-F5344CB8AC3E}">
@@ -4057,37 +5084,71 @@
             <p:ph idx="1"/>
           </p:nvPr>
         </p:nvSpPr>
-        <p:spPr/>
-        <p:txBody>
-          <a:bodyPr/>
+        <p:spPr>
+          <a:xfrm>
+            <a:off x="467544" y="1115616"/>
+            <a:ext cx="8229600" cy="432048"/>
+          </a:xfrm>
+        </p:spPr>
+        <p:txBody>
+          <a:bodyPr>
+            <a:normAutofit/>
+          </a:bodyPr>
           <a:lstStyle/>
           <a:p>
-            <a:r>
-              <a:rPr lang="pt-BR" dirty="0"/>
-              <a:t>(Focar nas principais técnicas e/ou algoritmos implementados)</a:t>
-            </a:r>
-          </a:p>
-          <a:p>
-            <a:r>
-              <a:rPr lang="pt-BR" dirty="0"/>
-              <a:t>(Apresentar algumas (poucas) telas do software – quando houver. Lembre-se que você irá apresentar o software em funcionamento)</a:t>
-            </a:r>
-          </a:p>
-          <a:p>
-            <a:r>
-              <a:rPr lang="pt-BR" dirty="0"/>
-              <a:t>(Tempo estimado – 3 minutos)</a:t>
-            </a:r>
-          </a:p>
-          <a:p>
+            <a:pPr marL="0" indent="0" algn="ctr">
+              <a:buNone/>
+            </a:pPr>
+            <a:r>
+              <a:rPr lang="pt-BR" sz="2000" b="1" dirty="0"/>
+              <a:t>Estrutura de dos Dispositivos</a:t>
+            </a:r>
+          </a:p>
+          <a:p>
+            <a:pPr algn="ctr"/>
             <a:endParaRPr lang="pt-BR" dirty="0"/>
           </a:p>
         </p:txBody>
       </p:sp>
+      <p:pic>
+        <p:nvPicPr>
+          <p:cNvPr id="8" name="Imagem 7" descr="Diagrama, Esquemático&#10;&#10;Descrição gerada automaticamente">
+            <a:extLst>
+              <a:ext uri="{FF2B5EF4-FFF2-40B4-BE49-F238E27FC236}">
+                <a16:creationId xmlns:a16="http://schemas.microsoft.com/office/drawing/2014/main" id="{60C33D56-4B2B-D1E9-0E65-3BA41CA68444}"/>
+              </a:ext>
+            </a:extLst>
+          </p:cNvPr>
+          <p:cNvPicPr>
+            <a:picLocks noChangeAspect="1"/>
+          </p:cNvPicPr>
+          <p:nvPr/>
+        </p:nvPicPr>
+        <p:blipFill>
+          <a:blip r:embed="rId2"/>
+          <a:stretch>
+            <a:fillRect/>
+          </a:stretch>
+        </p:blipFill>
+        <p:spPr>
+          <a:xfrm>
+            <a:off x="2242084" y="1547664"/>
+            <a:ext cx="4680520" cy="4916472"/>
+          </a:xfrm>
+          <a:prstGeom prst="rect">
+            <a:avLst/>
+          </a:prstGeom>
+          <a:ln w="12700">
+            <a:solidFill>
+              <a:schemeClr val="tx1"/>
+            </a:solidFill>
+          </a:ln>
+        </p:spPr>
+      </p:pic>
     </p:spTree>
     <p:extLst>
       <p:ext uri="{BB962C8B-B14F-4D97-AF65-F5344CB8AC3E}">
-        <p14:creationId xmlns:p14="http://schemas.microsoft.com/office/powerpoint/2010/main" val="3063325790"/>
+        <p14:creationId xmlns:p14="http://schemas.microsoft.com/office/powerpoint/2010/main" val="1542138769"/>
       </p:ext>
     </p:extLst>
   </p:cSld>
@@ -4131,7 +5192,7 @@
           <a:p>
             <a:r>
               <a:rPr lang="pt-BR" dirty="0"/>
-              <a:t>Análise dos Resultados</a:t>
+              <a:t>Implementação</a:t>
             </a:r>
           </a:p>
         </p:txBody>
@@ -4146,37 +5207,291 @@
             <p:ph idx="1"/>
           </p:nvPr>
         </p:nvSpPr>
-        <p:spPr/>
-        <p:txBody>
-          <a:bodyPr/>
+        <p:spPr>
+          <a:xfrm>
+            <a:off x="467544" y="1115616"/>
+            <a:ext cx="8229600" cy="432048"/>
+          </a:xfrm>
+        </p:spPr>
+        <p:txBody>
+          <a:bodyPr>
+            <a:normAutofit/>
+          </a:bodyPr>
           <a:lstStyle/>
           <a:p>
-            <a:r>
-              <a:rPr lang="pt-BR" dirty="0"/>
-              <a:t>(Demonstrar os principais resultados e discussões do trabalho)</a:t>
-            </a:r>
-          </a:p>
-          <a:p>
-            <a:r>
-              <a:rPr lang="pt-BR" dirty="0"/>
-              <a:t>(Apresentar sua comparação com os correlatos)</a:t>
-            </a:r>
-          </a:p>
-          <a:p>
-            <a:r>
-              <a:rPr lang="pt-BR" dirty="0"/>
-              <a:t>(Tempo estimado – 4 minutos)</a:t>
-            </a:r>
-          </a:p>
-          <a:p>
+            <a:pPr marL="0" indent="0" algn="ctr">
+              <a:buNone/>
+            </a:pPr>
+            <a:r>
+              <a:rPr lang="pt-BR" sz="2000" b="1" dirty="0"/>
+              <a:t>Player e Servidor</a:t>
+            </a:r>
+          </a:p>
+          <a:p>
+            <a:pPr algn="ctr"/>
             <a:endParaRPr lang="pt-BR" dirty="0"/>
           </a:p>
         </p:txBody>
       </p:sp>
+      <p:sp>
+        <p:nvSpPr>
+          <p:cNvPr id="4" name="Espaço Reservado para Conteúdo 2">
+            <a:extLst>
+              <a:ext uri="{FF2B5EF4-FFF2-40B4-BE49-F238E27FC236}">
+                <a16:creationId xmlns:a16="http://schemas.microsoft.com/office/drawing/2014/main" id="{42CE02FE-DB76-754F-071C-49EA8708C041}"/>
+              </a:ext>
+            </a:extLst>
+          </p:cNvPr>
+          <p:cNvSpPr txBox="1">
+            <a:spLocks/>
+          </p:cNvSpPr>
+          <p:nvPr/>
+        </p:nvSpPr>
+        <p:spPr bwMode="auto">
+          <a:xfrm>
+            <a:off x="457200" y="1600200"/>
+            <a:ext cx="4038600" cy="4525963"/>
+          </a:xfrm>
+          <a:prstGeom prst="rect">
+            <a:avLst/>
+          </a:prstGeom>
+          <a:noFill/>
+          <a:ln w="9525">
+            <a:noFill/>
+            <a:miter lim="800000"/>
+            <a:headEnd/>
+            <a:tailEnd/>
+          </a:ln>
+          <a:effectLst/>
+        </p:spPr>
+        <p:txBody>
+          <a:bodyPr vert="horz" wrap="square" lIns="91440" tIns="45720" rIns="91440" bIns="45720" numCol="1" anchor="t" anchorCtr="0" compatLnSpc="1">
+            <a:prstTxWarp prst="textNoShape">
+              <a:avLst/>
+            </a:prstTxWarp>
+            <a:normAutofit/>
+          </a:bodyPr>
+          <a:lstStyle>
+            <a:lvl1pPr marL="342900" indent="-342900" algn="l" rtl="0" fontAlgn="base">
+              <a:spcBef>
+                <a:spcPct val="20000"/>
+              </a:spcBef>
+              <a:spcAft>
+                <a:spcPct val="0"/>
+              </a:spcAft>
+              <a:buChar char="•"/>
+              <a:defRPr sz="3200">
+                <a:solidFill>
+                  <a:schemeClr val="tx1"/>
+                </a:solidFill>
+                <a:latin typeface="+mn-lt"/>
+                <a:ea typeface="+mn-ea"/>
+                <a:cs typeface="+mn-cs"/>
+              </a:defRPr>
+            </a:lvl1pPr>
+            <a:lvl2pPr marL="742950" indent="-285750" algn="l" rtl="0" fontAlgn="base">
+              <a:spcBef>
+                <a:spcPct val="20000"/>
+              </a:spcBef>
+              <a:spcAft>
+                <a:spcPct val="0"/>
+              </a:spcAft>
+              <a:buChar char="–"/>
+              <a:defRPr sz="2800">
+                <a:solidFill>
+                  <a:schemeClr val="tx1"/>
+                </a:solidFill>
+                <a:latin typeface="+mn-lt"/>
+              </a:defRPr>
+            </a:lvl2pPr>
+            <a:lvl3pPr marL="1143000" indent="-228600" algn="l" rtl="0" fontAlgn="base">
+              <a:spcBef>
+                <a:spcPct val="20000"/>
+              </a:spcBef>
+              <a:spcAft>
+                <a:spcPct val="0"/>
+              </a:spcAft>
+              <a:buChar char="•"/>
+              <a:defRPr sz="2400">
+                <a:solidFill>
+                  <a:schemeClr val="tx1"/>
+                </a:solidFill>
+                <a:latin typeface="+mn-lt"/>
+              </a:defRPr>
+            </a:lvl3pPr>
+            <a:lvl4pPr marL="1600200" indent="-228600" algn="l" rtl="0" fontAlgn="base">
+              <a:spcBef>
+                <a:spcPct val="20000"/>
+              </a:spcBef>
+              <a:spcAft>
+                <a:spcPct val="0"/>
+              </a:spcAft>
+              <a:buChar char="–"/>
+              <a:defRPr sz="2000">
+                <a:solidFill>
+                  <a:schemeClr val="tx1"/>
+                </a:solidFill>
+                <a:latin typeface="+mn-lt"/>
+              </a:defRPr>
+            </a:lvl4pPr>
+            <a:lvl5pPr marL="2057400" indent="-228600" algn="l" rtl="0" fontAlgn="base">
+              <a:spcBef>
+                <a:spcPct val="20000"/>
+              </a:spcBef>
+              <a:spcAft>
+                <a:spcPct val="0"/>
+              </a:spcAft>
+              <a:buChar char="»"/>
+              <a:defRPr sz="2000">
+                <a:solidFill>
+                  <a:schemeClr val="tx1"/>
+                </a:solidFill>
+                <a:latin typeface="+mn-lt"/>
+              </a:defRPr>
+            </a:lvl5pPr>
+            <a:lvl6pPr marL="2514600" indent="-228600" algn="l" rtl="0" fontAlgn="base">
+              <a:spcBef>
+                <a:spcPct val="20000"/>
+              </a:spcBef>
+              <a:spcAft>
+                <a:spcPct val="0"/>
+              </a:spcAft>
+              <a:buChar char="»"/>
+              <a:defRPr sz="2000">
+                <a:solidFill>
+                  <a:schemeClr val="tx1"/>
+                </a:solidFill>
+                <a:latin typeface="+mn-lt"/>
+              </a:defRPr>
+            </a:lvl6pPr>
+            <a:lvl7pPr marL="2971800" indent="-228600" algn="l" rtl="0" fontAlgn="base">
+              <a:spcBef>
+                <a:spcPct val="20000"/>
+              </a:spcBef>
+              <a:spcAft>
+                <a:spcPct val="0"/>
+              </a:spcAft>
+              <a:buChar char="»"/>
+              <a:defRPr sz="2000">
+                <a:solidFill>
+                  <a:schemeClr val="tx1"/>
+                </a:solidFill>
+                <a:latin typeface="+mn-lt"/>
+              </a:defRPr>
+            </a:lvl7pPr>
+            <a:lvl8pPr marL="3429000" indent="-228600" algn="l" rtl="0" fontAlgn="base">
+              <a:spcBef>
+                <a:spcPct val="20000"/>
+              </a:spcBef>
+              <a:spcAft>
+                <a:spcPct val="0"/>
+              </a:spcAft>
+              <a:buChar char="»"/>
+              <a:defRPr sz="2000">
+                <a:solidFill>
+                  <a:schemeClr val="tx1"/>
+                </a:solidFill>
+                <a:latin typeface="+mn-lt"/>
+              </a:defRPr>
+            </a:lvl8pPr>
+            <a:lvl9pPr marL="3886200" indent="-228600" algn="l" rtl="0" fontAlgn="base">
+              <a:spcBef>
+                <a:spcPct val="20000"/>
+              </a:spcBef>
+              <a:spcAft>
+                <a:spcPct val="0"/>
+              </a:spcAft>
+              <a:buChar char="»"/>
+              <a:defRPr sz="2000">
+                <a:solidFill>
+                  <a:schemeClr val="tx1"/>
+                </a:solidFill>
+                <a:latin typeface="+mn-lt"/>
+              </a:defRPr>
+            </a:lvl9pPr>
+          </a:lstStyle>
+          <a:p>
+            <a:pPr>
+              <a:lnSpc>
+                <a:spcPct val="150000"/>
+              </a:lnSpc>
+            </a:pPr>
+            <a:r>
+              <a:rPr lang="pt-BR" sz="2800" kern="0" dirty="0"/>
+              <a:t>Network Identity;</a:t>
+            </a:r>
+          </a:p>
+          <a:p>
+            <a:pPr>
+              <a:lnSpc>
+                <a:spcPct val="150000"/>
+              </a:lnSpc>
+            </a:pPr>
+            <a:r>
+              <a:rPr lang="pt-BR" sz="2800" kern="0" dirty="0"/>
+              <a:t>Script Servidor;</a:t>
+            </a:r>
+          </a:p>
+          <a:p>
+            <a:pPr>
+              <a:lnSpc>
+                <a:spcPct val="150000"/>
+              </a:lnSpc>
+            </a:pPr>
+            <a:r>
+              <a:rPr lang="pt-BR" sz="2800" kern="0" dirty="0"/>
+              <a:t>Script Player.</a:t>
+            </a:r>
+          </a:p>
+        </p:txBody>
+      </p:sp>
+      <p:pic>
+        <p:nvPicPr>
+          <p:cNvPr id="5" name="Imagem 4" descr="Interface gráfica do usuário&#10;&#10;Descrição gerada automaticamente">
+            <a:extLst>
+              <a:ext uri="{FF2B5EF4-FFF2-40B4-BE49-F238E27FC236}">
+                <a16:creationId xmlns:a16="http://schemas.microsoft.com/office/drawing/2014/main" id="{882EAC3E-E29B-1202-525C-C2C054A51F72}"/>
+              </a:ext>
+            </a:extLst>
+          </p:cNvPr>
+          <p:cNvPicPr>
+            <a:picLocks noChangeAspect="1"/>
+          </p:cNvPicPr>
+          <p:nvPr/>
+        </p:nvPicPr>
+        <p:blipFill>
+          <a:blip r:embed="rId2">
+            <a:extLst>
+              <a:ext uri="{28A0092B-C50C-407E-A947-70E740481C1C}">
+                <a14:useLocalDpi xmlns:a14="http://schemas.microsoft.com/office/drawing/2010/main" val="0"/>
+              </a:ext>
+            </a:extLst>
+          </a:blip>
+          <a:srcRect/>
+          <a:stretch>
+            <a:fillRect/>
+          </a:stretch>
+        </p:blipFill>
+        <p:spPr bwMode="auto">
+          <a:xfrm>
+            <a:off x="4675926" y="1772816"/>
+            <a:ext cx="3909060" cy="3116580"/>
+          </a:xfrm>
+          <a:prstGeom prst="rect">
+            <a:avLst/>
+          </a:prstGeom>
+          <a:noFill/>
+          <a:ln w="12700">
+            <a:solidFill>
+              <a:schemeClr val="tx1"/>
+            </a:solidFill>
+          </a:ln>
+        </p:spPr>
+      </p:pic>
     </p:spTree>
     <p:extLst>
       <p:ext uri="{BB962C8B-B14F-4D97-AF65-F5344CB8AC3E}">
-        <p14:creationId xmlns:p14="http://schemas.microsoft.com/office/powerpoint/2010/main" val="3487219581"/>
+        <p14:creationId xmlns:p14="http://schemas.microsoft.com/office/powerpoint/2010/main" val="1595847294"/>
       </p:ext>
     </p:extLst>
   </p:cSld>
@@ -4220,7 +5535,7 @@
           <a:p>
             <a:r>
               <a:rPr lang="pt-BR" dirty="0"/>
-              <a:t>Conclusões e Sugestões</a:t>
+              <a:t>Implementação</a:t>
             </a:r>
           </a:p>
         </p:txBody>
@@ -4235,37 +5550,922 @@
             <p:ph idx="1"/>
           </p:nvPr>
         </p:nvSpPr>
-        <p:spPr/>
-        <p:txBody>
-          <a:bodyPr/>
+        <p:spPr>
+          <a:xfrm>
+            <a:off x="467544" y="1115616"/>
+            <a:ext cx="8229600" cy="432048"/>
+          </a:xfrm>
+        </p:spPr>
+        <p:txBody>
+          <a:bodyPr>
+            <a:normAutofit/>
+          </a:bodyPr>
           <a:lstStyle/>
           <a:p>
-            <a:r>
-              <a:rPr lang="pt-BR" dirty="0"/>
-              <a:t>(Apresentar as principais conclusões e sugestões do trabalho – reforce o atendimento dos objetivos)</a:t>
-            </a:r>
-          </a:p>
-          <a:p>
-            <a:r>
-              <a:rPr lang="pt-BR" dirty="0"/>
-              <a:t>(Aponte o maior número possível de sugestões significativas para continuidade do trabalho)</a:t>
-            </a:r>
-          </a:p>
-          <a:p>
-            <a:r>
-              <a:rPr lang="pt-BR" dirty="0"/>
-              <a:t>(Tempo estimado – 2 minutos)</a:t>
-            </a:r>
-          </a:p>
-          <a:p>
+            <a:pPr marL="0" indent="0" algn="ctr">
+              <a:buNone/>
+            </a:pPr>
+            <a:r>
+              <a:rPr lang="pt-BR" sz="2000" b="1" dirty="0"/>
+              <a:t>Botões e Painel</a:t>
+            </a:r>
+          </a:p>
+          <a:p>
+            <a:pPr algn="ctr"/>
             <a:endParaRPr lang="pt-BR" dirty="0"/>
           </a:p>
         </p:txBody>
       </p:sp>
+      <p:sp>
+        <p:nvSpPr>
+          <p:cNvPr id="4" name="Espaço Reservado para Conteúdo 2">
+            <a:extLst>
+              <a:ext uri="{FF2B5EF4-FFF2-40B4-BE49-F238E27FC236}">
+                <a16:creationId xmlns:a16="http://schemas.microsoft.com/office/drawing/2014/main" id="{E2F1A53D-9002-A1AA-6D2B-F9DF23827DB9}"/>
+              </a:ext>
+            </a:extLst>
+          </p:cNvPr>
+          <p:cNvSpPr txBox="1">
+            <a:spLocks/>
+          </p:cNvSpPr>
+          <p:nvPr/>
+        </p:nvSpPr>
+        <p:spPr bwMode="auto">
+          <a:xfrm>
+            <a:off x="444575" y="1593366"/>
+            <a:ext cx="4038600" cy="4525963"/>
+          </a:xfrm>
+          <a:prstGeom prst="rect">
+            <a:avLst/>
+          </a:prstGeom>
+          <a:noFill/>
+          <a:ln w="9525">
+            <a:noFill/>
+            <a:miter lim="800000"/>
+            <a:headEnd/>
+            <a:tailEnd/>
+          </a:ln>
+          <a:effectLst/>
+        </p:spPr>
+        <p:txBody>
+          <a:bodyPr vert="horz" wrap="square" lIns="91440" tIns="45720" rIns="91440" bIns="45720" numCol="1" anchor="t" anchorCtr="0" compatLnSpc="1">
+            <a:prstTxWarp prst="textNoShape">
+              <a:avLst/>
+            </a:prstTxWarp>
+            <a:normAutofit/>
+          </a:bodyPr>
+          <a:lstStyle>
+            <a:lvl1pPr marL="342900" indent="-342900" algn="l" rtl="0" fontAlgn="base">
+              <a:spcBef>
+                <a:spcPct val="20000"/>
+              </a:spcBef>
+              <a:spcAft>
+                <a:spcPct val="0"/>
+              </a:spcAft>
+              <a:buChar char="•"/>
+              <a:defRPr sz="3200">
+                <a:solidFill>
+                  <a:schemeClr val="tx1"/>
+                </a:solidFill>
+                <a:latin typeface="+mn-lt"/>
+                <a:ea typeface="+mn-ea"/>
+                <a:cs typeface="+mn-cs"/>
+              </a:defRPr>
+            </a:lvl1pPr>
+            <a:lvl2pPr marL="742950" indent="-285750" algn="l" rtl="0" fontAlgn="base">
+              <a:spcBef>
+                <a:spcPct val="20000"/>
+              </a:spcBef>
+              <a:spcAft>
+                <a:spcPct val="0"/>
+              </a:spcAft>
+              <a:buChar char="–"/>
+              <a:defRPr sz="2800">
+                <a:solidFill>
+                  <a:schemeClr val="tx1"/>
+                </a:solidFill>
+                <a:latin typeface="+mn-lt"/>
+              </a:defRPr>
+            </a:lvl2pPr>
+            <a:lvl3pPr marL="1143000" indent="-228600" algn="l" rtl="0" fontAlgn="base">
+              <a:spcBef>
+                <a:spcPct val="20000"/>
+              </a:spcBef>
+              <a:spcAft>
+                <a:spcPct val="0"/>
+              </a:spcAft>
+              <a:buChar char="•"/>
+              <a:defRPr sz="2400">
+                <a:solidFill>
+                  <a:schemeClr val="tx1"/>
+                </a:solidFill>
+                <a:latin typeface="+mn-lt"/>
+              </a:defRPr>
+            </a:lvl3pPr>
+            <a:lvl4pPr marL="1600200" indent="-228600" algn="l" rtl="0" fontAlgn="base">
+              <a:spcBef>
+                <a:spcPct val="20000"/>
+              </a:spcBef>
+              <a:spcAft>
+                <a:spcPct val="0"/>
+              </a:spcAft>
+              <a:buChar char="–"/>
+              <a:defRPr sz="2000">
+                <a:solidFill>
+                  <a:schemeClr val="tx1"/>
+                </a:solidFill>
+                <a:latin typeface="+mn-lt"/>
+              </a:defRPr>
+            </a:lvl4pPr>
+            <a:lvl5pPr marL="2057400" indent="-228600" algn="l" rtl="0" fontAlgn="base">
+              <a:spcBef>
+                <a:spcPct val="20000"/>
+              </a:spcBef>
+              <a:spcAft>
+                <a:spcPct val="0"/>
+              </a:spcAft>
+              <a:buChar char="»"/>
+              <a:defRPr sz="2000">
+                <a:solidFill>
+                  <a:schemeClr val="tx1"/>
+                </a:solidFill>
+                <a:latin typeface="+mn-lt"/>
+              </a:defRPr>
+            </a:lvl5pPr>
+            <a:lvl6pPr marL="2514600" indent="-228600" algn="l" rtl="0" fontAlgn="base">
+              <a:spcBef>
+                <a:spcPct val="20000"/>
+              </a:spcBef>
+              <a:spcAft>
+                <a:spcPct val="0"/>
+              </a:spcAft>
+              <a:buChar char="»"/>
+              <a:defRPr sz="2000">
+                <a:solidFill>
+                  <a:schemeClr val="tx1"/>
+                </a:solidFill>
+                <a:latin typeface="+mn-lt"/>
+              </a:defRPr>
+            </a:lvl6pPr>
+            <a:lvl7pPr marL="2971800" indent="-228600" algn="l" rtl="0" fontAlgn="base">
+              <a:spcBef>
+                <a:spcPct val="20000"/>
+              </a:spcBef>
+              <a:spcAft>
+                <a:spcPct val="0"/>
+              </a:spcAft>
+              <a:buChar char="»"/>
+              <a:defRPr sz="2000">
+                <a:solidFill>
+                  <a:schemeClr val="tx1"/>
+                </a:solidFill>
+                <a:latin typeface="+mn-lt"/>
+              </a:defRPr>
+            </a:lvl7pPr>
+            <a:lvl8pPr marL="3429000" indent="-228600" algn="l" rtl="0" fontAlgn="base">
+              <a:spcBef>
+                <a:spcPct val="20000"/>
+              </a:spcBef>
+              <a:spcAft>
+                <a:spcPct val="0"/>
+              </a:spcAft>
+              <a:buChar char="»"/>
+              <a:defRPr sz="2000">
+                <a:solidFill>
+                  <a:schemeClr val="tx1"/>
+                </a:solidFill>
+                <a:latin typeface="+mn-lt"/>
+              </a:defRPr>
+            </a:lvl8pPr>
+            <a:lvl9pPr marL="3886200" indent="-228600" algn="l" rtl="0" fontAlgn="base">
+              <a:spcBef>
+                <a:spcPct val="20000"/>
+              </a:spcBef>
+              <a:spcAft>
+                <a:spcPct val="0"/>
+              </a:spcAft>
+              <a:buChar char="»"/>
+              <a:defRPr sz="2000">
+                <a:solidFill>
+                  <a:schemeClr val="tx1"/>
+                </a:solidFill>
+                <a:latin typeface="+mn-lt"/>
+              </a:defRPr>
+            </a:lvl9pPr>
+          </a:lstStyle>
+          <a:p>
+            <a:pPr>
+              <a:lnSpc>
+                <a:spcPct val="200000"/>
+              </a:lnSpc>
+            </a:pPr>
+            <a:r>
+              <a:rPr lang="pt-BR" sz="2800" kern="0" dirty="0"/>
+              <a:t>BotoesCallBack;</a:t>
+            </a:r>
+          </a:p>
+          <a:p>
+            <a:pPr>
+              <a:lnSpc>
+                <a:spcPct val="200000"/>
+              </a:lnSpc>
+            </a:pPr>
+            <a:r>
+              <a:rPr lang="pt-BR" sz="2800" kern="0" dirty="0"/>
+              <a:t>BotoesControler; </a:t>
+            </a:r>
+          </a:p>
+          <a:p>
+            <a:pPr>
+              <a:lnSpc>
+                <a:spcPct val="200000"/>
+              </a:lnSpc>
+            </a:pPr>
+            <a:r>
+              <a:rPr lang="pt-BR" sz="2800" kern="0" dirty="0"/>
+              <a:t>Linha;</a:t>
+            </a:r>
+          </a:p>
+          <a:p>
+            <a:pPr>
+              <a:lnSpc>
+                <a:spcPct val="200000"/>
+              </a:lnSpc>
+            </a:pPr>
+            <a:r>
+              <a:rPr lang="pt-BR" sz="2800" kern="0" dirty="0"/>
+              <a:t>Painel.</a:t>
+            </a:r>
+          </a:p>
+          <a:p>
+            <a:pPr>
+              <a:lnSpc>
+                <a:spcPct val="90000"/>
+              </a:lnSpc>
+            </a:pPr>
+            <a:endParaRPr lang="pt-BR" sz="2000" kern="0" dirty="0"/>
+          </a:p>
+        </p:txBody>
+      </p:sp>
+      <p:pic>
+        <p:nvPicPr>
+          <p:cNvPr id="5" name="Imagem 4" descr="Diagrama&#10;&#10;Descrição gerada automaticamente">
+            <a:extLst>
+              <a:ext uri="{FF2B5EF4-FFF2-40B4-BE49-F238E27FC236}">
+                <a16:creationId xmlns:a16="http://schemas.microsoft.com/office/drawing/2014/main" id="{29FABDF7-55DF-37FA-C9CE-CC3E949BC03E}"/>
+              </a:ext>
+            </a:extLst>
+          </p:cNvPr>
+          <p:cNvPicPr>
+            <a:picLocks noChangeAspect="1"/>
+          </p:cNvPicPr>
+          <p:nvPr/>
+        </p:nvPicPr>
+        <p:blipFill>
+          <a:blip r:embed="rId2"/>
+          <a:stretch>
+            <a:fillRect/>
+          </a:stretch>
+        </p:blipFill>
+        <p:spPr>
+          <a:xfrm>
+            <a:off x="3749040" y="1712444"/>
+            <a:ext cx="4937760" cy="3552190"/>
+          </a:xfrm>
+          <a:prstGeom prst="rect">
+            <a:avLst/>
+          </a:prstGeom>
+          <a:ln w="12700">
+            <a:solidFill>
+              <a:schemeClr val="tx1"/>
+            </a:solidFill>
+          </a:ln>
+        </p:spPr>
+      </p:pic>
     </p:spTree>
     <p:extLst>
       <p:ext uri="{BB962C8B-B14F-4D97-AF65-F5344CB8AC3E}">
-        <p14:creationId xmlns:p14="http://schemas.microsoft.com/office/powerpoint/2010/main" val="2793539094"/>
+        <p14:creationId xmlns:p14="http://schemas.microsoft.com/office/powerpoint/2010/main" val="1096152604"/>
+      </p:ext>
+    </p:extLst>
+  </p:cSld>
+  <p:clrMapOvr>
+    <a:masterClrMapping/>
+  </p:clrMapOvr>
+</p:sld>
+</file>
+
+<file path=ppt/slides/slide18.xml><?xml version="1.0" encoding="utf-8"?>
+<p:sld xmlns:a="http://schemas.openxmlformats.org/drawingml/2006/main" xmlns:r="http://schemas.openxmlformats.org/officeDocument/2006/relationships" xmlns:p="http://schemas.openxmlformats.org/presentationml/2006/main">
+  <p:cSld>
+    <p:spTree>
+      <p:nvGrpSpPr>
+        <p:cNvPr id="1" name=""/>
+        <p:cNvGrpSpPr/>
+        <p:nvPr/>
+      </p:nvGrpSpPr>
+      <p:grpSpPr>
+        <a:xfrm>
+          <a:off x="0" y="0"/>
+          <a:ext cx="0" cy="0"/>
+          <a:chOff x="0" y="0"/>
+          <a:chExt cx="0" cy="0"/>
+        </a:xfrm>
+      </p:grpSpPr>
+      <p:sp>
+        <p:nvSpPr>
+          <p:cNvPr id="2" name="Título 1"/>
+          <p:cNvSpPr>
+            <a:spLocks noGrp="1"/>
+          </p:cNvSpPr>
+          <p:nvPr>
+            <p:ph type="title"/>
+          </p:nvPr>
+        </p:nvSpPr>
+        <p:spPr/>
+        <p:txBody>
+          <a:bodyPr/>
+          <a:lstStyle/>
+          <a:p>
+            <a:r>
+              <a:rPr lang="pt-BR" dirty="0"/>
+              <a:t>Análise dos Resultados</a:t>
+            </a:r>
+          </a:p>
+        </p:txBody>
+      </p:sp>
+      <p:sp>
+        <p:nvSpPr>
+          <p:cNvPr id="3" name="Espaço Reservado para Conteúdo 2"/>
+          <p:cNvSpPr>
+            <a:spLocks noGrp="1"/>
+          </p:cNvSpPr>
+          <p:nvPr>
+            <p:ph idx="1"/>
+          </p:nvPr>
+        </p:nvSpPr>
+        <p:spPr>
+          <a:xfrm>
+            <a:off x="467544" y="1549332"/>
+            <a:ext cx="8229600" cy="4680520"/>
+          </a:xfrm>
+        </p:spPr>
+        <p:txBody>
+          <a:bodyPr/>
+          <a:lstStyle/>
+          <a:p>
+            <a:pPr>
+              <a:lnSpc>
+                <a:spcPct val="150000"/>
+              </a:lnSpc>
+            </a:pPr>
+            <a:r>
+              <a:rPr lang="pt-BR" dirty="0"/>
+              <a:t>Primeira abordagem;</a:t>
+            </a:r>
+          </a:p>
+          <a:p>
+            <a:pPr>
+              <a:lnSpc>
+                <a:spcPct val="150000"/>
+              </a:lnSpc>
+            </a:pPr>
+            <a:r>
+              <a:rPr lang="pt-BR" dirty="0"/>
+              <a:t>Problema de sincronização;</a:t>
+            </a:r>
+          </a:p>
+          <a:p>
+            <a:pPr>
+              <a:lnSpc>
+                <a:spcPct val="150000"/>
+              </a:lnSpc>
+            </a:pPr>
+            <a:r>
+              <a:rPr lang="pt-BR" dirty="0"/>
+              <a:t>Variação dos GameObjects;</a:t>
+            </a:r>
+          </a:p>
+          <a:p>
+            <a:pPr>
+              <a:lnSpc>
+                <a:spcPct val="150000"/>
+              </a:lnSpc>
+            </a:pPr>
+            <a:r>
+              <a:rPr lang="pt-BR" dirty="0"/>
+              <a:t>Detecção do marcador do Fóssil.</a:t>
+            </a:r>
+          </a:p>
+        </p:txBody>
+      </p:sp>
+      <p:sp>
+        <p:nvSpPr>
+          <p:cNvPr id="4" name="Espaço Reservado para Conteúdo 2">
+            <a:extLst>
+              <a:ext uri="{FF2B5EF4-FFF2-40B4-BE49-F238E27FC236}">
+                <a16:creationId xmlns:a16="http://schemas.microsoft.com/office/drawing/2014/main" id="{79063599-FA85-84F7-530E-0F9F754FEA3D}"/>
+              </a:ext>
+            </a:extLst>
+          </p:cNvPr>
+          <p:cNvSpPr txBox="1">
+            <a:spLocks/>
+          </p:cNvSpPr>
+          <p:nvPr/>
+        </p:nvSpPr>
+        <p:spPr bwMode="auto">
+          <a:xfrm>
+            <a:off x="467544" y="1115616"/>
+            <a:ext cx="8229600" cy="432048"/>
+          </a:xfrm>
+          <a:prstGeom prst="rect">
+            <a:avLst/>
+          </a:prstGeom>
+          <a:noFill/>
+          <a:ln w="9525">
+            <a:noFill/>
+            <a:miter lim="800000"/>
+            <a:headEnd/>
+            <a:tailEnd/>
+          </a:ln>
+          <a:effectLst/>
+        </p:spPr>
+        <p:txBody>
+          <a:bodyPr vert="horz" wrap="square" lIns="91440" tIns="45720" rIns="91440" bIns="45720" numCol="1" anchor="t" anchorCtr="0" compatLnSpc="1">
+            <a:prstTxWarp prst="textNoShape">
+              <a:avLst/>
+            </a:prstTxWarp>
+            <a:normAutofit/>
+          </a:bodyPr>
+          <a:lstStyle>
+            <a:lvl1pPr marL="342900" indent="-342900" algn="l" rtl="0" fontAlgn="base">
+              <a:spcBef>
+                <a:spcPct val="20000"/>
+              </a:spcBef>
+              <a:spcAft>
+                <a:spcPct val="0"/>
+              </a:spcAft>
+              <a:buChar char="•"/>
+              <a:defRPr sz="3200">
+                <a:solidFill>
+                  <a:schemeClr val="tx1"/>
+                </a:solidFill>
+                <a:latin typeface="+mn-lt"/>
+                <a:ea typeface="+mn-ea"/>
+                <a:cs typeface="+mn-cs"/>
+              </a:defRPr>
+            </a:lvl1pPr>
+            <a:lvl2pPr marL="742950" indent="-285750" algn="l" rtl="0" fontAlgn="base">
+              <a:spcBef>
+                <a:spcPct val="20000"/>
+              </a:spcBef>
+              <a:spcAft>
+                <a:spcPct val="0"/>
+              </a:spcAft>
+              <a:buChar char="–"/>
+              <a:defRPr sz="2800">
+                <a:solidFill>
+                  <a:schemeClr val="tx1"/>
+                </a:solidFill>
+                <a:latin typeface="+mn-lt"/>
+              </a:defRPr>
+            </a:lvl2pPr>
+            <a:lvl3pPr marL="1143000" indent="-228600" algn="l" rtl="0" fontAlgn="base">
+              <a:spcBef>
+                <a:spcPct val="20000"/>
+              </a:spcBef>
+              <a:spcAft>
+                <a:spcPct val="0"/>
+              </a:spcAft>
+              <a:buChar char="•"/>
+              <a:defRPr sz="2400">
+                <a:solidFill>
+                  <a:schemeClr val="tx1"/>
+                </a:solidFill>
+                <a:latin typeface="+mn-lt"/>
+              </a:defRPr>
+            </a:lvl3pPr>
+            <a:lvl4pPr marL="1600200" indent="-228600" algn="l" rtl="0" fontAlgn="base">
+              <a:spcBef>
+                <a:spcPct val="20000"/>
+              </a:spcBef>
+              <a:spcAft>
+                <a:spcPct val="0"/>
+              </a:spcAft>
+              <a:buChar char="–"/>
+              <a:defRPr sz="2000">
+                <a:solidFill>
+                  <a:schemeClr val="tx1"/>
+                </a:solidFill>
+                <a:latin typeface="+mn-lt"/>
+              </a:defRPr>
+            </a:lvl4pPr>
+            <a:lvl5pPr marL="2057400" indent="-228600" algn="l" rtl="0" fontAlgn="base">
+              <a:spcBef>
+                <a:spcPct val="20000"/>
+              </a:spcBef>
+              <a:spcAft>
+                <a:spcPct val="0"/>
+              </a:spcAft>
+              <a:buChar char="»"/>
+              <a:defRPr sz="2000">
+                <a:solidFill>
+                  <a:schemeClr val="tx1"/>
+                </a:solidFill>
+                <a:latin typeface="+mn-lt"/>
+              </a:defRPr>
+            </a:lvl5pPr>
+            <a:lvl6pPr marL="2514600" indent="-228600" algn="l" rtl="0" fontAlgn="base">
+              <a:spcBef>
+                <a:spcPct val="20000"/>
+              </a:spcBef>
+              <a:spcAft>
+                <a:spcPct val="0"/>
+              </a:spcAft>
+              <a:buChar char="»"/>
+              <a:defRPr sz="2000">
+                <a:solidFill>
+                  <a:schemeClr val="tx1"/>
+                </a:solidFill>
+                <a:latin typeface="+mn-lt"/>
+              </a:defRPr>
+            </a:lvl6pPr>
+            <a:lvl7pPr marL="2971800" indent="-228600" algn="l" rtl="0" fontAlgn="base">
+              <a:spcBef>
+                <a:spcPct val="20000"/>
+              </a:spcBef>
+              <a:spcAft>
+                <a:spcPct val="0"/>
+              </a:spcAft>
+              <a:buChar char="»"/>
+              <a:defRPr sz="2000">
+                <a:solidFill>
+                  <a:schemeClr val="tx1"/>
+                </a:solidFill>
+                <a:latin typeface="+mn-lt"/>
+              </a:defRPr>
+            </a:lvl7pPr>
+            <a:lvl8pPr marL="3429000" indent="-228600" algn="l" rtl="0" fontAlgn="base">
+              <a:spcBef>
+                <a:spcPct val="20000"/>
+              </a:spcBef>
+              <a:spcAft>
+                <a:spcPct val="0"/>
+              </a:spcAft>
+              <a:buChar char="»"/>
+              <a:defRPr sz="2000">
+                <a:solidFill>
+                  <a:schemeClr val="tx1"/>
+                </a:solidFill>
+                <a:latin typeface="+mn-lt"/>
+              </a:defRPr>
+            </a:lvl8pPr>
+            <a:lvl9pPr marL="3886200" indent="-228600" algn="l" rtl="0" fontAlgn="base">
+              <a:spcBef>
+                <a:spcPct val="20000"/>
+              </a:spcBef>
+              <a:spcAft>
+                <a:spcPct val="0"/>
+              </a:spcAft>
+              <a:buChar char="»"/>
+              <a:defRPr sz="2000">
+                <a:solidFill>
+                  <a:schemeClr val="tx1"/>
+                </a:solidFill>
+                <a:latin typeface="+mn-lt"/>
+              </a:defRPr>
+            </a:lvl9pPr>
+          </a:lstStyle>
+          <a:p>
+            <a:pPr marL="0" indent="0" algn="ctr">
+              <a:buFontTx/>
+              <a:buNone/>
+            </a:pPr>
+            <a:r>
+              <a:rPr lang="pt-BR" sz="2000" b="1" kern="0" dirty="0"/>
+              <a:t>Testes de usabilidade</a:t>
+            </a:r>
+            <a:endParaRPr lang="pt-BR" kern="0" dirty="0"/>
+          </a:p>
+        </p:txBody>
+      </p:sp>
+    </p:spTree>
+    <p:extLst>
+      <p:ext uri="{BB962C8B-B14F-4D97-AF65-F5344CB8AC3E}">
+        <p14:creationId xmlns:p14="http://schemas.microsoft.com/office/powerpoint/2010/main" val="841686488"/>
+      </p:ext>
+    </p:extLst>
+  </p:cSld>
+  <p:clrMapOvr>
+    <a:masterClrMapping/>
+  </p:clrMapOvr>
+</p:sld>
+</file>
+
+<file path=ppt/slides/slide19.xml><?xml version="1.0" encoding="utf-8"?>
+<p:sld xmlns:a="http://schemas.openxmlformats.org/drawingml/2006/main" xmlns:r="http://schemas.openxmlformats.org/officeDocument/2006/relationships" xmlns:p="http://schemas.openxmlformats.org/presentationml/2006/main">
+  <p:cSld>
+    <p:spTree>
+      <p:nvGrpSpPr>
+        <p:cNvPr id="1" name=""/>
+        <p:cNvGrpSpPr/>
+        <p:nvPr/>
+      </p:nvGrpSpPr>
+      <p:grpSpPr>
+        <a:xfrm>
+          <a:off x="0" y="0"/>
+          <a:ext cx="0" cy="0"/>
+          <a:chOff x="0" y="0"/>
+          <a:chExt cx="0" cy="0"/>
+        </a:xfrm>
+      </p:grpSpPr>
+      <p:sp>
+        <p:nvSpPr>
+          <p:cNvPr id="2" name="Título 1"/>
+          <p:cNvSpPr>
+            <a:spLocks noGrp="1"/>
+          </p:cNvSpPr>
+          <p:nvPr>
+            <p:ph type="title"/>
+          </p:nvPr>
+        </p:nvSpPr>
+        <p:spPr/>
+        <p:txBody>
+          <a:bodyPr/>
+          <a:lstStyle/>
+          <a:p>
+            <a:r>
+              <a:rPr lang="pt-BR" dirty="0"/>
+              <a:t>Análise dos Resultados</a:t>
+            </a:r>
+          </a:p>
+        </p:txBody>
+      </p:sp>
+      <p:sp>
+        <p:nvSpPr>
+          <p:cNvPr id="3" name="Espaço Reservado para Conteúdo 2"/>
+          <p:cNvSpPr>
+            <a:spLocks noGrp="1"/>
+          </p:cNvSpPr>
+          <p:nvPr>
+            <p:ph idx="1"/>
+          </p:nvPr>
+        </p:nvSpPr>
+        <p:spPr>
+          <a:xfrm>
+            <a:off x="457200" y="1576521"/>
+            <a:ext cx="8229600" cy="4680520"/>
+          </a:xfrm>
+        </p:spPr>
+        <p:txBody>
+          <a:bodyPr/>
+          <a:lstStyle/>
+          <a:p>
+            <a:r>
+              <a:rPr lang="pt-BR" dirty="0"/>
+              <a:t>5 participantes;</a:t>
+            </a:r>
+          </a:p>
+          <a:p>
+            <a:r>
+              <a:rPr lang="pt-BR" dirty="0"/>
+              <a:t>Formulário no Google </a:t>
+            </a:r>
+            <a:r>
+              <a:rPr lang="pt-BR" dirty="0" err="1"/>
+              <a:t>Docs</a:t>
+            </a:r>
+            <a:r>
+              <a:rPr lang="pt-BR" dirty="0"/>
+              <a:t>;</a:t>
+            </a:r>
+          </a:p>
+          <a:p>
+            <a:r>
+              <a:rPr lang="pt-BR" dirty="0"/>
+              <a:t>Primeira etapa: perfil dos participantes;</a:t>
+            </a:r>
+          </a:p>
+          <a:p>
+            <a:r>
+              <a:rPr lang="pt-BR" dirty="0"/>
+              <a:t>Segunda etapa: usabilidade e proposta;</a:t>
+            </a:r>
+          </a:p>
+          <a:p>
+            <a:r>
+              <a:rPr lang="pt-BR" dirty="0"/>
+              <a:t>No geral os participantes gostaram da aplicação e avaliaram ela bem;</a:t>
+            </a:r>
+          </a:p>
+          <a:p>
+            <a:r>
+              <a:rPr lang="pt-BR" dirty="0"/>
+              <a:t>Todos conseguiram visualizar  bem os textos e os objetos virtuais.</a:t>
+            </a:r>
+          </a:p>
+          <a:p>
+            <a:endParaRPr lang="pt-BR" dirty="0"/>
+          </a:p>
+        </p:txBody>
+      </p:sp>
+      <p:sp>
+        <p:nvSpPr>
+          <p:cNvPr id="4" name="Espaço Reservado para Conteúdo 2">
+            <a:extLst>
+              <a:ext uri="{FF2B5EF4-FFF2-40B4-BE49-F238E27FC236}">
+                <a16:creationId xmlns:a16="http://schemas.microsoft.com/office/drawing/2014/main" id="{79063599-FA85-84F7-530E-0F9F754FEA3D}"/>
+              </a:ext>
+            </a:extLst>
+          </p:cNvPr>
+          <p:cNvSpPr txBox="1">
+            <a:spLocks/>
+          </p:cNvSpPr>
+          <p:nvPr/>
+        </p:nvSpPr>
+        <p:spPr bwMode="auto">
+          <a:xfrm>
+            <a:off x="467544" y="1115616"/>
+            <a:ext cx="8229600" cy="432048"/>
+          </a:xfrm>
+          <a:prstGeom prst="rect">
+            <a:avLst/>
+          </a:prstGeom>
+          <a:noFill/>
+          <a:ln w="9525">
+            <a:noFill/>
+            <a:miter lim="800000"/>
+            <a:headEnd/>
+            <a:tailEnd/>
+          </a:ln>
+          <a:effectLst/>
+        </p:spPr>
+        <p:txBody>
+          <a:bodyPr vert="horz" wrap="square" lIns="91440" tIns="45720" rIns="91440" bIns="45720" numCol="1" anchor="t" anchorCtr="0" compatLnSpc="1">
+            <a:prstTxWarp prst="textNoShape">
+              <a:avLst/>
+            </a:prstTxWarp>
+            <a:normAutofit/>
+          </a:bodyPr>
+          <a:lstStyle>
+            <a:lvl1pPr marL="342900" indent="-342900" algn="l" rtl="0" fontAlgn="base">
+              <a:spcBef>
+                <a:spcPct val="20000"/>
+              </a:spcBef>
+              <a:spcAft>
+                <a:spcPct val="0"/>
+              </a:spcAft>
+              <a:buChar char="•"/>
+              <a:defRPr sz="3200">
+                <a:solidFill>
+                  <a:schemeClr val="tx1"/>
+                </a:solidFill>
+                <a:latin typeface="+mn-lt"/>
+                <a:ea typeface="+mn-ea"/>
+                <a:cs typeface="+mn-cs"/>
+              </a:defRPr>
+            </a:lvl1pPr>
+            <a:lvl2pPr marL="742950" indent="-285750" algn="l" rtl="0" fontAlgn="base">
+              <a:spcBef>
+                <a:spcPct val="20000"/>
+              </a:spcBef>
+              <a:spcAft>
+                <a:spcPct val="0"/>
+              </a:spcAft>
+              <a:buChar char="–"/>
+              <a:defRPr sz="2800">
+                <a:solidFill>
+                  <a:schemeClr val="tx1"/>
+                </a:solidFill>
+                <a:latin typeface="+mn-lt"/>
+              </a:defRPr>
+            </a:lvl2pPr>
+            <a:lvl3pPr marL="1143000" indent="-228600" algn="l" rtl="0" fontAlgn="base">
+              <a:spcBef>
+                <a:spcPct val="20000"/>
+              </a:spcBef>
+              <a:spcAft>
+                <a:spcPct val="0"/>
+              </a:spcAft>
+              <a:buChar char="•"/>
+              <a:defRPr sz="2400">
+                <a:solidFill>
+                  <a:schemeClr val="tx1"/>
+                </a:solidFill>
+                <a:latin typeface="+mn-lt"/>
+              </a:defRPr>
+            </a:lvl3pPr>
+            <a:lvl4pPr marL="1600200" indent="-228600" algn="l" rtl="0" fontAlgn="base">
+              <a:spcBef>
+                <a:spcPct val="20000"/>
+              </a:spcBef>
+              <a:spcAft>
+                <a:spcPct val="0"/>
+              </a:spcAft>
+              <a:buChar char="–"/>
+              <a:defRPr sz="2000">
+                <a:solidFill>
+                  <a:schemeClr val="tx1"/>
+                </a:solidFill>
+                <a:latin typeface="+mn-lt"/>
+              </a:defRPr>
+            </a:lvl4pPr>
+            <a:lvl5pPr marL="2057400" indent="-228600" algn="l" rtl="0" fontAlgn="base">
+              <a:spcBef>
+                <a:spcPct val="20000"/>
+              </a:spcBef>
+              <a:spcAft>
+                <a:spcPct val="0"/>
+              </a:spcAft>
+              <a:buChar char="»"/>
+              <a:defRPr sz="2000">
+                <a:solidFill>
+                  <a:schemeClr val="tx1"/>
+                </a:solidFill>
+                <a:latin typeface="+mn-lt"/>
+              </a:defRPr>
+            </a:lvl5pPr>
+            <a:lvl6pPr marL="2514600" indent="-228600" algn="l" rtl="0" fontAlgn="base">
+              <a:spcBef>
+                <a:spcPct val="20000"/>
+              </a:spcBef>
+              <a:spcAft>
+                <a:spcPct val="0"/>
+              </a:spcAft>
+              <a:buChar char="»"/>
+              <a:defRPr sz="2000">
+                <a:solidFill>
+                  <a:schemeClr val="tx1"/>
+                </a:solidFill>
+                <a:latin typeface="+mn-lt"/>
+              </a:defRPr>
+            </a:lvl6pPr>
+            <a:lvl7pPr marL="2971800" indent="-228600" algn="l" rtl="0" fontAlgn="base">
+              <a:spcBef>
+                <a:spcPct val="20000"/>
+              </a:spcBef>
+              <a:spcAft>
+                <a:spcPct val="0"/>
+              </a:spcAft>
+              <a:buChar char="»"/>
+              <a:defRPr sz="2000">
+                <a:solidFill>
+                  <a:schemeClr val="tx1"/>
+                </a:solidFill>
+                <a:latin typeface="+mn-lt"/>
+              </a:defRPr>
+            </a:lvl7pPr>
+            <a:lvl8pPr marL="3429000" indent="-228600" algn="l" rtl="0" fontAlgn="base">
+              <a:spcBef>
+                <a:spcPct val="20000"/>
+              </a:spcBef>
+              <a:spcAft>
+                <a:spcPct val="0"/>
+              </a:spcAft>
+              <a:buChar char="»"/>
+              <a:defRPr sz="2000">
+                <a:solidFill>
+                  <a:schemeClr val="tx1"/>
+                </a:solidFill>
+                <a:latin typeface="+mn-lt"/>
+              </a:defRPr>
+            </a:lvl8pPr>
+            <a:lvl9pPr marL="3886200" indent="-228600" algn="l" rtl="0" fontAlgn="base">
+              <a:spcBef>
+                <a:spcPct val="20000"/>
+              </a:spcBef>
+              <a:spcAft>
+                <a:spcPct val="0"/>
+              </a:spcAft>
+              <a:buChar char="»"/>
+              <a:defRPr sz="2000">
+                <a:solidFill>
+                  <a:schemeClr val="tx1"/>
+                </a:solidFill>
+                <a:latin typeface="+mn-lt"/>
+              </a:defRPr>
+            </a:lvl9pPr>
+          </a:lstStyle>
+          <a:p>
+            <a:pPr marL="0" indent="0" algn="ctr">
+              <a:buFontTx/>
+              <a:buNone/>
+            </a:pPr>
+            <a:r>
+              <a:rPr lang="pt-BR" sz="2000" b="1" kern="0" dirty="0"/>
+              <a:t>Testes com usuários</a:t>
+            </a:r>
+          </a:p>
+          <a:p>
+            <a:pPr algn="ctr"/>
+            <a:endParaRPr lang="pt-BR" kern="0" dirty="0"/>
+          </a:p>
+        </p:txBody>
+      </p:sp>
+    </p:spTree>
+    <p:extLst>
+      <p:ext uri="{BB962C8B-B14F-4D97-AF65-F5344CB8AC3E}">
+        <p14:creationId xmlns:p14="http://schemas.microsoft.com/office/powerpoint/2010/main" val="879166770"/>
       </p:ext>
     </p:extLst>
   </p:cSld>
@@ -4333,13 +6533,49 @@
           <a:p>
             <a:r>
               <a:rPr lang="pt-BR" dirty="0"/>
-              <a:t>(Colocar um sumário da apresentação)</a:t>
+              <a:t>Introdução</a:t>
             </a:r>
           </a:p>
           <a:p>
             <a:r>
               <a:rPr lang="pt-BR" dirty="0"/>
-              <a:t>(Tempo estimado – 1 minuto)</a:t>
+              <a:t>Objetivos</a:t>
+            </a:r>
+          </a:p>
+          <a:p>
+            <a:r>
+              <a:rPr lang="pt-BR" dirty="0"/>
+              <a:t>Fundamentação Teórica</a:t>
+            </a:r>
+          </a:p>
+          <a:p>
+            <a:r>
+              <a:rPr lang="pt-BR" dirty="0"/>
+              <a:t>Requisitos</a:t>
+            </a:r>
+          </a:p>
+          <a:p>
+            <a:r>
+              <a:rPr lang="pt-BR" dirty="0"/>
+              <a:t>Especificação</a:t>
+            </a:r>
+          </a:p>
+          <a:p>
+            <a:r>
+              <a:rPr lang="pt-BR" dirty="0"/>
+              <a:t>Implementação</a:t>
+            </a:r>
+          </a:p>
+          <a:p>
+            <a:r>
+              <a:rPr lang="pt-BR" dirty="0"/>
+              <a:t>Análise de Resultados</a:t>
+            </a:r>
+          </a:p>
+          <a:p>
+            <a:r>
+              <a:rPr lang="pt-BR" dirty="0"/>
+              <a:t>Conclusões e Sugestões</a:t>
             </a:r>
           </a:p>
           <a:p>
@@ -4354,6 +6590,886 @@
     <p:extLst>
       <p:ext uri="{BB962C8B-B14F-4D97-AF65-F5344CB8AC3E}">
         <p14:creationId xmlns:p14="http://schemas.microsoft.com/office/powerpoint/2010/main" val="2472996622"/>
+      </p:ext>
+    </p:extLst>
+  </p:cSld>
+  <p:clrMapOvr>
+    <a:masterClrMapping/>
+  </p:clrMapOvr>
+</p:sld>
+</file>
+
+<file path=ppt/slides/slide20.xml><?xml version="1.0" encoding="utf-8"?>
+<p:sld xmlns:a="http://schemas.openxmlformats.org/drawingml/2006/main" xmlns:r="http://schemas.openxmlformats.org/officeDocument/2006/relationships" xmlns:p="http://schemas.openxmlformats.org/presentationml/2006/main">
+  <p:cSld>
+    <p:spTree>
+      <p:nvGrpSpPr>
+        <p:cNvPr id="1" name=""/>
+        <p:cNvGrpSpPr/>
+        <p:nvPr/>
+      </p:nvGrpSpPr>
+      <p:grpSpPr>
+        <a:xfrm>
+          <a:off x="0" y="0"/>
+          <a:ext cx="0" cy="0"/>
+          <a:chOff x="0" y="0"/>
+          <a:chExt cx="0" cy="0"/>
+        </a:xfrm>
+      </p:grpSpPr>
+      <p:sp>
+        <p:nvSpPr>
+          <p:cNvPr id="2" name="Título 1"/>
+          <p:cNvSpPr>
+            <a:spLocks noGrp="1"/>
+          </p:cNvSpPr>
+          <p:nvPr>
+            <p:ph type="title"/>
+          </p:nvPr>
+        </p:nvSpPr>
+        <p:spPr/>
+        <p:txBody>
+          <a:bodyPr/>
+          <a:lstStyle/>
+          <a:p>
+            <a:r>
+              <a:rPr lang="pt-BR" dirty="0"/>
+              <a:t>Análise dos Resultados</a:t>
+            </a:r>
+          </a:p>
+        </p:txBody>
+      </p:sp>
+      <p:sp>
+        <p:nvSpPr>
+          <p:cNvPr id="3" name="Espaço Reservado para Conteúdo 2"/>
+          <p:cNvSpPr>
+            <a:spLocks noGrp="1"/>
+          </p:cNvSpPr>
+          <p:nvPr>
+            <p:ph idx="1"/>
+          </p:nvPr>
+        </p:nvSpPr>
+        <p:spPr>
+          <a:xfrm>
+            <a:off x="467544" y="1549332"/>
+            <a:ext cx="8229600" cy="4680520"/>
+          </a:xfrm>
+        </p:spPr>
+        <p:txBody>
+          <a:bodyPr>
+            <a:normAutofit lnSpcReduction="10000"/>
+          </a:bodyPr>
+          <a:lstStyle/>
+          <a:p>
+            <a:r>
+              <a:rPr lang="pt-BR" dirty="0"/>
+              <a:t>Os participantes apontado uma dificuldade em acionar os botões;</a:t>
+            </a:r>
+          </a:p>
+          <a:p>
+            <a:r>
+              <a:rPr lang="pt-BR" dirty="0"/>
+              <a:t>Alguns participantes relataram que um pequeno desconforto no uso do HMD;</a:t>
+            </a:r>
+          </a:p>
+          <a:p>
+            <a:r>
+              <a:rPr lang="pt-BR" dirty="0"/>
+              <a:t>Foi notado que o celular não conseguia se manter carregado com a aplicação em execução;</a:t>
+            </a:r>
+          </a:p>
+          <a:p>
+            <a:r>
+              <a:rPr lang="pt-BR" dirty="0"/>
+              <a:t>O comprimento do cabo limitava a movimentação dos participantes.</a:t>
+            </a:r>
+          </a:p>
+        </p:txBody>
+      </p:sp>
+      <p:sp>
+        <p:nvSpPr>
+          <p:cNvPr id="4" name="Espaço Reservado para Conteúdo 2">
+            <a:extLst>
+              <a:ext uri="{FF2B5EF4-FFF2-40B4-BE49-F238E27FC236}">
+                <a16:creationId xmlns:a16="http://schemas.microsoft.com/office/drawing/2014/main" id="{79063599-FA85-84F7-530E-0F9F754FEA3D}"/>
+              </a:ext>
+            </a:extLst>
+          </p:cNvPr>
+          <p:cNvSpPr txBox="1">
+            <a:spLocks/>
+          </p:cNvSpPr>
+          <p:nvPr/>
+        </p:nvSpPr>
+        <p:spPr bwMode="auto">
+          <a:xfrm>
+            <a:off x="467544" y="1115616"/>
+            <a:ext cx="8229600" cy="432048"/>
+          </a:xfrm>
+          <a:prstGeom prst="rect">
+            <a:avLst/>
+          </a:prstGeom>
+          <a:noFill/>
+          <a:ln w="9525">
+            <a:noFill/>
+            <a:miter lim="800000"/>
+            <a:headEnd/>
+            <a:tailEnd/>
+          </a:ln>
+          <a:effectLst/>
+        </p:spPr>
+        <p:txBody>
+          <a:bodyPr vert="horz" wrap="square" lIns="91440" tIns="45720" rIns="91440" bIns="45720" numCol="1" anchor="t" anchorCtr="0" compatLnSpc="1">
+            <a:prstTxWarp prst="textNoShape">
+              <a:avLst/>
+            </a:prstTxWarp>
+            <a:normAutofit/>
+          </a:bodyPr>
+          <a:lstStyle>
+            <a:lvl1pPr marL="342900" indent="-342900" algn="l" rtl="0" fontAlgn="base">
+              <a:spcBef>
+                <a:spcPct val="20000"/>
+              </a:spcBef>
+              <a:spcAft>
+                <a:spcPct val="0"/>
+              </a:spcAft>
+              <a:buChar char="•"/>
+              <a:defRPr sz="3200">
+                <a:solidFill>
+                  <a:schemeClr val="tx1"/>
+                </a:solidFill>
+                <a:latin typeface="+mn-lt"/>
+                <a:ea typeface="+mn-ea"/>
+                <a:cs typeface="+mn-cs"/>
+              </a:defRPr>
+            </a:lvl1pPr>
+            <a:lvl2pPr marL="742950" indent="-285750" algn="l" rtl="0" fontAlgn="base">
+              <a:spcBef>
+                <a:spcPct val="20000"/>
+              </a:spcBef>
+              <a:spcAft>
+                <a:spcPct val="0"/>
+              </a:spcAft>
+              <a:buChar char="–"/>
+              <a:defRPr sz="2800">
+                <a:solidFill>
+                  <a:schemeClr val="tx1"/>
+                </a:solidFill>
+                <a:latin typeface="+mn-lt"/>
+              </a:defRPr>
+            </a:lvl2pPr>
+            <a:lvl3pPr marL="1143000" indent="-228600" algn="l" rtl="0" fontAlgn="base">
+              <a:spcBef>
+                <a:spcPct val="20000"/>
+              </a:spcBef>
+              <a:spcAft>
+                <a:spcPct val="0"/>
+              </a:spcAft>
+              <a:buChar char="•"/>
+              <a:defRPr sz="2400">
+                <a:solidFill>
+                  <a:schemeClr val="tx1"/>
+                </a:solidFill>
+                <a:latin typeface="+mn-lt"/>
+              </a:defRPr>
+            </a:lvl3pPr>
+            <a:lvl4pPr marL="1600200" indent="-228600" algn="l" rtl="0" fontAlgn="base">
+              <a:spcBef>
+                <a:spcPct val="20000"/>
+              </a:spcBef>
+              <a:spcAft>
+                <a:spcPct val="0"/>
+              </a:spcAft>
+              <a:buChar char="–"/>
+              <a:defRPr sz="2000">
+                <a:solidFill>
+                  <a:schemeClr val="tx1"/>
+                </a:solidFill>
+                <a:latin typeface="+mn-lt"/>
+              </a:defRPr>
+            </a:lvl4pPr>
+            <a:lvl5pPr marL="2057400" indent="-228600" algn="l" rtl="0" fontAlgn="base">
+              <a:spcBef>
+                <a:spcPct val="20000"/>
+              </a:spcBef>
+              <a:spcAft>
+                <a:spcPct val="0"/>
+              </a:spcAft>
+              <a:buChar char="»"/>
+              <a:defRPr sz="2000">
+                <a:solidFill>
+                  <a:schemeClr val="tx1"/>
+                </a:solidFill>
+                <a:latin typeface="+mn-lt"/>
+              </a:defRPr>
+            </a:lvl5pPr>
+            <a:lvl6pPr marL="2514600" indent="-228600" algn="l" rtl="0" fontAlgn="base">
+              <a:spcBef>
+                <a:spcPct val="20000"/>
+              </a:spcBef>
+              <a:spcAft>
+                <a:spcPct val="0"/>
+              </a:spcAft>
+              <a:buChar char="»"/>
+              <a:defRPr sz="2000">
+                <a:solidFill>
+                  <a:schemeClr val="tx1"/>
+                </a:solidFill>
+                <a:latin typeface="+mn-lt"/>
+              </a:defRPr>
+            </a:lvl6pPr>
+            <a:lvl7pPr marL="2971800" indent="-228600" algn="l" rtl="0" fontAlgn="base">
+              <a:spcBef>
+                <a:spcPct val="20000"/>
+              </a:spcBef>
+              <a:spcAft>
+                <a:spcPct val="0"/>
+              </a:spcAft>
+              <a:buChar char="»"/>
+              <a:defRPr sz="2000">
+                <a:solidFill>
+                  <a:schemeClr val="tx1"/>
+                </a:solidFill>
+                <a:latin typeface="+mn-lt"/>
+              </a:defRPr>
+            </a:lvl7pPr>
+            <a:lvl8pPr marL="3429000" indent="-228600" algn="l" rtl="0" fontAlgn="base">
+              <a:spcBef>
+                <a:spcPct val="20000"/>
+              </a:spcBef>
+              <a:spcAft>
+                <a:spcPct val="0"/>
+              </a:spcAft>
+              <a:buChar char="»"/>
+              <a:defRPr sz="2000">
+                <a:solidFill>
+                  <a:schemeClr val="tx1"/>
+                </a:solidFill>
+                <a:latin typeface="+mn-lt"/>
+              </a:defRPr>
+            </a:lvl8pPr>
+            <a:lvl9pPr marL="3886200" indent="-228600" algn="l" rtl="0" fontAlgn="base">
+              <a:spcBef>
+                <a:spcPct val="20000"/>
+              </a:spcBef>
+              <a:spcAft>
+                <a:spcPct val="0"/>
+              </a:spcAft>
+              <a:buChar char="»"/>
+              <a:defRPr sz="2000">
+                <a:solidFill>
+                  <a:schemeClr val="tx1"/>
+                </a:solidFill>
+                <a:latin typeface="+mn-lt"/>
+              </a:defRPr>
+            </a:lvl9pPr>
+          </a:lstStyle>
+          <a:p>
+            <a:pPr marL="0" indent="0" algn="ctr">
+              <a:buFontTx/>
+              <a:buNone/>
+            </a:pPr>
+            <a:r>
+              <a:rPr lang="pt-BR" sz="2000" b="1" kern="0" dirty="0"/>
+              <a:t>Testes com usuários</a:t>
+            </a:r>
+          </a:p>
+          <a:p>
+            <a:pPr algn="ctr"/>
+            <a:endParaRPr lang="pt-BR" kern="0" dirty="0"/>
+          </a:p>
+        </p:txBody>
+      </p:sp>
+    </p:spTree>
+    <p:extLst>
+      <p:ext uri="{BB962C8B-B14F-4D97-AF65-F5344CB8AC3E}">
+        <p14:creationId xmlns:p14="http://schemas.microsoft.com/office/powerpoint/2010/main" val="2580007318"/>
+      </p:ext>
+    </p:extLst>
+  </p:cSld>
+  <p:clrMapOvr>
+    <a:masterClrMapping/>
+  </p:clrMapOvr>
+</p:sld>
+</file>
+
+<file path=ppt/slides/slide21.xml><?xml version="1.0" encoding="utf-8"?>
+<p:sld xmlns:a="http://schemas.openxmlformats.org/drawingml/2006/main" xmlns:r="http://schemas.openxmlformats.org/officeDocument/2006/relationships" xmlns:p="http://schemas.openxmlformats.org/presentationml/2006/main">
+  <p:cSld>
+    <p:spTree>
+      <p:nvGrpSpPr>
+        <p:cNvPr id="1" name=""/>
+        <p:cNvGrpSpPr/>
+        <p:nvPr/>
+      </p:nvGrpSpPr>
+      <p:grpSpPr>
+        <a:xfrm>
+          <a:off x="0" y="0"/>
+          <a:ext cx="0" cy="0"/>
+          <a:chOff x="0" y="0"/>
+          <a:chExt cx="0" cy="0"/>
+        </a:xfrm>
+      </p:grpSpPr>
+      <p:sp>
+        <p:nvSpPr>
+          <p:cNvPr id="2" name="Título 1"/>
+          <p:cNvSpPr>
+            <a:spLocks noGrp="1"/>
+          </p:cNvSpPr>
+          <p:nvPr>
+            <p:ph type="title"/>
+          </p:nvPr>
+        </p:nvSpPr>
+        <p:spPr/>
+        <p:txBody>
+          <a:bodyPr/>
+          <a:lstStyle/>
+          <a:p>
+            <a:r>
+              <a:rPr lang="pt-BR" dirty="0"/>
+              <a:t>Análise dos Resultados</a:t>
+            </a:r>
+          </a:p>
+        </p:txBody>
+      </p:sp>
+      <p:sp>
+        <p:nvSpPr>
+          <p:cNvPr id="4" name="Espaço Reservado para Conteúdo 2">
+            <a:extLst>
+              <a:ext uri="{FF2B5EF4-FFF2-40B4-BE49-F238E27FC236}">
+                <a16:creationId xmlns:a16="http://schemas.microsoft.com/office/drawing/2014/main" id="{79063599-FA85-84F7-530E-0F9F754FEA3D}"/>
+              </a:ext>
+            </a:extLst>
+          </p:cNvPr>
+          <p:cNvSpPr txBox="1">
+            <a:spLocks/>
+          </p:cNvSpPr>
+          <p:nvPr/>
+        </p:nvSpPr>
+        <p:spPr bwMode="auto">
+          <a:xfrm>
+            <a:off x="467544" y="1115616"/>
+            <a:ext cx="8229600" cy="432048"/>
+          </a:xfrm>
+          <a:prstGeom prst="rect">
+            <a:avLst/>
+          </a:prstGeom>
+          <a:noFill/>
+          <a:ln w="9525">
+            <a:noFill/>
+            <a:miter lim="800000"/>
+            <a:headEnd/>
+            <a:tailEnd/>
+          </a:ln>
+          <a:effectLst/>
+        </p:spPr>
+        <p:txBody>
+          <a:bodyPr vert="horz" wrap="square" lIns="91440" tIns="45720" rIns="91440" bIns="45720" numCol="1" anchor="t" anchorCtr="0" compatLnSpc="1">
+            <a:prstTxWarp prst="textNoShape">
+              <a:avLst/>
+            </a:prstTxWarp>
+            <a:normAutofit/>
+          </a:bodyPr>
+          <a:lstStyle>
+            <a:lvl1pPr marL="342900" indent="-342900" algn="l" rtl="0" fontAlgn="base">
+              <a:spcBef>
+                <a:spcPct val="20000"/>
+              </a:spcBef>
+              <a:spcAft>
+                <a:spcPct val="0"/>
+              </a:spcAft>
+              <a:buChar char="•"/>
+              <a:defRPr sz="3200">
+                <a:solidFill>
+                  <a:schemeClr val="tx1"/>
+                </a:solidFill>
+                <a:latin typeface="+mn-lt"/>
+                <a:ea typeface="+mn-ea"/>
+                <a:cs typeface="+mn-cs"/>
+              </a:defRPr>
+            </a:lvl1pPr>
+            <a:lvl2pPr marL="742950" indent="-285750" algn="l" rtl="0" fontAlgn="base">
+              <a:spcBef>
+                <a:spcPct val="20000"/>
+              </a:spcBef>
+              <a:spcAft>
+                <a:spcPct val="0"/>
+              </a:spcAft>
+              <a:buChar char="–"/>
+              <a:defRPr sz="2800">
+                <a:solidFill>
+                  <a:schemeClr val="tx1"/>
+                </a:solidFill>
+                <a:latin typeface="+mn-lt"/>
+              </a:defRPr>
+            </a:lvl2pPr>
+            <a:lvl3pPr marL="1143000" indent="-228600" algn="l" rtl="0" fontAlgn="base">
+              <a:spcBef>
+                <a:spcPct val="20000"/>
+              </a:spcBef>
+              <a:spcAft>
+                <a:spcPct val="0"/>
+              </a:spcAft>
+              <a:buChar char="•"/>
+              <a:defRPr sz="2400">
+                <a:solidFill>
+                  <a:schemeClr val="tx1"/>
+                </a:solidFill>
+                <a:latin typeface="+mn-lt"/>
+              </a:defRPr>
+            </a:lvl3pPr>
+            <a:lvl4pPr marL="1600200" indent="-228600" algn="l" rtl="0" fontAlgn="base">
+              <a:spcBef>
+                <a:spcPct val="20000"/>
+              </a:spcBef>
+              <a:spcAft>
+                <a:spcPct val="0"/>
+              </a:spcAft>
+              <a:buChar char="–"/>
+              <a:defRPr sz="2000">
+                <a:solidFill>
+                  <a:schemeClr val="tx1"/>
+                </a:solidFill>
+                <a:latin typeface="+mn-lt"/>
+              </a:defRPr>
+            </a:lvl4pPr>
+            <a:lvl5pPr marL="2057400" indent="-228600" algn="l" rtl="0" fontAlgn="base">
+              <a:spcBef>
+                <a:spcPct val="20000"/>
+              </a:spcBef>
+              <a:spcAft>
+                <a:spcPct val="0"/>
+              </a:spcAft>
+              <a:buChar char="»"/>
+              <a:defRPr sz="2000">
+                <a:solidFill>
+                  <a:schemeClr val="tx1"/>
+                </a:solidFill>
+                <a:latin typeface="+mn-lt"/>
+              </a:defRPr>
+            </a:lvl5pPr>
+            <a:lvl6pPr marL="2514600" indent="-228600" algn="l" rtl="0" fontAlgn="base">
+              <a:spcBef>
+                <a:spcPct val="20000"/>
+              </a:spcBef>
+              <a:spcAft>
+                <a:spcPct val="0"/>
+              </a:spcAft>
+              <a:buChar char="»"/>
+              <a:defRPr sz="2000">
+                <a:solidFill>
+                  <a:schemeClr val="tx1"/>
+                </a:solidFill>
+                <a:latin typeface="+mn-lt"/>
+              </a:defRPr>
+            </a:lvl6pPr>
+            <a:lvl7pPr marL="2971800" indent="-228600" algn="l" rtl="0" fontAlgn="base">
+              <a:spcBef>
+                <a:spcPct val="20000"/>
+              </a:spcBef>
+              <a:spcAft>
+                <a:spcPct val="0"/>
+              </a:spcAft>
+              <a:buChar char="»"/>
+              <a:defRPr sz="2000">
+                <a:solidFill>
+                  <a:schemeClr val="tx1"/>
+                </a:solidFill>
+                <a:latin typeface="+mn-lt"/>
+              </a:defRPr>
+            </a:lvl7pPr>
+            <a:lvl8pPr marL="3429000" indent="-228600" algn="l" rtl="0" fontAlgn="base">
+              <a:spcBef>
+                <a:spcPct val="20000"/>
+              </a:spcBef>
+              <a:spcAft>
+                <a:spcPct val="0"/>
+              </a:spcAft>
+              <a:buChar char="»"/>
+              <a:defRPr sz="2000">
+                <a:solidFill>
+                  <a:schemeClr val="tx1"/>
+                </a:solidFill>
+                <a:latin typeface="+mn-lt"/>
+              </a:defRPr>
+            </a:lvl8pPr>
+            <a:lvl9pPr marL="3886200" indent="-228600" algn="l" rtl="0" fontAlgn="base">
+              <a:spcBef>
+                <a:spcPct val="20000"/>
+              </a:spcBef>
+              <a:spcAft>
+                <a:spcPct val="0"/>
+              </a:spcAft>
+              <a:buChar char="»"/>
+              <a:defRPr sz="2000">
+                <a:solidFill>
+                  <a:schemeClr val="tx1"/>
+                </a:solidFill>
+                <a:latin typeface="+mn-lt"/>
+              </a:defRPr>
+            </a:lvl9pPr>
+          </a:lstStyle>
+          <a:p>
+            <a:pPr marL="0" indent="0" algn="ctr">
+              <a:buFontTx/>
+              <a:buNone/>
+            </a:pPr>
+            <a:r>
+              <a:rPr lang="pt-BR" sz="2000" b="1" kern="0" dirty="0"/>
+              <a:t>Comparação com correlatos</a:t>
+            </a:r>
+          </a:p>
+          <a:p>
+            <a:pPr algn="ctr"/>
+            <a:endParaRPr lang="pt-BR" kern="0" dirty="0"/>
+          </a:p>
+        </p:txBody>
+      </p:sp>
+      <p:pic>
+        <p:nvPicPr>
+          <p:cNvPr id="10" name="Imagem 9">
+            <a:extLst>
+              <a:ext uri="{FF2B5EF4-FFF2-40B4-BE49-F238E27FC236}">
+                <a16:creationId xmlns:a16="http://schemas.microsoft.com/office/drawing/2014/main" id="{017C63AE-C5A7-3AB5-8994-6D817AB57AD5}"/>
+              </a:ext>
+            </a:extLst>
+          </p:cNvPr>
+          <p:cNvPicPr>
+            <a:picLocks noChangeAspect="1"/>
+          </p:cNvPicPr>
+          <p:nvPr/>
+        </p:nvPicPr>
+        <p:blipFill>
+          <a:blip r:embed="rId2"/>
+          <a:stretch>
+            <a:fillRect/>
+          </a:stretch>
+        </p:blipFill>
+        <p:spPr>
+          <a:xfrm>
+            <a:off x="780931" y="2105980"/>
+            <a:ext cx="7808017" cy="2664296"/>
+          </a:xfrm>
+          <a:prstGeom prst="rect">
+            <a:avLst/>
+          </a:prstGeom>
+        </p:spPr>
+      </p:pic>
+    </p:spTree>
+    <p:extLst>
+      <p:ext uri="{BB962C8B-B14F-4D97-AF65-F5344CB8AC3E}">
+        <p14:creationId xmlns:p14="http://schemas.microsoft.com/office/powerpoint/2010/main" val="2362096440"/>
+      </p:ext>
+    </p:extLst>
+  </p:cSld>
+  <p:clrMapOvr>
+    <a:masterClrMapping/>
+  </p:clrMapOvr>
+</p:sld>
+</file>
+
+<file path=ppt/slides/slide22.xml><?xml version="1.0" encoding="utf-8"?>
+<p:sld xmlns:a="http://schemas.openxmlformats.org/drawingml/2006/main" xmlns:r="http://schemas.openxmlformats.org/officeDocument/2006/relationships" xmlns:p="http://schemas.openxmlformats.org/presentationml/2006/main">
+  <p:cSld>
+    <p:spTree>
+      <p:nvGrpSpPr>
+        <p:cNvPr id="1" name=""/>
+        <p:cNvGrpSpPr/>
+        <p:nvPr/>
+      </p:nvGrpSpPr>
+      <p:grpSpPr>
+        <a:xfrm>
+          <a:off x="0" y="0"/>
+          <a:ext cx="0" cy="0"/>
+          <a:chOff x="0" y="0"/>
+          <a:chExt cx="0" cy="0"/>
+        </a:xfrm>
+      </p:grpSpPr>
+      <p:sp>
+        <p:nvSpPr>
+          <p:cNvPr id="2" name="Título 1"/>
+          <p:cNvSpPr>
+            <a:spLocks noGrp="1"/>
+          </p:cNvSpPr>
+          <p:nvPr>
+            <p:ph type="title"/>
+          </p:nvPr>
+        </p:nvSpPr>
+        <p:spPr/>
+        <p:txBody>
+          <a:bodyPr/>
+          <a:lstStyle/>
+          <a:p>
+            <a:r>
+              <a:rPr lang="pt-BR" dirty="0"/>
+              <a:t>Conclusões e Sugestões</a:t>
+            </a:r>
+          </a:p>
+        </p:txBody>
+      </p:sp>
+      <p:sp>
+        <p:nvSpPr>
+          <p:cNvPr id="3" name="Espaço Reservado para Conteúdo 2"/>
+          <p:cNvSpPr>
+            <a:spLocks noGrp="1"/>
+          </p:cNvSpPr>
+          <p:nvPr>
+            <p:ph idx="1"/>
+          </p:nvPr>
+        </p:nvSpPr>
+        <p:spPr/>
+        <p:txBody>
+          <a:bodyPr/>
+          <a:lstStyle/>
+          <a:p>
+            <a:r>
+              <a:rPr lang="pt-BR" dirty="0"/>
+              <a:t>Conseguiu atingir o objetivo de criar uma experiencia de interação suando as mãos;</a:t>
+            </a:r>
+          </a:p>
+          <a:p>
+            <a:pPr>
+              <a:lnSpc>
+                <a:spcPct val="150000"/>
+              </a:lnSpc>
+            </a:pPr>
+            <a:r>
+              <a:rPr lang="pt-BR" dirty="0"/>
+              <a:t>Unity;</a:t>
+            </a:r>
+          </a:p>
+          <a:p>
+            <a:pPr>
+              <a:lnSpc>
+                <a:spcPct val="150000"/>
+              </a:lnSpc>
+            </a:pPr>
+            <a:r>
+              <a:rPr lang="pt-BR" dirty="0"/>
+              <a:t>Ultraleap Tracking;</a:t>
+            </a:r>
+          </a:p>
+          <a:p>
+            <a:pPr>
+              <a:lnSpc>
+                <a:spcPct val="150000"/>
+              </a:lnSpc>
+            </a:pPr>
+            <a:r>
+              <a:rPr lang="pt-BR" dirty="0"/>
+              <a:t>Mirror.</a:t>
+            </a:r>
+          </a:p>
+        </p:txBody>
+      </p:sp>
+    </p:spTree>
+    <p:extLst>
+      <p:ext uri="{BB962C8B-B14F-4D97-AF65-F5344CB8AC3E}">
+        <p14:creationId xmlns:p14="http://schemas.microsoft.com/office/powerpoint/2010/main" val="2793539094"/>
+      </p:ext>
+    </p:extLst>
+  </p:cSld>
+  <p:clrMapOvr>
+    <a:masterClrMapping/>
+  </p:clrMapOvr>
+</p:sld>
+</file>
+
+<file path=ppt/slides/slide23.xml><?xml version="1.0" encoding="utf-8"?>
+<p:sld xmlns:a="http://schemas.openxmlformats.org/drawingml/2006/main" xmlns:r="http://schemas.openxmlformats.org/officeDocument/2006/relationships" xmlns:p="http://schemas.openxmlformats.org/presentationml/2006/main">
+  <p:cSld>
+    <p:spTree>
+      <p:nvGrpSpPr>
+        <p:cNvPr id="1" name=""/>
+        <p:cNvGrpSpPr/>
+        <p:nvPr/>
+      </p:nvGrpSpPr>
+      <p:grpSpPr>
+        <a:xfrm>
+          <a:off x="0" y="0"/>
+          <a:ext cx="0" cy="0"/>
+          <a:chOff x="0" y="0"/>
+          <a:chExt cx="0" cy="0"/>
+        </a:xfrm>
+      </p:grpSpPr>
+      <p:sp>
+        <p:nvSpPr>
+          <p:cNvPr id="2" name="Título 1"/>
+          <p:cNvSpPr>
+            <a:spLocks noGrp="1"/>
+          </p:cNvSpPr>
+          <p:nvPr>
+            <p:ph type="title"/>
+          </p:nvPr>
+        </p:nvSpPr>
+        <p:spPr/>
+        <p:txBody>
+          <a:bodyPr/>
+          <a:lstStyle/>
+          <a:p>
+            <a:r>
+              <a:rPr lang="pt-BR" dirty="0"/>
+              <a:t>Conclusões e Sugestões</a:t>
+            </a:r>
+          </a:p>
+        </p:txBody>
+      </p:sp>
+      <p:sp>
+        <p:nvSpPr>
+          <p:cNvPr id="3" name="Espaço Reservado para Conteúdo 2"/>
+          <p:cNvSpPr>
+            <a:spLocks noGrp="1"/>
+          </p:cNvSpPr>
+          <p:nvPr>
+            <p:ph idx="1"/>
+          </p:nvPr>
+        </p:nvSpPr>
+        <p:spPr/>
+        <p:txBody>
+          <a:bodyPr>
+            <a:normAutofit lnSpcReduction="10000"/>
+          </a:bodyPr>
+          <a:lstStyle/>
+          <a:p>
+            <a:pPr marL="0" indent="0">
+              <a:buNone/>
+            </a:pPr>
+            <a:r>
+              <a:rPr lang="pt-BR" dirty="0"/>
+              <a:t>Possíveis extensões:</a:t>
+            </a:r>
+          </a:p>
+          <a:p>
+            <a:r>
+              <a:rPr lang="pt-BR" sz="2400" dirty="0">
+                <a:ea typeface="Times New Roman" panose="02020603050405020304" pitchFamily="18" charset="0"/>
+              </a:rPr>
+              <a:t>A</a:t>
+            </a:r>
+            <a:r>
+              <a:rPr lang="pt-BR" sz="2400" dirty="0">
+                <a:effectLst/>
+                <a:ea typeface="Times New Roman" panose="02020603050405020304" pitchFamily="18" charset="0"/>
+              </a:rPr>
+              <a:t>dição da oclusão das mãos;</a:t>
+            </a:r>
+          </a:p>
+          <a:p>
+            <a:r>
+              <a:rPr lang="pt-BR" sz="2400" dirty="0">
+                <a:effectLst/>
+                <a:ea typeface="Times New Roman" panose="02020603050405020304" pitchFamily="18" charset="0"/>
+              </a:rPr>
+              <a:t>Adição de novos fósseis para interação;</a:t>
+            </a:r>
+          </a:p>
+          <a:p>
+            <a:r>
+              <a:rPr lang="pt-BR" sz="2400" dirty="0">
+                <a:effectLst/>
+                <a:ea typeface="Times New Roman" panose="02020603050405020304" pitchFamily="18" charset="0"/>
+              </a:rPr>
+              <a:t>Procurar alternativas para melhorar a identificação do marcador do fóssil;</a:t>
+            </a:r>
+          </a:p>
+          <a:p>
+            <a:r>
+              <a:rPr lang="pt-BR" sz="2400" dirty="0">
+                <a:effectLst/>
+                <a:ea typeface="Times New Roman" panose="02020603050405020304" pitchFamily="18" charset="0"/>
+              </a:rPr>
+              <a:t>Adição de efeitos sonoros;</a:t>
+            </a:r>
+          </a:p>
+          <a:p>
+            <a:r>
+              <a:rPr lang="pt-BR" sz="2400" dirty="0">
+                <a:effectLst/>
+                <a:ea typeface="Times New Roman" panose="02020603050405020304" pitchFamily="18" charset="0"/>
+              </a:rPr>
+              <a:t>Procurar maneiras diferentes de demonstrar as informações ao usuário;</a:t>
+            </a:r>
+          </a:p>
+          <a:p>
+            <a:r>
+              <a:rPr lang="pt-BR" sz="2400" dirty="0">
+                <a:effectLst/>
+                <a:ea typeface="Times New Roman" panose="02020603050405020304" pitchFamily="18" charset="0"/>
+              </a:rPr>
+              <a:t>Acionar a estereoscopia na visualização do usuário;</a:t>
+            </a:r>
+          </a:p>
+          <a:p>
+            <a:r>
+              <a:rPr lang="pt-BR" sz="2400" dirty="0">
+                <a:effectLst/>
+                <a:ea typeface="Times New Roman" panose="02020603050405020304" pitchFamily="18" charset="0"/>
+              </a:rPr>
+              <a:t>Procurar maneiras de sincronizar as cenas de maneira mais precisa.</a:t>
+            </a:r>
+            <a:endParaRPr lang="pt-BR" sz="2400" dirty="0"/>
+          </a:p>
+        </p:txBody>
+      </p:sp>
+    </p:spTree>
+    <p:extLst>
+      <p:ext uri="{BB962C8B-B14F-4D97-AF65-F5344CB8AC3E}">
+        <p14:creationId xmlns:p14="http://schemas.microsoft.com/office/powerpoint/2010/main" val="1560665379"/>
+      </p:ext>
+    </p:extLst>
+  </p:cSld>
+  <p:clrMapOvr>
+    <a:masterClrMapping/>
+  </p:clrMapOvr>
+</p:sld>
+</file>
+
+<file path=ppt/slides/slide24.xml><?xml version="1.0" encoding="utf-8"?>
+<p:sld xmlns:a="http://schemas.openxmlformats.org/drawingml/2006/main" xmlns:r="http://schemas.openxmlformats.org/officeDocument/2006/relationships" xmlns:p="http://schemas.openxmlformats.org/presentationml/2006/main">
+  <p:cSld>
+    <p:spTree>
+      <p:nvGrpSpPr>
+        <p:cNvPr id="1" name=""/>
+        <p:cNvGrpSpPr/>
+        <p:nvPr/>
+      </p:nvGrpSpPr>
+      <p:grpSpPr>
+        <a:xfrm>
+          <a:off x="0" y="0"/>
+          <a:ext cx="0" cy="0"/>
+          <a:chOff x="0" y="0"/>
+          <a:chExt cx="0" cy="0"/>
+        </a:xfrm>
+      </p:grpSpPr>
+      <p:sp>
+        <p:nvSpPr>
+          <p:cNvPr id="2" name="Título 1"/>
+          <p:cNvSpPr>
+            <a:spLocks noGrp="1"/>
+          </p:cNvSpPr>
+          <p:nvPr>
+            <p:ph type="title"/>
+          </p:nvPr>
+        </p:nvSpPr>
+        <p:spPr>
+          <a:xfrm>
+            <a:off x="457200" y="2857500"/>
+            <a:ext cx="8229600" cy="1143000"/>
+          </a:xfrm>
+        </p:spPr>
+        <p:txBody>
+          <a:bodyPr/>
+          <a:lstStyle/>
+          <a:p>
+            <a:r>
+              <a:rPr lang="pt-BR" dirty="0"/>
+              <a:t>Obrigado!</a:t>
+            </a:r>
+          </a:p>
+        </p:txBody>
+      </p:sp>
+    </p:spTree>
+    <p:extLst>
+      <p:ext uri="{BB962C8B-B14F-4D97-AF65-F5344CB8AC3E}">
+        <p14:creationId xmlns:p14="http://schemas.microsoft.com/office/powerpoint/2010/main" val="1082481956"/>
       </p:ext>
     </p:extLst>
   </p:cSld>
@@ -4421,13 +7537,39 @@
           <a:p>
             <a:r>
               <a:rPr lang="pt-BR" dirty="0"/>
-              <a:t>(Contextualizar o trabalho – Como ele surgiu? Por que é importante?)</a:t>
+              <a:t>Museus;</a:t>
             </a:r>
           </a:p>
           <a:p>
             <a:r>
               <a:rPr lang="pt-BR" dirty="0"/>
-              <a:t>(Tempo estimado – 2 minutos)</a:t>
+              <a:t>Realidade Virtual / Realidade Aumentada;</a:t>
+            </a:r>
+          </a:p>
+          <a:p>
+            <a:r>
+              <a:rPr lang="pt-BR" dirty="0"/>
+              <a:t>Auxilio ao aprendizado;</a:t>
+            </a:r>
+          </a:p>
+          <a:p>
+            <a:r>
+              <a:rPr lang="pt-BR" dirty="0"/>
+              <a:t>Interação com o </a:t>
+            </a:r>
+            <a:r>
+              <a:rPr lang="pt-BR" dirty="0" err="1"/>
+              <a:t>Usuario</a:t>
+            </a:r>
+            <a:r>
+              <a:rPr lang="pt-BR" dirty="0"/>
+              <a:t>;</a:t>
+            </a:r>
+          </a:p>
+          <a:p>
+            <a:r>
+              <a:rPr lang="pt-BR" dirty="0"/>
+              <a:t>Leap Motion;</a:t>
             </a:r>
           </a:p>
           <a:p>
@@ -4507,18 +7649,25 @@
           </a:bodyPr>
           <a:lstStyle/>
           <a:p>
-            <a:r>
-              <a:rPr lang="pt-BR" dirty="0"/>
-              <a:t>(Objetivo geral e específicos – cuidado para as letras não ficarem pequenas. Tamanho mínimo recomendado: 18)</a:t>
-            </a:r>
-          </a:p>
-          <a:p>
-            <a:r>
-              <a:rPr lang="pt-BR" dirty="0"/>
-              <a:t>(Tempo estimado – 2 minutos)</a:t>
-            </a:r>
-          </a:p>
-          <a:p>
+            <a:pPr marL="0" indent="0">
+              <a:buNone/>
+            </a:pPr>
+            <a:r>
+              <a:rPr lang="pt-BR" dirty="0">
+                <a:effectLst/>
+                <a:ea typeface="Times New Roman" panose="02020603050405020304" pitchFamily="18" charset="0"/>
+              </a:rPr>
+              <a:t>Objetivo Geral: </a:t>
+            </a:r>
+          </a:p>
+          <a:p>
+            <a:r>
+              <a:rPr lang="pt-BR" dirty="0">
+                <a:effectLst/>
+                <a:ea typeface="Times New Roman" panose="02020603050405020304" pitchFamily="18" charset="0"/>
+              </a:rPr>
+              <a:t>Disponibilizar uma aplicação para experimentar o uso de RA e Leap Motion para inspecionar peças do acervo da Exposição de História Natural Fritz Müller - FURB</a:t>
+            </a:r>
             <a:endParaRPr lang="pt-BR" dirty="0"/>
           </a:p>
           <a:p>
@@ -4573,7 +7722,7 @@
           <a:p>
             <a:r>
               <a:rPr lang="pt-BR" dirty="0"/>
-              <a:t>Fundamentação Teórica</a:t>
+              <a:t>Objetivos</a:t>
             </a:r>
           </a:p>
         </p:txBody>
@@ -4586,6 +7735,93 @@
           </p:cNvSpPr>
           <p:nvPr>
             <p:ph idx="1"/>
+          </p:nvPr>
+        </p:nvSpPr>
+        <p:spPr/>
+        <p:txBody>
+          <a:bodyPr>
+            <a:normAutofit lnSpcReduction="10000"/>
+          </a:bodyPr>
+          <a:lstStyle/>
+          <a:p>
+            <a:pPr marL="0" indent="0">
+              <a:buNone/>
+            </a:pPr>
+            <a:r>
+              <a:rPr lang="pt-BR" dirty="0">
+                <a:effectLst/>
+                <a:ea typeface="Times New Roman" panose="02020603050405020304" pitchFamily="18" charset="0"/>
+              </a:rPr>
+              <a:t>Objetivos específicos: </a:t>
+            </a:r>
+          </a:p>
+          <a:p>
+            <a:r>
+              <a:rPr lang="pt-BR" dirty="0">
+                <a:effectLst/>
+                <a:ea typeface="Times New Roman" panose="02020603050405020304" pitchFamily="18" charset="0"/>
+              </a:rPr>
+              <a:t>Avaliar o uso de modelos virtuais sobrepostos as peças do acervo usando RA</a:t>
+            </a:r>
+          </a:p>
+          <a:p>
+            <a:r>
+              <a:rPr lang="pt-BR" dirty="0">
+                <a:effectLst/>
+                <a:ea typeface="Times New Roman" panose="02020603050405020304" pitchFamily="18" charset="0"/>
+              </a:rPr>
+              <a:t>Verificar se gestos da mão possibilitam uma interação com os modelos virtuais</a:t>
+            </a:r>
+          </a:p>
+          <a:p>
+            <a:r>
+              <a:rPr lang="pt-BR" dirty="0">
+                <a:effectLst/>
+                <a:ea typeface="Times New Roman" panose="02020603050405020304" pitchFamily="18" charset="0"/>
+              </a:rPr>
+              <a:t>Analisar a eficácia da interação usando peças do acervo da Exposição de História Natural Fritz Müller – FURB.</a:t>
+            </a:r>
+          </a:p>
+        </p:txBody>
+      </p:sp>
+    </p:spTree>
+    <p:extLst>
+      <p:ext uri="{BB962C8B-B14F-4D97-AF65-F5344CB8AC3E}">
+        <p14:creationId xmlns:p14="http://schemas.microsoft.com/office/powerpoint/2010/main" val="1155408660"/>
+      </p:ext>
+    </p:extLst>
+  </p:cSld>
+  <p:clrMapOvr>
+    <a:masterClrMapping/>
+  </p:clrMapOvr>
+</p:sld>
+</file>
+
+<file path=ppt/slides/slide6.xml><?xml version="1.0" encoding="utf-8"?>
+<p:sld xmlns:a="http://schemas.openxmlformats.org/drawingml/2006/main" xmlns:r="http://schemas.openxmlformats.org/officeDocument/2006/relationships" xmlns:p="http://schemas.openxmlformats.org/presentationml/2006/main">
+  <p:cSld>
+    <p:spTree>
+      <p:nvGrpSpPr>
+        <p:cNvPr id="1" name=""/>
+        <p:cNvGrpSpPr/>
+        <p:nvPr/>
+      </p:nvGrpSpPr>
+      <p:grpSpPr>
+        <a:xfrm>
+          <a:off x="0" y="0"/>
+          <a:ext cx="0" cy="0"/>
+          <a:chOff x="0" y="0"/>
+          <a:chExt cx="0" cy="0"/>
+        </a:xfrm>
+      </p:grpSpPr>
+      <p:sp>
+        <p:nvSpPr>
+          <p:cNvPr id="2" name="Título 1"/>
+          <p:cNvSpPr>
+            <a:spLocks noGrp="1"/>
+          </p:cNvSpPr>
+          <p:nvPr>
+            <p:ph type="title"/>
           </p:nvPr>
         </p:nvSpPr>
         <p:spPr/>
@@ -4595,6 +7831,28 @@
           <a:p>
             <a:r>
               <a:rPr lang="pt-BR" dirty="0"/>
+              <a:t>Fundamentação Teórica</a:t>
+            </a:r>
+          </a:p>
+        </p:txBody>
+      </p:sp>
+      <p:sp>
+        <p:nvSpPr>
+          <p:cNvPr id="3" name="Espaço Reservado para Conteúdo 2"/>
+          <p:cNvSpPr>
+            <a:spLocks noGrp="1"/>
+          </p:cNvSpPr>
+          <p:nvPr>
+            <p:ph idx="1"/>
+          </p:nvPr>
+        </p:nvSpPr>
+        <p:spPr/>
+        <p:txBody>
+          <a:bodyPr/>
+          <a:lstStyle/>
+          <a:p>
+            <a:r>
+              <a:rPr lang="pt-BR" dirty="0"/>
               <a:t>Museus</a:t>
             </a:r>
           </a:p>
@@ -4613,7 +7871,7 @@
           <a:p>
             <a:r>
               <a:rPr lang="pt-BR" dirty="0"/>
-              <a:t>Modelos 3D</a:t>
+              <a:t>Modelos Virtuais</a:t>
             </a:r>
           </a:p>
           <a:p>
@@ -4634,7 +7892,7 @@
 </p:sld>
 </file>
 
-<file path=ppt/slides/slide6.xml><?xml version="1.0" encoding="utf-8"?>
+<file path=ppt/slides/slide7.xml><?xml version="1.0" encoding="utf-8"?>
 <p:sld xmlns:a="http://schemas.openxmlformats.org/drawingml/2006/main" xmlns:r="http://schemas.openxmlformats.org/officeDocument/2006/relationships" xmlns:p="http://schemas.openxmlformats.org/presentationml/2006/main">
   <p:cSld>
     <p:spTree>
@@ -4757,7 +8015,7 @@
 </p:sld>
 </file>
 
-<file path=ppt/slides/slide7.xml><?xml version="1.0" encoding="utf-8"?>
+<file path=ppt/slides/slide8.xml><?xml version="1.0" encoding="utf-8"?>
 <p:sld xmlns:a="http://schemas.openxmlformats.org/drawingml/2006/main" xmlns:r="http://schemas.openxmlformats.org/officeDocument/2006/relationships" xmlns:p="http://schemas.openxmlformats.org/presentationml/2006/main">
   <p:cSld>
     <p:spTree>
@@ -4880,7 +8138,7 @@
 </p:sld>
 </file>
 
-<file path=ppt/slides/slide8.xml><?xml version="1.0" encoding="utf-8"?>
+<file path=ppt/slides/slide9.xml><?xml version="1.0" encoding="utf-8"?>
 <p:sld xmlns:a="http://schemas.openxmlformats.org/drawingml/2006/main" xmlns:r="http://schemas.openxmlformats.org/officeDocument/2006/relationships" xmlns:p="http://schemas.openxmlformats.org/presentationml/2006/main">
   <p:cSld>
     <p:spTree>
@@ -5008,89 +8266,6 @@
     <p:extLst>
       <p:ext uri="{BB962C8B-B14F-4D97-AF65-F5344CB8AC3E}">
         <p14:creationId xmlns:p14="http://schemas.microsoft.com/office/powerpoint/2010/main" val="29932921"/>
-      </p:ext>
-    </p:extLst>
-  </p:cSld>
-  <p:clrMapOvr>
-    <a:masterClrMapping/>
-  </p:clrMapOvr>
-</p:sld>
-</file>
-
-<file path=ppt/slides/slide9.xml><?xml version="1.0" encoding="utf-8"?>
-<p:sld xmlns:a="http://schemas.openxmlformats.org/drawingml/2006/main" xmlns:r="http://schemas.openxmlformats.org/officeDocument/2006/relationships" xmlns:p="http://schemas.openxmlformats.org/presentationml/2006/main">
-  <p:cSld>
-    <p:spTree>
-      <p:nvGrpSpPr>
-        <p:cNvPr id="1" name=""/>
-        <p:cNvGrpSpPr/>
-        <p:nvPr/>
-      </p:nvGrpSpPr>
-      <p:grpSpPr>
-        <a:xfrm>
-          <a:off x="0" y="0"/>
-          <a:ext cx="0" cy="0"/>
-          <a:chOff x="0" y="0"/>
-          <a:chExt cx="0" cy="0"/>
-        </a:xfrm>
-      </p:grpSpPr>
-      <p:sp>
-        <p:nvSpPr>
-          <p:cNvPr id="2" name="Título 1"/>
-          <p:cNvSpPr>
-            <a:spLocks noGrp="1"/>
-          </p:cNvSpPr>
-          <p:nvPr>
-            <p:ph type="title"/>
-          </p:nvPr>
-        </p:nvSpPr>
-        <p:spPr/>
-        <p:txBody>
-          <a:bodyPr/>
-          <a:lstStyle/>
-          <a:p>
-            <a:r>
-              <a:rPr lang="pt-BR" dirty="0"/>
-              <a:t>Requisitos</a:t>
-            </a:r>
-          </a:p>
-        </p:txBody>
-      </p:sp>
-      <p:sp>
-        <p:nvSpPr>
-          <p:cNvPr id="3" name="Espaço Reservado para Conteúdo 2"/>
-          <p:cNvSpPr>
-            <a:spLocks noGrp="1"/>
-          </p:cNvSpPr>
-          <p:nvPr>
-            <p:ph idx="1"/>
-          </p:nvPr>
-        </p:nvSpPr>
-        <p:spPr/>
-        <p:txBody>
-          <a:bodyPr/>
-          <a:lstStyle/>
-          <a:p>
-            <a:r>
-              <a:rPr lang="pt-BR" dirty="0"/>
-              <a:t>(Apresentar os requisitos funcionais e não funcionais do trabalho)</a:t>
-            </a:r>
-          </a:p>
-          <a:p>
-            <a:r>
-              <a:rPr lang="pt-BR" dirty="0"/>
-              <a:t>(Tempo estimado – 2 minutos)</a:t>
-            </a:r>
-          </a:p>
-          <a:p>
-            <a:endParaRPr lang="pt-BR" dirty="0"/>
-          </a:p>
-        </p:txBody>
-      </p:sp>
-    </p:spTree>
-    <p:extLst>
-      <p:ext uri="{BB962C8B-B14F-4D97-AF65-F5344CB8AC3E}">
-        <p14:creationId xmlns:p14="http://schemas.microsoft.com/office/powerpoint/2010/main" val="1997644590"/>
       </p:ext>
     </p:extLst>
   </p:cSld>

--- a/_julio/ApresentaçãoTCC-Julio_Vicente_Brych.pptx
+++ b/_julio/ApresentaçãoTCC-Julio_Vicente_Brych.pptx
@@ -4,6 +4,9 @@
   <p:sldMasterIdLst>
     <p:sldMasterId id="2147483648" r:id="rId1"/>
   </p:sldMasterIdLst>
+  <p:notesMasterIdLst>
+    <p:notesMasterId r:id="rId27"/>
+  </p:notesMasterIdLst>
   <p:sldIdLst>
     <p:sldId id="257" r:id="rId2"/>
     <p:sldId id="258" r:id="rId3"/>
@@ -17,18 +20,19 @@
     <p:sldId id="263" r:id="rId11"/>
     <p:sldId id="264" r:id="rId12"/>
     <p:sldId id="274" r:id="rId13"/>
-    <p:sldId id="272" r:id="rId14"/>
-    <p:sldId id="276" r:id="rId15"/>
-    <p:sldId id="287" r:id="rId16"/>
-    <p:sldId id="284" r:id="rId17"/>
-    <p:sldId id="285" r:id="rId18"/>
-    <p:sldId id="283" r:id="rId19"/>
-    <p:sldId id="279" r:id="rId20"/>
-    <p:sldId id="282" r:id="rId21"/>
-    <p:sldId id="280" r:id="rId22"/>
-    <p:sldId id="268" r:id="rId23"/>
-    <p:sldId id="286" r:id="rId24"/>
-    <p:sldId id="288" r:id="rId25"/>
+    <p:sldId id="289" r:id="rId14"/>
+    <p:sldId id="272" r:id="rId15"/>
+    <p:sldId id="276" r:id="rId16"/>
+    <p:sldId id="287" r:id="rId17"/>
+    <p:sldId id="284" r:id="rId18"/>
+    <p:sldId id="285" r:id="rId19"/>
+    <p:sldId id="283" r:id="rId20"/>
+    <p:sldId id="279" r:id="rId21"/>
+    <p:sldId id="282" r:id="rId22"/>
+    <p:sldId id="280" r:id="rId23"/>
+    <p:sldId id="268" r:id="rId24"/>
+    <p:sldId id="286" r:id="rId25"/>
+    <p:sldId id="288" r:id="rId26"/>
   </p:sldIdLst>
   <p:sldSz cx="9144000" cy="6858000" type="screen4x3"/>
   <p:notesSz cx="6858000" cy="9144000"/>
@@ -395,6 +399,2164 @@
     </pc:docChg>
   </pc:docChgLst>
 </pc:chgInfo>
+</file>
+
+<file path=ppt/notesMasters/notesMaster1.xml><?xml version="1.0" encoding="utf-8"?>
+<p:notesMaster xmlns:a="http://schemas.openxmlformats.org/drawingml/2006/main" xmlns:r="http://schemas.openxmlformats.org/officeDocument/2006/relationships" xmlns:p="http://schemas.openxmlformats.org/presentationml/2006/main">
+  <p:cSld>
+    <p:bg>
+      <p:bgRef idx="1001">
+        <a:schemeClr val="bg1"/>
+      </p:bgRef>
+    </p:bg>
+    <p:spTree>
+      <p:nvGrpSpPr>
+        <p:cNvPr id="1" name=""/>
+        <p:cNvGrpSpPr/>
+        <p:nvPr/>
+      </p:nvGrpSpPr>
+      <p:grpSpPr>
+        <a:xfrm>
+          <a:off x="0" y="0"/>
+          <a:ext cx="0" cy="0"/>
+          <a:chOff x="0" y="0"/>
+          <a:chExt cx="0" cy="0"/>
+        </a:xfrm>
+      </p:grpSpPr>
+      <p:sp>
+        <p:nvSpPr>
+          <p:cNvPr id="2" name="Espaço Reservado para Cabeçalho 1"/>
+          <p:cNvSpPr>
+            <a:spLocks noGrp="1"/>
+          </p:cNvSpPr>
+          <p:nvPr>
+            <p:ph type="hdr" sz="quarter"/>
+          </p:nvPr>
+        </p:nvSpPr>
+        <p:spPr>
+          <a:xfrm>
+            <a:off x="0" y="0"/>
+            <a:ext cx="2971800" cy="458788"/>
+          </a:xfrm>
+          <a:prstGeom prst="rect">
+            <a:avLst/>
+          </a:prstGeom>
+        </p:spPr>
+        <p:txBody>
+          <a:bodyPr vert="horz" lIns="91440" tIns="45720" rIns="91440" bIns="45720" rtlCol="0"/>
+          <a:lstStyle>
+            <a:lvl1pPr algn="l">
+              <a:defRPr sz="1200"/>
+            </a:lvl1pPr>
+          </a:lstStyle>
+          <a:p>
+            <a:endParaRPr lang="pt-BR"/>
+          </a:p>
+        </p:txBody>
+      </p:sp>
+      <p:sp>
+        <p:nvSpPr>
+          <p:cNvPr id="3" name="Espaço Reservado para Data 2"/>
+          <p:cNvSpPr>
+            <a:spLocks noGrp="1"/>
+          </p:cNvSpPr>
+          <p:nvPr>
+            <p:ph type="dt" idx="1"/>
+          </p:nvPr>
+        </p:nvSpPr>
+        <p:spPr>
+          <a:xfrm>
+            <a:off x="3884613" y="0"/>
+            <a:ext cx="2971800" cy="458788"/>
+          </a:xfrm>
+          <a:prstGeom prst="rect">
+            <a:avLst/>
+          </a:prstGeom>
+        </p:spPr>
+        <p:txBody>
+          <a:bodyPr vert="horz" lIns="91440" tIns="45720" rIns="91440" bIns="45720" rtlCol="0"/>
+          <a:lstStyle>
+            <a:lvl1pPr algn="r">
+              <a:defRPr sz="1200"/>
+            </a:lvl1pPr>
+          </a:lstStyle>
+          <a:p>
+            <a:fld id="{4DA4C31C-22C3-40E3-8117-26A998868580}" type="datetimeFigureOut">
+              <a:rPr lang="pt-BR" smtClean="0"/>
+              <a:t>11/12/2023</a:t>
+            </a:fld>
+            <a:endParaRPr lang="pt-BR"/>
+          </a:p>
+        </p:txBody>
+      </p:sp>
+      <p:sp>
+        <p:nvSpPr>
+          <p:cNvPr id="4" name="Espaço Reservado para Imagem de Slide 3"/>
+          <p:cNvSpPr>
+            <a:spLocks noGrp="1" noRot="1" noChangeAspect="1"/>
+          </p:cNvSpPr>
+          <p:nvPr>
+            <p:ph type="sldImg" idx="2"/>
+          </p:nvPr>
+        </p:nvSpPr>
+        <p:spPr>
+          <a:xfrm>
+            <a:off x="1371600" y="1143000"/>
+            <a:ext cx="4114800" cy="3086100"/>
+          </a:xfrm>
+          <a:prstGeom prst="rect">
+            <a:avLst/>
+          </a:prstGeom>
+          <a:noFill/>
+          <a:ln w="12700">
+            <a:solidFill>
+              <a:prstClr val="black"/>
+            </a:solidFill>
+          </a:ln>
+        </p:spPr>
+        <p:txBody>
+          <a:bodyPr vert="horz" lIns="91440" tIns="45720" rIns="91440" bIns="45720" rtlCol="0" anchor="ctr"/>
+          <a:lstStyle/>
+          <a:p>
+            <a:endParaRPr lang="pt-BR"/>
+          </a:p>
+        </p:txBody>
+      </p:sp>
+      <p:sp>
+        <p:nvSpPr>
+          <p:cNvPr id="5" name="Espaço Reservado para Anotações 4"/>
+          <p:cNvSpPr>
+            <a:spLocks noGrp="1"/>
+          </p:cNvSpPr>
+          <p:nvPr>
+            <p:ph type="body" sz="quarter" idx="3"/>
+          </p:nvPr>
+        </p:nvSpPr>
+        <p:spPr>
+          <a:xfrm>
+            <a:off x="685800" y="4400550"/>
+            <a:ext cx="5486400" cy="3600450"/>
+          </a:xfrm>
+          <a:prstGeom prst="rect">
+            <a:avLst/>
+          </a:prstGeom>
+        </p:spPr>
+        <p:txBody>
+          <a:bodyPr vert="horz" lIns="91440" tIns="45720" rIns="91440" bIns="45720" rtlCol="0"/>
+          <a:lstStyle/>
+          <a:p>
+            <a:pPr lvl="0"/>
+            <a:r>
+              <a:rPr lang="pt-BR"/>
+              <a:t>Clique para editar os estilos de texto Mestres</a:t>
+            </a:r>
+          </a:p>
+          <a:p>
+            <a:pPr lvl="1"/>
+            <a:r>
+              <a:rPr lang="pt-BR"/>
+              <a:t>Segundo nível</a:t>
+            </a:r>
+          </a:p>
+          <a:p>
+            <a:pPr lvl="2"/>
+            <a:r>
+              <a:rPr lang="pt-BR"/>
+              <a:t>Terceiro nível</a:t>
+            </a:r>
+          </a:p>
+          <a:p>
+            <a:pPr lvl="3"/>
+            <a:r>
+              <a:rPr lang="pt-BR"/>
+              <a:t>Quarto nível</a:t>
+            </a:r>
+          </a:p>
+          <a:p>
+            <a:pPr lvl="4"/>
+            <a:r>
+              <a:rPr lang="pt-BR"/>
+              <a:t>Quinto nível</a:t>
+            </a:r>
+          </a:p>
+        </p:txBody>
+      </p:sp>
+      <p:sp>
+        <p:nvSpPr>
+          <p:cNvPr id="6" name="Espaço Reservado para Rodapé 5"/>
+          <p:cNvSpPr>
+            <a:spLocks noGrp="1"/>
+          </p:cNvSpPr>
+          <p:nvPr>
+            <p:ph type="ftr" sz="quarter" idx="4"/>
+          </p:nvPr>
+        </p:nvSpPr>
+        <p:spPr>
+          <a:xfrm>
+            <a:off x="0" y="8685213"/>
+            <a:ext cx="2971800" cy="458787"/>
+          </a:xfrm>
+          <a:prstGeom prst="rect">
+            <a:avLst/>
+          </a:prstGeom>
+        </p:spPr>
+        <p:txBody>
+          <a:bodyPr vert="horz" lIns="91440" tIns="45720" rIns="91440" bIns="45720" rtlCol="0" anchor="b"/>
+          <a:lstStyle>
+            <a:lvl1pPr algn="l">
+              <a:defRPr sz="1200"/>
+            </a:lvl1pPr>
+          </a:lstStyle>
+          <a:p>
+            <a:endParaRPr lang="pt-BR"/>
+          </a:p>
+        </p:txBody>
+      </p:sp>
+      <p:sp>
+        <p:nvSpPr>
+          <p:cNvPr id="7" name="Espaço Reservado para Número de Slide 6"/>
+          <p:cNvSpPr>
+            <a:spLocks noGrp="1"/>
+          </p:cNvSpPr>
+          <p:nvPr>
+            <p:ph type="sldNum" sz="quarter" idx="5"/>
+          </p:nvPr>
+        </p:nvSpPr>
+        <p:spPr>
+          <a:xfrm>
+            <a:off x="3884613" y="8685213"/>
+            <a:ext cx="2971800" cy="458787"/>
+          </a:xfrm>
+          <a:prstGeom prst="rect">
+            <a:avLst/>
+          </a:prstGeom>
+        </p:spPr>
+        <p:txBody>
+          <a:bodyPr vert="horz" lIns="91440" tIns="45720" rIns="91440" bIns="45720" rtlCol="0" anchor="b"/>
+          <a:lstStyle>
+            <a:lvl1pPr algn="r">
+              <a:defRPr sz="1200"/>
+            </a:lvl1pPr>
+          </a:lstStyle>
+          <a:p>
+            <a:fld id="{59D7498C-023E-4647-B375-524BE642DC09}" type="slidenum">
+              <a:rPr lang="pt-BR" smtClean="0"/>
+              <a:t>‹nº›</a:t>
+            </a:fld>
+            <a:endParaRPr lang="pt-BR"/>
+          </a:p>
+        </p:txBody>
+      </p:sp>
+    </p:spTree>
+    <p:extLst>
+      <p:ext uri="{BB962C8B-B14F-4D97-AF65-F5344CB8AC3E}">
+        <p14:creationId xmlns:p14="http://schemas.microsoft.com/office/powerpoint/2010/main" val="2981936151"/>
+      </p:ext>
+    </p:extLst>
+  </p:cSld>
+  <p:clrMap bg1="lt1" tx1="dk1" bg2="lt2" tx2="dk2" accent1="accent1" accent2="accent2" accent3="accent3" accent4="accent4" accent5="accent5" accent6="accent6" hlink="hlink" folHlink="folHlink"/>
+  <p:notesStyle>
+    <a:lvl1pPr marL="0" algn="l" defTabSz="914400" rtl="0" eaLnBrk="1" latinLnBrk="0" hangingPunct="1">
+      <a:defRPr sz="1200" kern="1200">
+        <a:solidFill>
+          <a:schemeClr val="tx1"/>
+        </a:solidFill>
+        <a:latin typeface="+mn-lt"/>
+        <a:ea typeface="+mn-ea"/>
+        <a:cs typeface="+mn-cs"/>
+      </a:defRPr>
+    </a:lvl1pPr>
+    <a:lvl2pPr marL="457200" algn="l" defTabSz="914400" rtl="0" eaLnBrk="1" latinLnBrk="0" hangingPunct="1">
+      <a:defRPr sz="1200" kern="1200">
+        <a:solidFill>
+          <a:schemeClr val="tx1"/>
+        </a:solidFill>
+        <a:latin typeface="+mn-lt"/>
+        <a:ea typeface="+mn-ea"/>
+        <a:cs typeface="+mn-cs"/>
+      </a:defRPr>
+    </a:lvl2pPr>
+    <a:lvl3pPr marL="914400" algn="l" defTabSz="914400" rtl="0" eaLnBrk="1" latinLnBrk="0" hangingPunct="1">
+      <a:defRPr sz="1200" kern="1200">
+        <a:solidFill>
+          <a:schemeClr val="tx1"/>
+        </a:solidFill>
+        <a:latin typeface="+mn-lt"/>
+        <a:ea typeface="+mn-ea"/>
+        <a:cs typeface="+mn-cs"/>
+      </a:defRPr>
+    </a:lvl3pPr>
+    <a:lvl4pPr marL="1371600" algn="l" defTabSz="914400" rtl="0" eaLnBrk="1" latinLnBrk="0" hangingPunct="1">
+      <a:defRPr sz="1200" kern="1200">
+        <a:solidFill>
+          <a:schemeClr val="tx1"/>
+        </a:solidFill>
+        <a:latin typeface="+mn-lt"/>
+        <a:ea typeface="+mn-ea"/>
+        <a:cs typeface="+mn-cs"/>
+      </a:defRPr>
+    </a:lvl4pPr>
+    <a:lvl5pPr marL="1828800" algn="l" defTabSz="914400" rtl="0" eaLnBrk="1" latinLnBrk="0" hangingPunct="1">
+      <a:defRPr sz="1200" kern="1200">
+        <a:solidFill>
+          <a:schemeClr val="tx1"/>
+        </a:solidFill>
+        <a:latin typeface="+mn-lt"/>
+        <a:ea typeface="+mn-ea"/>
+        <a:cs typeface="+mn-cs"/>
+      </a:defRPr>
+    </a:lvl5pPr>
+    <a:lvl6pPr marL="2286000" algn="l" defTabSz="914400" rtl="0" eaLnBrk="1" latinLnBrk="0" hangingPunct="1">
+      <a:defRPr sz="1200" kern="1200">
+        <a:solidFill>
+          <a:schemeClr val="tx1"/>
+        </a:solidFill>
+        <a:latin typeface="+mn-lt"/>
+        <a:ea typeface="+mn-ea"/>
+        <a:cs typeface="+mn-cs"/>
+      </a:defRPr>
+    </a:lvl6pPr>
+    <a:lvl7pPr marL="2743200" algn="l" defTabSz="914400" rtl="0" eaLnBrk="1" latinLnBrk="0" hangingPunct="1">
+      <a:defRPr sz="1200" kern="1200">
+        <a:solidFill>
+          <a:schemeClr val="tx1"/>
+        </a:solidFill>
+        <a:latin typeface="+mn-lt"/>
+        <a:ea typeface="+mn-ea"/>
+        <a:cs typeface="+mn-cs"/>
+      </a:defRPr>
+    </a:lvl7pPr>
+    <a:lvl8pPr marL="3200400" algn="l" defTabSz="914400" rtl="0" eaLnBrk="1" latinLnBrk="0" hangingPunct="1">
+      <a:defRPr sz="1200" kern="1200">
+        <a:solidFill>
+          <a:schemeClr val="tx1"/>
+        </a:solidFill>
+        <a:latin typeface="+mn-lt"/>
+        <a:ea typeface="+mn-ea"/>
+        <a:cs typeface="+mn-cs"/>
+      </a:defRPr>
+    </a:lvl8pPr>
+    <a:lvl9pPr marL="3657600" algn="l" defTabSz="914400" rtl="0" eaLnBrk="1" latinLnBrk="0" hangingPunct="1">
+      <a:defRPr sz="1200" kern="1200">
+        <a:solidFill>
+          <a:schemeClr val="tx1"/>
+        </a:solidFill>
+        <a:latin typeface="+mn-lt"/>
+        <a:ea typeface="+mn-ea"/>
+        <a:cs typeface="+mn-cs"/>
+      </a:defRPr>
+    </a:lvl9pPr>
+  </p:notesStyle>
+</p:notesMaster>
+</file>
+
+<file path=ppt/notesSlides/notesSlide1.xml><?xml version="1.0" encoding="utf-8"?>
+<p:notes xmlns:a="http://schemas.openxmlformats.org/drawingml/2006/main" xmlns:r="http://schemas.openxmlformats.org/officeDocument/2006/relationships" xmlns:p="http://schemas.openxmlformats.org/presentationml/2006/main">
+  <p:cSld>
+    <p:spTree>
+      <p:nvGrpSpPr>
+        <p:cNvPr id="1" name=""/>
+        <p:cNvGrpSpPr/>
+        <p:nvPr/>
+      </p:nvGrpSpPr>
+      <p:grpSpPr>
+        <a:xfrm>
+          <a:off x="0" y="0"/>
+          <a:ext cx="0" cy="0"/>
+          <a:chOff x="0" y="0"/>
+          <a:chExt cx="0" cy="0"/>
+        </a:xfrm>
+      </p:grpSpPr>
+      <p:sp>
+        <p:nvSpPr>
+          <p:cNvPr id="2" name="Espaço Reservado para Imagem de Slide 1"/>
+          <p:cNvSpPr>
+            <a:spLocks noGrp="1" noRot="1" noChangeAspect="1"/>
+          </p:cNvSpPr>
+          <p:nvPr>
+            <p:ph type="sldImg"/>
+          </p:nvPr>
+        </p:nvSpPr>
+        <p:spPr/>
+      </p:sp>
+      <p:sp>
+        <p:nvSpPr>
+          <p:cNvPr id="3" name="Espaço Reservado para Anotações 2"/>
+          <p:cNvSpPr>
+            <a:spLocks noGrp="1"/>
+          </p:cNvSpPr>
+          <p:nvPr>
+            <p:ph type="body" idx="1"/>
+          </p:nvPr>
+        </p:nvSpPr>
+        <p:spPr/>
+        <p:txBody>
+          <a:bodyPr/>
+          <a:lstStyle/>
+          <a:p>
+            <a:r>
+              <a:rPr lang="pt-BR" b="0" i="0" dirty="0">
+                <a:solidFill>
+                  <a:srgbClr val="FFFFFF"/>
+                </a:solidFill>
+                <a:effectLst/>
+                <a:latin typeface="SF Pro Display"/>
+              </a:rPr>
+              <a:t> integração de tecnologias inovadoras nos </a:t>
+            </a:r>
+            <a:r>
+              <a:rPr lang="pt-BR" b="0" i="0" u="none" strike="noStrike" dirty="0">
+                <a:solidFill>
+                  <a:srgbClr val="FFFFFF"/>
+                </a:solidFill>
+                <a:effectLst/>
+                <a:latin typeface="SF Pro Display"/>
+              </a:rPr>
+              <a:t>museus</a:t>
+            </a:r>
+            <a:r>
+              <a:rPr lang="pt-BR" b="0" i="0" dirty="0">
+                <a:solidFill>
+                  <a:srgbClr val="FFFFFF"/>
+                </a:solidFill>
+                <a:effectLst/>
+                <a:latin typeface="SF Pro Display"/>
+              </a:rPr>
+              <a:t>, destacando a aplicação da </a:t>
+            </a:r>
+            <a:r>
+              <a:rPr lang="pt-BR" b="0" i="0" u="none" strike="noStrike" dirty="0">
+                <a:solidFill>
+                  <a:srgbClr val="FFFFFF"/>
+                </a:solidFill>
+                <a:effectLst/>
+                <a:latin typeface="SF Pro Display"/>
+              </a:rPr>
+              <a:t>Realidade Virtual</a:t>
+            </a:r>
+            <a:r>
+              <a:rPr lang="pt-BR" b="0" i="0" dirty="0">
+                <a:solidFill>
+                  <a:srgbClr val="FFFFFF"/>
+                </a:solidFill>
+                <a:effectLst/>
+                <a:latin typeface="SF Pro Display"/>
+              </a:rPr>
+              <a:t>, </a:t>
+            </a:r>
+            <a:r>
+              <a:rPr lang="pt-BR" b="0" i="0" u="none" strike="noStrike" dirty="0">
+                <a:solidFill>
+                  <a:srgbClr val="FFFFFF"/>
+                </a:solidFill>
+                <a:effectLst/>
+                <a:latin typeface="SF Pro Display"/>
+              </a:rPr>
+              <a:t>Realidade Aumentada</a:t>
+            </a:r>
+            <a:endParaRPr lang="pt-BR" dirty="0"/>
+          </a:p>
+        </p:txBody>
+      </p:sp>
+      <p:sp>
+        <p:nvSpPr>
+          <p:cNvPr id="4" name="Espaço Reservado para Número de Slide 3"/>
+          <p:cNvSpPr>
+            <a:spLocks noGrp="1"/>
+          </p:cNvSpPr>
+          <p:nvPr>
+            <p:ph type="sldNum" sz="quarter" idx="5"/>
+          </p:nvPr>
+        </p:nvSpPr>
+        <p:spPr/>
+        <p:txBody>
+          <a:bodyPr/>
+          <a:lstStyle/>
+          <a:p>
+            <a:fld id="{59D7498C-023E-4647-B375-524BE642DC09}" type="slidenum">
+              <a:rPr lang="pt-BR" smtClean="0"/>
+              <a:t>3</a:t>
+            </a:fld>
+            <a:endParaRPr lang="pt-BR"/>
+          </a:p>
+        </p:txBody>
+      </p:sp>
+    </p:spTree>
+    <p:extLst>
+      <p:ext uri="{BB962C8B-B14F-4D97-AF65-F5344CB8AC3E}">
+        <p14:creationId xmlns:p14="http://schemas.microsoft.com/office/powerpoint/2010/main" val="1051707678"/>
+      </p:ext>
+    </p:extLst>
+  </p:cSld>
+  <p:clrMapOvr>
+    <a:masterClrMapping/>
+  </p:clrMapOvr>
+</p:notes>
+</file>
+
+<file path=ppt/notesSlides/notesSlide10.xml><?xml version="1.0" encoding="utf-8"?>
+<p:notes xmlns:a="http://schemas.openxmlformats.org/drawingml/2006/main" xmlns:r="http://schemas.openxmlformats.org/officeDocument/2006/relationships" xmlns:p="http://schemas.openxmlformats.org/presentationml/2006/main">
+  <p:cSld>
+    <p:spTree>
+      <p:nvGrpSpPr>
+        <p:cNvPr id="1" name=""/>
+        <p:cNvGrpSpPr/>
+        <p:nvPr/>
+      </p:nvGrpSpPr>
+      <p:grpSpPr>
+        <a:xfrm>
+          <a:off x="0" y="0"/>
+          <a:ext cx="0" cy="0"/>
+          <a:chOff x="0" y="0"/>
+          <a:chExt cx="0" cy="0"/>
+        </a:xfrm>
+      </p:grpSpPr>
+      <p:sp>
+        <p:nvSpPr>
+          <p:cNvPr id="2" name="Espaço Reservado para Imagem de Slide 1"/>
+          <p:cNvSpPr>
+            <a:spLocks noGrp="1" noRot="1" noChangeAspect="1"/>
+          </p:cNvSpPr>
+          <p:nvPr>
+            <p:ph type="sldImg"/>
+          </p:nvPr>
+        </p:nvSpPr>
+        <p:spPr/>
+      </p:sp>
+      <p:sp>
+        <p:nvSpPr>
+          <p:cNvPr id="3" name="Espaço Reservado para Anotações 2"/>
+          <p:cNvSpPr>
+            <a:spLocks noGrp="1"/>
+          </p:cNvSpPr>
+          <p:nvPr>
+            <p:ph type="body" idx="1"/>
+          </p:nvPr>
+        </p:nvSpPr>
+        <p:spPr/>
+        <p:txBody>
+          <a:bodyPr/>
+          <a:lstStyle/>
+          <a:p>
+            <a:r>
+              <a:rPr lang="pt-BR" dirty="0"/>
+              <a:t>Do mirror foram usados 3 componentes </a:t>
+            </a:r>
+            <a:r>
+              <a:rPr lang="pt-BR" dirty="0" err="1"/>
+              <a:t>comocalos</a:t>
+            </a:r>
+            <a:r>
+              <a:rPr lang="pt-BR" dirty="0"/>
+              <a:t> em um GameObject chamado network </a:t>
+            </a:r>
+          </a:p>
+          <a:p>
+            <a:pPr>
+              <a:lnSpc>
+                <a:spcPct val="150000"/>
+              </a:lnSpc>
+            </a:pPr>
+            <a:r>
+              <a:rPr lang="pt-BR" sz="1200" kern="0" dirty="0"/>
+              <a:t>Network Manager ele é componente principal da conexão entre os dispositivos por que é por meio dele que eu posso iniciar um servidor e o clientes ;</a:t>
+            </a:r>
+          </a:p>
+          <a:p>
+            <a:pPr>
+              <a:lnSpc>
+                <a:spcPct val="150000"/>
+              </a:lnSpc>
+            </a:pPr>
+            <a:r>
+              <a:rPr lang="pt-BR" sz="1200" kern="0" dirty="0"/>
+              <a:t>Network Manager HUD é uma interface pronta e bem simples que traz ter opções iniciar um servidor e cliente, so um cliente ou so um servidor;</a:t>
+            </a:r>
+          </a:p>
+          <a:p>
+            <a:pPr>
+              <a:lnSpc>
+                <a:spcPct val="150000"/>
+              </a:lnSpc>
+            </a:pPr>
+            <a:r>
+              <a:rPr lang="pt-BR" sz="1200" kern="0" dirty="0" err="1"/>
+              <a:t>Telepathy</a:t>
+            </a:r>
+            <a:r>
+              <a:rPr lang="pt-BR" sz="1200" kern="0" dirty="0"/>
+              <a:t> </a:t>
+            </a:r>
+            <a:r>
+              <a:rPr lang="pt-BR" sz="1200" kern="0" dirty="0" err="1"/>
+              <a:t>Transport</a:t>
+            </a:r>
+            <a:r>
+              <a:rPr lang="pt-BR" sz="1200" kern="0" dirty="0"/>
+              <a:t> que se refere ao tipo de transferência de dados,  sendo que é ele que fica responsável pela sincronização das variáveis;</a:t>
+            </a:r>
+          </a:p>
+        </p:txBody>
+      </p:sp>
+      <p:sp>
+        <p:nvSpPr>
+          <p:cNvPr id="4" name="Espaço Reservado para Número de Slide 3"/>
+          <p:cNvSpPr>
+            <a:spLocks noGrp="1"/>
+          </p:cNvSpPr>
+          <p:nvPr>
+            <p:ph type="sldNum" sz="quarter" idx="5"/>
+          </p:nvPr>
+        </p:nvSpPr>
+        <p:spPr/>
+        <p:txBody>
+          <a:bodyPr/>
+          <a:lstStyle/>
+          <a:p>
+            <a:fld id="{59D7498C-023E-4647-B375-524BE642DC09}" type="slidenum">
+              <a:rPr lang="pt-BR" smtClean="0"/>
+              <a:t>15</a:t>
+            </a:fld>
+            <a:endParaRPr lang="pt-BR"/>
+          </a:p>
+        </p:txBody>
+      </p:sp>
+    </p:spTree>
+    <p:extLst>
+      <p:ext uri="{BB962C8B-B14F-4D97-AF65-F5344CB8AC3E}">
+        <p14:creationId xmlns:p14="http://schemas.microsoft.com/office/powerpoint/2010/main" val="1373876061"/>
+      </p:ext>
+    </p:extLst>
+  </p:cSld>
+  <p:clrMapOvr>
+    <a:masterClrMapping/>
+  </p:clrMapOvr>
+</p:notes>
+</file>
+
+<file path=ppt/notesSlides/notesSlide11.xml><?xml version="1.0" encoding="utf-8"?>
+<p:notes xmlns:a="http://schemas.openxmlformats.org/drawingml/2006/main" xmlns:r="http://schemas.openxmlformats.org/officeDocument/2006/relationships" xmlns:p="http://schemas.openxmlformats.org/presentationml/2006/main">
+  <p:cSld>
+    <p:spTree>
+      <p:nvGrpSpPr>
+        <p:cNvPr id="1" name=""/>
+        <p:cNvGrpSpPr/>
+        <p:nvPr/>
+      </p:nvGrpSpPr>
+      <p:grpSpPr>
+        <a:xfrm>
+          <a:off x="0" y="0"/>
+          <a:ext cx="0" cy="0"/>
+          <a:chOff x="0" y="0"/>
+          <a:chExt cx="0" cy="0"/>
+        </a:xfrm>
+      </p:grpSpPr>
+      <p:sp>
+        <p:nvSpPr>
+          <p:cNvPr id="2" name="Espaço Reservado para Imagem de Slide 1"/>
+          <p:cNvSpPr>
+            <a:spLocks noGrp="1" noRot="1" noChangeAspect="1"/>
+          </p:cNvSpPr>
+          <p:nvPr>
+            <p:ph type="sldImg"/>
+          </p:nvPr>
+        </p:nvSpPr>
+        <p:spPr/>
+      </p:sp>
+      <p:sp>
+        <p:nvSpPr>
+          <p:cNvPr id="3" name="Espaço Reservado para Anotações 2"/>
+          <p:cNvSpPr>
+            <a:spLocks noGrp="1"/>
+          </p:cNvSpPr>
+          <p:nvPr>
+            <p:ph type="body" idx="1"/>
+          </p:nvPr>
+        </p:nvSpPr>
+        <p:spPr/>
+        <p:txBody>
+          <a:bodyPr/>
+          <a:lstStyle/>
+          <a:p>
+            <a:r>
+              <a:rPr lang="pt-BR" dirty="0"/>
+              <a:t>Essa é a estrutura dos dispositivos</a:t>
+            </a:r>
+          </a:p>
+          <a:p>
+            <a:r>
+              <a:rPr lang="pt-BR" dirty="0"/>
+              <a:t>Onde o computador possui um instancia do FossilAR  tendo o servidor e o cliente </a:t>
+            </a:r>
+          </a:p>
+          <a:p>
+            <a:r>
+              <a:rPr lang="pt-BR" dirty="0"/>
+              <a:t>Esse computador esta conectado o leap motion que esta fixado na frente o </a:t>
+            </a:r>
+            <a:r>
+              <a:rPr lang="pt-BR" dirty="0" err="1"/>
+              <a:t>head</a:t>
+            </a:r>
+            <a:r>
+              <a:rPr lang="pt-BR" dirty="0"/>
+              <a:t> </a:t>
+            </a:r>
+            <a:r>
+              <a:rPr lang="pt-BR" dirty="0" err="1"/>
+              <a:t>mount</a:t>
+            </a:r>
+            <a:r>
+              <a:rPr lang="pt-BR" dirty="0"/>
+              <a:t> display</a:t>
+            </a:r>
+          </a:p>
+          <a:p>
+            <a:r>
+              <a:rPr lang="pt-BR" dirty="0"/>
+              <a:t>E dentro </a:t>
+            </a:r>
+            <a:r>
+              <a:rPr lang="pt-BR" dirty="0" err="1"/>
+              <a:t>head</a:t>
+            </a:r>
+            <a:r>
+              <a:rPr lang="pt-BR" dirty="0"/>
+              <a:t> </a:t>
+            </a:r>
+            <a:r>
+              <a:rPr lang="pt-BR" dirty="0" err="1"/>
+              <a:t>mount</a:t>
+            </a:r>
+            <a:r>
+              <a:rPr lang="pt-BR" dirty="0"/>
+              <a:t> display está o celular com a outra instancia do FossilAR, essa sendo so um cliente que se conecta ao servidor do computador via </a:t>
+            </a:r>
+            <a:r>
+              <a:rPr lang="pt-BR" dirty="0" err="1"/>
+              <a:t>wi-fi</a:t>
+            </a:r>
+            <a:endParaRPr lang="pt-BR" dirty="0"/>
+          </a:p>
+        </p:txBody>
+      </p:sp>
+      <p:sp>
+        <p:nvSpPr>
+          <p:cNvPr id="4" name="Espaço Reservado para Número de Slide 3"/>
+          <p:cNvSpPr>
+            <a:spLocks noGrp="1"/>
+          </p:cNvSpPr>
+          <p:nvPr>
+            <p:ph type="sldNum" sz="quarter" idx="5"/>
+          </p:nvPr>
+        </p:nvSpPr>
+        <p:spPr/>
+        <p:txBody>
+          <a:bodyPr/>
+          <a:lstStyle/>
+          <a:p>
+            <a:fld id="{59D7498C-023E-4647-B375-524BE642DC09}" type="slidenum">
+              <a:rPr lang="pt-BR" smtClean="0"/>
+              <a:t>16</a:t>
+            </a:fld>
+            <a:endParaRPr lang="pt-BR"/>
+          </a:p>
+        </p:txBody>
+      </p:sp>
+    </p:spTree>
+    <p:extLst>
+      <p:ext uri="{BB962C8B-B14F-4D97-AF65-F5344CB8AC3E}">
+        <p14:creationId xmlns:p14="http://schemas.microsoft.com/office/powerpoint/2010/main" val="3517268955"/>
+      </p:ext>
+    </p:extLst>
+  </p:cSld>
+  <p:clrMapOvr>
+    <a:masterClrMapping/>
+  </p:clrMapOvr>
+</p:notes>
+</file>
+
+<file path=ppt/notesSlides/notesSlide12.xml><?xml version="1.0" encoding="utf-8"?>
+<p:notes xmlns:a="http://schemas.openxmlformats.org/drawingml/2006/main" xmlns:r="http://schemas.openxmlformats.org/officeDocument/2006/relationships" xmlns:p="http://schemas.openxmlformats.org/presentationml/2006/main">
+  <p:cSld>
+    <p:spTree>
+      <p:nvGrpSpPr>
+        <p:cNvPr id="1" name=""/>
+        <p:cNvGrpSpPr/>
+        <p:nvPr/>
+      </p:nvGrpSpPr>
+      <p:grpSpPr>
+        <a:xfrm>
+          <a:off x="0" y="0"/>
+          <a:ext cx="0" cy="0"/>
+          <a:chOff x="0" y="0"/>
+          <a:chExt cx="0" cy="0"/>
+        </a:xfrm>
+      </p:grpSpPr>
+      <p:sp>
+        <p:nvSpPr>
+          <p:cNvPr id="2" name="Espaço Reservado para Imagem de Slide 1"/>
+          <p:cNvSpPr>
+            <a:spLocks noGrp="1" noRot="1" noChangeAspect="1"/>
+          </p:cNvSpPr>
+          <p:nvPr>
+            <p:ph type="sldImg"/>
+          </p:nvPr>
+        </p:nvSpPr>
+        <p:spPr/>
+      </p:sp>
+      <p:sp>
+        <p:nvSpPr>
+          <p:cNvPr id="3" name="Espaço Reservado para Anotações 2"/>
+          <p:cNvSpPr>
+            <a:spLocks noGrp="1"/>
+          </p:cNvSpPr>
+          <p:nvPr>
+            <p:ph type="body" idx="1"/>
+          </p:nvPr>
+        </p:nvSpPr>
+        <p:spPr/>
+        <p:txBody>
+          <a:bodyPr/>
+          <a:lstStyle/>
+          <a:p>
+            <a:r>
+              <a:rPr lang="pt-BR" dirty="0"/>
+              <a:t>Bom agora vou falar com foi feita a sincronização das instancias</a:t>
+            </a:r>
+          </a:p>
+          <a:p>
+            <a:r>
+              <a:rPr lang="pt-BR" dirty="0"/>
+              <a:t>Foram criados dois game </a:t>
+            </a:r>
+            <a:r>
+              <a:rPr lang="pt-BR" dirty="0" err="1"/>
+              <a:t>objects</a:t>
+            </a:r>
+            <a:r>
+              <a:rPr lang="pt-BR" dirty="0"/>
+              <a:t> o servidor e o player</a:t>
+            </a:r>
+          </a:p>
+          <a:p>
+            <a:r>
+              <a:rPr lang="pt-BR" dirty="0"/>
+              <a:t>Ambos possuíam dois componentes o </a:t>
+            </a:r>
+            <a:r>
+              <a:rPr lang="pt-BR" sz="1200" kern="0" dirty="0"/>
+              <a:t>Network Identity e o script do seu respectivo nome</a:t>
+            </a:r>
+          </a:p>
+          <a:p>
+            <a:r>
+              <a:rPr lang="pt-BR" dirty="0"/>
+              <a:t>O </a:t>
+            </a:r>
+            <a:r>
+              <a:rPr lang="pt-BR" sz="1200" kern="0" dirty="0"/>
+              <a:t>Network Identity é o componente que permite que autenticam esses GameObjects no servidor para poder mandar comandos</a:t>
+            </a:r>
+          </a:p>
+          <a:p>
+            <a:r>
+              <a:rPr lang="pt-BR" sz="1200" kern="0" dirty="0"/>
+              <a:t>Como era feira a sincronização </a:t>
+            </a:r>
+          </a:p>
+          <a:p>
+            <a:r>
+              <a:rPr lang="pt-BR" sz="1200" kern="0" dirty="0"/>
+              <a:t>o script servidor serve para armazenar as variáveis que vão ser sincronizadas em ambas as instancias, como também verifica se alguma delas foi alterada e acionar o método para atualizar especifico pra cada variável;</a:t>
+            </a:r>
+          </a:p>
+          <a:p>
+            <a:r>
+              <a:rPr lang="pt-BR" sz="1200" kern="0" dirty="0"/>
+              <a:t>Por fim temos o player, é ele o responsável por atualizar as variáveis de sincronização, verificando se houve mudanças no GameObjects ou recebendo chamadas de outros scripts para alterar as variáveis</a:t>
+            </a:r>
+          </a:p>
+          <a:p>
+            <a:r>
+              <a:rPr lang="pt-BR" sz="1200" kern="0" dirty="0" err="1"/>
+              <a:t>Palyer</a:t>
+            </a:r>
+            <a:r>
+              <a:rPr lang="pt-BR" sz="1200" kern="0" dirty="0"/>
+              <a:t> não é um parte incialmente da cena, ele é um Prefab um GameObject que já está configurado, em que ele é criado por outro script, no caso cada vez que uma </a:t>
+            </a:r>
+            <a:r>
+              <a:rPr lang="pt-BR" sz="1200" kern="0" dirty="0" err="1"/>
+              <a:t>instacia</a:t>
+            </a:r>
+            <a:r>
+              <a:rPr lang="pt-BR" sz="1200" kern="0" dirty="0"/>
+              <a:t> se conecta ao servidor ele cria um player para esta instancia;</a:t>
+            </a:r>
+          </a:p>
+        </p:txBody>
+      </p:sp>
+      <p:sp>
+        <p:nvSpPr>
+          <p:cNvPr id="4" name="Espaço Reservado para Número de Slide 3"/>
+          <p:cNvSpPr>
+            <a:spLocks noGrp="1"/>
+          </p:cNvSpPr>
+          <p:nvPr>
+            <p:ph type="sldNum" sz="quarter" idx="5"/>
+          </p:nvPr>
+        </p:nvSpPr>
+        <p:spPr/>
+        <p:txBody>
+          <a:bodyPr/>
+          <a:lstStyle/>
+          <a:p>
+            <a:fld id="{59D7498C-023E-4647-B375-524BE642DC09}" type="slidenum">
+              <a:rPr lang="pt-BR" smtClean="0"/>
+              <a:t>17</a:t>
+            </a:fld>
+            <a:endParaRPr lang="pt-BR"/>
+          </a:p>
+        </p:txBody>
+      </p:sp>
+    </p:spTree>
+    <p:extLst>
+      <p:ext uri="{BB962C8B-B14F-4D97-AF65-F5344CB8AC3E}">
+        <p14:creationId xmlns:p14="http://schemas.microsoft.com/office/powerpoint/2010/main" val="1212098644"/>
+      </p:ext>
+    </p:extLst>
+  </p:cSld>
+  <p:clrMapOvr>
+    <a:masterClrMapping/>
+  </p:clrMapOvr>
+</p:notes>
+</file>
+
+<file path=ppt/notesSlides/notesSlide13.xml><?xml version="1.0" encoding="utf-8"?>
+<p:notes xmlns:a="http://schemas.openxmlformats.org/drawingml/2006/main" xmlns:r="http://schemas.openxmlformats.org/officeDocument/2006/relationships" xmlns:p="http://schemas.openxmlformats.org/presentationml/2006/main">
+  <p:cSld>
+    <p:spTree>
+      <p:nvGrpSpPr>
+        <p:cNvPr id="1" name=""/>
+        <p:cNvGrpSpPr/>
+        <p:nvPr/>
+      </p:nvGrpSpPr>
+      <p:grpSpPr>
+        <a:xfrm>
+          <a:off x="0" y="0"/>
+          <a:ext cx="0" cy="0"/>
+          <a:chOff x="0" y="0"/>
+          <a:chExt cx="0" cy="0"/>
+        </a:xfrm>
+      </p:grpSpPr>
+      <p:sp>
+        <p:nvSpPr>
+          <p:cNvPr id="2" name="Espaço Reservado para Imagem de Slide 1"/>
+          <p:cNvSpPr>
+            <a:spLocks noGrp="1" noRot="1" noChangeAspect="1"/>
+          </p:cNvSpPr>
+          <p:nvPr>
+            <p:ph type="sldImg"/>
+          </p:nvPr>
+        </p:nvSpPr>
+        <p:spPr/>
+      </p:sp>
+      <p:sp>
+        <p:nvSpPr>
+          <p:cNvPr id="3" name="Espaço Reservado para Anotações 2"/>
+          <p:cNvSpPr>
+            <a:spLocks noGrp="1"/>
+          </p:cNvSpPr>
+          <p:nvPr>
+            <p:ph type="body" idx="1"/>
+          </p:nvPr>
+        </p:nvSpPr>
+        <p:spPr/>
+        <p:txBody>
+          <a:bodyPr/>
+          <a:lstStyle/>
+          <a:p>
+            <a:r>
+              <a:rPr lang="pt-BR" dirty="0"/>
+              <a:t>Agora indo para os botes e painel</a:t>
+            </a:r>
+          </a:p>
+          <a:p>
+            <a:r>
+              <a:rPr lang="pt-BR" dirty="0"/>
+              <a:t>Foram criados 4 scripts </a:t>
+            </a:r>
+          </a:p>
+          <a:p>
+            <a:pPr marL="0" marR="0" lvl="0" indent="0" algn="l" defTabSz="914400" rtl="0" eaLnBrk="1" fontAlgn="auto" latinLnBrk="0" hangingPunct="1">
+              <a:lnSpc>
+                <a:spcPct val="100000"/>
+              </a:lnSpc>
+              <a:spcBef>
+                <a:spcPts val="0"/>
+              </a:spcBef>
+              <a:spcAft>
+                <a:spcPts val="0"/>
+              </a:spcAft>
+              <a:buClrTx/>
+              <a:buSzTx/>
+              <a:buFontTx/>
+              <a:buNone/>
+              <a:tabLst/>
+              <a:defRPr/>
+            </a:pPr>
+            <a:r>
+              <a:rPr lang="pt-BR" dirty="0"/>
+              <a:t>Sendo o </a:t>
+            </a:r>
+            <a:r>
+              <a:rPr lang="pt-BR" sz="1200" kern="0" dirty="0"/>
+              <a:t>BotoesCallBack exclusivo da instancia do Windows e o outro três do Android</a:t>
+            </a:r>
+          </a:p>
+          <a:p>
+            <a:pPr marL="0" marR="0" lvl="0" indent="0" algn="l" defTabSz="914400" rtl="0" eaLnBrk="1" fontAlgn="auto" latinLnBrk="0" hangingPunct="1">
+              <a:lnSpc>
+                <a:spcPct val="100000"/>
+              </a:lnSpc>
+              <a:spcBef>
+                <a:spcPts val="0"/>
+              </a:spcBef>
+              <a:spcAft>
+                <a:spcPts val="0"/>
+              </a:spcAft>
+              <a:buClrTx/>
+              <a:buSzTx/>
+              <a:buFontTx/>
+              <a:buNone/>
+              <a:tabLst/>
+              <a:defRPr/>
+            </a:pPr>
+            <a:r>
+              <a:rPr lang="pt-BR" sz="1200" kern="0" dirty="0"/>
+              <a:t>O BotoesCallBack ele serve como uma ponte entre o player no Windows e os botões de interação</a:t>
+            </a:r>
+          </a:p>
+          <a:p>
+            <a:pPr>
+              <a:lnSpc>
+                <a:spcPct val="200000"/>
+              </a:lnSpc>
+            </a:pPr>
+            <a:r>
+              <a:rPr lang="pt-BR" sz="1200" kern="0" dirty="0"/>
+              <a:t>O BotoesControler tem a função de controlar todas as respostas visuais das interações dos botões, alterando as os botões as linhas e o painel que o usuário está vendo</a:t>
+            </a:r>
+          </a:p>
+          <a:p>
+            <a:pPr>
+              <a:lnSpc>
+                <a:spcPct val="200000"/>
+              </a:lnSpc>
+            </a:pPr>
+            <a:r>
+              <a:rPr lang="pt-BR" sz="1200" kern="0" dirty="0"/>
+              <a:t>O script Linha serve para desenhar corretamente as linhas dependendo de cada contexto;</a:t>
+            </a:r>
+          </a:p>
+          <a:p>
+            <a:pPr>
+              <a:lnSpc>
+                <a:spcPct val="200000"/>
+              </a:lnSpc>
+            </a:pPr>
+            <a:r>
+              <a:rPr lang="pt-BR" sz="1200" kern="0" dirty="0"/>
+              <a:t> por fim temos o painel que guarda as informações de sobre o fóssil e  dependendo de que botão foi acionado e do contexto da cena, ele mostra as informações especificas.</a:t>
+            </a:r>
+          </a:p>
+          <a:p>
+            <a:pPr marL="0" marR="0" lvl="0" indent="0" algn="l" defTabSz="914400" rtl="0" eaLnBrk="1" fontAlgn="auto" latinLnBrk="0" hangingPunct="1">
+              <a:lnSpc>
+                <a:spcPct val="100000"/>
+              </a:lnSpc>
+              <a:spcBef>
+                <a:spcPts val="0"/>
+              </a:spcBef>
+              <a:spcAft>
+                <a:spcPts val="0"/>
+              </a:spcAft>
+              <a:buClrTx/>
+              <a:buSzTx/>
+              <a:buFontTx/>
+              <a:buNone/>
+              <a:tabLst/>
+              <a:defRPr/>
+            </a:pPr>
+            <a:endParaRPr lang="pt-BR" sz="1200" kern="0" dirty="0"/>
+          </a:p>
+        </p:txBody>
+      </p:sp>
+      <p:sp>
+        <p:nvSpPr>
+          <p:cNvPr id="4" name="Espaço Reservado para Número de Slide 3"/>
+          <p:cNvSpPr>
+            <a:spLocks noGrp="1"/>
+          </p:cNvSpPr>
+          <p:nvPr>
+            <p:ph type="sldNum" sz="quarter" idx="5"/>
+          </p:nvPr>
+        </p:nvSpPr>
+        <p:spPr/>
+        <p:txBody>
+          <a:bodyPr/>
+          <a:lstStyle/>
+          <a:p>
+            <a:fld id="{59D7498C-023E-4647-B375-524BE642DC09}" type="slidenum">
+              <a:rPr lang="pt-BR" smtClean="0"/>
+              <a:t>18</a:t>
+            </a:fld>
+            <a:endParaRPr lang="pt-BR"/>
+          </a:p>
+        </p:txBody>
+      </p:sp>
+    </p:spTree>
+    <p:extLst>
+      <p:ext uri="{BB962C8B-B14F-4D97-AF65-F5344CB8AC3E}">
+        <p14:creationId xmlns:p14="http://schemas.microsoft.com/office/powerpoint/2010/main" val="941518211"/>
+      </p:ext>
+    </p:extLst>
+  </p:cSld>
+  <p:clrMapOvr>
+    <a:masterClrMapping/>
+  </p:clrMapOvr>
+</p:notes>
+</file>
+
+<file path=ppt/notesSlides/notesSlide14.xml><?xml version="1.0" encoding="utf-8"?>
+<p:notes xmlns:a="http://schemas.openxmlformats.org/drawingml/2006/main" xmlns:r="http://schemas.openxmlformats.org/officeDocument/2006/relationships" xmlns:p="http://schemas.openxmlformats.org/presentationml/2006/main">
+  <p:cSld>
+    <p:spTree>
+      <p:nvGrpSpPr>
+        <p:cNvPr id="1" name=""/>
+        <p:cNvGrpSpPr/>
+        <p:nvPr/>
+      </p:nvGrpSpPr>
+      <p:grpSpPr>
+        <a:xfrm>
+          <a:off x="0" y="0"/>
+          <a:ext cx="0" cy="0"/>
+          <a:chOff x="0" y="0"/>
+          <a:chExt cx="0" cy="0"/>
+        </a:xfrm>
+      </p:grpSpPr>
+      <p:sp>
+        <p:nvSpPr>
+          <p:cNvPr id="2" name="Espaço Reservado para Imagem de Slide 1"/>
+          <p:cNvSpPr>
+            <a:spLocks noGrp="1" noRot="1" noChangeAspect="1"/>
+          </p:cNvSpPr>
+          <p:nvPr>
+            <p:ph type="sldImg"/>
+          </p:nvPr>
+        </p:nvSpPr>
+        <p:spPr/>
+      </p:sp>
+      <p:sp>
+        <p:nvSpPr>
+          <p:cNvPr id="3" name="Espaço Reservado para Anotações 2"/>
+          <p:cNvSpPr>
+            <a:spLocks noGrp="1"/>
+          </p:cNvSpPr>
+          <p:nvPr>
+            <p:ph type="body" idx="1"/>
+          </p:nvPr>
+        </p:nvSpPr>
+        <p:spPr/>
+        <p:txBody>
+          <a:bodyPr/>
+          <a:lstStyle/>
+          <a:p>
+            <a:r>
+              <a:rPr lang="pt-BR" dirty="0"/>
+              <a:t>A primeira abordagem que consistia em deixar todo o processamento no computador  e o celular servir como uma tela pro usuário visualizar</a:t>
+            </a:r>
+          </a:p>
+          <a:p>
+            <a:r>
+              <a:rPr lang="pt-BR" dirty="0"/>
+              <a:t>Mas por causa de problemas de compatibilidade do leap motion e vuforia no Windows , foi optado em deixar o vuforia no celular e o leap motion no computador e usar o mirror para fazer a</a:t>
+            </a:r>
+          </a:p>
+          <a:p>
+            <a:r>
+              <a:rPr lang="pt-BR" dirty="0"/>
+              <a:t>Comunicação </a:t>
+            </a:r>
+          </a:p>
+          <a:p>
+            <a:r>
+              <a:rPr lang="pt-BR" dirty="0"/>
+              <a:t>Graças a isso tive alguns problemas de sincronização, que foram mitigados usando uma hierarquia de GameObjects similar, criação de GameObjects intermediários para faze pequenos ajustes e testes para determinar se a posição e rotação seriam pegas em relação a uma referência local ou global.</a:t>
+            </a:r>
+          </a:p>
+          <a:p>
+            <a:r>
+              <a:rPr lang="pt-BR" dirty="0"/>
+              <a:t> outro problema foi que o GameObjects ficam tendo várias pequenas variações nas suas posições e rotações, isso se dava pela detecção dos marcadores que sempre variava um pouco a posição</a:t>
+            </a:r>
+          </a:p>
+          <a:p>
+            <a:r>
+              <a:rPr lang="pt-BR" dirty="0"/>
+              <a:t>Logo a cada variação era acionado os métodos de sincronização e atualização de posição, o problema foi resolvido testando a variação da posição, e se ela passa-se de um certo valor acionava a sincronização.</a:t>
+            </a:r>
+          </a:p>
+          <a:p>
+            <a:r>
+              <a:rPr lang="pt-BR" dirty="0"/>
+              <a:t>Por fim foi notado que o marcador do fóssil não era detectado se ele estivesse de cabeça pra baixo ou em posições que apresentavam uma ambiguidade, isso é ainda mais evidente pelo fato do fóssil ter uma cor so;</a:t>
+            </a:r>
+          </a:p>
+        </p:txBody>
+      </p:sp>
+      <p:sp>
+        <p:nvSpPr>
+          <p:cNvPr id="4" name="Espaço Reservado para Número de Slide 3"/>
+          <p:cNvSpPr>
+            <a:spLocks noGrp="1"/>
+          </p:cNvSpPr>
+          <p:nvPr>
+            <p:ph type="sldNum" sz="quarter" idx="5"/>
+          </p:nvPr>
+        </p:nvSpPr>
+        <p:spPr/>
+        <p:txBody>
+          <a:bodyPr/>
+          <a:lstStyle/>
+          <a:p>
+            <a:fld id="{59D7498C-023E-4647-B375-524BE642DC09}" type="slidenum">
+              <a:rPr lang="pt-BR" smtClean="0"/>
+              <a:t>19</a:t>
+            </a:fld>
+            <a:endParaRPr lang="pt-BR"/>
+          </a:p>
+        </p:txBody>
+      </p:sp>
+    </p:spTree>
+    <p:extLst>
+      <p:ext uri="{BB962C8B-B14F-4D97-AF65-F5344CB8AC3E}">
+        <p14:creationId xmlns:p14="http://schemas.microsoft.com/office/powerpoint/2010/main" val="3186062412"/>
+      </p:ext>
+    </p:extLst>
+  </p:cSld>
+  <p:clrMapOvr>
+    <a:masterClrMapping/>
+  </p:clrMapOvr>
+</p:notes>
+</file>
+
+<file path=ppt/notesSlides/notesSlide2.xml><?xml version="1.0" encoding="utf-8"?>
+<p:notes xmlns:a="http://schemas.openxmlformats.org/drawingml/2006/main" xmlns:r="http://schemas.openxmlformats.org/officeDocument/2006/relationships" xmlns:p="http://schemas.openxmlformats.org/presentationml/2006/main">
+  <p:cSld>
+    <p:spTree>
+      <p:nvGrpSpPr>
+        <p:cNvPr id="1" name=""/>
+        <p:cNvGrpSpPr/>
+        <p:nvPr/>
+      </p:nvGrpSpPr>
+      <p:grpSpPr>
+        <a:xfrm>
+          <a:off x="0" y="0"/>
+          <a:ext cx="0" cy="0"/>
+          <a:chOff x="0" y="0"/>
+          <a:chExt cx="0" cy="0"/>
+        </a:xfrm>
+      </p:grpSpPr>
+      <p:sp>
+        <p:nvSpPr>
+          <p:cNvPr id="2" name="Espaço Reservado para Imagem de Slide 1"/>
+          <p:cNvSpPr>
+            <a:spLocks noGrp="1" noRot="1" noChangeAspect="1"/>
+          </p:cNvSpPr>
+          <p:nvPr>
+            <p:ph type="sldImg"/>
+          </p:nvPr>
+        </p:nvSpPr>
+        <p:spPr/>
+      </p:sp>
+      <p:sp>
+        <p:nvSpPr>
+          <p:cNvPr id="3" name="Espaço Reservado para Anotações 2"/>
+          <p:cNvSpPr>
+            <a:spLocks noGrp="1"/>
+          </p:cNvSpPr>
+          <p:nvPr>
+            <p:ph type="body" idx="1"/>
+          </p:nvPr>
+        </p:nvSpPr>
+        <p:spPr/>
+        <p:txBody>
+          <a:bodyPr/>
+          <a:lstStyle/>
+          <a:p>
+            <a:r>
+              <a:rPr lang="pt-BR" dirty="0"/>
+              <a:t>Para poder desenvolver o meu trabalho foi nesse cario eu estudar primeiramente sobre os museus já que esse seria o foco do tema da minha aplicação</a:t>
+            </a:r>
+          </a:p>
+          <a:p>
+            <a:r>
+              <a:rPr lang="pt-BR" dirty="0"/>
+              <a:t>Segundamente sobre realidade aumentada, tentando entender melhor o que é realidade aumentada e suas principais características, como a ancoragem</a:t>
+            </a:r>
+          </a:p>
+          <a:p>
+            <a:r>
+              <a:rPr lang="pt-BR" dirty="0"/>
+              <a:t>Também precisei entender um pouco mais sobre o leap motion, já que eu teria que utiliza-lo</a:t>
+            </a:r>
+          </a:p>
+          <a:p>
+            <a:r>
+              <a:rPr lang="pt-BR" dirty="0"/>
+              <a:t>Por fim modelos virtuais já que tudo o que tudo o que eu iria fazer no desenvolvimento do trabalho acabaria usando os conceitos do modelos virtuais</a:t>
+            </a:r>
+          </a:p>
+        </p:txBody>
+      </p:sp>
+      <p:sp>
+        <p:nvSpPr>
+          <p:cNvPr id="4" name="Espaço Reservado para Número de Slide 3"/>
+          <p:cNvSpPr>
+            <a:spLocks noGrp="1"/>
+          </p:cNvSpPr>
+          <p:nvPr>
+            <p:ph type="sldNum" sz="quarter" idx="5"/>
+          </p:nvPr>
+        </p:nvSpPr>
+        <p:spPr/>
+        <p:txBody>
+          <a:bodyPr/>
+          <a:lstStyle/>
+          <a:p>
+            <a:fld id="{59D7498C-023E-4647-B375-524BE642DC09}" type="slidenum">
+              <a:rPr lang="pt-BR" smtClean="0"/>
+              <a:t>6</a:t>
+            </a:fld>
+            <a:endParaRPr lang="pt-BR"/>
+          </a:p>
+        </p:txBody>
+      </p:sp>
+    </p:spTree>
+    <p:extLst>
+      <p:ext uri="{BB962C8B-B14F-4D97-AF65-F5344CB8AC3E}">
+        <p14:creationId xmlns:p14="http://schemas.microsoft.com/office/powerpoint/2010/main" val="2650937782"/>
+      </p:ext>
+    </p:extLst>
+  </p:cSld>
+  <p:clrMapOvr>
+    <a:masterClrMapping/>
+  </p:clrMapOvr>
+</p:notes>
+</file>
+
+<file path=ppt/notesSlides/notesSlide3.xml><?xml version="1.0" encoding="utf-8"?>
+<p:notes xmlns:a="http://schemas.openxmlformats.org/drawingml/2006/main" xmlns:r="http://schemas.openxmlformats.org/officeDocument/2006/relationships" xmlns:p="http://schemas.openxmlformats.org/presentationml/2006/main">
+  <p:cSld>
+    <p:spTree>
+      <p:nvGrpSpPr>
+        <p:cNvPr id="1" name=""/>
+        <p:cNvGrpSpPr/>
+        <p:nvPr/>
+      </p:nvGrpSpPr>
+      <p:grpSpPr>
+        <a:xfrm>
+          <a:off x="0" y="0"/>
+          <a:ext cx="0" cy="0"/>
+          <a:chOff x="0" y="0"/>
+          <a:chExt cx="0" cy="0"/>
+        </a:xfrm>
+      </p:grpSpPr>
+      <p:sp>
+        <p:nvSpPr>
+          <p:cNvPr id="2" name="Espaço Reservado para Imagem de Slide 1"/>
+          <p:cNvSpPr>
+            <a:spLocks noGrp="1" noRot="1" noChangeAspect="1"/>
+          </p:cNvSpPr>
+          <p:nvPr>
+            <p:ph type="sldImg"/>
+          </p:nvPr>
+        </p:nvSpPr>
+        <p:spPr/>
+      </p:sp>
+      <p:sp>
+        <p:nvSpPr>
+          <p:cNvPr id="3" name="Espaço Reservado para Anotações 2"/>
+          <p:cNvSpPr>
+            <a:spLocks noGrp="1"/>
+          </p:cNvSpPr>
+          <p:nvPr>
+            <p:ph type="body" idx="1"/>
+          </p:nvPr>
+        </p:nvSpPr>
+        <p:spPr/>
+        <p:txBody>
+          <a:bodyPr/>
+          <a:lstStyle/>
+          <a:p>
+            <a:r>
+              <a:rPr lang="pt-BR" dirty="0"/>
+              <a:t>Cardoso desenvolveu uma aplicação chamada RAINFOR, que usava realidade aumentada, para auxiliar o ensino, permitindo que os alunos pudessem visualizar os componentes que sobre os quais estavam aprendendo</a:t>
+            </a:r>
+          </a:p>
+        </p:txBody>
+      </p:sp>
+      <p:sp>
+        <p:nvSpPr>
+          <p:cNvPr id="4" name="Espaço Reservado para Número de Slide 3"/>
+          <p:cNvSpPr>
+            <a:spLocks noGrp="1"/>
+          </p:cNvSpPr>
+          <p:nvPr>
+            <p:ph type="sldNum" sz="quarter" idx="5"/>
+          </p:nvPr>
+        </p:nvSpPr>
+        <p:spPr/>
+        <p:txBody>
+          <a:bodyPr/>
+          <a:lstStyle/>
+          <a:p>
+            <a:fld id="{59D7498C-023E-4647-B375-524BE642DC09}" type="slidenum">
+              <a:rPr lang="pt-BR" smtClean="0"/>
+              <a:t>7</a:t>
+            </a:fld>
+            <a:endParaRPr lang="pt-BR"/>
+          </a:p>
+        </p:txBody>
+      </p:sp>
+    </p:spTree>
+    <p:extLst>
+      <p:ext uri="{BB962C8B-B14F-4D97-AF65-F5344CB8AC3E}">
+        <p14:creationId xmlns:p14="http://schemas.microsoft.com/office/powerpoint/2010/main" val="2467832475"/>
+      </p:ext>
+    </p:extLst>
+  </p:cSld>
+  <p:clrMapOvr>
+    <a:masterClrMapping/>
+  </p:clrMapOvr>
+</p:notes>
+</file>
+
+<file path=ppt/notesSlides/notesSlide4.xml><?xml version="1.0" encoding="utf-8"?>
+<p:notes xmlns:a="http://schemas.openxmlformats.org/drawingml/2006/main" xmlns:r="http://schemas.openxmlformats.org/officeDocument/2006/relationships" xmlns:p="http://schemas.openxmlformats.org/presentationml/2006/main">
+  <p:cSld>
+    <p:spTree>
+      <p:nvGrpSpPr>
+        <p:cNvPr id="1" name=""/>
+        <p:cNvGrpSpPr/>
+        <p:nvPr/>
+      </p:nvGrpSpPr>
+      <p:grpSpPr>
+        <a:xfrm>
+          <a:off x="0" y="0"/>
+          <a:ext cx="0" cy="0"/>
+          <a:chOff x="0" y="0"/>
+          <a:chExt cx="0" cy="0"/>
+        </a:xfrm>
+      </p:grpSpPr>
+      <p:sp>
+        <p:nvSpPr>
+          <p:cNvPr id="2" name="Espaço Reservado para Imagem de Slide 1"/>
+          <p:cNvSpPr>
+            <a:spLocks noGrp="1" noRot="1" noChangeAspect="1"/>
+          </p:cNvSpPr>
+          <p:nvPr>
+            <p:ph type="sldImg"/>
+          </p:nvPr>
+        </p:nvSpPr>
+        <p:spPr/>
+      </p:sp>
+      <p:sp>
+        <p:nvSpPr>
+          <p:cNvPr id="3" name="Espaço Reservado para Anotações 2"/>
+          <p:cNvSpPr>
+            <a:spLocks noGrp="1"/>
+          </p:cNvSpPr>
+          <p:nvPr>
+            <p:ph type="body" idx="1"/>
+          </p:nvPr>
+        </p:nvSpPr>
+        <p:spPr/>
+        <p:txBody>
+          <a:bodyPr/>
+          <a:lstStyle/>
+          <a:p>
+            <a:r>
+              <a:rPr lang="pt-BR" dirty="0"/>
+              <a:t>Bento desenvolveu uma aplicação para desenho em realidade virtual em conjunto com o leap motion, no qual permitia o usuário desenhar usando as mãos, além de opções de salva e apagar o desenho, e também de mudar o ambiente no qual se desenhava.</a:t>
+            </a:r>
+          </a:p>
+        </p:txBody>
+      </p:sp>
+      <p:sp>
+        <p:nvSpPr>
+          <p:cNvPr id="4" name="Espaço Reservado para Número de Slide 3"/>
+          <p:cNvSpPr>
+            <a:spLocks noGrp="1"/>
+          </p:cNvSpPr>
+          <p:nvPr>
+            <p:ph type="sldNum" sz="quarter" idx="5"/>
+          </p:nvPr>
+        </p:nvSpPr>
+        <p:spPr/>
+        <p:txBody>
+          <a:bodyPr/>
+          <a:lstStyle/>
+          <a:p>
+            <a:fld id="{59D7498C-023E-4647-B375-524BE642DC09}" type="slidenum">
+              <a:rPr lang="pt-BR" smtClean="0"/>
+              <a:t>8</a:t>
+            </a:fld>
+            <a:endParaRPr lang="pt-BR"/>
+          </a:p>
+        </p:txBody>
+      </p:sp>
+    </p:spTree>
+    <p:extLst>
+      <p:ext uri="{BB962C8B-B14F-4D97-AF65-F5344CB8AC3E}">
+        <p14:creationId xmlns:p14="http://schemas.microsoft.com/office/powerpoint/2010/main" val="1842531399"/>
+      </p:ext>
+    </p:extLst>
+  </p:cSld>
+  <p:clrMapOvr>
+    <a:masterClrMapping/>
+  </p:clrMapOvr>
+</p:notes>
+</file>
+
+<file path=ppt/notesSlides/notesSlide5.xml><?xml version="1.0" encoding="utf-8"?>
+<p:notes xmlns:a="http://schemas.openxmlformats.org/drawingml/2006/main" xmlns:r="http://schemas.openxmlformats.org/officeDocument/2006/relationships" xmlns:p="http://schemas.openxmlformats.org/presentationml/2006/main">
+  <p:cSld>
+    <p:spTree>
+      <p:nvGrpSpPr>
+        <p:cNvPr id="1" name=""/>
+        <p:cNvGrpSpPr/>
+        <p:nvPr/>
+      </p:nvGrpSpPr>
+      <p:grpSpPr>
+        <a:xfrm>
+          <a:off x="0" y="0"/>
+          <a:ext cx="0" cy="0"/>
+          <a:chOff x="0" y="0"/>
+          <a:chExt cx="0" cy="0"/>
+        </a:xfrm>
+      </p:grpSpPr>
+      <p:sp>
+        <p:nvSpPr>
+          <p:cNvPr id="2" name="Espaço Reservado para Imagem de Slide 1"/>
+          <p:cNvSpPr>
+            <a:spLocks noGrp="1" noRot="1" noChangeAspect="1"/>
+          </p:cNvSpPr>
+          <p:nvPr>
+            <p:ph type="sldImg"/>
+          </p:nvPr>
+        </p:nvSpPr>
+        <p:spPr/>
+      </p:sp>
+      <p:sp>
+        <p:nvSpPr>
+          <p:cNvPr id="3" name="Espaço Reservado para Anotações 2"/>
+          <p:cNvSpPr>
+            <a:spLocks noGrp="1"/>
+          </p:cNvSpPr>
+          <p:nvPr>
+            <p:ph type="body" idx="1"/>
+          </p:nvPr>
+        </p:nvSpPr>
+        <p:spPr/>
+        <p:txBody>
+          <a:bodyPr/>
+          <a:lstStyle/>
+          <a:p>
+            <a:r>
+              <a:rPr lang="pt-BR" dirty="0"/>
+              <a:t>Valentine fez no seu trabalho contava com um estudo sobre principais movimentos para manipular objetos e com detecta-los, em seguida ele criou uma experiencia para testar a eficácia de usar o leap motion e a realidade aumentada para implementar uma metodologia de montagem virtual interativa.</a:t>
+            </a:r>
+          </a:p>
+        </p:txBody>
+      </p:sp>
+      <p:sp>
+        <p:nvSpPr>
+          <p:cNvPr id="4" name="Espaço Reservado para Número de Slide 3"/>
+          <p:cNvSpPr>
+            <a:spLocks noGrp="1"/>
+          </p:cNvSpPr>
+          <p:nvPr>
+            <p:ph type="sldNum" sz="quarter" idx="5"/>
+          </p:nvPr>
+        </p:nvSpPr>
+        <p:spPr/>
+        <p:txBody>
+          <a:bodyPr/>
+          <a:lstStyle/>
+          <a:p>
+            <a:fld id="{59D7498C-023E-4647-B375-524BE642DC09}" type="slidenum">
+              <a:rPr lang="pt-BR" smtClean="0"/>
+              <a:t>9</a:t>
+            </a:fld>
+            <a:endParaRPr lang="pt-BR"/>
+          </a:p>
+        </p:txBody>
+      </p:sp>
+    </p:spTree>
+    <p:extLst>
+      <p:ext uri="{BB962C8B-B14F-4D97-AF65-F5344CB8AC3E}">
+        <p14:creationId xmlns:p14="http://schemas.microsoft.com/office/powerpoint/2010/main" val="3518434804"/>
+      </p:ext>
+    </p:extLst>
+  </p:cSld>
+  <p:clrMapOvr>
+    <a:masterClrMapping/>
+  </p:clrMapOvr>
+</p:notes>
+</file>
+
+<file path=ppt/notesSlides/notesSlide6.xml><?xml version="1.0" encoding="utf-8"?>
+<p:notes xmlns:a="http://schemas.openxmlformats.org/drawingml/2006/main" xmlns:r="http://schemas.openxmlformats.org/officeDocument/2006/relationships" xmlns:p="http://schemas.openxmlformats.org/presentationml/2006/main">
+  <p:cSld>
+    <p:spTree>
+      <p:nvGrpSpPr>
+        <p:cNvPr id="1" name=""/>
+        <p:cNvGrpSpPr/>
+        <p:nvPr/>
+      </p:nvGrpSpPr>
+      <p:grpSpPr>
+        <a:xfrm>
+          <a:off x="0" y="0"/>
+          <a:ext cx="0" cy="0"/>
+          <a:chOff x="0" y="0"/>
+          <a:chExt cx="0" cy="0"/>
+        </a:xfrm>
+      </p:grpSpPr>
+      <p:sp>
+        <p:nvSpPr>
+          <p:cNvPr id="2" name="Espaço Reservado para Imagem de Slide 1"/>
+          <p:cNvSpPr>
+            <a:spLocks noGrp="1" noRot="1" noChangeAspect="1"/>
+          </p:cNvSpPr>
+          <p:nvPr>
+            <p:ph type="sldImg"/>
+          </p:nvPr>
+        </p:nvSpPr>
+        <p:spPr/>
+      </p:sp>
+      <p:sp>
+        <p:nvSpPr>
+          <p:cNvPr id="3" name="Espaço Reservado para Anotações 2"/>
+          <p:cNvSpPr>
+            <a:spLocks noGrp="1"/>
+          </p:cNvSpPr>
+          <p:nvPr>
+            <p:ph type="body" idx="1"/>
+          </p:nvPr>
+        </p:nvSpPr>
+        <p:spPr/>
+        <p:txBody>
+          <a:bodyPr/>
+          <a:lstStyle/>
+          <a:p>
+            <a:r>
+              <a:rPr lang="pt-BR" dirty="0"/>
+              <a:t>O FossilAR foi desenvolvido pra criar uma experiencia de interação com peças do acervo da Exposição de História Natural Fritz Müller, que contava com quatro principais pontos, o fóssil sendo o marcador principal da cena, sendo ele que o usuário poderia manipular, em segundo os botões que se situavam em no fóssil , que o usuário poderia acionar para mostrar informações, estas que eram mostradas em um painel virtual ancorado ao um marcador que fica no banner da exposição, e por fim tem as miniatura ancoradas na mão esquerda do usuário, que permitiam o usuário ao aciona-las mudar o contexto da cena, mudando as informações que poderiam ser mostradas para o usuário, como os objetos em volta do fóssil.</a:t>
+            </a:r>
+          </a:p>
+        </p:txBody>
+      </p:sp>
+      <p:sp>
+        <p:nvSpPr>
+          <p:cNvPr id="4" name="Espaço Reservado para Número de Slide 3"/>
+          <p:cNvSpPr>
+            <a:spLocks noGrp="1"/>
+          </p:cNvSpPr>
+          <p:nvPr>
+            <p:ph type="sldNum" sz="quarter" idx="5"/>
+          </p:nvPr>
+        </p:nvSpPr>
+        <p:spPr/>
+        <p:txBody>
+          <a:bodyPr/>
+          <a:lstStyle/>
+          <a:p>
+            <a:fld id="{59D7498C-023E-4647-B375-524BE642DC09}" type="slidenum">
+              <a:rPr lang="pt-BR" smtClean="0"/>
+              <a:t>11</a:t>
+            </a:fld>
+            <a:endParaRPr lang="pt-BR"/>
+          </a:p>
+        </p:txBody>
+      </p:sp>
+    </p:spTree>
+    <p:extLst>
+      <p:ext uri="{BB962C8B-B14F-4D97-AF65-F5344CB8AC3E}">
+        <p14:creationId xmlns:p14="http://schemas.microsoft.com/office/powerpoint/2010/main" val="396102269"/>
+      </p:ext>
+    </p:extLst>
+  </p:cSld>
+  <p:clrMapOvr>
+    <a:masterClrMapping/>
+  </p:clrMapOvr>
+</p:notes>
+</file>
+
+<file path=ppt/notesSlides/notesSlide7.xml><?xml version="1.0" encoding="utf-8"?>
+<p:notes xmlns:a="http://schemas.openxmlformats.org/drawingml/2006/main" xmlns:r="http://schemas.openxmlformats.org/officeDocument/2006/relationships" xmlns:p="http://schemas.openxmlformats.org/presentationml/2006/main">
+  <p:cSld>
+    <p:spTree>
+      <p:nvGrpSpPr>
+        <p:cNvPr id="1" name=""/>
+        <p:cNvGrpSpPr/>
+        <p:nvPr/>
+      </p:nvGrpSpPr>
+      <p:grpSpPr>
+        <a:xfrm>
+          <a:off x="0" y="0"/>
+          <a:ext cx="0" cy="0"/>
+          <a:chOff x="0" y="0"/>
+          <a:chExt cx="0" cy="0"/>
+        </a:xfrm>
+      </p:grpSpPr>
+      <p:sp>
+        <p:nvSpPr>
+          <p:cNvPr id="2" name="Espaço Reservado para Imagem de Slide 1"/>
+          <p:cNvSpPr>
+            <a:spLocks noGrp="1" noRot="1" noChangeAspect="1"/>
+          </p:cNvSpPr>
+          <p:nvPr>
+            <p:ph type="sldImg"/>
+          </p:nvPr>
+        </p:nvSpPr>
+        <p:spPr/>
+      </p:sp>
+      <p:sp>
+        <p:nvSpPr>
+          <p:cNvPr id="3" name="Espaço Reservado para Anotações 2"/>
+          <p:cNvSpPr>
+            <a:spLocks noGrp="1"/>
+          </p:cNvSpPr>
+          <p:nvPr>
+            <p:ph type="body" idx="1"/>
+          </p:nvPr>
+        </p:nvSpPr>
+        <p:spPr/>
+        <p:txBody>
+          <a:bodyPr/>
+          <a:lstStyle/>
+          <a:p>
+            <a:pPr>
+              <a:lnSpc>
+                <a:spcPct val="150000"/>
+              </a:lnSpc>
+            </a:pPr>
+            <a:r>
+              <a:rPr lang="pt-BR" sz="1200" kern="0" dirty="0"/>
+              <a:t>O FossilAR foi desenvolvido no Unity e em conjunto</a:t>
+            </a:r>
+          </a:p>
+          <a:p>
+            <a:pPr>
+              <a:lnSpc>
+                <a:spcPct val="150000"/>
+              </a:lnSpc>
+            </a:pPr>
+            <a:r>
+              <a:rPr lang="pt-BR" sz="1200" kern="0" dirty="0"/>
+              <a:t>Foram usada 3 bibliotecas para o desenvolvimento</a:t>
+            </a:r>
+          </a:p>
+          <a:p>
+            <a:pPr>
+              <a:lnSpc>
+                <a:spcPct val="150000"/>
+              </a:lnSpc>
+            </a:pPr>
+            <a:r>
+              <a:rPr lang="pt-BR" sz="1200" kern="0" dirty="0"/>
+              <a:t>Ultraleap Tracking para trabalhar com o leap motion</a:t>
+            </a:r>
+          </a:p>
+          <a:p>
+            <a:pPr>
+              <a:lnSpc>
+                <a:spcPct val="150000"/>
+              </a:lnSpc>
+            </a:pPr>
+            <a:r>
+              <a:rPr lang="pt-BR" sz="1200" kern="0" dirty="0"/>
+              <a:t>Vulforia para a parte de realidade aumentada</a:t>
+            </a:r>
+          </a:p>
+          <a:p>
+            <a:pPr>
+              <a:lnSpc>
+                <a:spcPct val="150000"/>
+              </a:lnSpc>
+            </a:pPr>
+            <a:r>
+              <a:rPr lang="pt-BR" sz="1200" kern="0" dirty="0"/>
+              <a:t>E o mirror para fazer a conexão entre o celular e o computador</a:t>
+            </a:r>
+          </a:p>
+          <a:p>
+            <a:endParaRPr lang="pt-BR" dirty="0"/>
+          </a:p>
+        </p:txBody>
+      </p:sp>
+      <p:sp>
+        <p:nvSpPr>
+          <p:cNvPr id="4" name="Espaço Reservado para Número de Slide 3"/>
+          <p:cNvSpPr>
+            <a:spLocks noGrp="1"/>
+          </p:cNvSpPr>
+          <p:nvPr>
+            <p:ph type="sldNum" sz="quarter" idx="5"/>
+          </p:nvPr>
+        </p:nvSpPr>
+        <p:spPr/>
+        <p:txBody>
+          <a:bodyPr/>
+          <a:lstStyle/>
+          <a:p>
+            <a:fld id="{59D7498C-023E-4647-B375-524BE642DC09}" type="slidenum">
+              <a:rPr lang="pt-BR" smtClean="0"/>
+              <a:t>12</a:t>
+            </a:fld>
+            <a:endParaRPr lang="pt-BR"/>
+          </a:p>
+        </p:txBody>
+      </p:sp>
+    </p:spTree>
+    <p:extLst>
+      <p:ext uri="{BB962C8B-B14F-4D97-AF65-F5344CB8AC3E}">
+        <p14:creationId xmlns:p14="http://schemas.microsoft.com/office/powerpoint/2010/main" val="486984422"/>
+      </p:ext>
+    </p:extLst>
+  </p:cSld>
+  <p:clrMapOvr>
+    <a:masterClrMapping/>
+  </p:clrMapOvr>
+</p:notes>
+</file>
+
+<file path=ppt/notesSlides/notesSlide8.xml><?xml version="1.0" encoding="utf-8"?>
+<p:notes xmlns:a="http://schemas.openxmlformats.org/drawingml/2006/main" xmlns:r="http://schemas.openxmlformats.org/officeDocument/2006/relationships" xmlns:p="http://schemas.openxmlformats.org/presentationml/2006/main">
+  <p:cSld>
+    <p:spTree>
+      <p:nvGrpSpPr>
+        <p:cNvPr id="1" name=""/>
+        <p:cNvGrpSpPr/>
+        <p:nvPr/>
+      </p:nvGrpSpPr>
+      <p:grpSpPr>
+        <a:xfrm>
+          <a:off x="0" y="0"/>
+          <a:ext cx="0" cy="0"/>
+          <a:chOff x="0" y="0"/>
+          <a:chExt cx="0" cy="0"/>
+        </a:xfrm>
+      </p:grpSpPr>
+      <p:sp>
+        <p:nvSpPr>
+          <p:cNvPr id="2" name="Espaço Reservado para Imagem de Slide 1"/>
+          <p:cNvSpPr>
+            <a:spLocks noGrp="1" noRot="1" noChangeAspect="1"/>
+          </p:cNvSpPr>
+          <p:nvPr>
+            <p:ph type="sldImg"/>
+          </p:nvPr>
+        </p:nvSpPr>
+        <p:spPr/>
+      </p:sp>
+      <p:sp>
+        <p:nvSpPr>
+          <p:cNvPr id="3" name="Espaço Reservado para Anotações 2"/>
+          <p:cNvSpPr>
+            <a:spLocks noGrp="1"/>
+          </p:cNvSpPr>
+          <p:nvPr>
+            <p:ph type="body" idx="1"/>
+          </p:nvPr>
+        </p:nvSpPr>
+        <p:spPr/>
+        <p:txBody>
+          <a:bodyPr/>
+          <a:lstStyle/>
+          <a:p>
+            <a:pPr>
+              <a:lnSpc>
+                <a:spcPct val="150000"/>
+              </a:lnSpc>
+            </a:pPr>
+            <a:r>
+              <a:rPr lang="pt-BR" dirty="0"/>
+              <a:t>Da biblioteca Ultraleap Tracking foram usados 5 GameObjects, o </a:t>
+            </a:r>
+            <a:r>
+              <a:rPr lang="pt-BR" sz="1200" kern="0" dirty="0"/>
+              <a:t>Service Provider é quem recebe os dados do software com o mesmo nome da biblioteca </a:t>
+            </a:r>
+            <a:r>
+              <a:rPr lang="pt-BR" dirty="0"/>
+              <a:t>Ultraleap Tracking, ou seja esse é o </a:t>
+            </a:r>
+            <a:r>
+              <a:rPr lang="pt-BR" dirty="0" err="1"/>
+              <a:t>Gamaobject</a:t>
+            </a:r>
+            <a:r>
+              <a:rPr lang="pt-BR" dirty="0"/>
+              <a:t> que pega os dados do leap motion</a:t>
+            </a:r>
+            <a:endParaRPr lang="pt-BR" sz="1200" kern="0" dirty="0"/>
+          </a:p>
+          <a:p>
+            <a:pPr>
+              <a:lnSpc>
+                <a:spcPct val="150000"/>
+              </a:lnSpc>
+            </a:pPr>
+            <a:r>
+              <a:rPr lang="pt-BR" sz="1200" kern="0" dirty="0"/>
+              <a:t>Skeleton Hands que são a representação das mãos reais no espaço virtual</a:t>
+            </a:r>
+          </a:p>
+          <a:p>
+            <a:pPr>
+              <a:lnSpc>
+                <a:spcPct val="150000"/>
+              </a:lnSpc>
+            </a:pPr>
+            <a:r>
+              <a:rPr lang="pt-BR" sz="1200" kern="0" dirty="0" err="1"/>
+              <a:t>Attachment</a:t>
+            </a:r>
+            <a:r>
+              <a:rPr lang="pt-BR" sz="1200" kern="0" dirty="0"/>
+              <a:t> Hands que são como uma extensão das Skeleton Hands, permitindo ancorar outro GameObjects nas mãos, que foram usados para ancorar as miniaturas;</a:t>
+            </a:r>
+          </a:p>
+          <a:p>
+            <a:pPr>
+              <a:lnSpc>
+                <a:spcPct val="150000"/>
+              </a:lnSpc>
+            </a:pPr>
+            <a:r>
+              <a:rPr lang="pt-BR" sz="1200" kern="0" dirty="0" err="1"/>
+              <a:t>Interactive</a:t>
+            </a:r>
+            <a:r>
+              <a:rPr lang="pt-BR" sz="1200" kern="0" dirty="0"/>
+              <a:t> </a:t>
+            </a:r>
+            <a:r>
+              <a:rPr lang="pt-BR" sz="1200" kern="0" dirty="0" err="1"/>
+              <a:t>Maneger</a:t>
+            </a:r>
+            <a:r>
+              <a:rPr lang="pt-BR" sz="1200" kern="0" dirty="0"/>
+              <a:t>, como o próprio nome diz ele gerencia as interações, permitindo que se possa selecionar quais dedos vão ter interações e até podendo selecionar quais movimentos  podem ser usados para agarrar ;</a:t>
+            </a:r>
+          </a:p>
+          <a:p>
+            <a:pPr>
+              <a:lnSpc>
+                <a:spcPct val="150000"/>
+              </a:lnSpc>
+            </a:pPr>
+            <a:r>
+              <a:rPr lang="pt-BR" sz="1200" kern="0" dirty="0"/>
+              <a:t>3D Button que são os botões que já possuem um script pra interagir com as mão da biblioteca, no caso esse é o GameObject usado para fazer os botões do fóssil e também as miniaturas na mão ;</a:t>
+            </a:r>
+          </a:p>
+          <a:p>
+            <a:endParaRPr lang="pt-BR" dirty="0"/>
+          </a:p>
+        </p:txBody>
+      </p:sp>
+      <p:sp>
+        <p:nvSpPr>
+          <p:cNvPr id="4" name="Espaço Reservado para Número de Slide 3"/>
+          <p:cNvSpPr>
+            <a:spLocks noGrp="1"/>
+          </p:cNvSpPr>
+          <p:nvPr>
+            <p:ph type="sldNum" sz="quarter" idx="5"/>
+          </p:nvPr>
+        </p:nvSpPr>
+        <p:spPr/>
+        <p:txBody>
+          <a:bodyPr/>
+          <a:lstStyle/>
+          <a:p>
+            <a:fld id="{59D7498C-023E-4647-B375-524BE642DC09}" type="slidenum">
+              <a:rPr lang="pt-BR" smtClean="0"/>
+              <a:t>13</a:t>
+            </a:fld>
+            <a:endParaRPr lang="pt-BR"/>
+          </a:p>
+        </p:txBody>
+      </p:sp>
+    </p:spTree>
+    <p:extLst>
+      <p:ext uri="{BB962C8B-B14F-4D97-AF65-F5344CB8AC3E}">
+        <p14:creationId xmlns:p14="http://schemas.microsoft.com/office/powerpoint/2010/main" val="3144607312"/>
+      </p:ext>
+    </p:extLst>
+  </p:cSld>
+  <p:clrMapOvr>
+    <a:masterClrMapping/>
+  </p:clrMapOvr>
+</p:notes>
+</file>
+
+<file path=ppt/notesSlides/notesSlide9.xml><?xml version="1.0" encoding="utf-8"?>
+<p:notes xmlns:a="http://schemas.openxmlformats.org/drawingml/2006/main" xmlns:r="http://schemas.openxmlformats.org/officeDocument/2006/relationships" xmlns:p="http://schemas.openxmlformats.org/presentationml/2006/main">
+  <p:cSld>
+    <p:spTree>
+      <p:nvGrpSpPr>
+        <p:cNvPr id="1" name=""/>
+        <p:cNvGrpSpPr/>
+        <p:nvPr/>
+      </p:nvGrpSpPr>
+      <p:grpSpPr>
+        <a:xfrm>
+          <a:off x="0" y="0"/>
+          <a:ext cx="0" cy="0"/>
+          <a:chOff x="0" y="0"/>
+          <a:chExt cx="0" cy="0"/>
+        </a:xfrm>
+      </p:grpSpPr>
+      <p:sp>
+        <p:nvSpPr>
+          <p:cNvPr id="2" name="Espaço Reservado para Imagem de Slide 1"/>
+          <p:cNvSpPr>
+            <a:spLocks noGrp="1" noRot="1" noChangeAspect="1"/>
+          </p:cNvSpPr>
+          <p:nvPr>
+            <p:ph type="sldImg"/>
+          </p:nvPr>
+        </p:nvSpPr>
+        <p:spPr/>
+      </p:sp>
+      <p:sp>
+        <p:nvSpPr>
+          <p:cNvPr id="3" name="Espaço Reservado para Anotações 2"/>
+          <p:cNvSpPr>
+            <a:spLocks noGrp="1"/>
+          </p:cNvSpPr>
+          <p:nvPr>
+            <p:ph type="body" idx="1"/>
+          </p:nvPr>
+        </p:nvSpPr>
+        <p:spPr/>
+        <p:txBody>
+          <a:bodyPr/>
+          <a:lstStyle/>
+          <a:p>
+            <a:r>
+              <a:rPr lang="pt-BR" dirty="0"/>
+              <a:t>Já da biblioteca  Vuforia foram usados 3 GameObjects</a:t>
+            </a:r>
+          </a:p>
+          <a:p>
+            <a:pPr>
+              <a:lnSpc>
+                <a:spcPct val="200000"/>
+              </a:lnSpc>
+            </a:pPr>
+            <a:r>
+              <a:rPr lang="pt-BR" sz="1200" kern="0" dirty="0"/>
+              <a:t>AR Câmera é como uma câmera normal do Unity, so que  com alguns scripts, esses que se conectam com a engine do vuforia, capturam a imagem da câmera do celular processam ela pra detectar os marcadores e criam um painel de fundo no limite de visualização da câmera virtual, e nele projetam a imagem da câmera do celular. assim criando a visão da </a:t>
+            </a:r>
+            <a:r>
+              <a:rPr lang="pt-BR" sz="1200" kern="0" dirty="0" err="1"/>
+              <a:t>ralidade</a:t>
+            </a:r>
+            <a:r>
+              <a:rPr lang="pt-BR" sz="1200" kern="0" dirty="0"/>
+              <a:t> aumentada;</a:t>
+            </a:r>
+          </a:p>
+          <a:p>
+            <a:pPr>
+              <a:lnSpc>
+                <a:spcPct val="200000"/>
+              </a:lnSpc>
+            </a:pPr>
+            <a:r>
+              <a:rPr lang="pt-BR" sz="1200" kern="0" dirty="0" err="1"/>
+              <a:t>Image</a:t>
+            </a:r>
+            <a:r>
+              <a:rPr lang="pt-BR" sz="1200" kern="0" dirty="0"/>
+              <a:t> Target que é o GameObject que representa o marcador de uma imagem , que se pode selecionar a imagem que ele vai detectar, esse e o que foi usado no painel, e é nele que você trabalha para mostrar os objetos que vão ficar ancorados a imagem;</a:t>
+            </a:r>
+          </a:p>
+          <a:p>
+            <a:pPr>
+              <a:lnSpc>
+                <a:spcPct val="200000"/>
+              </a:lnSpc>
+            </a:pPr>
+            <a:r>
+              <a:rPr lang="pt-BR" sz="1200" kern="0" dirty="0"/>
+              <a:t>Model Target tem um funcionamento semelhante ao </a:t>
+            </a:r>
+            <a:r>
+              <a:rPr lang="pt-BR" sz="1200" kern="0" dirty="0" err="1"/>
+              <a:t>Image</a:t>
+            </a:r>
+            <a:r>
+              <a:rPr lang="pt-BR" sz="1200" kern="0" dirty="0"/>
+              <a:t> Target mudando somente o que ele vai detectar, nesse caso ele precisa de um modelo 3D;</a:t>
+            </a:r>
+          </a:p>
+          <a:p>
+            <a:endParaRPr lang="pt-BR" dirty="0"/>
+          </a:p>
+        </p:txBody>
+      </p:sp>
+      <p:sp>
+        <p:nvSpPr>
+          <p:cNvPr id="4" name="Espaço Reservado para Número de Slide 3"/>
+          <p:cNvSpPr>
+            <a:spLocks noGrp="1"/>
+          </p:cNvSpPr>
+          <p:nvPr>
+            <p:ph type="sldNum" sz="quarter" idx="5"/>
+          </p:nvPr>
+        </p:nvSpPr>
+        <p:spPr/>
+        <p:txBody>
+          <a:bodyPr/>
+          <a:lstStyle/>
+          <a:p>
+            <a:fld id="{59D7498C-023E-4647-B375-524BE642DC09}" type="slidenum">
+              <a:rPr lang="pt-BR" smtClean="0"/>
+              <a:t>14</a:t>
+            </a:fld>
+            <a:endParaRPr lang="pt-BR"/>
+          </a:p>
+        </p:txBody>
+      </p:sp>
+    </p:spTree>
+    <p:extLst>
+      <p:ext uri="{BB962C8B-B14F-4D97-AF65-F5344CB8AC3E}">
+        <p14:creationId xmlns:p14="http://schemas.microsoft.com/office/powerpoint/2010/main" val="1733245119"/>
+      </p:ext>
+    </p:extLst>
+  </p:cSld>
+  <p:clrMapOvr>
+    <a:masterClrMapping/>
+  </p:clrMapOvr>
+</p:notes>
 </file>
 
 <file path=ppt/slideLayouts/slideLayout1.xml><?xml version="1.0" encoding="utf-8"?>
@@ -3607,12 +5769,13 @@
         <p:spPr/>
         <p:txBody>
           <a:bodyPr>
-            <a:normAutofit fontScale="92500"/>
+            <a:normAutofit lnSpcReduction="10000"/>
           </a:bodyPr>
           <a:lstStyle/>
           <a:p>
-            <a:pPr marL="0" lvl="0" indent="0" algn="just">
-              <a:buNone/>
+            <a:pPr lvl="0" algn="just">
+              <a:buFont typeface="Arial" panose="020B0604020202020204" pitchFamily="34" charset="0"/>
+              <a:buChar char="•"/>
               <a:tabLst>
                 <a:tab pos="683895" algn="l"/>
               </a:tabLst>
@@ -3626,8 +5789,9 @@
             </a:r>
           </a:p>
           <a:p>
-            <a:pPr marL="0" lvl="0" indent="0" algn="just">
-              <a:buNone/>
+            <a:pPr lvl="0" algn="just">
+              <a:buFont typeface="Arial" panose="020B0604020202020204" pitchFamily="34" charset="0"/>
+              <a:buChar char="•"/>
               <a:tabLst>
                 <a:tab pos="683895" algn="l"/>
               </a:tabLst>
@@ -3641,8 +5805,9 @@
             </a:r>
           </a:p>
           <a:p>
-            <a:pPr marL="0" lvl="0" indent="0" algn="just">
-              <a:buNone/>
+            <a:pPr lvl="0" algn="just">
+              <a:buFont typeface="Arial" panose="020B0604020202020204" pitchFamily="34" charset="0"/>
+              <a:buChar char="•"/>
               <a:tabLst>
                 <a:tab pos="683895" algn="l"/>
               </a:tabLst>
@@ -3652,12 +5817,13 @@
                 <a:effectLst/>
                 <a:ea typeface="Times New Roman" panose="02020603050405020304" pitchFamily="18" charset="0"/>
               </a:rPr>
-              <a:t>RF03 - permitir ao usuário alterar a forma dos modelos virtuais;</a:t>
-            </a:r>
-          </a:p>
-          <a:p>
-            <a:pPr marL="0" lvl="0" indent="0" algn="just">
-              <a:buNone/>
+              <a:t>RF03 - permitir ao usuário interagir com os modelos virtuais;</a:t>
+            </a:r>
+          </a:p>
+          <a:p>
+            <a:pPr lvl="0" algn="just">
+              <a:buFont typeface="Arial" panose="020B0604020202020204" pitchFamily="34" charset="0"/>
+              <a:buChar char="•"/>
               <a:tabLst>
                 <a:tab pos="683895" algn="l"/>
               </a:tabLst>
@@ -3667,12 +5833,13 @@
                 <a:effectLst/>
                 <a:ea typeface="Times New Roman" panose="02020603050405020304" pitchFamily="18" charset="0"/>
               </a:rPr>
-              <a:t>RF04 - permitir ao usuário se movimentar no espaço 3D e manter a posição dos modelos virtuais;</a:t>
-            </a:r>
-          </a:p>
-          <a:p>
-            <a:pPr marL="0" lvl="0" indent="0" algn="just">
-              <a:buNone/>
+              <a:t>RF04 - permitir ao usuário se movimentar no espaço 3D e manter a posição dos modelos virtuais; </a:t>
+            </a:r>
+          </a:p>
+          <a:p>
+            <a:pPr lvl="0" algn="just">
+              <a:buFont typeface="Arial" panose="020B0604020202020204" pitchFamily="34" charset="0"/>
+              <a:buChar char="•"/>
               <a:tabLst>
                 <a:tab pos="683895" algn="l"/>
               </a:tabLst>
@@ -3682,12 +5849,13 @@
                 <a:effectLst/>
                 <a:ea typeface="Times New Roman" panose="02020603050405020304" pitchFamily="18" charset="0"/>
               </a:rPr>
-              <a:t>RNF01 - ser compatível com dispositivos móveis com Android 8 ou superior;</a:t>
-            </a:r>
-          </a:p>
-          <a:p>
-            <a:pPr marL="0" lvl="0" indent="0" algn="just">
-              <a:buNone/>
+              <a:t>RNF01 - utilizar o ambiente de desenvolvimento Unity;</a:t>
+            </a:r>
+          </a:p>
+          <a:p>
+            <a:pPr lvl="0" algn="just">
+              <a:buFont typeface="Arial" panose="020B0604020202020204" pitchFamily="34" charset="0"/>
+              <a:buChar char="•"/>
               <a:tabLst>
                 <a:tab pos="683895" algn="l"/>
               </a:tabLst>
@@ -3697,12 +5865,16 @@
                 <a:effectLst/>
                 <a:ea typeface="Times New Roman" panose="02020603050405020304" pitchFamily="18" charset="0"/>
               </a:rPr>
-              <a:t>RNF02 - utilizar o ambiente de desenvolvimento Unity;</a:t>
-            </a:r>
-          </a:p>
-          <a:p>
-            <a:pPr marL="0" lvl="0" indent="0" algn="just">
-              <a:buNone/>
+              <a:t>RNF02 - utilizar a linguagem C#;</a:t>
+            </a:r>
+          </a:p>
+          <a:p>
+            <a:pPr lvl="0" algn="just">
+              <a:spcAft>
+                <a:spcPts val="600"/>
+              </a:spcAft>
+              <a:buFont typeface="Arial" panose="020B0604020202020204" pitchFamily="34" charset="0"/>
+              <a:buChar char="•"/>
               <a:tabLst>
                 <a:tab pos="683895" algn="l"/>
               </a:tabLst>
@@ -3712,25 +5884,7 @@
                 <a:effectLst/>
                 <a:ea typeface="Times New Roman" panose="02020603050405020304" pitchFamily="18" charset="0"/>
               </a:rPr>
-              <a:t>RNF03 - utilizar a linguagem C#;</a:t>
-            </a:r>
-          </a:p>
-          <a:p>
-            <a:pPr marL="0" lvl="0" indent="0" algn="just">
-              <a:spcAft>
-                <a:spcPts val="600"/>
-              </a:spcAft>
-              <a:buNone/>
-              <a:tabLst>
-                <a:tab pos="683895" algn="l"/>
-              </a:tabLst>
-            </a:pPr>
-            <a:r>
-              <a:rPr lang="pt-BR" sz="2400" dirty="0">
-                <a:effectLst/>
-                <a:ea typeface="Times New Roman" panose="02020603050405020304" pitchFamily="18" charset="0"/>
-              </a:rPr>
-              <a:t>RNF04 - usar o Leap Motion para manipular os modelos virtuais.</a:t>
+              <a:t>RNF03 - usar o Leap Motion para manipular os modelos virtuais.</a:t>
             </a:r>
           </a:p>
           <a:p>
@@ -3837,7 +5991,7 @@
             </a:pPr>
             <a:r>
               <a:rPr lang="pt-BR" dirty="0"/>
-              <a:t>Painel</a:t>
+              <a:t>Botões</a:t>
             </a:r>
           </a:p>
           <a:p>
@@ -3848,7 +6002,7 @@
             </a:pPr>
             <a:r>
               <a:rPr lang="pt-BR" dirty="0"/>
-              <a:t>Botões</a:t>
+              <a:t>Painel</a:t>
             </a:r>
           </a:p>
           <a:p>
@@ -3895,14 +6049,14 @@
           <p:nvPr/>
         </p:nvPicPr>
         <p:blipFill rotWithShape="1">
-          <a:blip r:embed="rId2"/>
+          <a:blip r:embed="rId3"/>
           <a:srcRect l="2666" r="19030" b="-4"/>
           <a:stretch/>
         </p:blipFill>
         <p:spPr>
           <a:xfrm>
-            <a:off x="4678777" y="1268760"/>
-            <a:ext cx="4038600" cy="4525963"/>
+            <a:off x="3519394" y="1387681"/>
+            <a:ext cx="4162644" cy="4664976"/>
           </a:xfrm>
           <a:prstGeom prst="rect">
             <a:avLst/>
@@ -3994,7 +6148,7 @@
             </a:pPr>
             <a:r>
               <a:rPr lang="pt-BR" sz="2000" b="1" dirty="0"/>
-              <a:t>Ultraleap Tracking</a:t>
+              <a:t>Bibliotecas usadas</a:t>
             </a:r>
           </a:p>
           <a:p>
@@ -4003,49 +6157,6 @@
           </a:p>
         </p:txBody>
       </p:sp>
-      <p:pic>
-        <p:nvPicPr>
-          <p:cNvPr id="4" name="Imagem 3" descr="Interface gráfica do usuário, Site&#10;&#10;Descrição gerada automaticamente">
-            <a:extLst>
-              <a:ext uri="{FF2B5EF4-FFF2-40B4-BE49-F238E27FC236}">
-                <a16:creationId xmlns:a16="http://schemas.microsoft.com/office/drawing/2014/main" id="{9BD9930B-0D20-5C10-CF98-16F1BFE249AD}"/>
-              </a:ext>
-            </a:extLst>
-          </p:cNvPr>
-          <p:cNvPicPr>
-            <a:picLocks noChangeAspect="1"/>
-          </p:cNvPicPr>
-          <p:nvPr/>
-        </p:nvPicPr>
-        <p:blipFill>
-          <a:blip r:embed="rId2">
-            <a:extLst>
-              <a:ext uri="{28A0092B-C50C-407E-A947-70E740481C1C}">
-                <a14:useLocalDpi xmlns:a14="http://schemas.microsoft.com/office/drawing/2010/main" val="0"/>
-              </a:ext>
-            </a:extLst>
-          </a:blip>
-          <a:srcRect/>
-          <a:stretch>
-            <a:fillRect/>
-          </a:stretch>
-        </p:blipFill>
-        <p:spPr bwMode="auto">
-          <a:xfrm>
-            <a:off x="4465142" y="1700808"/>
-            <a:ext cx="4397987" cy="3672408"/>
-          </a:xfrm>
-          <a:prstGeom prst="rect">
-            <a:avLst/>
-          </a:prstGeom>
-          <a:noFill/>
-          <a:ln w="12700">
-            <a:solidFill>
-              <a:schemeClr val="tx1"/>
-            </a:solidFill>
-          </a:ln>
-        </p:spPr>
-      </p:pic>
       <p:sp>
         <p:nvSpPr>
           <p:cNvPr id="6" name="Espaço Reservado para Conteúdo 2">
@@ -4062,7 +6173,7 @@
         </p:nvSpPr>
         <p:spPr bwMode="auto">
           <a:xfrm>
-            <a:off x="457200" y="1600200"/>
+            <a:off x="755576" y="1547664"/>
             <a:ext cx="4038600" cy="4525963"/>
           </a:xfrm>
           <a:prstGeom prst="rect">
@@ -4226,72 +6337,34 @@
           <a:p>
             <a:pPr>
               <a:lnSpc>
-                <a:spcPct val="150000"/>
+                <a:spcPct val="250000"/>
               </a:lnSpc>
             </a:pPr>
             <a:r>
               <a:rPr lang="pt-BR" sz="2800" kern="0" dirty="0"/>
-              <a:t>Service Provider;</a:t>
+              <a:t>Ultraleap Tracking;</a:t>
             </a:r>
           </a:p>
           <a:p>
             <a:pPr>
               <a:lnSpc>
-                <a:spcPct val="150000"/>
+                <a:spcPct val="250000"/>
               </a:lnSpc>
             </a:pPr>
             <a:r>
               <a:rPr lang="pt-BR" sz="2800" kern="0" dirty="0"/>
-              <a:t>Skeleton Hands;</a:t>
+              <a:t>Vuforia;</a:t>
             </a:r>
           </a:p>
           <a:p>
             <a:pPr>
               <a:lnSpc>
-                <a:spcPct val="150000"/>
+                <a:spcPct val="250000"/>
               </a:lnSpc>
             </a:pPr>
             <a:r>
-              <a:rPr lang="pt-BR" sz="2800" kern="0" dirty="0" err="1"/>
-              <a:t>Attachment</a:t>
-            </a:r>
-            <a:r>
               <a:rPr lang="pt-BR" sz="2800" kern="0" dirty="0"/>
-              <a:t> Hands;</a:t>
-            </a:r>
-          </a:p>
-          <a:p>
-            <a:pPr>
-              <a:lnSpc>
-                <a:spcPct val="150000"/>
-              </a:lnSpc>
-            </a:pPr>
-            <a:r>
-              <a:rPr lang="pt-BR" sz="2800" kern="0" dirty="0" err="1"/>
-              <a:t>Interactive</a:t>
-            </a:r>
-            <a:r>
-              <a:rPr lang="pt-BR" sz="2800" kern="0" dirty="0"/>
-              <a:t> </a:t>
-            </a:r>
-            <a:r>
-              <a:rPr lang="pt-BR" sz="2800" kern="0" dirty="0" err="1"/>
-              <a:t>Maneger</a:t>
-            </a:r>
-            <a:r>
-              <a:rPr lang="pt-BR" sz="2800" kern="0" dirty="0"/>
-              <a:t>;</a:t>
-            </a:r>
-          </a:p>
-          <a:p>
-            <a:pPr>
-              <a:lnSpc>
-                <a:spcPct val="150000"/>
-              </a:lnSpc>
-            </a:pPr>
-            <a:r>
-              <a:rPr lang="pt-BR" sz="2800" kern="0" dirty="0"/>
-              <a:t>3D Button;</a:t>
+              <a:t>Mirror.</a:t>
             </a:r>
           </a:p>
           <a:p>
@@ -4304,6 +6377,147 @@
           </a:p>
         </p:txBody>
       </p:sp>
+      <p:pic>
+        <p:nvPicPr>
+          <p:cNvPr id="1026" name="Picture 2" descr="Ultraleap - techSPARK">
+            <a:extLst>
+              <a:ext uri="{FF2B5EF4-FFF2-40B4-BE49-F238E27FC236}">
+                <a16:creationId xmlns:a16="http://schemas.microsoft.com/office/drawing/2014/main" id="{10E2D794-6B84-35CE-84C8-4332BD2950A3}"/>
+              </a:ext>
+            </a:extLst>
+          </p:cNvPr>
+          <p:cNvPicPr>
+            <a:picLocks noChangeAspect="1" noChangeArrowheads="1"/>
+          </p:cNvPicPr>
+          <p:nvPr/>
+        </p:nvPicPr>
+        <p:blipFill>
+          <a:blip r:embed="rId3">
+            <a:extLst>
+              <a:ext uri="{28A0092B-C50C-407E-A947-70E740481C1C}">
+                <a14:useLocalDpi xmlns:a14="http://schemas.microsoft.com/office/drawing/2010/main" val="0"/>
+              </a:ext>
+            </a:extLst>
+          </a:blip>
+          <a:srcRect/>
+          <a:stretch>
+            <a:fillRect/>
+          </a:stretch>
+        </p:blipFill>
+        <p:spPr bwMode="auto">
+          <a:xfrm>
+            <a:off x="4932040" y="1702160"/>
+            <a:ext cx="1544960" cy="1544960"/>
+          </a:xfrm>
+          <a:prstGeom prst="rect">
+            <a:avLst/>
+          </a:prstGeom>
+          <a:noFill/>
+          <a:extLst>
+            <a:ext uri="{909E8E84-426E-40DD-AFC4-6F175D3DCCD1}">
+              <a14:hiddenFill xmlns:a14="http://schemas.microsoft.com/office/drawing/2010/main">
+                <a:solidFill>
+                  <a:srgbClr val="FFFFFF"/>
+                </a:solidFill>
+              </a14:hiddenFill>
+            </a:ext>
+          </a:extLst>
+        </p:spPr>
+      </p:pic>
+      <p:pic>
+        <p:nvPicPr>
+          <p:cNvPr id="1032" name="Picture 8" descr="Vuforia-Logo-OLx2a896 | LUDWIG &amp; LOEHN">
+            <a:extLst>
+              <a:ext uri="{FF2B5EF4-FFF2-40B4-BE49-F238E27FC236}">
+                <a16:creationId xmlns:a16="http://schemas.microsoft.com/office/drawing/2014/main" id="{0F9D0A3A-C4D8-B04C-58F3-24408B430D5B}"/>
+              </a:ext>
+            </a:extLst>
+          </p:cNvPr>
+          <p:cNvPicPr>
+            <a:picLocks noChangeAspect="1" noChangeArrowheads="1"/>
+          </p:cNvPicPr>
+          <p:nvPr/>
+        </p:nvPicPr>
+        <p:blipFill>
+          <a:blip r:embed="rId4">
+            <a:extLst>
+              <a:ext uri="{28A0092B-C50C-407E-A947-70E740481C1C}">
+                <a14:useLocalDpi xmlns:a14="http://schemas.microsoft.com/office/drawing/2010/main" val="0"/>
+              </a:ext>
+            </a:extLst>
+          </a:blip>
+          <a:srcRect/>
+          <a:stretch>
+            <a:fillRect/>
+          </a:stretch>
+        </p:blipFill>
+        <p:spPr bwMode="auto">
+          <a:xfrm>
+            <a:off x="4771462" y="3463144"/>
+            <a:ext cx="3008188" cy="804032"/>
+          </a:xfrm>
+          <a:prstGeom prst="rect">
+            <a:avLst/>
+          </a:prstGeom>
+          <a:noFill/>
+          <a:extLst>
+            <a:ext uri="{909E8E84-426E-40DD-AFC4-6F175D3DCCD1}">
+              <a14:hiddenFill xmlns:a14="http://schemas.microsoft.com/office/drawing/2010/main">
+                <a:solidFill>
+                  <a:srgbClr val="FFFFFF"/>
+                </a:solidFill>
+              </a14:hiddenFill>
+            </a:ext>
+          </a:extLst>
+        </p:spPr>
+      </p:pic>
+      <p:pic>
+        <p:nvPicPr>
+          <p:cNvPr id="1034" name="Picture 10" descr="Mirror LTS | Network | Unity Asset Store">
+            <a:extLst>
+              <a:ext uri="{FF2B5EF4-FFF2-40B4-BE49-F238E27FC236}">
+                <a16:creationId xmlns:a16="http://schemas.microsoft.com/office/drawing/2014/main" id="{7A3B148E-1B20-F8DD-FE80-567D116AA76D}"/>
+              </a:ext>
+            </a:extLst>
+          </p:cNvPr>
+          <p:cNvPicPr>
+            <a:picLocks noChangeAspect="1" noChangeArrowheads="1"/>
+          </p:cNvPicPr>
+          <p:nvPr/>
+        </p:nvPicPr>
+        <p:blipFill>
+          <a:blip r:embed="rId5">
+            <a:extLst>
+              <a:ext uri="{28A0092B-C50C-407E-A947-70E740481C1C}">
+                <a14:useLocalDpi xmlns:a14="http://schemas.microsoft.com/office/drawing/2010/main" val="0"/>
+              </a:ext>
+            </a:extLst>
+          </a:blip>
+          <a:srcRect/>
+          <a:stretch>
+            <a:fillRect/>
+          </a:stretch>
+        </p:blipFill>
+        <p:spPr bwMode="auto">
+          <a:xfrm>
+            <a:off x="4005503" y="4657639"/>
+            <a:ext cx="1524000" cy="1524000"/>
+          </a:xfrm>
+          <a:prstGeom prst="rect">
+            <a:avLst/>
+          </a:prstGeom>
+          <a:noFill/>
+          <a:extLst>
+            <a:ext uri="{909E8E84-426E-40DD-AFC4-6F175D3DCCD1}">
+              <a14:hiddenFill xmlns:a14="http://schemas.microsoft.com/office/drawing/2010/main">
+                <a:solidFill>
+                  <a:srgbClr val="FFFFFF"/>
+                </a:solidFill>
+              </a14:hiddenFill>
+            </a:ext>
+          </a:extLst>
+        </p:spPr>
+      </p:pic>
     </p:spTree>
     <p:extLst>
       <p:ext uri="{BB962C8B-B14F-4D97-AF65-F5344CB8AC3E}">
@@ -4383,7 +6597,7 @@
             </a:pPr>
             <a:r>
               <a:rPr lang="pt-BR" sz="2000" b="1" dirty="0"/>
-              <a:t>Vuforia</a:t>
+              <a:t>Ultraleap Tracking</a:t>
             </a:r>
           </a:p>
           <a:p>
@@ -4392,12 +6606,55 @@
           </a:p>
         </p:txBody>
       </p:sp>
-      <p:sp>
-        <p:nvSpPr>
-          <p:cNvPr id="4" name="Espaço Reservado para Conteúdo 2">
+      <p:pic>
+        <p:nvPicPr>
+          <p:cNvPr id="4" name="Imagem 3" descr="Interface gráfica do usuário, Site&#10;&#10;Descrição gerada automaticamente">
             <a:extLst>
               <a:ext uri="{FF2B5EF4-FFF2-40B4-BE49-F238E27FC236}">
-                <a16:creationId xmlns:a16="http://schemas.microsoft.com/office/drawing/2014/main" id="{C022FE70-0660-7C09-D417-B9B0ED6E14D7}"/>
+                <a16:creationId xmlns:a16="http://schemas.microsoft.com/office/drawing/2014/main" id="{9BD9930B-0D20-5C10-CF98-16F1BFE249AD}"/>
+              </a:ext>
+            </a:extLst>
+          </p:cNvPr>
+          <p:cNvPicPr>
+            <a:picLocks noChangeAspect="1"/>
+          </p:cNvPicPr>
+          <p:nvPr/>
+        </p:nvPicPr>
+        <p:blipFill>
+          <a:blip r:embed="rId3">
+            <a:extLst>
+              <a:ext uri="{28A0092B-C50C-407E-A947-70E740481C1C}">
+                <a14:useLocalDpi xmlns:a14="http://schemas.microsoft.com/office/drawing/2010/main" val="0"/>
+              </a:ext>
+            </a:extLst>
+          </a:blip>
+          <a:srcRect/>
+          <a:stretch>
+            <a:fillRect/>
+          </a:stretch>
+        </p:blipFill>
+        <p:spPr bwMode="auto">
+          <a:xfrm>
+            <a:off x="4465142" y="1700808"/>
+            <a:ext cx="4397987" cy="3672408"/>
+          </a:xfrm>
+          <a:prstGeom prst="rect">
+            <a:avLst/>
+          </a:prstGeom>
+          <a:noFill/>
+          <a:ln w="12700">
+            <a:solidFill>
+              <a:schemeClr val="tx1"/>
+            </a:solidFill>
+          </a:ln>
+        </p:spPr>
+      </p:pic>
+      <p:sp>
+        <p:nvSpPr>
+          <p:cNvPr id="6" name="Espaço Reservado para Conteúdo 2">
+            <a:extLst>
+              <a:ext uri="{FF2B5EF4-FFF2-40B4-BE49-F238E27FC236}">
+                <a16:creationId xmlns:a16="http://schemas.microsoft.com/office/drawing/2014/main" id="{FC014FD7-0929-8FDD-16FB-6CEC3707DA9A}"/>
               </a:ext>
             </a:extLst>
           </p:cNvPr>
@@ -4408,7 +6665,7 @@
         </p:nvSpPr>
         <p:spPr bwMode="auto">
           <a:xfrm>
-            <a:off x="323528" y="1844824"/>
+            <a:off x="457200" y="1600200"/>
             <a:ext cx="4038600" cy="4525963"/>
           </a:xfrm>
           <a:prstGeom prst="rect">
@@ -4572,16 +6829,57 @@
           <a:p>
             <a:pPr>
               <a:lnSpc>
-                <a:spcPct val="200000"/>
+                <a:spcPct val="150000"/>
               </a:lnSpc>
             </a:pPr>
             <a:r>
               <a:rPr lang="pt-BR" sz="2800" kern="0" dirty="0"/>
-              <a:t>AR </a:t>
-            </a:r>
+              <a:t>Service Provider;</a:t>
+            </a:r>
+          </a:p>
+          <a:p>
+            <a:pPr>
+              <a:lnSpc>
+                <a:spcPct val="150000"/>
+              </a:lnSpc>
+            </a:pPr>
+            <a:r>
+              <a:rPr lang="pt-BR" sz="2800" kern="0" dirty="0"/>
+              <a:t>Skeleton Hands;</a:t>
+            </a:r>
+          </a:p>
+          <a:p>
+            <a:pPr>
+              <a:lnSpc>
+                <a:spcPct val="150000"/>
+              </a:lnSpc>
+            </a:pPr>
             <a:r>
               <a:rPr lang="pt-BR" sz="2800" kern="0" dirty="0" err="1"/>
-              <a:t>Camera</a:t>
+              <a:t>Attachment</a:t>
+            </a:r>
+            <a:r>
+              <a:rPr lang="pt-BR" sz="2800" kern="0" dirty="0"/>
+              <a:t> Hands;</a:t>
+            </a:r>
+          </a:p>
+          <a:p>
+            <a:pPr>
+              <a:lnSpc>
+                <a:spcPct val="150000"/>
+              </a:lnSpc>
+            </a:pPr>
+            <a:r>
+              <a:rPr lang="pt-BR" sz="2800" kern="0" dirty="0" err="1"/>
+              <a:t>Interactive</a:t>
+            </a:r>
+            <a:r>
+              <a:rPr lang="pt-BR" sz="2800" kern="0" dirty="0"/>
+              <a:t> </a:t>
+            </a:r>
+            <a:r>
+              <a:rPr lang="pt-BR" sz="2800" kern="0" dirty="0" err="1"/>
+              <a:t>Maneger</a:t>
             </a:r>
             <a:r>
               <a:rPr lang="pt-BR" sz="2800" kern="0" dirty="0"/>
@@ -4591,27 +6889,12 @@
           <a:p>
             <a:pPr>
               <a:lnSpc>
-                <a:spcPct val="200000"/>
+                <a:spcPct val="150000"/>
               </a:lnSpc>
             </a:pPr>
             <a:r>
-              <a:rPr lang="pt-BR" sz="2800" kern="0" dirty="0" err="1"/>
-              <a:t>Image</a:t>
-            </a:r>
-            <a:r>
               <a:rPr lang="pt-BR" sz="2800" kern="0" dirty="0"/>
-              <a:t> Target;</a:t>
-            </a:r>
-          </a:p>
-          <a:p>
-            <a:pPr>
-              <a:lnSpc>
-                <a:spcPct val="200000"/>
-              </a:lnSpc>
-            </a:pPr>
-            <a:r>
-              <a:rPr lang="pt-BR" sz="2800" kern="0" dirty="0"/>
-              <a:t>Model Target;</a:t>
+              <a:t>3D Button;</a:t>
             </a:r>
           </a:p>
           <a:p>
@@ -4624,53 +6907,10 @@
           </a:p>
         </p:txBody>
       </p:sp>
-      <p:pic>
-        <p:nvPicPr>
-          <p:cNvPr id="5" name="Imagem 4">
-            <a:extLst>
-              <a:ext uri="{FF2B5EF4-FFF2-40B4-BE49-F238E27FC236}">
-                <a16:creationId xmlns:a16="http://schemas.microsoft.com/office/drawing/2014/main" id="{D26B2818-1D86-5DAD-203F-34374CDBA1D9}"/>
-              </a:ext>
-            </a:extLst>
-          </p:cNvPr>
-          <p:cNvPicPr>
-            <a:picLocks noChangeAspect="1"/>
-          </p:cNvPicPr>
-          <p:nvPr/>
-        </p:nvPicPr>
-        <p:blipFill>
-          <a:blip r:embed="rId2">
-            <a:extLst>
-              <a:ext uri="{28A0092B-C50C-407E-A947-70E740481C1C}">
-                <a14:useLocalDpi xmlns:a14="http://schemas.microsoft.com/office/drawing/2010/main" val="0"/>
-              </a:ext>
-            </a:extLst>
-          </a:blip>
-          <a:srcRect/>
-          <a:stretch>
-            <a:fillRect/>
-          </a:stretch>
-        </p:blipFill>
-        <p:spPr bwMode="auto">
-          <a:xfrm>
-            <a:off x="4913557" y="2060848"/>
-            <a:ext cx="3748522" cy="2441916"/>
-          </a:xfrm>
-          <a:prstGeom prst="rect">
-            <a:avLst/>
-          </a:prstGeom>
-          <a:noFill/>
-          <a:ln w="12700">
-            <a:solidFill>
-              <a:schemeClr val="tx1"/>
-            </a:solidFill>
-          </a:ln>
-        </p:spPr>
-      </p:pic>
     </p:spTree>
     <p:extLst>
       <p:ext uri="{BB962C8B-B14F-4D97-AF65-F5344CB8AC3E}">
-        <p14:creationId xmlns:p14="http://schemas.microsoft.com/office/powerpoint/2010/main" val="1245702101"/>
+        <p14:creationId xmlns:p14="http://schemas.microsoft.com/office/powerpoint/2010/main" val="1981003854"/>
       </p:ext>
     </p:extLst>
   </p:cSld>
@@ -4746,7 +6986,7 @@
             </a:pPr>
             <a:r>
               <a:rPr lang="pt-BR" sz="2000" b="1" dirty="0"/>
-              <a:t>Mirror</a:t>
+              <a:t>Vuforia</a:t>
             </a:r>
           </a:p>
           <a:p>
@@ -4760,7 +7000,7 @@
           <p:cNvPr id="4" name="Espaço Reservado para Conteúdo 2">
             <a:extLst>
               <a:ext uri="{FF2B5EF4-FFF2-40B4-BE49-F238E27FC236}">
-                <a16:creationId xmlns:a16="http://schemas.microsoft.com/office/drawing/2014/main" id="{D51DA1C0-3A5F-2E89-C3F7-ECCDF83651AA}"/>
+                <a16:creationId xmlns:a16="http://schemas.microsoft.com/office/drawing/2014/main" id="{C022FE70-0660-7C09-D417-B9B0ED6E14D7}"/>
               </a:ext>
             </a:extLst>
           </p:cNvPr>
@@ -4771,8 +7011,8 @@
         </p:nvSpPr>
         <p:spPr bwMode="auto">
           <a:xfrm>
-            <a:off x="323527" y="2122743"/>
-            <a:ext cx="4248473" cy="4525963"/>
+            <a:off x="323528" y="1844824"/>
+            <a:ext cx="4038600" cy="4525963"/>
           </a:xfrm>
           <a:prstGeom prst="rect">
             <a:avLst/>
@@ -4935,46 +7175,46 @@
           <a:p>
             <a:pPr>
               <a:lnSpc>
-                <a:spcPct val="150000"/>
+                <a:spcPct val="200000"/>
               </a:lnSpc>
             </a:pPr>
             <a:r>
               <a:rPr lang="pt-BR" sz="2800" kern="0" dirty="0"/>
-              <a:t>Network Manager;</a:t>
+              <a:t>AR </a:t>
+            </a:r>
+            <a:r>
+              <a:rPr lang="pt-BR" sz="2800" kern="0" dirty="0" err="1"/>
+              <a:t>Camera</a:t>
+            </a:r>
+            <a:r>
+              <a:rPr lang="pt-BR" sz="2800" kern="0" dirty="0"/>
+              <a:t>;</a:t>
             </a:r>
           </a:p>
           <a:p>
             <a:pPr>
               <a:lnSpc>
-                <a:spcPct val="150000"/>
+                <a:spcPct val="200000"/>
               </a:lnSpc>
             </a:pPr>
             <a:r>
+              <a:rPr lang="pt-BR" sz="2800" kern="0" dirty="0" err="1"/>
+              <a:t>Image</a:t>
+            </a:r>
+            <a:r>
               <a:rPr lang="pt-BR" sz="2800" kern="0" dirty="0"/>
-              <a:t>Network Manager HUD</a:t>
+              <a:t> Target;</a:t>
             </a:r>
           </a:p>
           <a:p>
             <a:pPr>
               <a:lnSpc>
-                <a:spcPct val="150000"/>
+                <a:spcPct val="200000"/>
               </a:lnSpc>
             </a:pPr>
             <a:r>
-              <a:rPr lang="pt-BR" sz="2800" kern="0" dirty="0" err="1"/>
-              <a:t>Telepathy</a:t>
-            </a:r>
-            <a:r>
               <a:rPr lang="pt-BR" sz="2800" kern="0" dirty="0"/>
-              <a:t> </a:t>
-            </a:r>
-            <a:r>
-              <a:rPr lang="pt-BR" sz="2800" kern="0" dirty="0" err="1"/>
-              <a:t>Transport</a:t>
-            </a:r>
-            <a:r>
-              <a:rPr lang="pt-BR" sz="2800" kern="0" dirty="0"/>
-              <a:t>;</a:t>
+              <a:t>Model Target;</a:t>
             </a:r>
           </a:p>
           <a:p>
@@ -4989,10 +7229,10 @@
       </p:sp>
       <p:pic>
         <p:nvPicPr>
-          <p:cNvPr id="5" name="Imagem 4" descr="Interface gráfica do usuário&#10;&#10;Descrição gerada automaticamente">
+          <p:cNvPr id="5" name="Imagem 4">
             <a:extLst>
               <a:ext uri="{FF2B5EF4-FFF2-40B4-BE49-F238E27FC236}">
-                <a16:creationId xmlns:a16="http://schemas.microsoft.com/office/drawing/2014/main" id="{EC8C410C-8902-FC7D-908C-74813C080DF2}"/>
+                <a16:creationId xmlns:a16="http://schemas.microsoft.com/office/drawing/2014/main" id="{D26B2818-1D86-5DAD-203F-34374CDBA1D9}"/>
               </a:ext>
             </a:extLst>
           </p:cNvPr>
@@ -5002,19 +7242,27 @@
           <p:nvPr/>
         </p:nvPicPr>
         <p:blipFill>
-          <a:blip r:embed="rId2"/>
+          <a:blip r:embed="rId3">
+            <a:extLst>
+              <a:ext uri="{28A0092B-C50C-407E-A947-70E740481C1C}">
+                <a14:useLocalDpi xmlns:a14="http://schemas.microsoft.com/office/drawing/2010/main" val="0"/>
+              </a:ext>
+            </a:extLst>
+          </a:blip>
+          <a:srcRect/>
           <a:stretch>
             <a:fillRect/>
           </a:stretch>
         </p:blipFill>
-        <p:spPr>
+        <p:spPr bwMode="auto">
           <a:xfrm>
-            <a:off x="4788024" y="2258616"/>
-            <a:ext cx="3811904" cy="2229604"/>
+            <a:off x="4913557" y="2060848"/>
+            <a:ext cx="3748522" cy="2441916"/>
           </a:xfrm>
           <a:prstGeom prst="rect">
             <a:avLst/>
           </a:prstGeom>
+          <a:noFill/>
           <a:ln w="12700">
             <a:solidFill>
               <a:schemeClr val="tx1"/>
@@ -5025,7 +7273,7 @@
     </p:spTree>
     <p:extLst>
       <p:ext uri="{BB962C8B-B14F-4D97-AF65-F5344CB8AC3E}">
-        <p14:creationId xmlns:p14="http://schemas.microsoft.com/office/powerpoint/2010/main" val="2387549956"/>
+        <p14:creationId xmlns:p14="http://schemas.microsoft.com/office/powerpoint/2010/main" val="1245702101"/>
       </p:ext>
     </p:extLst>
   </p:cSld>
@@ -5101,130 +7349,7 @@
             </a:pPr>
             <a:r>
               <a:rPr lang="pt-BR" sz="2000" b="1" dirty="0"/>
-              <a:t>Estrutura de dos Dispositivos</a:t>
-            </a:r>
-          </a:p>
-          <a:p>
-            <a:pPr algn="ctr"/>
-            <a:endParaRPr lang="pt-BR" dirty="0"/>
-          </a:p>
-        </p:txBody>
-      </p:sp>
-      <p:pic>
-        <p:nvPicPr>
-          <p:cNvPr id="8" name="Imagem 7" descr="Diagrama, Esquemático&#10;&#10;Descrição gerada automaticamente">
-            <a:extLst>
-              <a:ext uri="{FF2B5EF4-FFF2-40B4-BE49-F238E27FC236}">
-                <a16:creationId xmlns:a16="http://schemas.microsoft.com/office/drawing/2014/main" id="{60C33D56-4B2B-D1E9-0E65-3BA41CA68444}"/>
-              </a:ext>
-            </a:extLst>
-          </p:cNvPr>
-          <p:cNvPicPr>
-            <a:picLocks noChangeAspect="1"/>
-          </p:cNvPicPr>
-          <p:nvPr/>
-        </p:nvPicPr>
-        <p:blipFill>
-          <a:blip r:embed="rId2"/>
-          <a:stretch>
-            <a:fillRect/>
-          </a:stretch>
-        </p:blipFill>
-        <p:spPr>
-          <a:xfrm>
-            <a:off x="2242084" y="1547664"/>
-            <a:ext cx="4680520" cy="4916472"/>
-          </a:xfrm>
-          <a:prstGeom prst="rect">
-            <a:avLst/>
-          </a:prstGeom>
-          <a:ln w="12700">
-            <a:solidFill>
-              <a:schemeClr val="tx1"/>
-            </a:solidFill>
-          </a:ln>
-        </p:spPr>
-      </p:pic>
-    </p:spTree>
-    <p:extLst>
-      <p:ext uri="{BB962C8B-B14F-4D97-AF65-F5344CB8AC3E}">
-        <p14:creationId xmlns:p14="http://schemas.microsoft.com/office/powerpoint/2010/main" val="1542138769"/>
-      </p:ext>
-    </p:extLst>
-  </p:cSld>
-  <p:clrMapOvr>
-    <a:masterClrMapping/>
-  </p:clrMapOvr>
-</p:sld>
-</file>
-
-<file path=ppt/slides/slide16.xml><?xml version="1.0" encoding="utf-8"?>
-<p:sld xmlns:a="http://schemas.openxmlformats.org/drawingml/2006/main" xmlns:r="http://schemas.openxmlformats.org/officeDocument/2006/relationships" xmlns:p="http://schemas.openxmlformats.org/presentationml/2006/main">
-  <p:cSld>
-    <p:spTree>
-      <p:nvGrpSpPr>
-        <p:cNvPr id="1" name=""/>
-        <p:cNvGrpSpPr/>
-        <p:nvPr/>
-      </p:nvGrpSpPr>
-      <p:grpSpPr>
-        <a:xfrm>
-          <a:off x="0" y="0"/>
-          <a:ext cx="0" cy="0"/>
-          <a:chOff x="0" y="0"/>
-          <a:chExt cx="0" cy="0"/>
-        </a:xfrm>
-      </p:grpSpPr>
-      <p:sp>
-        <p:nvSpPr>
-          <p:cNvPr id="2" name="Título 1"/>
-          <p:cNvSpPr>
-            <a:spLocks noGrp="1"/>
-          </p:cNvSpPr>
-          <p:nvPr>
-            <p:ph type="title"/>
-          </p:nvPr>
-        </p:nvSpPr>
-        <p:spPr/>
-        <p:txBody>
-          <a:bodyPr/>
-          <a:lstStyle/>
-          <a:p>
-            <a:r>
-              <a:rPr lang="pt-BR" dirty="0"/>
-              <a:t>Implementação</a:t>
-            </a:r>
-          </a:p>
-        </p:txBody>
-      </p:sp>
-      <p:sp>
-        <p:nvSpPr>
-          <p:cNvPr id="3" name="Espaço Reservado para Conteúdo 2"/>
-          <p:cNvSpPr>
-            <a:spLocks noGrp="1"/>
-          </p:cNvSpPr>
-          <p:nvPr>
-            <p:ph idx="1"/>
-          </p:nvPr>
-        </p:nvSpPr>
-        <p:spPr>
-          <a:xfrm>
-            <a:off x="467544" y="1115616"/>
-            <a:ext cx="8229600" cy="432048"/>
-          </a:xfrm>
-        </p:spPr>
-        <p:txBody>
-          <a:bodyPr>
-            <a:normAutofit/>
-          </a:bodyPr>
-          <a:lstStyle/>
-          <a:p>
-            <a:pPr marL="0" indent="0" algn="ctr">
-              <a:buNone/>
-            </a:pPr>
-            <a:r>
-              <a:rPr lang="pt-BR" sz="2000" b="1" dirty="0"/>
-              <a:t>Player e Servidor</a:t>
+              <a:t>Mirror</a:t>
             </a:r>
           </a:p>
           <a:p>
@@ -5238,7 +7363,7 @@
           <p:cNvPr id="4" name="Espaço Reservado para Conteúdo 2">
             <a:extLst>
               <a:ext uri="{FF2B5EF4-FFF2-40B4-BE49-F238E27FC236}">
-                <a16:creationId xmlns:a16="http://schemas.microsoft.com/office/drawing/2014/main" id="{42CE02FE-DB76-754F-071C-49EA8708C041}"/>
+                <a16:creationId xmlns:a16="http://schemas.microsoft.com/office/drawing/2014/main" id="{D51DA1C0-3A5F-2E89-C3F7-ECCDF83651AA}"/>
               </a:ext>
             </a:extLst>
           </p:cNvPr>
@@ -5249,8 +7374,8 @@
         </p:nvSpPr>
         <p:spPr bwMode="auto">
           <a:xfrm>
-            <a:off x="457200" y="1600200"/>
-            <a:ext cx="4038600" cy="4525963"/>
+            <a:off x="323527" y="2122743"/>
+            <a:ext cx="4248473" cy="4525963"/>
           </a:xfrm>
           <a:prstGeom prst="rect">
             <a:avLst/>
@@ -5418,7 +7543,7 @@
             </a:pPr>
             <a:r>
               <a:rPr lang="pt-BR" sz="2800" kern="0" dirty="0"/>
-              <a:t>Network Identity;</a:t>
+              <a:t>Network Manager;</a:t>
             </a:r>
           </a:p>
           <a:p>
@@ -5429,7 +7554,7 @@
             </a:pPr>
             <a:r>
               <a:rPr lang="pt-BR" sz="2800" kern="0" dirty="0"/>
-              <a:t>Script Servidor;</a:t>
+              <a:t>Network Manager HUD</a:t>
             </a:r>
           </a:p>
           <a:p>
@@ -5439,9 +7564,29 @@
               </a:lnSpc>
             </a:pPr>
             <a:r>
+              <a:rPr lang="pt-BR" sz="2800" kern="0" dirty="0" err="1"/>
+              <a:t>Telepathy</a:t>
+            </a:r>
+            <a:r>
               <a:rPr lang="pt-BR" sz="2800" kern="0" dirty="0"/>
-              <a:t>Script Player.</a:t>
-            </a:r>
+              <a:t> </a:t>
+            </a:r>
+            <a:r>
+              <a:rPr lang="pt-BR" sz="2800" kern="0" dirty="0" err="1"/>
+              <a:t>Transport</a:t>
+            </a:r>
+            <a:r>
+              <a:rPr lang="pt-BR" sz="2800" kern="0" dirty="0"/>
+              <a:t>;</a:t>
+            </a:r>
+          </a:p>
+          <a:p>
+            <a:pPr>
+              <a:lnSpc>
+                <a:spcPct val="90000"/>
+              </a:lnSpc>
+            </a:pPr>
+            <a:endParaRPr lang="pt-BR" sz="2000" kern="0" dirty="0"/>
           </a:p>
         </p:txBody>
       </p:sp>
@@ -5450,7 +7595,7 @@
           <p:cNvPr id="5" name="Imagem 4" descr="Interface gráfica do usuário&#10;&#10;Descrição gerada automaticamente">
             <a:extLst>
               <a:ext uri="{FF2B5EF4-FFF2-40B4-BE49-F238E27FC236}">
-                <a16:creationId xmlns:a16="http://schemas.microsoft.com/office/drawing/2014/main" id="{882EAC3E-E29B-1202-525C-C2C054A51F72}"/>
+                <a16:creationId xmlns:a16="http://schemas.microsoft.com/office/drawing/2014/main" id="{EC8C410C-8902-FC7D-908C-74813C080DF2}"/>
               </a:ext>
             </a:extLst>
           </p:cNvPr>
@@ -5460,27 +7605,19 @@
           <p:nvPr/>
         </p:nvPicPr>
         <p:blipFill>
-          <a:blip r:embed="rId2">
-            <a:extLst>
-              <a:ext uri="{28A0092B-C50C-407E-A947-70E740481C1C}">
-                <a14:useLocalDpi xmlns:a14="http://schemas.microsoft.com/office/drawing/2010/main" val="0"/>
-              </a:ext>
-            </a:extLst>
-          </a:blip>
-          <a:srcRect/>
+          <a:blip r:embed="rId3"/>
           <a:stretch>
             <a:fillRect/>
           </a:stretch>
         </p:blipFill>
-        <p:spPr bwMode="auto">
+        <p:spPr>
           <a:xfrm>
-            <a:off x="4675926" y="1772816"/>
-            <a:ext cx="3909060" cy="3116580"/>
+            <a:off x="4788024" y="2258616"/>
+            <a:ext cx="3811904" cy="2229604"/>
           </a:xfrm>
           <a:prstGeom prst="rect">
             <a:avLst/>
           </a:prstGeom>
-          <a:noFill/>
           <a:ln w="12700">
             <a:solidFill>
               <a:schemeClr val="tx1"/>
@@ -5491,7 +7628,130 @@
     </p:spTree>
     <p:extLst>
       <p:ext uri="{BB962C8B-B14F-4D97-AF65-F5344CB8AC3E}">
-        <p14:creationId xmlns:p14="http://schemas.microsoft.com/office/powerpoint/2010/main" val="1595847294"/>
+        <p14:creationId xmlns:p14="http://schemas.microsoft.com/office/powerpoint/2010/main" val="2387549956"/>
+      </p:ext>
+    </p:extLst>
+  </p:cSld>
+  <p:clrMapOvr>
+    <a:masterClrMapping/>
+  </p:clrMapOvr>
+</p:sld>
+</file>
+
+<file path=ppt/slides/slide16.xml><?xml version="1.0" encoding="utf-8"?>
+<p:sld xmlns:a="http://schemas.openxmlformats.org/drawingml/2006/main" xmlns:r="http://schemas.openxmlformats.org/officeDocument/2006/relationships" xmlns:p="http://schemas.openxmlformats.org/presentationml/2006/main">
+  <p:cSld>
+    <p:spTree>
+      <p:nvGrpSpPr>
+        <p:cNvPr id="1" name=""/>
+        <p:cNvGrpSpPr/>
+        <p:nvPr/>
+      </p:nvGrpSpPr>
+      <p:grpSpPr>
+        <a:xfrm>
+          <a:off x="0" y="0"/>
+          <a:ext cx="0" cy="0"/>
+          <a:chOff x="0" y="0"/>
+          <a:chExt cx="0" cy="0"/>
+        </a:xfrm>
+      </p:grpSpPr>
+      <p:sp>
+        <p:nvSpPr>
+          <p:cNvPr id="2" name="Título 1"/>
+          <p:cNvSpPr>
+            <a:spLocks noGrp="1"/>
+          </p:cNvSpPr>
+          <p:nvPr>
+            <p:ph type="title"/>
+          </p:nvPr>
+        </p:nvSpPr>
+        <p:spPr/>
+        <p:txBody>
+          <a:bodyPr/>
+          <a:lstStyle/>
+          <a:p>
+            <a:r>
+              <a:rPr lang="pt-BR" dirty="0"/>
+              <a:t>Implementação</a:t>
+            </a:r>
+          </a:p>
+        </p:txBody>
+      </p:sp>
+      <p:sp>
+        <p:nvSpPr>
+          <p:cNvPr id="3" name="Espaço Reservado para Conteúdo 2"/>
+          <p:cNvSpPr>
+            <a:spLocks noGrp="1"/>
+          </p:cNvSpPr>
+          <p:nvPr>
+            <p:ph idx="1"/>
+          </p:nvPr>
+        </p:nvSpPr>
+        <p:spPr>
+          <a:xfrm>
+            <a:off x="467544" y="1115616"/>
+            <a:ext cx="8229600" cy="432048"/>
+          </a:xfrm>
+        </p:spPr>
+        <p:txBody>
+          <a:bodyPr>
+            <a:normAutofit/>
+          </a:bodyPr>
+          <a:lstStyle/>
+          <a:p>
+            <a:pPr marL="0" indent="0" algn="ctr">
+              <a:buNone/>
+            </a:pPr>
+            <a:r>
+              <a:rPr lang="pt-BR" sz="2000" b="1" dirty="0"/>
+              <a:t>Estrutura de dos Dispositivos</a:t>
+            </a:r>
+          </a:p>
+          <a:p>
+            <a:pPr algn="ctr"/>
+            <a:endParaRPr lang="pt-BR" dirty="0"/>
+          </a:p>
+        </p:txBody>
+      </p:sp>
+      <p:pic>
+        <p:nvPicPr>
+          <p:cNvPr id="8" name="Imagem 7" descr="Diagrama, Esquemático&#10;&#10;Descrição gerada automaticamente">
+            <a:extLst>
+              <a:ext uri="{FF2B5EF4-FFF2-40B4-BE49-F238E27FC236}">
+                <a16:creationId xmlns:a16="http://schemas.microsoft.com/office/drawing/2014/main" id="{60C33D56-4B2B-D1E9-0E65-3BA41CA68444}"/>
+              </a:ext>
+            </a:extLst>
+          </p:cNvPr>
+          <p:cNvPicPr>
+            <a:picLocks noChangeAspect="1"/>
+          </p:cNvPicPr>
+          <p:nvPr/>
+        </p:nvPicPr>
+        <p:blipFill>
+          <a:blip r:embed="rId3"/>
+          <a:stretch>
+            <a:fillRect/>
+          </a:stretch>
+        </p:blipFill>
+        <p:spPr>
+          <a:xfrm>
+            <a:off x="2242084" y="1547664"/>
+            <a:ext cx="4680520" cy="4916472"/>
+          </a:xfrm>
+          <a:prstGeom prst="rect">
+            <a:avLst/>
+          </a:prstGeom>
+          <a:ln w="12700">
+            <a:solidFill>
+              <a:schemeClr val="tx1"/>
+            </a:solidFill>
+          </a:ln>
+        </p:spPr>
+      </p:pic>
+    </p:spTree>
+    <p:extLst>
+      <p:ext uri="{BB962C8B-B14F-4D97-AF65-F5344CB8AC3E}">
+        <p14:creationId xmlns:p14="http://schemas.microsoft.com/office/powerpoint/2010/main" val="1542138769"/>
       </p:ext>
     </p:extLst>
   </p:cSld>
@@ -5567,7 +7827,7 @@
             </a:pPr>
             <a:r>
               <a:rPr lang="pt-BR" sz="2000" b="1" dirty="0"/>
-              <a:t>Botões e Painel</a:t>
+              <a:t>Player e Servidor</a:t>
             </a:r>
           </a:p>
           <a:p>
@@ -5581,7 +7841,7 @@
           <p:cNvPr id="4" name="Espaço Reservado para Conteúdo 2">
             <a:extLst>
               <a:ext uri="{FF2B5EF4-FFF2-40B4-BE49-F238E27FC236}">
-                <a16:creationId xmlns:a16="http://schemas.microsoft.com/office/drawing/2014/main" id="{E2F1A53D-9002-A1AA-6D2B-F9DF23827DB9}"/>
+                <a16:creationId xmlns:a16="http://schemas.microsoft.com/office/drawing/2014/main" id="{42CE02FE-DB76-754F-071C-49EA8708C041}"/>
               </a:ext>
             </a:extLst>
           </p:cNvPr>
@@ -5592,7 +7852,7 @@
         </p:nvSpPr>
         <p:spPr bwMode="auto">
           <a:xfrm>
-            <a:off x="444575" y="1593366"/>
+            <a:off x="457200" y="1600200"/>
             <a:ext cx="4038600" cy="4525963"/>
           </a:xfrm>
           <a:prstGeom prst="rect">
@@ -5756,63 +8016,44 @@
           <a:p>
             <a:pPr>
               <a:lnSpc>
-                <a:spcPct val="200000"/>
+                <a:spcPct val="150000"/>
               </a:lnSpc>
             </a:pPr>
             <a:r>
               <a:rPr lang="pt-BR" sz="2800" kern="0" dirty="0"/>
-              <a:t>BotoesCallBack;</a:t>
+              <a:t>Network Identity;</a:t>
             </a:r>
           </a:p>
           <a:p>
             <a:pPr>
               <a:lnSpc>
-                <a:spcPct val="200000"/>
+                <a:spcPct val="150000"/>
               </a:lnSpc>
             </a:pPr>
             <a:r>
               <a:rPr lang="pt-BR" sz="2800" kern="0" dirty="0"/>
-              <a:t>BotoesControler; </a:t>
+              <a:t>Script Servidor;</a:t>
             </a:r>
           </a:p>
           <a:p>
             <a:pPr>
               <a:lnSpc>
-                <a:spcPct val="200000"/>
+                <a:spcPct val="150000"/>
               </a:lnSpc>
             </a:pPr>
             <a:r>
               <a:rPr lang="pt-BR" sz="2800" kern="0" dirty="0"/>
-              <a:t>Linha;</a:t>
-            </a:r>
-          </a:p>
-          <a:p>
-            <a:pPr>
-              <a:lnSpc>
-                <a:spcPct val="200000"/>
-              </a:lnSpc>
-            </a:pPr>
-            <a:r>
-              <a:rPr lang="pt-BR" sz="2800" kern="0" dirty="0"/>
-              <a:t>Painel.</a:t>
-            </a:r>
-          </a:p>
-          <a:p>
-            <a:pPr>
-              <a:lnSpc>
-                <a:spcPct val="90000"/>
-              </a:lnSpc>
-            </a:pPr>
-            <a:endParaRPr lang="pt-BR" sz="2000" kern="0" dirty="0"/>
+              <a:t>Script Player.</a:t>
+            </a:r>
           </a:p>
         </p:txBody>
       </p:sp>
       <p:pic>
         <p:nvPicPr>
-          <p:cNvPr id="5" name="Imagem 4" descr="Diagrama&#10;&#10;Descrição gerada automaticamente">
+          <p:cNvPr id="5" name="Imagem 4" descr="Interface gráfica do usuário&#10;&#10;Descrição gerada automaticamente">
             <a:extLst>
               <a:ext uri="{FF2B5EF4-FFF2-40B4-BE49-F238E27FC236}">
-                <a16:creationId xmlns:a16="http://schemas.microsoft.com/office/drawing/2014/main" id="{29FABDF7-55DF-37FA-C9CE-CC3E949BC03E}"/>
+                <a16:creationId xmlns:a16="http://schemas.microsoft.com/office/drawing/2014/main" id="{882EAC3E-E29B-1202-525C-C2C054A51F72}"/>
               </a:ext>
             </a:extLst>
           </p:cNvPr>
@@ -5822,19 +8063,27 @@
           <p:nvPr/>
         </p:nvPicPr>
         <p:blipFill>
-          <a:blip r:embed="rId2"/>
+          <a:blip r:embed="rId3">
+            <a:extLst>
+              <a:ext uri="{28A0092B-C50C-407E-A947-70E740481C1C}">
+                <a14:useLocalDpi xmlns:a14="http://schemas.microsoft.com/office/drawing/2010/main" val="0"/>
+              </a:ext>
+            </a:extLst>
+          </a:blip>
+          <a:srcRect/>
           <a:stretch>
             <a:fillRect/>
           </a:stretch>
         </p:blipFill>
-        <p:spPr>
+        <p:spPr bwMode="auto">
           <a:xfrm>
-            <a:off x="3749040" y="1712444"/>
-            <a:ext cx="4937760" cy="3552190"/>
+            <a:off x="4675926" y="1772816"/>
+            <a:ext cx="3909060" cy="3116580"/>
           </a:xfrm>
           <a:prstGeom prst="rect">
             <a:avLst/>
           </a:prstGeom>
+          <a:noFill/>
           <a:ln w="12700">
             <a:solidFill>
               <a:schemeClr val="tx1"/>
@@ -5845,7 +8094,7 @@
     </p:spTree>
     <p:extLst>
       <p:ext uri="{BB962C8B-B14F-4D97-AF65-F5344CB8AC3E}">
-        <p14:creationId xmlns:p14="http://schemas.microsoft.com/office/powerpoint/2010/main" val="1096152604"/>
+        <p14:creationId xmlns:p14="http://schemas.microsoft.com/office/powerpoint/2010/main" val="1595847294"/>
       </p:ext>
     </p:extLst>
   </p:cSld>
@@ -5889,7 +8138,7 @@
           <a:p>
             <a:r>
               <a:rPr lang="pt-BR" dirty="0"/>
-              <a:t>Análise dos Resultados</a:t>
+              <a:t>Implementação</a:t>
             </a:r>
           </a:p>
         </p:txBody>
@@ -5906,56 +8155,27 @@
         </p:nvSpPr>
         <p:spPr>
           <a:xfrm>
-            <a:off x="467544" y="1549332"/>
-            <a:ext cx="8229600" cy="4680520"/>
+            <a:off x="467544" y="1115616"/>
+            <a:ext cx="8229600" cy="432048"/>
           </a:xfrm>
         </p:spPr>
         <p:txBody>
-          <a:bodyPr/>
+          <a:bodyPr>
+            <a:normAutofit/>
+          </a:bodyPr>
           <a:lstStyle/>
           <a:p>
-            <a:pPr>
-              <a:lnSpc>
-                <a:spcPct val="150000"/>
-              </a:lnSpc>
+            <a:pPr marL="0" indent="0" algn="ctr">
+              <a:buNone/>
             </a:pPr>
             <a:r>
-              <a:rPr lang="pt-BR" dirty="0"/>
-              <a:t>Primeira abordagem;</a:t>
-            </a:r>
-          </a:p>
-          <a:p>
-            <a:pPr>
-              <a:lnSpc>
-                <a:spcPct val="150000"/>
-              </a:lnSpc>
-            </a:pPr>
-            <a:r>
-              <a:rPr lang="pt-BR" dirty="0"/>
-              <a:t>Problema de sincronização;</a:t>
-            </a:r>
-          </a:p>
-          <a:p>
-            <a:pPr>
-              <a:lnSpc>
-                <a:spcPct val="150000"/>
-              </a:lnSpc>
-            </a:pPr>
-            <a:r>
-              <a:rPr lang="pt-BR" dirty="0"/>
-              <a:t>Variação dos GameObjects;</a:t>
-            </a:r>
-          </a:p>
-          <a:p>
-            <a:pPr>
-              <a:lnSpc>
-                <a:spcPct val="150000"/>
-              </a:lnSpc>
-            </a:pPr>
-            <a:r>
-              <a:rPr lang="pt-BR" dirty="0"/>
-              <a:t>Detecção do marcador do Fóssil.</a:t>
-            </a:r>
+              <a:rPr lang="pt-BR" sz="2000" b="1" dirty="0"/>
+              <a:t>Botões e Painel</a:t>
+            </a:r>
+          </a:p>
+          <a:p>
+            <a:pPr algn="ctr"/>
+            <a:endParaRPr lang="pt-BR" dirty="0"/>
           </a:p>
         </p:txBody>
       </p:sp>
@@ -5964,7 +8184,7 @@
           <p:cNvPr id="4" name="Espaço Reservado para Conteúdo 2">
             <a:extLst>
               <a:ext uri="{FF2B5EF4-FFF2-40B4-BE49-F238E27FC236}">
-                <a16:creationId xmlns:a16="http://schemas.microsoft.com/office/drawing/2014/main" id="{79063599-FA85-84F7-530E-0F9F754FEA3D}"/>
+                <a16:creationId xmlns:a16="http://schemas.microsoft.com/office/drawing/2014/main" id="{E2F1A53D-9002-A1AA-6D2B-F9DF23827DB9}"/>
               </a:ext>
             </a:extLst>
           </p:cNvPr>
@@ -5975,8 +8195,8 @@
         </p:nvSpPr>
         <p:spPr bwMode="auto">
           <a:xfrm>
-            <a:off x="467544" y="1115616"/>
-            <a:ext cx="8229600" cy="432048"/>
+            <a:off x="444575" y="1593366"/>
+            <a:ext cx="4038600" cy="4525963"/>
           </a:xfrm>
           <a:prstGeom prst="rect">
             <a:avLst/>
@@ -6137,22 +8357,98 @@
             </a:lvl9pPr>
           </a:lstStyle>
           <a:p>
-            <a:pPr marL="0" indent="0" algn="ctr">
-              <a:buFontTx/>
-              <a:buNone/>
+            <a:pPr>
+              <a:lnSpc>
+                <a:spcPct val="200000"/>
+              </a:lnSpc>
             </a:pPr>
             <a:r>
-              <a:rPr lang="pt-BR" sz="2000" b="1" kern="0" dirty="0"/>
-              <a:t>Testes de usabilidade</a:t>
-            </a:r>
-            <a:endParaRPr lang="pt-BR" kern="0" dirty="0"/>
-          </a:p>
-        </p:txBody>
-      </p:sp>
+              <a:rPr lang="pt-BR" sz="2800" kern="0" dirty="0"/>
+              <a:t>BotoesCallBack;</a:t>
+            </a:r>
+          </a:p>
+          <a:p>
+            <a:pPr>
+              <a:lnSpc>
+                <a:spcPct val="200000"/>
+              </a:lnSpc>
+            </a:pPr>
+            <a:r>
+              <a:rPr lang="pt-BR" sz="2800" kern="0" dirty="0"/>
+              <a:t>BotoesControler; </a:t>
+            </a:r>
+          </a:p>
+          <a:p>
+            <a:pPr>
+              <a:lnSpc>
+                <a:spcPct val="200000"/>
+              </a:lnSpc>
+            </a:pPr>
+            <a:r>
+              <a:rPr lang="pt-BR" sz="2800" kern="0" dirty="0"/>
+              <a:t>Linha;</a:t>
+            </a:r>
+          </a:p>
+          <a:p>
+            <a:pPr>
+              <a:lnSpc>
+                <a:spcPct val="200000"/>
+              </a:lnSpc>
+            </a:pPr>
+            <a:r>
+              <a:rPr lang="pt-BR" sz="2800" kern="0" dirty="0"/>
+              <a:t>Painel.</a:t>
+            </a:r>
+          </a:p>
+          <a:p>
+            <a:pPr>
+              <a:lnSpc>
+                <a:spcPct val="90000"/>
+              </a:lnSpc>
+            </a:pPr>
+            <a:endParaRPr lang="pt-BR" sz="2000" kern="0" dirty="0"/>
+          </a:p>
+        </p:txBody>
+      </p:sp>
+      <p:pic>
+        <p:nvPicPr>
+          <p:cNvPr id="5" name="Imagem 4" descr="Diagrama&#10;&#10;Descrição gerada automaticamente">
+            <a:extLst>
+              <a:ext uri="{FF2B5EF4-FFF2-40B4-BE49-F238E27FC236}">
+                <a16:creationId xmlns:a16="http://schemas.microsoft.com/office/drawing/2014/main" id="{29FABDF7-55DF-37FA-C9CE-CC3E949BC03E}"/>
+              </a:ext>
+            </a:extLst>
+          </p:cNvPr>
+          <p:cNvPicPr>
+            <a:picLocks noChangeAspect="1"/>
+          </p:cNvPicPr>
+          <p:nvPr/>
+        </p:nvPicPr>
+        <p:blipFill>
+          <a:blip r:embed="rId3"/>
+          <a:stretch>
+            <a:fillRect/>
+          </a:stretch>
+        </p:blipFill>
+        <p:spPr>
+          <a:xfrm>
+            <a:off x="3749040" y="1712444"/>
+            <a:ext cx="4937760" cy="3552190"/>
+          </a:xfrm>
+          <a:prstGeom prst="rect">
+            <a:avLst/>
+          </a:prstGeom>
+          <a:ln w="12700">
+            <a:solidFill>
+              <a:schemeClr val="tx1"/>
+            </a:solidFill>
+          </a:ln>
+        </p:spPr>
+      </p:pic>
     </p:spTree>
     <p:extLst>
       <p:ext uri="{BB962C8B-B14F-4D97-AF65-F5344CB8AC3E}">
-        <p14:creationId xmlns:p14="http://schemas.microsoft.com/office/powerpoint/2010/main" val="841686488"/>
+        <p14:creationId xmlns:p14="http://schemas.microsoft.com/office/powerpoint/2010/main" val="1096152604"/>
       </p:ext>
     </p:extLst>
   </p:cSld>
@@ -6213,7 +8509,7 @@
         </p:nvSpPr>
         <p:spPr>
           <a:xfrm>
-            <a:off x="457200" y="1576521"/>
+            <a:off x="467544" y="1549332"/>
             <a:ext cx="8229600" cy="4680520"/>
           </a:xfrm>
         </p:spPr>
@@ -6221,51 +8517,48 @@
           <a:bodyPr/>
           <a:lstStyle/>
           <a:p>
+            <a:pPr>
+              <a:lnSpc>
+                <a:spcPct val="150000"/>
+              </a:lnSpc>
+            </a:pPr>
             <a:r>
               <a:rPr lang="pt-BR" dirty="0"/>
-              <a:t>5 participantes;</a:t>
-            </a:r>
-          </a:p>
-          <a:p>
+              <a:t>Primeira abordagem;</a:t>
+            </a:r>
+          </a:p>
+          <a:p>
+            <a:pPr>
+              <a:lnSpc>
+                <a:spcPct val="150000"/>
+              </a:lnSpc>
+            </a:pPr>
             <a:r>
               <a:rPr lang="pt-BR" dirty="0"/>
-              <a:t>Formulário no Google </a:t>
-            </a:r>
-            <a:r>
-              <a:rPr lang="pt-BR" dirty="0" err="1"/>
-              <a:t>Docs</a:t>
-            </a:r>
+              <a:t>Problema de sincronização;</a:t>
+            </a:r>
+          </a:p>
+          <a:p>
+            <a:pPr>
+              <a:lnSpc>
+                <a:spcPct val="150000"/>
+              </a:lnSpc>
+            </a:pPr>
             <a:r>
               <a:rPr lang="pt-BR" dirty="0"/>
-              <a:t>;</a:t>
-            </a:r>
-          </a:p>
-          <a:p>
+              <a:t>Variação dos GameObjects;</a:t>
+            </a:r>
+          </a:p>
+          <a:p>
+            <a:pPr>
+              <a:lnSpc>
+                <a:spcPct val="150000"/>
+              </a:lnSpc>
+            </a:pPr>
             <a:r>
               <a:rPr lang="pt-BR" dirty="0"/>
-              <a:t>Primeira etapa: perfil dos participantes;</a:t>
-            </a:r>
-          </a:p>
-          <a:p>
-            <a:r>
-              <a:rPr lang="pt-BR" dirty="0"/>
-              <a:t>Segunda etapa: usabilidade e proposta;</a:t>
-            </a:r>
-          </a:p>
-          <a:p>
-            <a:r>
-              <a:rPr lang="pt-BR" dirty="0"/>
-              <a:t>No geral os participantes gostaram da aplicação e avaliaram ela bem;</a:t>
-            </a:r>
-          </a:p>
-          <a:p>
-            <a:r>
-              <a:rPr lang="pt-BR" dirty="0"/>
-              <a:t>Todos conseguiram visualizar  bem os textos e os objetos virtuais.</a:t>
-            </a:r>
-          </a:p>
-          <a:p>
-            <a:endParaRPr lang="pt-BR" dirty="0"/>
+              <a:t>Detecção do marcador do Fóssil.</a:t>
+            </a:r>
           </a:p>
         </p:txBody>
       </p:sp>
@@ -6453,11 +8746,8 @@
             </a:pPr>
             <a:r>
               <a:rPr lang="pt-BR" sz="2000" b="1" kern="0" dirty="0"/>
-              <a:t>Testes com usuários</a:t>
-            </a:r>
-          </a:p>
-          <a:p>
-            <a:pPr algn="ctr"/>
+              <a:t>Testes de Funcionalidades</a:t>
+            </a:r>
             <a:endParaRPr lang="pt-BR" kern="0" dirty="0"/>
           </a:p>
         </p:txBody>
@@ -6465,7 +8755,7 @@
     </p:spTree>
     <p:extLst>
       <p:ext uri="{BB962C8B-B14F-4D97-AF65-F5344CB8AC3E}">
-        <p14:creationId xmlns:p14="http://schemas.microsoft.com/office/powerpoint/2010/main" val="879166770"/>
+        <p14:creationId xmlns:p14="http://schemas.microsoft.com/office/powerpoint/2010/main" val="841686488"/>
       </p:ext>
     </p:extLst>
   </p:cSld>
@@ -6527,55 +8817,61 @@
         <p:spPr/>
         <p:txBody>
           <a:bodyPr>
-            <a:normAutofit/>
+            <a:normAutofit fontScale="92500" lnSpcReduction="10000"/>
           </a:bodyPr>
           <a:lstStyle/>
           <a:p>
             <a:r>
               <a:rPr lang="pt-BR" dirty="0"/>
-              <a:t>Introdução</a:t>
+              <a:t>Introdução;</a:t>
             </a:r>
           </a:p>
           <a:p>
             <a:r>
               <a:rPr lang="pt-BR" dirty="0"/>
-              <a:t>Objetivos</a:t>
+              <a:t>Objetivos;</a:t>
             </a:r>
           </a:p>
           <a:p>
             <a:r>
               <a:rPr lang="pt-BR" dirty="0"/>
-              <a:t>Fundamentação Teórica</a:t>
+              <a:t>Fundamentação Teórica;</a:t>
             </a:r>
           </a:p>
           <a:p>
             <a:r>
               <a:rPr lang="pt-BR" dirty="0"/>
-              <a:t>Requisitos</a:t>
+              <a:t>Trabalhos Correlatos;</a:t>
             </a:r>
           </a:p>
           <a:p>
             <a:r>
               <a:rPr lang="pt-BR" dirty="0"/>
-              <a:t>Especificação</a:t>
+              <a:t>Requisitos;</a:t>
             </a:r>
           </a:p>
           <a:p>
             <a:r>
               <a:rPr lang="pt-BR" dirty="0"/>
-              <a:t>Implementação</a:t>
+              <a:t>Especificação;</a:t>
             </a:r>
           </a:p>
           <a:p>
             <a:r>
               <a:rPr lang="pt-BR" dirty="0"/>
-              <a:t>Análise de Resultados</a:t>
+              <a:t>Implementação;</a:t>
             </a:r>
           </a:p>
           <a:p>
             <a:r>
               <a:rPr lang="pt-BR" dirty="0"/>
-              <a:t>Conclusões e Sugestões</a:t>
+              <a:t>Análise de Resultados;</a:t>
+            </a:r>
+          </a:p>
+          <a:p>
+            <a:r>
+              <a:rPr lang="pt-BR" dirty="0"/>
+              <a:t>Conclusões e Sugestões.</a:t>
             </a:r>
           </a:p>
           <a:p>
@@ -6650,38 +8946,59 @@
         </p:nvSpPr>
         <p:spPr>
           <a:xfrm>
-            <a:off x="467544" y="1549332"/>
+            <a:off x="457200" y="1576521"/>
             <a:ext cx="8229600" cy="4680520"/>
           </a:xfrm>
         </p:spPr>
         <p:txBody>
-          <a:bodyPr>
-            <a:normAutofit lnSpcReduction="10000"/>
-          </a:bodyPr>
+          <a:bodyPr/>
           <a:lstStyle/>
           <a:p>
             <a:r>
               <a:rPr lang="pt-BR" dirty="0"/>
-              <a:t>Os participantes apontado uma dificuldade em acionar os botões;</a:t>
+              <a:t>5 participantes;</a:t>
             </a:r>
           </a:p>
           <a:p>
             <a:r>
               <a:rPr lang="pt-BR" dirty="0"/>
-              <a:t>Alguns participantes relataram que um pequeno desconforto no uso do HMD;</a:t>
-            </a:r>
-          </a:p>
-          <a:p>
+              <a:t>Formulário no Google </a:t>
+            </a:r>
+            <a:r>
+              <a:rPr lang="pt-BR" dirty="0" err="1"/>
+              <a:t>Docs</a:t>
+            </a:r>
             <a:r>
               <a:rPr lang="pt-BR" dirty="0"/>
-              <a:t>Foi notado que o celular não conseguia se manter carregado com a aplicação em execução;</a:t>
+              <a:t>;</a:t>
             </a:r>
           </a:p>
           <a:p>
             <a:r>
               <a:rPr lang="pt-BR" dirty="0"/>
-              <a:t>O comprimento do cabo limitava a movimentação dos participantes.</a:t>
-            </a:r>
+              <a:t>Primeira etapa: perfil dos participantes;</a:t>
+            </a:r>
+          </a:p>
+          <a:p>
+            <a:r>
+              <a:rPr lang="pt-BR" dirty="0"/>
+              <a:t>Segunda etapa: usabilidade e proposta;</a:t>
+            </a:r>
+          </a:p>
+          <a:p>
+            <a:r>
+              <a:rPr lang="pt-BR" dirty="0"/>
+              <a:t>No geral os participantes gostaram da aplicação e avaliaram ela bem;</a:t>
+            </a:r>
+          </a:p>
+          <a:p>
+            <a:r>
+              <a:rPr lang="pt-BR" dirty="0"/>
+              <a:t>Todos conseguiram visualizar  bem os textos e os objetos virtuais.</a:t>
+            </a:r>
+          </a:p>
+          <a:p>
+            <a:endParaRPr lang="pt-BR" dirty="0"/>
           </a:p>
         </p:txBody>
       </p:sp>
@@ -6881,7 +9198,7 @@
     </p:spTree>
     <p:extLst>
       <p:ext uri="{BB962C8B-B14F-4D97-AF65-F5344CB8AC3E}">
-        <p14:creationId xmlns:p14="http://schemas.microsoft.com/office/powerpoint/2010/main" val="2580007318"/>
+        <p14:creationId xmlns:p14="http://schemas.microsoft.com/office/powerpoint/2010/main" val="879166770"/>
       </p:ext>
     </p:extLst>
   </p:cSld>
@@ -6926,6 +9243,53 @@
             <a:r>
               <a:rPr lang="pt-BR" dirty="0"/>
               <a:t>Análise dos Resultados</a:t>
+            </a:r>
+          </a:p>
+        </p:txBody>
+      </p:sp>
+      <p:sp>
+        <p:nvSpPr>
+          <p:cNvPr id="3" name="Espaço Reservado para Conteúdo 2"/>
+          <p:cNvSpPr>
+            <a:spLocks noGrp="1"/>
+          </p:cNvSpPr>
+          <p:nvPr>
+            <p:ph idx="1"/>
+          </p:nvPr>
+        </p:nvSpPr>
+        <p:spPr>
+          <a:xfrm>
+            <a:off x="467544" y="1549332"/>
+            <a:ext cx="8229600" cy="4680520"/>
+          </a:xfrm>
+        </p:spPr>
+        <p:txBody>
+          <a:bodyPr>
+            <a:normAutofit lnSpcReduction="10000"/>
+          </a:bodyPr>
+          <a:lstStyle/>
+          <a:p>
+            <a:r>
+              <a:rPr lang="pt-BR" dirty="0"/>
+              <a:t>Os participantes apontaram uma dificuldade em acionar os botões;</a:t>
+            </a:r>
+          </a:p>
+          <a:p>
+            <a:r>
+              <a:rPr lang="pt-BR" dirty="0"/>
+              <a:t>Alguns participantes relataram que um pequeno desconforto no uso do HMD;</a:t>
+            </a:r>
+          </a:p>
+          <a:p>
+            <a:r>
+              <a:rPr lang="pt-BR" dirty="0"/>
+              <a:t>Foi notado que o celular não conseguia se manter carregado com a aplicação em execução;</a:t>
+            </a:r>
+          </a:p>
+          <a:p>
+            <a:r>
+              <a:rPr lang="pt-BR" dirty="0"/>
+              <a:t>O comprimento do cabo limitava a movimentação dos participantes.</a:t>
             </a:r>
           </a:p>
         </p:txBody>
@@ -7114,6 +9478,251 @@
             </a:pPr>
             <a:r>
               <a:rPr lang="pt-BR" sz="2000" b="1" kern="0" dirty="0"/>
+              <a:t>Testes com usuários</a:t>
+            </a:r>
+          </a:p>
+          <a:p>
+            <a:pPr algn="ctr"/>
+            <a:endParaRPr lang="pt-BR" kern="0" dirty="0"/>
+          </a:p>
+        </p:txBody>
+      </p:sp>
+    </p:spTree>
+    <p:extLst>
+      <p:ext uri="{BB962C8B-B14F-4D97-AF65-F5344CB8AC3E}">
+        <p14:creationId xmlns:p14="http://schemas.microsoft.com/office/powerpoint/2010/main" val="2580007318"/>
+      </p:ext>
+    </p:extLst>
+  </p:cSld>
+  <p:clrMapOvr>
+    <a:masterClrMapping/>
+  </p:clrMapOvr>
+</p:sld>
+</file>
+
+<file path=ppt/slides/slide22.xml><?xml version="1.0" encoding="utf-8"?>
+<p:sld xmlns:a="http://schemas.openxmlformats.org/drawingml/2006/main" xmlns:r="http://schemas.openxmlformats.org/officeDocument/2006/relationships" xmlns:p="http://schemas.openxmlformats.org/presentationml/2006/main">
+  <p:cSld>
+    <p:spTree>
+      <p:nvGrpSpPr>
+        <p:cNvPr id="1" name=""/>
+        <p:cNvGrpSpPr/>
+        <p:nvPr/>
+      </p:nvGrpSpPr>
+      <p:grpSpPr>
+        <a:xfrm>
+          <a:off x="0" y="0"/>
+          <a:ext cx="0" cy="0"/>
+          <a:chOff x="0" y="0"/>
+          <a:chExt cx="0" cy="0"/>
+        </a:xfrm>
+      </p:grpSpPr>
+      <p:sp>
+        <p:nvSpPr>
+          <p:cNvPr id="2" name="Título 1"/>
+          <p:cNvSpPr>
+            <a:spLocks noGrp="1"/>
+          </p:cNvSpPr>
+          <p:nvPr>
+            <p:ph type="title"/>
+          </p:nvPr>
+        </p:nvSpPr>
+        <p:spPr/>
+        <p:txBody>
+          <a:bodyPr/>
+          <a:lstStyle/>
+          <a:p>
+            <a:r>
+              <a:rPr lang="pt-BR" dirty="0"/>
+              <a:t>Análise dos Resultados</a:t>
+            </a:r>
+          </a:p>
+        </p:txBody>
+      </p:sp>
+      <p:sp>
+        <p:nvSpPr>
+          <p:cNvPr id="4" name="Espaço Reservado para Conteúdo 2">
+            <a:extLst>
+              <a:ext uri="{FF2B5EF4-FFF2-40B4-BE49-F238E27FC236}">
+                <a16:creationId xmlns:a16="http://schemas.microsoft.com/office/drawing/2014/main" id="{79063599-FA85-84F7-530E-0F9F754FEA3D}"/>
+              </a:ext>
+            </a:extLst>
+          </p:cNvPr>
+          <p:cNvSpPr txBox="1">
+            <a:spLocks/>
+          </p:cNvSpPr>
+          <p:nvPr/>
+        </p:nvSpPr>
+        <p:spPr bwMode="auto">
+          <a:xfrm>
+            <a:off x="467544" y="1115616"/>
+            <a:ext cx="8229600" cy="432048"/>
+          </a:xfrm>
+          <a:prstGeom prst="rect">
+            <a:avLst/>
+          </a:prstGeom>
+          <a:noFill/>
+          <a:ln w="9525">
+            <a:noFill/>
+            <a:miter lim="800000"/>
+            <a:headEnd/>
+            <a:tailEnd/>
+          </a:ln>
+          <a:effectLst/>
+        </p:spPr>
+        <p:txBody>
+          <a:bodyPr vert="horz" wrap="square" lIns="91440" tIns="45720" rIns="91440" bIns="45720" numCol="1" anchor="t" anchorCtr="0" compatLnSpc="1">
+            <a:prstTxWarp prst="textNoShape">
+              <a:avLst/>
+            </a:prstTxWarp>
+            <a:normAutofit/>
+          </a:bodyPr>
+          <a:lstStyle>
+            <a:lvl1pPr marL="342900" indent="-342900" algn="l" rtl="0" fontAlgn="base">
+              <a:spcBef>
+                <a:spcPct val="20000"/>
+              </a:spcBef>
+              <a:spcAft>
+                <a:spcPct val="0"/>
+              </a:spcAft>
+              <a:buChar char="•"/>
+              <a:defRPr sz="3200">
+                <a:solidFill>
+                  <a:schemeClr val="tx1"/>
+                </a:solidFill>
+                <a:latin typeface="+mn-lt"/>
+                <a:ea typeface="+mn-ea"/>
+                <a:cs typeface="+mn-cs"/>
+              </a:defRPr>
+            </a:lvl1pPr>
+            <a:lvl2pPr marL="742950" indent="-285750" algn="l" rtl="0" fontAlgn="base">
+              <a:spcBef>
+                <a:spcPct val="20000"/>
+              </a:spcBef>
+              <a:spcAft>
+                <a:spcPct val="0"/>
+              </a:spcAft>
+              <a:buChar char="–"/>
+              <a:defRPr sz="2800">
+                <a:solidFill>
+                  <a:schemeClr val="tx1"/>
+                </a:solidFill>
+                <a:latin typeface="+mn-lt"/>
+              </a:defRPr>
+            </a:lvl2pPr>
+            <a:lvl3pPr marL="1143000" indent="-228600" algn="l" rtl="0" fontAlgn="base">
+              <a:spcBef>
+                <a:spcPct val="20000"/>
+              </a:spcBef>
+              <a:spcAft>
+                <a:spcPct val="0"/>
+              </a:spcAft>
+              <a:buChar char="•"/>
+              <a:defRPr sz="2400">
+                <a:solidFill>
+                  <a:schemeClr val="tx1"/>
+                </a:solidFill>
+                <a:latin typeface="+mn-lt"/>
+              </a:defRPr>
+            </a:lvl3pPr>
+            <a:lvl4pPr marL="1600200" indent="-228600" algn="l" rtl="0" fontAlgn="base">
+              <a:spcBef>
+                <a:spcPct val="20000"/>
+              </a:spcBef>
+              <a:spcAft>
+                <a:spcPct val="0"/>
+              </a:spcAft>
+              <a:buChar char="–"/>
+              <a:defRPr sz="2000">
+                <a:solidFill>
+                  <a:schemeClr val="tx1"/>
+                </a:solidFill>
+                <a:latin typeface="+mn-lt"/>
+              </a:defRPr>
+            </a:lvl4pPr>
+            <a:lvl5pPr marL="2057400" indent="-228600" algn="l" rtl="0" fontAlgn="base">
+              <a:spcBef>
+                <a:spcPct val="20000"/>
+              </a:spcBef>
+              <a:spcAft>
+                <a:spcPct val="0"/>
+              </a:spcAft>
+              <a:buChar char="»"/>
+              <a:defRPr sz="2000">
+                <a:solidFill>
+                  <a:schemeClr val="tx1"/>
+                </a:solidFill>
+                <a:latin typeface="+mn-lt"/>
+              </a:defRPr>
+            </a:lvl5pPr>
+            <a:lvl6pPr marL="2514600" indent="-228600" algn="l" rtl="0" fontAlgn="base">
+              <a:spcBef>
+                <a:spcPct val="20000"/>
+              </a:spcBef>
+              <a:spcAft>
+                <a:spcPct val="0"/>
+              </a:spcAft>
+              <a:buChar char="»"/>
+              <a:defRPr sz="2000">
+                <a:solidFill>
+                  <a:schemeClr val="tx1"/>
+                </a:solidFill>
+                <a:latin typeface="+mn-lt"/>
+              </a:defRPr>
+            </a:lvl6pPr>
+            <a:lvl7pPr marL="2971800" indent="-228600" algn="l" rtl="0" fontAlgn="base">
+              <a:spcBef>
+                <a:spcPct val="20000"/>
+              </a:spcBef>
+              <a:spcAft>
+                <a:spcPct val="0"/>
+              </a:spcAft>
+              <a:buChar char="»"/>
+              <a:defRPr sz="2000">
+                <a:solidFill>
+                  <a:schemeClr val="tx1"/>
+                </a:solidFill>
+                <a:latin typeface="+mn-lt"/>
+              </a:defRPr>
+            </a:lvl7pPr>
+            <a:lvl8pPr marL="3429000" indent="-228600" algn="l" rtl="0" fontAlgn="base">
+              <a:spcBef>
+                <a:spcPct val="20000"/>
+              </a:spcBef>
+              <a:spcAft>
+                <a:spcPct val="0"/>
+              </a:spcAft>
+              <a:buChar char="»"/>
+              <a:defRPr sz="2000">
+                <a:solidFill>
+                  <a:schemeClr val="tx1"/>
+                </a:solidFill>
+                <a:latin typeface="+mn-lt"/>
+              </a:defRPr>
+            </a:lvl8pPr>
+            <a:lvl9pPr marL="3886200" indent="-228600" algn="l" rtl="0" fontAlgn="base">
+              <a:spcBef>
+                <a:spcPct val="20000"/>
+              </a:spcBef>
+              <a:spcAft>
+                <a:spcPct val="0"/>
+              </a:spcAft>
+              <a:buChar char="»"/>
+              <a:defRPr sz="2000">
+                <a:solidFill>
+                  <a:schemeClr val="tx1"/>
+                </a:solidFill>
+                <a:latin typeface="+mn-lt"/>
+              </a:defRPr>
+            </a:lvl9pPr>
+          </a:lstStyle>
+          <a:p>
+            <a:pPr marL="0" indent="0" algn="ctr">
+              <a:buFontTx/>
+              <a:buNone/>
+            </a:pPr>
+            <a:r>
+              <a:rPr lang="pt-BR" sz="2000" b="1" kern="0" dirty="0"/>
               <a:t>Comparação com correlatos</a:t>
             </a:r>
           </a:p>
@@ -7166,113 +9775,6 @@
 </p:sld>
 </file>
 
-<file path=ppt/slides/slide22.xml><?xml version="1.0" encoding="utf-8"?>
-<p:sld xmlns:a="http://schemas.openxmlformats.org/drawingml/2006/main" xmlns:r="http://schemas.openxmlformats.org/officeDocument/2006/relationships" xmlns:p="http://schemas.openxmlformats.org/presentationml/2006/main">
-  <p:cSld>
-    <p:spTree>
-      <p:nvGrpSpPr>
-        <p:cNvPr id="1" name=""/>
-        <p:cNvGrpSpPr/>
-        <p:nvPr/>
-      </p:nvGrpSpPr>
-      <p:grpSpPr>
-        <a:xfrm>
-          <a:off x="0" y="0"/>
-          <a:ext cx="0" cy="0"/>
-          <a:chOff x="0" y="0"/>
-          <a:chExt cx="0" cy="0"/>
-        </a:xfrm>
-      </p:grpSpPr>
-      <p:sp>
-        <p:nvSpPr>
-          <p:cNvPr id="2" name="Título 1"/>
-          <p:cNvSpPr>
-            <a:spLocks noGrp="1"/>
-          </p:cNvSpPr>
-          <p:nvPr>
-            <p:ph type="title"/>
-          </p:nvPr>
-        </p:nvSpPr>
-        <p:spPr/>
-        <p:txBody>
-          <a:bodyPr/>
-          <a:lstStyle/>
-          <a:p>
-            <a:r>
-              <a:rPr lang="pt-BR" dirty="0"/>
-              <a:t>Conclusões e Sugestões</a:t>
-            </a:r>
-          </a:p>
-        </p:txBody>
-      </p:sp>
-      <p:sp>
-        <p:nvSpPr>
-          <p:cNvPr id="3" name="Espaço Reservado para Conteúdo 2"/>
-          <p:cNvSpPr>
-            <a:spLocks noGrp="1"/>
-          </p:cNvSpPr>
-          <p:nvPr>
-            <p:ph idx="1"/>
-          </p:nvPr>
-        </p:nvSpPr>
-        <p:spPr/>
-        <p:txBody>
-          <a:bodyPr/>
-          <a:lstStyle/>
-          <a:p>
-            <a:r>
-              <a:rPr lang="pt-BR" dirty="0"/>
-              <a:t>Conseguiu atingir o objetivo de criar uma experiencia de interação suando as mãos;</a:t>
-            </a:r>
-          </a:p>
-          <a:p>
-            <a:pPr>
-              <a:lnSpc>
-                <a:spcPct val="150000"/>
-              </a:lnSpc>
-            </a:pPr>
-            <a:r>
-              <a:rPr lang="pt-BR" dirty="0"/>
-              <a:t>Unity;</a:t>
-            </a:r>
-          </a:p>
-          <a:p>
-            <a:pPr>
-              <a:lnSpc>
-                <a:spcPct val="150000"/>
-              </a:lnSpc>
-            </a:pPr>
-            <a:r>
-              <a:rPr lang="pt-BR" dirty="0"/>
-              <a:t>Ultraleap Tracking;</a:t>
-            </a:r>
-          </a:p>
-          <a:p>
-            <a:pPr>
-              <a:lnSpc>
-                <a:spcPct val="150000"/>
-              </a:lnSpc>
-            </a:pPr>
-            <a:r>
-              <a:rPr lang="pt-BR" dirty="0"/>
-              <a:t>Mirror.</a:t>
-            </a:r>
-          </a:p>
-        </p:txBody>
-      </p:sp>
-    </p:spTree>
-    <p:extLst>
-      <p:ext uri="{BB962C8B-B14F-4D97-AF65-F5344CB8AC3E}">
-        <p14:creationId xmlns:p14="http://schemas.microsoft.com/office/powerpoint/2010/main" val="2793539094"/>
-      </p:ext>
-    </p:extLst>
-  </p:cSld>
-  <p:clrMapOvr>
-    <a:masterClrMapping/>
-  </p:clrMapOvr>
-</p:sld>
-</file>
-
 <file path=ppt/slides/slide23.xml><?xml version="1.0" encoding="utf-8"?>
 <p:sld xmlns:a="http://schemas.openxmlformats.org/drawingml/2006/main" xmlns:r="http://schemas.openxmlformats.org/officeDocument/2006/relationships" xmlns:p="http://schemas.openxmlformats.org/presentationml/2006/main">
   <p:cSld>
@@ -7324,6 +9826,124 @@
         </p:nvSpPr>
         <p:spPr/>
         <p:txBody>
+          <a:bodyPr/>
+          <a:lstStyle/>
+          <a:p>
+            <a:r>
+              <a:rPr lang="pt-BR" dirty="0"/>
+              <a:t>Conseguiu atingir o objetivo de criar uma experiencia de interação suando as mãos;</a:t>
+            </a:r>
+          </a:p>
+          <a:p>
+            <a:pPr>
+              <a:lnSpc>
+                <a:spcPct val="150000"/>
+              </a:lnSpc>
+            </a:pPr>
+            <a:r>
+              <a:rPr lang="pt-BR" dirty="0"/>
+              <a:t>Unity;</a:t>
+            </a:r>
+          </a:p>
+          <a:p>
+            <a:pPr>
+              <a:lnSpc>
+                <a:spcPct val="150000"/>
+              </a:lnSpc>
+            </a:pPr>
+            <a:r>
+              <a:rPr lang="pt-BR" dirty="0"/>
+              <a:t>Vuforia;</a:t>
+            </a:r>
+          </a:p>
+          <a:p>
+            <a:pPr>
+              <a:lnSpc>
+                <a:spcPct val="150000"/>
+              </a:lnSpc>
+            </a:pPr>
+            <a:r>
+              <a:rPr lang="pt-BR" dirty="0"/>
+              <a:t>Ultraleap Tracking;</a:t>
+            </a:r>
+          </a:p>
+          <a:p>
+            <a:pPr>
+              <a:lnSpc>
+                <a:spcPct val="150000"/>
+              </a:lnSpc>
+            </a:pPr>
+            <a:r>
+              <a:rPr lang="pt-BR" dirty="0"/>
+              <a:t>Mirror.</a:t>
+            </a:r>
+          </a:p>
+        </p:txBody>
+      </p:sp>
+    </p:spTree>
+    <p:extLst>
+      <p:ext uri="{BB962C8B-B14F-4D97-AF65-F5344CB8AC3E}">
+        <p14:creationId xmlns:p14="http://schemas.microsoft.com/office/powerpoint/2010/main" val="2793539094"/>
+      </p:ext>
+    </p:extLst>
+  </p:cSld>
+  <p:clrMapOvr>
+    <a:masterClrMapping/>
+  </p:clrMapOvr>
+</p:sld>
+</file>
+
+<file path=ppt/slides/slide24.xml><?xml version="1.0" encoding="utf-8"?>
+<p:sld xmlns:a="http://schemas.openxmlformats.org/drawingml/2006/main" xmlns:r="http://schemas.openxmlformats.org/officeDocument/2006/relationships" xmlns:p="http://schemas.openxmlformats.org/presentationml/2006/main">
+  <p:cSld>
+    <p:spTree>
+      <p:nvGrpSpPr>
+        <p:cNvPr id="1" name=""/>
+        <p:cNvGrpSpPr/>
+        <p:nvPr/>
+      </p:nvGrpSpPr>
+      <p:grpSpPr>
+        <a:xfrm>
+          <a:off x="0" y="0"/>
+          <a:ext cx="0" cy="0"/>
+          <a:chOff x="0" y="0"/>
+          <a:chExt cx="0" cy="0"/>
+        </a:xfrm>
+      </p:grpSpPr>
+      <p:sp>
+        <p:nvSpPr>
+          <p:cNvPr id="2" name="Título 1"/>
+          <p:cNvSpPr>
+            <a:spLocks noGrp="1"/>
+          </p:cNvSpPr>
+          <p:nvPr>
+            <p:ph type="title"/>
+          </p:nvPr>
+        </p:nvSpPr>
+        <p:spPr/>
+        <p:txBody>
+          <a:bodyPr/>
+          <a:lstStyle/>
+          <a:p>
+            <a:r>
+              <a:rPr lang="pt-BR" dirty="0"/>
+              <a:t>Conclusões e Sugestões</a:t>
+            </a:r>
+          </a:p>
+        </p:txBody>
+      </p:sp>
+      <p:sp>
+        <p:nvSpPr>
+          <p:cNvPr id="3" name="Espaço Reservado para Conteúdo 2"/>
+          <p:cNvSpPr>
+            <a:spLocks noGrp="1"/>
+          </p:cNvSpPr>
+          <p:nvPr>
+            <p:ph idx="1"/>
+          </p:nvPr>
+        </p:nvSpPr>
+        <p:spPr/>
+        <p:txBody>
           <a:bodyPr>
             <a:normAutofit lnSpcReduction="10000"/>
           </a:bodyPr>
@@ -7422,7 +10042,7 @@
 </p:sld>
 </file>
 
-<file path=ppt/slides/slide24.xml><?xml version="1.0" encoding="utf-8"?>
+<file path=ppt/slides/slide25.xml><?xml version="1.0" encoding="utf-8"?>
 <p:sld xmlns:a="http://schemas.openxmlformats.org/drawingml/2006/main" xmlns:r="http://schemas.openxmlformats.org/officeDocument/2006/relationships" xmlns:p="http://schemas.openxmlformats.org/presentationml/2006/main">
   <p:cSld>
     <p:spTree>
@@ -7555,25 +10175,14 @@
           <a:p>
             <a:r>
               <a:rPr lang="pt-BR" dirty="0"/>
-              <a:t>Interação com o </a:t>
-            </a:r>
-            <a:r>
-              <a:rPr lang="pt-BR" dirty="0" err="1"/>
-              <a:t>Usuario</a:t>
-            </a:r>
+              <a:t>Interação com o Usuário;</a:t>
+            </a:r>
+          </a:p>
+          <a:p>
             <a:r>
               <a:rPr lang="pt-BR" dirty="0"/>
-              <a:t>;</a:t>
-            </a:r>
-          </a:p>
-          <a:p>
-            <a:r>
-              <a:rPr lang="pt-BR" dirty="0"/>
-              <a:t>Leap Motion;</a:t>
-            </a:r>
-          </a:p>
-          <a:p>
-            <a:endParaRPr lang="pt-BR" dirty="0"/>
+              <a:t>Leap Motion.</a:t>
+            </a:r>
           </a:p>
           <a:p>
             <a:endParaRPr lang="pt-BR" dirty="0"/>
@@ -7851,24 +10460,44 @@
           <a:bodyPr/>
           <a:lstStyle/>
           <a:p>
+            <a:pPr>
+              <a:lnSpc>
+                <a:spcPct val="200000"/>
+              </a:lnSpc>
+            </a:pPr>
             <a:r>
               <a:rPr lang="pt-BR" dirty="0"/>
               <a:t>Museus</a:t>
             </a:r>
           </a:p>
           <a:p>
+            <a:pPr>
+              <a:lnSpc>
+                <a:spcPct val="200000"/>
+              </a:lnSpc>
+            </a:pPr>
             <a:r>
               <a:rPr lang="pt-BR" dirty="0"/>
               <a:t>Realidade Aumentada</a:t>
             </a:r>
           </a:p>
           <a:p>
+            <a:pPr>
+              <a:lnSpc>
+                <a:spcPct val="200000"/>
+              </a:lnSpc>
+            </a:pPr>
             <a:r>
               <a:rPr lang="pt-BR" dirty="0"/>
               <a:t>Leap Motion</a:t>
             </a:r>
           </a:p>
           <a:p>
+            <a:pPr>
+              <a:lnSpc>
+                <a:spcPct val="200000"/>
+              </a:lnSpc>
+            </a:pPr>
             <a:r>
               <a:rPr lang="pt-BR" dirty="0"/>
               <a:t>Modelos Virtuais</a:t>
@@ -7949,9 +10578,27 @@
           <a:lstStyle/>
           <a:p>
             <a:r>
-              <a:rPr lang="pt-BR" sz="2800" dirty="0"/>
+              <a:rPr lang="pt-BR" sz="2400" dirty="0"/>
               <a:t>Título: USO DA REALIDADE AUMENTADA EM AUXÍLIO À EDUCAÇÃO </a:t>
             </a:r>
+          </a:p>
+          <a:p>
+            <a:r>
+              <a:rPr lang="pt-BR" sz="2400" dirty="0"/>
+              <a:t>Cardoso et al. (2014) </a:t>
+            </a:r>
+          </a:p>
+          <a:p>
+            <a:r>
+              <a:rPr lang="pt-BR" sz="2400" dirty="0"/>
+              <a:t>RAINFOR</a:t>
+            </a:r>
+          </a:p>
+          <a:p>
+            <a:pPr marL="0" indent="0">
+              <a:buNone/>
+            </a:pPr>
+            <a:endParaRPr lang="pt-BR" sz="2800" dirty="0"/>
           </a:p>
         </p:txBody>
       </p:sp>
@@ -7970,7 +10617,7 @@
           <p:nvPr/>
         </p:nvPicPr>
         <p:blipFill>
-          <a:blip r:embed="rId2" cstate="print">
+          <a:blip r:embed="rId3" cstate="print">
             <a:extLst>
               <a:ext uri="{28A0092B-C50C-407E-A947-70E740481C1C}">
                 <a14:useLocalDpi xmlns:a14="http://schemas.microsoft.com/office/drawing/2010/main" val="0"/>
@@ -7984,7 +10631,7 @@
         </p:blipFill>
         <p:spPr bwMode="auto">
           <a:xfrm>
-            <a:off x="1331640" y="2996952"/>
+            <a:off x="1421650" y="3396376"/>
             <a:ext cx="6300700" cy="1800200"/>
           </a:xfrm>
           <a:prstGeom prst="rect">
@@ -8073,8 +10720,35 @@
           <a:p>
             <a:r>
               <a:rPr lang="pt-BR" sz="2400" dirty="0"/>
-              <a:t>UM APLICATIVO DE DESENHO EM REALIDADE VIRTUAL UTILIZANDO O LEAP MOTION</a:t>
-            </a:r>
+              <a:t>Título: UM APLICATIVO DE DESENHO EM REALIDADE VIRTUAL UTILIZANDO O LEAP MOTION</a:t>
+            </a:r>
+          </a:p>
+          <a:p>
+            <a:r>
+              <a:rPr lang="pt-BR" sz="2400" dirty="0"/>
+              <a:t>Bento (2021) </a:t>
+            </a:r>
+          </a:p>
+          <a:p>
+            <a:endParaRPr lang="pt-BR" sz="2400" dirty="0"/>
+          </a:p>
+          <a:p>
+            <a:endParaRPr lang="pt-BR" sz="2400" dirty="0"/>
+          </a:p>
+          <a:p>
+            <a:endParaRPr lang="pt-BR" sz="2400" dirty="0"/>
+          </a:p>
+          <a:p>
+            <a:endParaRPr lang="pt-BR" sz="2400" dirty="0"/>
+          </a:p>
+          <a:p>
+            <a:endParaRPr lang="pt-BR" sz="2400" dirty="0"/>
+          </a:p>
+          <a:p>
+            <a:endParaRPr lang="pt-BR" sz="2400" dirty="0"/>
+          </a:p>
+          <a:p>
+            <a:endParaRPr lang="pt-BR" sz="2400" dirty="0"/>
           </a:p>
         </p:txBody>
       </p:sp>
@@ -8093,7 +10767,7 @@
           <p:nvPr/>
         </p:nvPicPr>
         <p:blipFill>
-          <a:blip r:embed="rId2">
+          <a:blip r:embed="rId3">
             <a:extLst>
               <a:ext uri="{28A0092B-C50C-407E-A947-70E740481C1C}">
                 <a14:useLocalDpi xmlns:a14="http://schemas.microsoft.com/office/drawing/2010/main" val="0"/>
@@ -8107,7 +10781,7 @@
         </p:blipFill>
         <p:spPr bwMode="auto">
           <a:xfrm>
-            <a:off x="1475656" y="2780928"/>
+            <a:off x="1693545" y="2852936"/>
             <a:ext cx="5756910" cy="3034665"/>
           </a:xfrm>
           <a:prstGeom prst="rect">
@@ -8195,10 +10869,19 @@
           <a:lstStyle/>
           <a:p>
             <a:r>
+              <a:rPr lang="pt-BR" sz="2400" dirty="0"/>
+              <a:t>Título: </a:t>
+            </a:r>
+            <a:r>
               <a:rPr lang="en-US" sz="2400" dirty="0"/>
               <a:t>NATURAL INTERFACE FOR INTERACTIVE VIRTUAL ASSEMBLY IN AUGMENTED REALITY USING LEAP MOTION CONTROLLER</a:t>
             </a:r>
-            <a:endParaRPr lang="pt-BR" sz="2400" dirty="0"/>
+          </a:p>
+          <a:p>
+            <a:r>
+              <a:rPr lang="pt-BR" sz="2400" dirty="0"/>
+              <a:t>Valentini (2018) </a:t>
+            </a:r>
           </a:p>
         </p:txBody>
       </p:sp>
@@ -8217,14 +10900,14 @@
           <p:nvPr/>
         </p:nvPicPr>
         <p:blipFill>
-          <a:blip r:embed="rId2"/>
+          <a:blip r:embed="rId3"/>
           <a:stretch>
             <a:fillRect/>
           </a:stretch>
         </p:blipFill>
         <p:spPr>
           <a:xfrm>
-            <a:off x="4355976" y="3005051"/>
+            <a:off x="4402508" y="3142779"/>
             <a:ext cx="3562456" cy="2448272"/>
           </a:xfrm>
           <a:prstGeom prst="rect">
@@ -8247,14 +10930,14 @@
           <p:nvPr/>
         </p:nvPicPr>
         <p:blipFill>
-          <a:blip r:embed="rId3"/>
+          <a:blip r:embed="rId4"/>
           <a:stretch>
             <a:fillRect/>
           </a:stretch>
         </p:blipFill>
         <p:spPr>
           <a:xfrm>
-            <a:off x="1162915" y="2852936"/>
+            <a:off x="989694" y="3142779"/>
             <a:ext cx="2880320" cy="2983188"/>
           </a:xfrm>
           <a:prstGeom prst="rect">
@@ -8991,4 +11674,299 @@
     </a:extraClrScheme>
   </a:extraClrSchemeLst>
 </a:theme>
+</file>
+
+<file path=ppt/theme/theme2.xml><?xml version="1.0" encoding="utf-8"?>
+<a:theme xmlns:a="http://schemas.openxmlformats.org/drawingml/2006/main" name="Tema do Office">
+  <a:themeElements>
+    <a:clrScheme name="Office">
+      <a:dk1>
+        <a:sysClr val="windowText" lastClr="000000"/>
+      </a:dk1>
+      <a:lt1>
+        <a:sysClr val="window" lastClr="FFFFFF"/>
+      </a:lt1>
+      <a:dk2>
+        <a:srgbClr val="44546A"/>
+      </a:dk2>
+      <a:lt2>
+        <a:srgbClr val="E7E6E6"/>
+      </a:lt2>
+      <a:accent1>
+        <a:srgbClr val="4472C4"/>
+      </a:accent1>
+      <a:accent2>
+        <a:srgbClr val="ED7D31"/>
+      </a:accent2>
+      <a:accent3>
+        <a:srgbClr val="A5A5A5"/>
+      </a:accent3>
+      <a:accent4>
+        <a:srgbClr val="FFC000"/>
+      </a:accent4>
+      <a:accent5>
+        <a:srgbClr val="5B9BD5"/>
+      </a:accent5>
+      <a:accent6>
+        <a:srgbClr val="70AD47"/>
+      </a:accent6>
+      <a:hlink>
+        <a:srgbClr val="0563C1"/>
+      </a:hlink>
+      <a:folHlink>
+        <a:srgbClr val="954F72"/>
+      </a:folHlink>
+    </a:clrScheme>
+    <a:fontScheme name="Office">
+      <a:majorFont>
+        <a:latin typeface="Calibri Light" panose="020F0302020204030204"/>
+        <a:ea typeface=""/>
+        <a:cs typeface=""/>
+        <a:font script="Jpan" typeface="游ゴシック Light"/>
+        <a:font script="Hang" typeface="맑은 고딕"/>
+        <a:font script="Hans" typeface="等线 Light"/>
+        <a:font script="Hant" typeface="新細明體"/>
+        <a:font script="Arab" typeface="Times New Roman"/>
+        <a:font script="Hebr" typeface="Times New Roman"/>
+        <a:font script="Thai" typeface="Angsana New"/>
+        <a:font script="Ethi" typeface="Nyala"/>
+        <a:font script="Beng" typeface="Vrinda"/>
+        <a:font script="Gujr" typeface="Shruti"/>
+        <a:font script="Khmr" typeface="MoolBoran"/>
+        <a:font script="Knda" typeface="Tunga"/>
+        <a:font script="Guru" typeface="Raavi"/>
+        <a:font script="Cans" typeface="Euphemia"/>
+        <a:font script="Cher" typeface="Plantagenet Cherokee"/>
+        <a:font script="Yiii" typeface="Microsoft Yi Baiti"/>
+        <a:font script="Tibt" typeface="Microsoft Himalaya"/>
+        <a:font script="Thaa" typeface="MV Boli"/>
+        <a:font script="Deva" typeface="Mangal"/>
+        <a:font script="Telu" typeface="Gautami"/>
+        <a:font script="Taml" typeface="Latha"/>
+        <a:font script="Syrc" typeface="Estrangelo Edessa"/>
+        <a:font script="Orya" typeface="Kalinga"/>
+        <a:font script="Mlym" typeface="Kartika"/>
+        <a:font script="Laoo" typeface="DokChampa"/>
+        <a:font script="Sinh" typeface="Iskoola Pota"/>
+        <a:font script="Mong" typeface="Mongolian Baiti"/>
+        <a:font script="Viet" typeface="Times New Roman"/>
+        <a:font script="Uigh" typeface="Microsoft Uighur"/>
+        <a:font script="Geor" typeface="Sylfaen"/>
+        <a:font script="Armn" typeface="Arial"/>
+        <a:font script="Bugi" typeface="Leelawadee UI"/>
+        <a:font script="Bopo" typeface="Microsoft JhengHei"/>
+        <a:font script="Java" typeface="Javanese Text"/>
+        <a:font script="Lisu" typeface="Segoe UI"/>
+        <a:font script="Mymr" typeface="Myanmar Text"/>
+        <a:font script="Nkoo" typeface="Ebrima"/>
+        <a:font script="Olck" typeface="Nirmala UI"/>
+        <a:font script="Osma" typeface="Ebrima"/>
+        <a:font script="Phag" typeface="Phagspa"/>
+        <a:font script="Syrn" typeface="Estrangelo Edessa"/>
+        <a:font script="Syrj" typeface="Estrangelo Edessa"/>
+        <a:font script="Syre" typeface="Estrangelo Edessa"/>
+        <a:font script="Sora" typeface="Nirmala UI"/>
+        <a:font script="Tale" typeface="Microsoft Tai Le"/>
+        <a:font script="Talu" typeface="Microsoft New Tai Lue"/>
+        <a:font script="Tfng" typeface="Ebrima"/>
+      </a:majorFont>
+      <a:minorFont>
+        <a:latin typeface="Calibri" panose="020F0502020204030204"/>
+        <a:ea typeface=""/>
+        <a:cs typeface=""/>
+        <a:font script="Jpan" typeface="游ゴシック"/>
+        <a:font script="Hang" typeface="맑은 고딕"/>
+        <a:font script="Hans" typeface="等线"/>
+        <a:font script="Hant" typeface="新細明體"/>
+        <a:font script="Arab" typeface="Arial"/>
+        <a:font script="Hebr" typeface="Arial"/>
+        <a:font script="Thai" typeface="Cordia New"/>
+        <a:font script="Ethi" typeface="Nyala"/>
+        <a:font script="Beng" typeface="Vrinda"/>
+        <a:font script="Gujr" typeface="Shruti"/>
+        <a:font script="Khmr" typeface="DaunPenh"/>
+        <a:font script="Knda" typeface="Tunga"/>
+        <a:font script="Guru" typeface="Raavi"/>
+        <a:font script="Cans" typeface="Euphemia"/>
+        <a:font script="Cher" typeface="Plantagenet Cherokee"/>
+        <a:font script="Yiii" typeface="Microsoft Yi Baiti"/>
+        <a:font script="Tibt" typeface="Microsoft Himalaya"/>
+        <a:font script="Thaa" typeface="MV Boli"/>
+        <a:font script="Deva" typeface="Mangal"/>
+        <a:font script="Telu" typeface="Gautami"/>
+        <a:font script="Taml" typeface="Latha"/>
+        <a:font script="Syrc" typeface="Estrangelo Edessa"/>
+        <a:font script="Orya" typeface="Kalinga"/>
+        <a:font script="Mlym" typeface="Kartika"/>
+        <a:font script="Laoo" typeface="DokChampa"/>
+        <a:font script="Sinh" typeface="Iskoola Pota"/>
+        <a:font script="Mong" typeface="Mongolian Baiti"/>
+        <a:font script="Viet" typeface="Arial"/>
+        <a:font script="Uigh" typeface="Microsoft Uighur"/>
+        <a:font script="Geor" typeface="Sylfaen"/>
+        <a:font script="Armn" typeface="Arial"/>
+        <a:font script="Bugi" typeface="Leelawadee UI"/>
+        <a:font script="Bopo" typeface="Microsoft JhengHei"/>
+        <a:font script="Java" typeface="Javanese Text"/>
+        <a:font script="Lisu" typeface="Segoe UI"/>
+        <a:font script="Mymr" typeface="Myanmar Text"/>
+        <a:font script="Nkoo" typeface="Ebrima"/>
+        <a:font script="Olck" typeface="Nirmala UI"/>
+        <a:font script="Osma" typeface="Ebrima"/>
+        <a:font script="Phag" typeface="Phagspa"/>
+        <a:font script="Syrn" typeface="Estrangelo Edessa"/>
+        <a:font script="Syrj" typeface="Estrangelo Edessa"/>
+        <a:font script="Syre" typeface="Estrangelo Edessa"/>
+        <a:font script="Sora" typeface="Nirmala UI"/>
+        <a:font script="Tale" typeface="Microsoft Tai Le"/>
+        <a:font script="Talu" typeface="Microsoft New Tai Lue"/>
+        <a:font script="Tfng" typeface="Ebrima"/>
+      </a:minorFont>
+    </a:fontScheme>
+    <a:fmtScheme name="Office">
+      <a:fillStyleLst>
+        <a:solidFill>
+          <a:schemeClr val="phClr"/>
+        </a:solidFill>
+        <a:gradFill rotWithShape="1">
+          <a:gsLst>
+            <a:gs pos="0">
+              <a:schemeClr val="phClr">
+                <a:lumMod val="110000"/>
+                <a:satMod val="105000"/>
+                <a:tint val="67000"/>
+              </a:schemeClr>
+            </a:gs>
+            <a:gs pos="50000">
+              <a:schemeClr val="phClr">
+                <a:lumMod val="105000"/>
+                <a:satMod val="103000"/>
+                <a:tint val="73000"/>
+              </a:schemeClr>
+            </a:gs>
+            <a:gs pos="100000">
+              <a:schemeClr val="phClr">
+                <a:lumMod val="105000"/>
+                <a:satMod val="109000"/>
+                <a:tint val="81000"/>
+              </a:schemeClr>
+            </a:gs>
+          </a:gsLst>
+          <a:lin ang="5400000" scaled="0"/>
+        </a:gradFill>
+        <a:gradFill rotWithShape="1">
+          <a:gsLst>
+            <a:gs pos="0">
+              <a:schemeClr val="phClr">
+                <a:satMod val="103000"/>
+                <a:lumMod val="102000"/>
+                <a:tint val="94000"/>
+              </a:schemeClr>
+            </a:gs>
+            <a:gs pos="50000">
+              <a:schemeClr val="phClr">
+                <a:satMod val="110000"/>
+                <a:lumMod val="100000"/>
+                <a:shade val="100000"/>
+              </a:schemeClr>
+            </a:gs>
+            <a:gs pos="100000">
+              <a:schemeClr val="phClr">
+                <a:lumMod val="99000"/>
+                <a:satMod val="120000"/>
+                <a:shade val="78000"/>
+              </a:schemeClr>
+            </a:gs>
+          </a:gsLst>
+          <a:lin ang="5400000" scaled="0"/>
+        </a:gradFill>
+      </a:fillStyleLst>
+      <a:lnStyleLst>
+        <a:ln w="6350" cap="flat" cmpd="sng" algn="ctr">
+          <a:solidFill>
+            <a:schemeClr val="phClr"/>
+          </a:solidFill>
+          <a:prstDash val="solid"/>
+          <a:miter lim="800000"/>
+        </a:ln>
+        <a:ln w="12700" cap="flat" cmpd="sng" algn="ctr">
+          <a:solidFill>
+            <a:schemeClr val="phClr"/>
+          </a:solidFill>
+          <a:prstDash val="solid"/>
+          <a:miter lim="800000"/>
+        </a:ln>
+        <a:ln w="19050" cap="flat" cmpd="sng" algn="ctr">
+          <a:solidFill>
+            <a:schemeClr val="phClr"/>
+          </a:solidFill>
+          <a:prstDash val="solid"/>
+          <a:miter lim="800000"/>
+        </a:ln>
+      </a:lnStyleLst>
+      <a:effectStyleLst>
+        <a:effectStyle>
+          <a:effectLst/>
+        </a:effectStyle>
+        <a:effectStyle>
+          <a:effectLst/>
+        </a:effectStyle>
+        <a:effectStyle>
+          <a:effectLst>
+            <a:outerShdw blurRad="57150" dist="19050" dir="5400000" algn="ctr" rotWithShape="0">
+              <a:srgbClr val="000000">
+                <a:alpha val="63000"/>
+              </a:srgbClr>
+            </a:outerShdw>
+          </a:effectLst>
+        </a:effectStyle>
+      </a:effectStyleLst>
+      <a:bgFillStyleLst>
+        <a:solidFill>
+          <a:schemeClr val="phClr"/>
+        </a:solidFill>
+        <a:solidFill>
+          <a:schemeClr val="phClr">
+            <a:tint val="95000"/>
+            <a:satMod val="170000"/>
+          </a:schemeClr>
+        </a:solidFill>
+        <a:gradFill rotWithShape="1">
+          <a:gsLst>
+            <a:gs pos="0">
+              <a:schemeClr val="phClr">
+                <a:tint val="93000"/>
+                <a:satMod val="150000"/>
+                <a:shade val="98000"/>
+                <a:lumMod val="102000"/>
+              </a:schemeClr>
+            </a:gs>
+            <a:gs pos="50000">
+              <a:schemeClr val="phClr">
+                <a:tint val="98000"/>
+                <a:satMod val="130000"/>
+                <a:shade val="90000"/>
+                <a:lumMod val="103000"/>
+              </a:schemeClr>
+            </a:gs>
+            <a:gs pos="100000">
+              <a:schemeClr val="phClr">
+                <a:shade val="63000"/>
+                <a:satMod val="120000"/>
+              </a:schemeClr>
+            </a:gs>
+          </a:gsLst>
+          <a:lin ang="5400000" scaled="0"/>
+        </a:gradFill>
+      </a:bgFillStyleLst>
+    </a:fmtScheme>
+  </a:themeElements>
+  <a:objectDefaults/>
+  <a:extraClrSchemeLst/>
+  <a:extLst>
+    <a:ext uri="{05A4C25C-085E-4340-85A3-A5531E510DB2}">
+      <thm15:themeFamily xmlns:thm15="http://schemas.microsoft.com/office/thememl/2012/main" name="Office Theme" id="{62F939B6-93AF-4DB8-9C6B-D6C7DFDC589F}" vid="{4A3C46E8-61CC-4603-A589-7422A47A8E4A}"/>
+    </a:ext>
+  </a:extLst>
+</a:theme>
 </file>
--- a/_julio/ApresentaçãoTCC-Julio_Vicente_Brych.pptx
+++ b/_julio/ApresentaçãoTCC-Julio_Vicente_Brych.pptx
@@ -5,7 +5,7 @@
     <p:sldMasterId id="2147483648" r:id="rId1"/>
   </p:sldMasterIdLst>
   <p:notesMasterIdLst>
-    <p:notesMasterId r:id="rId27"/>
+    <p:notesMasterId r:id="rId29"/>
   </p:notesMasterIdLst>
   <p:sldIdLst>
     <p:sldId id="257" r:id="rId2"/>
@@ -33,6 +33,8 @@
     <p:sldId id="268" r:id="rId24"/>
     <p:sldId id="286" r:id="rId25"/>
     <p:sldId id="288" r:id="rId26"/>
+    <p:sldId id="291" r:id="rId27"/>
+    <p:sldId id="290" r:id="rId28"/>
   </p:sldIdLst>
   <p:sldSz cx="9144000" cy="6858000" type="screen4x3"/>
   <p:notesSz cx="6858000" cy="9144000"/>
@@ -483,7 +485,7 @@
           <a:p>
             <a:fld id="{4DA4C31C-22C3-40E3-8117-26A998868580}" type="datetimeFigureOut">
               <a:rPr lang="pt-BR" smtClean="0"/>
-              <a:t>11/12/2023</a:t>
+              <a:t>12/12/2023</a:t>
             </a:fld>
             <a:endParaRPr lang="pt-BR"/>
           </a:p>
@@ -794,66 +796,6 @@
           <a:bodyPr/>
           <a:lstStyle/>
           <a:p>
-            <a:r>
-              <a:rPr lang="pt-BR" b="0" i="0" dirty="0">
-                <a:solidFill>
-                  <a:srgbClr val="FFFFFF"/>
-                </a:solidFill>
-                <a:effectLst/>
-                <a:latin typeface="SF Pro Display"/>
-              </a:rPr>
-              <a:t> integração de tecnologias inovadoras nos </a:t>
-            </a:r>
-            <a:r>
-              <a:rPr lang="pt-BR" b="0" i="0" u="none" strike="noStrike" dirty="0">
-                <a:solidFill>
-                  <a:srgbClr val="FFFFFF"/>
-                </a:solidFill>
-                <a:effectLst/>
-                <a:latin typeface="SF Pro Display"/>
-              </a:rPr>
-              <a:t>museus</a:t>
-            </a:r>
-            <a:r>
-              <a:rPr lang="pt-BR" b="0" i="0" dirty="0">
-                <a:solidFill>
-                  <a:srgbClr val="FFFFFF"/>
-                </a:solidFill>
-                <a:effectLst/>
-                <a:latin typeface="SF Pro Display"/>
-              </a:rPr>
-              <a:t>, destacando a aplicação da </a:t>
-            </a:r>
-            <a:r>
-              <a:rPr lang="pt-BR" b="0" i="0" u="none" strike="noStrike" dirty="0">
-                <a:solidFill>
-                  <a:srgbClr val="FFFFFF"/>
-                </a:solidFill>
-                <a:effectLst/>
-                <a:latin typeface="SF Pro Display"/>
-              </a:rPr>
-              <a:t>Realidade Virtual</a:t>
-            </a:r>
-            <a:r>
-              <a:rPr lang="pt-BR" b="0" i="0" dirty="0">
-                <a:solidFill>
-                  <a:srgbClr val="FFFFFF"/>
-                </a:solidFill>
-                <a:effectLst/>
-                <a:latin typeface="SF Pro Display"/>
-              </a:rPr>
-              <a:t>, </a:t>
-            </a:r>
-            <a:r>
-              <a:rPr lang="pt-BR" b="0" i="0" u="none" strike="noStrike" dirty="0">
-                <a:solidFill>
-                  <a:srgbClr val="FFFFFF"/>
-                </a:solidFill>
-                <a:effectLst/>
-                <a:latin typeface="SF Pro Display"/>
-              </a:rPr>
-              <a:t>Realidade Aumentada</a:t>
-            </a:r>
             <a:endParaRPr lang="pt-BR" dirty="0"/>
           </a:p>
         </p:txBody>
@@ -875,7 +817,7 @@
           <a:p>
             <a:fld id="{59D7498C-023E-4647-B375-524BE642DC09}" type="slidenum">
               <a:rPr lang="pt-BR" smtClean="0"/>
-              <a:t>3</a:t>
+              <a:t>1</a:t>
             </a:fld>
             <a:endParaRPr lang="pt-BR"/>
           </a:p>
@@ -884,7 +826,7 @@
     </p:spTree>
     <p:extLst>
       <p:ext uri="{BB962C8B-B14F-4D97-AF65-F5344CB8AC3E}">
-        <p14:creationId xmlns:p14="http://schemas.microsoft.com/office/powerpoint/2010/main" val="1051707678"/>
+        <p14:creationId xmlns:p14="http://schemas.microsoft.com/office/powerpoint/2010/main" val="2285301654"/>
       </p:ext>
     </p:extLst>
   </p:cSld>
@@ -940,61 +882,64 @@
           <a:p>
             <a:r>
               <a:rPr lang="pt-BR" dirty="0"/>
-              <a:t>Do mirror foram usados 3 componentes </a:t>
-            </a:r>
-            <a:r>
-              <a:rPr lang="pt-BR" dirty="0" err="1"/>
-              <a:t>comocalos</a:t>
-            </a:r>
-            <a:r>
-              <a:rPr lang="pt-BR" dirty="0"/>
-              <a:t> em um GameObject chamado network </a:t>
+              <a:t>Já da biblioteca  Vuforia foram usados 3 GameObjects</a:t>
             </a:r>
           </a:p>
           <a:p>
             <a:pPr>
               <a:lnSpc>
-                <a:spcPct val="150000"/>
+                <a:spcPct val="200000"/>
               </a:lnSpc>
             </a:pPr>
             <a:r>
               <a:rPr lang="pt-BR" sz="1200" kern="0" dirty="0"/>
-              <a:t>Network Manager ele é componente principal da conexão entre os dispositivos por que é por meio dele que eu posso iniciar um servidor e o clientes ;</a:t>
+              <a:t>AR Câmera é como uma câmera normal do Unity, so que  com alguns scripts, esses que se conectam com a engine do vuforia, capturam a imagem da câmera do celular processam ela pra detectar os marcadores e criam um painel de fundo no limite de visualização da câmera virtual, e nele projetam a imagem da câmera do celular. assim criando a visão da </a:t>
+            </a:r>
+            <a:r>
+              <a:rPr lang="pt-BR" sz="1200" kern="0" dirty="0" err="1"/>
+              <a:t>ralidade</a:t>
+            </a:r>
+            <a:r>
+              <a:rPr lang="pt-BR" sz="1200" kern="0" dirty="0"/>
+              <a:t> aumentada;</a:t>
             </a:r>
           </a:p>
           <a:p>
             <a:pPr>
               <a:lnSpc>
-                <a:spcPct val="150000"/>
+                <a:spcPct val="200000"/>
               </a:lnSpc>
             </a:pPr>
             <a:r>
+              <a:rPr lang="pt-BR" sz="1200" kern="0" dirty="0" err="1"/>
+              <a:t>Image</a:t>
+            </a:r>
+            <a:r>
               <a:rPr lang="pt-BR" sz="1200" kern="0" dirty="0"/>
-              <a:t>Network Manager HUD é uma interface pronta e bem simples que traz ter opções iniciar um servidor e cliente, so um cliente ou so um servidor;</a:t>
+              <a:t> Target que é o GameObject que representa o marcador de uma imagem , que se pode selecionar a imagem que ele vai detectar, esse e o que foi usado no painel, e é nele que você trabalha para mostrar os objetos que vão ficar ancorados a imagem;</a:t>
             </a:r>
           </a:p>
           <a:p>
             <a:pPr>
               <a:lnSpc>
-                <a:spcPct val="150000"/>
+                <a:spcPct val="200000"/>
               </a:lnSpc>
             </a:pPr>
             <a:r>
+              <a:rPr lang="pt-BR" sz="1200" kern="0" dirty="0"/>
+              <a:t>Model Target tem um funcionamento semelhante ao </a:t>
+            </a:r>
+            <a:r>
               <a:rPr lang="pt-BR" sz="1200" kern="0" dirty="0" err="1"/>
-              <a:t>Telepathy</a:t>
+              <a:t>Image</a:t>
             </a:r>
             <a:r>
               <a:rPr lang="pt-BR" sz="1200" kern="0" dirty="0"/>
-              <a:t> </a:t>
-            </a:r>
-            <a:r>
-              <a:rPr lang="pt-BR" sz="1200" kern="0" dirty="0" err="1"/>
-              <a:t>Transport</a:t>
-            </a:r>
-            <a:r>
-              <a:rPr lang="pt-BR" sz="1200" kern="0" dirty="0"/>
-              <a:t> que se refere ao tipo de transferência de dados,  sendo que é ele que fica responsável pela sincronização das variáveis;</a:t>
-            </a:r>
+              <a:t> Target mudando somente o que ele vai detectar, nesse caso ele precisa de um modelo 3D;</a:t>
+            </a:r>
+          </a:p>
+          <a:p>
+            <a:endParaRPr lang="pt-BR" dirty="0"/>
           </a:p>
         </p:txBody>
       </p:sp>
@@ -1015,7 +960,7 @@
           <a:p>
             <a:fld id="{59D7498C-023E-4647-B375-524BE642DC09}" type="slidenum">
               <a:rPr lang="pt-BR" smtClean="0"/>
-              <a:t>15</a:t>
+              <a:t>14</a:t>
             </a:fld>
             <a:endParaRPr lang="pt-BR"/>
           </a:p>
@@ -1024,7 +969,7 @@
     </p:spTree>
     <p:extLst>
       <p:ext uri="{BB962C8B-B14F-4D97-AF65-F5344CB8AC3E}">
-        <p14:creationId xmlns:p14="http://schemas.microsoft.com/office/powerpoint/2010/main" val="1373876061"/>
+        <p14:creationId xmlns:p14="http://schemas.microsoft.com/office/powerpoint/2010/main" val="1733245119"/>
       </p:ext>
     </p:extLst>
   </p:cSld>
@@ -1080,63 +1025,61 @@
           <a:p>
             <a:r>
               <a:rPr lang="pt-BR" dirty="0"/>
-              <a:t>Essa é a estrutura dos dispositivos</a:t>
-            </a:r>
-          </a:p>
-          <a:p>
+              <a:t>Do mirror foram usados 3 componentes </a:t>
+            </a:r>
+            <a:r>
+              <a:rPr lang="pt-BR" dirty="0" err="1"/>
+              <a:t>comocalos</a:t>
+            </a:r>
             <a:r>
               <a:rPr lang="pt-BR" dirty="0"/>
-              <a:t>Onde o computador possui um instancia do FossilAR  tendo o servidor e o cliente </a:t>
-            </a:r>
-          </a:p>
-          <a:p>
-            <a:r>
-              <a:rPr lang="pt-BR" dirty="0"/>
-              <a:t>Esse computador esta conectado o leap motion que esta fixado na frente o </a:t>
-            </a:r>
-            <a:r>
-              <a:rPr lang="pt-BR" dirty="0" err="1"/>
-              <a:t>head</a:t>
-            </a:r>
-            <a:r>
-              <a:rPr lang="pt-BR" dirty="0"/>
+              <a:t> em um GameObject chamado network </a:t>
+            </a:r>
+          </a:p>
+          <a:p>
+            <a:pPr>
+              <a:lnSpc>
+                <a:spcPct val="150000"/>
+              </a:lnSpc>
+            </a:pPr>
+            <a:r>
+              <a:rPr lang="pt-BR" sz="1200" kern="0" dirty="0"/>
+              <a:t>Network Manager ele é componente principal da conexão entre os dispositivos por que é por meio dele que eu posso iniciar um servidor e o clientes ;</a:t>
+            </a:r>
+          </a:p>
+          <a:p>
+            <a:pPr>
+              <a:lnSpc>
+                <a:spcPct val="150000"/>
+              </a:lnSpc>
+            </a:pPr>
+            <a:r>
+              <a:rPr lang="pt-BR" sz="1200" kern="0" dirty="0"/>
+              <a:t>Network Manager HUD é uma interface pronta e bem simples que traz ter opções iniciar um servidor e cliente, so um cliente ou so um servidor;</a:t>
+            </a:r>
+          </a:p>
+          <a:p>
+            <a:pPr>
+              <a:lnSpc>
+                <a:spcPct val="150000"/>
+              </a:lnSpc>
+            </a:pPr>
+            <a:r>
+              <a:rPr lang="pt-BR" sz="1200" kern="0" dirty="0" err="1"/>
+              <a:t>Telepathy</a:t>
+            </a:r>
+            <a:r>
+              <a:rPr lang="pt-BR" sz="1200" kern="0" dirty="0"/>
               <a:t> </a:t>
             </a:r>
             <a:r>
-              <a:rPr lang="pt-BR" dirty="0" err="1"/>
-              <a:t>mount</a:t>
-            </a:r>
-            <a:r>
-              <a:rPr lang="pt-BR" dirty="0"/>
-              <a:t> display</a:t>
-            </a:r>
-          </a:p>
-          <a:p>
-            <a:r>
-              <a:rPr lang="pt-BR" dirty="0"/>
-              <a:t>E dentro </a:t>
-            </a:r>
-            <a:r>
-              <a:rPr lang="pt-BR" dirty="0" err="1"/>
-              <a:t>head</a:t>
-            </a:r>
-            <a:r>
-              <a:rPr lang="pt-BR" dirty="0"/>
-              <a:t> </a:t>
-            </a:r>
-            <a:r>
-              <a:rPr lang="pt-BR" dirty="0" err="1"/>
-              <a:t>mount</a:t>
-            </a:r>
-            <a:r>
-              <a:rPr lang="pt-BR" dirty="0"/>
-              <a:t> display está o celular com a outra instancia do FossilAR, essa sendo so um cliente que se conecta ao servidor do computador via </a:t>
-            </a:r>
-            <a:r>
-              <a:rPr lang="pt-BR" dirty="0" err="1"/>
-              <a:t>wi-fi</a:t>
-            </a:r>
-            <a:endParaRPr lang="pt-BR" dirty="0"/>
+              <a:rPr lang="pt-BR" sz="1200" kern="0" dirty="0" err="1"/>
+              <a:t>Transport</a:t>
+            </a:r>
+            <a:r>
+              <a:rPr lang="pt-BR" sz="1200" kern="0" dirty="0"/>
+              <a:t> que se refere ao tipo de transferência de dados,  sendo que é ele que fica responsável pela sincronização das variáveis;</a:t>
+            </a:r>
           </a:p>
         </p:txBody>
       </p:sp>
@@ -1157,7 +1100,7 @@
           <a:p>
             <a:fld id="{59D7498C-023E-4647-B375-524BE642DC09}" type="slidenum">
               <a:rPr lang="pt-BR" smtClean="0"/>
-              <a:t>16</a:t>
+              <a:t>15</a:t>
             </a:fld>
             <a:endParaRPr lang="pt-BR"/>
           </a:p>
@@ -1166,7 +1109,7 @@
     </p:spTree>
     <p:extLst>
       <p:ext uri="{BB962C8B-B14F-4D97-AF65-F5344CB8AC3E}">
-        <p14:creationId xmlns:p14="http://schemas.microsoft.com/office/powerpoint/2010/main" val="3517268955"/>
+        <p14:creationId xmlns:p14="http://schemas.microsoft.com/office/powerpoint/2010/main" val="1373876061"/>
       </p:ext>
     </p:extLst>
   </p:cSld>
@@ -1222,78 +1165,63 @@
           <a:p>
             <a:r>
               <a:rPr lang="pt-BR" dirty="0"/>
-              <a:t>Bom agora vou falar com foi feita a sincronização das instancias</a:t>
+              <a:t>Essa é a estrutura dos dispositivos</a:t>
             </a:r>
           </a:p>
           <a:p>
             <a:r>
               <a:rPr lang="pt-BR" dirty="0"/>
-              <a:t>Foram criados dois game </a:t>
+              <a:t>Onde o computador possui um instancia do FossilAR  tendo o servidor e o cliente </a:t>
+            </a:r>
+          </a:p>
+          <a:p>
+            <a:r>
+              <a:rPr lang="pt-BR" dirty="0"/>
+              <a:t>Esse computador esta conectado o leap motion que esta fixado na frente o </a:t>
             </a:r>
             <a:r>
               <a:rPr lang="pt-BR" dirty="0" err="1"/>
-              <a:t>objects</a:t>
+              <a:t>head</a:t>
             </a:r>
             <a:r>
               <a:rPr lang="pt-BR" dirty="0"/>
-              <a:t> o servidor e o player</a:t>
-            </a:r>
-          </a:p>
-          <a:p>
+              <a:t> </a:t>
+            </a:r>
+            <a:r>
+              <a:rPr lang="pt-BR" dirty="0" err="1"/>
+              <a:t>mount</a:t>
+            </a:r>
             <a:r>
               <a:rPr lang="pt-BR" dirty="0"/>
-              <a:t>Ambos possuíam dois componentes o </a:t>
-            </a:r>
-            <a:r>
-              <a:rPr lang="pt-BR" sz="1200" kern="0" dirty="0"/>
-              <a:t>Network Identity e o script do seu respectivo nome</a:t>
+              <a:t> display</a:t>
             </a:r>
           </a:p>
           <a:p>
             <a:r>
               <a:rPr lang="pt-BR" dirty="0"/>
-              <a:t>O </a:t>
-            </a:r>
-            <a:r>
-              <a:rPr lang="pt-BR" sz="1200" kern="0" dirty="0"/>
-              <a:t>Network Identity é o componente que permite que autenticam esses GameObjects no servidor para poder mandar comandos</a:t>
-            </a:r>
-          </a:p>
-          <a:p>
-            <a:r>
-              <a:rPr lang="pt-BR" sz="1200" kern="0" dirty="0"/>
-              <a:t>Como era feira a sincronização </a:t>
-            </a:r>
-          </a:p>
-          <a:p>
-            <a:r>
-              <a:rPr lang="pt-BR" sz="1200" kern="0" dirty="0"/>
-              <a:t>o script servidor serve para armazenar as variáveis que vão ser sincronizadas em ambas as instancias, como também verifica se alguma delas foi alterada e acionar o método para atualizar especifico pra cada variável;</a:t>
-            </a:r>
-          </a:p>
-          <a:p>
-            <a:r>
-              <a:rPr lang="pt-BR" sz="1200" kern="0" dirty="0"/>
-              <a:t>Por fim temos o player, é ele o responsável por atualizar as variáveis de sincronização, verificando se houve mudanças no GameObjects ou recebendo chamadas de outros scripts para alterar as variáveis</a:t>
-            </a:r>
-          </a:p>
-          <a:p>
-            <a:r>
-              <a:rPr lang="pt-BR" sz="1200" kern="0" dirty="0" err="1"/>
-              <a:t>Palyer</a:t>
-            </a:r>
-            <a:r>
-              <a:rPr lang="pt-BR" sz="1200" kern="0" dirty="0"/>
-              <a:t> não é um parte incialmente da cena, ele é um Prefab um GameObject que já está configurado, em que ele é criado por outro script, no caso cada vez que uma </a:t>
-            </a:r>
-            <a:r>
-              <a:rPr lang="pt-BR" sz="1200" kern="0" dirty="0" err="1"/>
-              <a:t>instacia</a:t>
-            </a:r>
-            <a:r>
-              <a:rPr lang="pt-BR" sz="1200" kern="0" dirty="0"/>
-              <a:t> se conecta ao servidor ele cria um player para esta instancia;</a:t>
-            </a:r>
+              <a:t>E dentro </a:t>
+            </a:r>
+            <a:r>
+              <a:rPr lang="pt-BR" dirty="0" err="1"/>
+              <a:t>head</a:t>
+            </a:r>
+            <a:r>
+              <a:rPr lang="pt-BR" dirty="0"/>
+              <a:t> </a:t>
+            </a:r>
+            <a:r>
+              <a:rPr lang="pt-BR" dirty="0" err="1"/>
+              <a:t>mount</a:t>
+            </a:r>
+            <a:r>
+              <a:rPr lang="pt-BR" dirty="0"/>
+              <a:t> display está o celular com a outra instancia do FossilAR, essa sendo so um cliente que se conecta ao servidor do computador via </a:t>
+            </a:r>
+            <a:r>
+              <a:rPr lang="pt-BR" dirty="0" err="1"/>
+              <a:t>wi-fi</a:t>
+            </a:r>
+            <a:endParaRPr lang="pt-BR" dirty="0"/>
           </a:p>
         </p:txBody>
       </p:sp>
@@ -1314,7 +1242,7 @@
           <a:p>
             <a:fld id="{59D7498C-023E-4647-B375-524BE642DC09}" type="slidenum">
               <a:rPr lang="pt-BR" smtClean="0"/>
-              <a:t>17</a:t>
+              <a:t>16</a:t>
             </a:fld>
             <a:endParaRPr lang="pt-BR"/>
           </a:p>
@@ -1323,7 +1251,7 @@
     </p:spTree>
     <p:extLst>
       <p:ext uri="{BB962C8B-B14F-4D97-AF65-F5344CB8AC3E}">
-        <p14:creationId xmlns:p14="http://schemas.microsoft.com/office/powerpoint/2010/main" val="1212098644"/>
+        <p14:creationId xmlns:p14="http://schemas.microsoft.com/office/powerpoint/2010/main" val="3517268955"/>
       </p:ext>
     </p:extLst>
   </p:cSld>
@@ -1379,117 +1307,78 @@
           <a:p>
             <a:r>
               <a:rPr lang="pt-BR" dirty="0"/>
-              <a:t>Agora indo para os botes e painel</a:t>
+              <a:t>Bom agora vou falar com foi feita a sincronização das instancias</a:t>
             </a:r>
           </a:p>
           <a:p>
             <a:r>
               <a:rPr lang="pt-BR" dirty="0"/>
-              <a:t>Foram criados 4 scripts </a:t>
-            </a:r>
-          </a:p>
-          <a:p>
-            <a:pPr marL="0" marR="0" lvl="0" indent="0" algn="l" defTabSz="914400" rtl="0" eaLnBrk="1" fontAlgn="auto" latinLnBrk="0" hangingPunct="1">
-              <a:lnSpc>
-                <a:spcPct val="100000"/>
-              </a:lnSpc>
-              <a:spcBef>
-                <a:spcPts val="0"/>
-              </a:spcBef>
-              <a:spcAft>
-                <a:spcPts val="0"/>
-              </a:spcAft>
-              <a:buClrTx/>
-              <a:buSzTx/>
-              <a:buFontTx/>
-              <a:buNone/>
-              <a:tabLst/>
-              <a:defRPr/>
-            </a:pPr>
+              <a:t>Foram criados dois game </a:t>
+            </a:r>
+            <a:r>
+              <a:rPr lang="pt-BR" dirty="0" err="1"/>
+              <a:t>objects</a:t>
+            </a:r>
             <a:r>
               <a:rPr lang="pt-BR" dirty="0"/>
-              <a:t>Sendo o </a:t>
+              <a:t> o servidor e o player</a:t>
+            </a:r>
+          </a:p>
+          <a:p>
+            <a:r>
+              <a:rPr lang="pt-BR" dirty="0"/>
+              <a:t>Ambos possuíam dois componentes o </a:t>
             </a:r>
             <a:r>
               <a:rPr lang="pt-BR" sz="1200" kern="0" dirty="0"/>
-              <a:t>BotoesCallBack exclusivo da instancia do Windows e o outro três do Android</a:t>
-            </a:r>
-          </a:p>
-          <a:p>
-            <a:pPr marL="0" marR="0" lvl="0" indent="0" algn="l" defTabSz="914400" rtl="0" eaLnBrk="1" fontAlgn="auto" latinLnBrk="0" hangingPunct="1">
-              <a:lnSpc>
-                <a:spcPct val="100000"/>
-              </a:lnSpc>
-              <a:spcBef>
-                <a:spcPts val="0"/>
-              </a:spcBef>
-              <a:spcAft>
-                <a:spcPts val="0"/>
-              </a:spcAft>
-              <a:buClrTx/>
-              <a:buSzTx/>
-              <a:buFontTx/>
-              <a:buNone/>
-              <a:tabLst/>
-              <a:defRPr/>
-            </a:pPr>
+              <a:t>Network Identity e o script do seu respectivo nome</a:t>
+            </a:r>
+          </a:p>
+          <a:p>
+            <a:r>
+              <a:rPr lang="pt-BR" dirty="0"/>
+              <a:t>O </a:t>
+            </a:r>
             <a:r>
               <a:rPr lang="pt-BR" sz="1200" kern="0" dirty="0"/>
-              <a:t>O BotoesCallBack ele serve como uma ponte entre o player no Windows e os botões de interação</a:t>
-            </a:r>
-          </a:p>
-          <a:p>
-            <a:pPr>
-              <a:lnSpc>
-                <a:spcPct val="200000"/>
-              </a:lnSpc>
-            </a:pPr>
+              <a:t>Network Identity é o componente que permite que autenticam esses GameObjects no servidor para poder mandar comandos</a:t>
+            </a:r>
+          </a:p>
+          <a:p>
             <a:r>
               <a:rPr lang="pt-BR" sz="1200" kern="0" dirty="0"/>
-              <a:t>O BotoesControler tem a função de controlar todas as respostas visuais das interações dos botões, alterando as os botões as linhas e o painel que o usuário está vendo</a:t>
-            </a:r>
-          </a:p>
-          <a:p>
-            <a:pPr>
-              <a:lnSpc>
-                <a:spcPct val="200000"/>
-              </a:lnSpc>
-            </a:pPr>
+              <a:t>Como era feira a sincronização </a:t>
+            </a:r>
+          </a:p>
+          <a:p>
             <a:r>
               <a:rPr lang="pt-BR" sz="1200" kern="0" dirty="0"/>
-              <a:t>O script Linha serve para desenhar corretamente as linhas dependendo de cada contexto;</a:t>
-            </a:r>
-          </a:p>
-          <a:p>
-            <a:pPr>
-              <a:lnSpc>
-                <a:spcPct val="200000"/>
-              </a:lnSpc>
-            </a:pPr>
+              <a:t>o script servidor serve para armazenar as variáveis que vão ser sincronizadas em ambas as instancias, como também verifica se alguma delas foi alterada e acionar o método para atualizar especifico pra cada variável;</a:t>
+            </a:r>
+          </a:p>
+          <a:p>
             <a:r>
               <a:rPr lang="pt-BR" sz="1200" kern="0" dirty="0"/>
-              <a:t> por fim temos o painel que guarda as informações de sobre o fóssil e  dependendo de que botão foi acionado e do contexto da cena, ele mostra as informações especificas.</a:t>
-            </a:r>
-          </a:p>
-          <a:p>
-            <a:pPr marL="0" marR="0" lvl="0" indent="0" algn="l" defTabSz="914400" rtl="0" eaLnBrk="1" fontAlgn="auto" latinLnBrk="0" hangingPunct="1">
-              <a:lnSpc>
-                <a:spcPct val="100000"/>
-              </a:lnSpc>
-              <a:spcBef>
-                <a:spcPts val="0"/>
-              </a:spcBef>
-              <a:spcAft>
-                <a:spcPts val="0"/>
-              </a:spcAft>
-              <a:buClrTx/>
-              <a:buSzTx/>
-              <a:buFontTx/>
-              <a:buNone/>
-              <a:tabLst/>
-              <a:defRPr/>
-            </a:pPr>
-            <a:endParaRPr lang="pt-BR" sz="1200" kern="0" dirty="0"/>
+              <a:t>Por fim temos o player, é ele o responsável por atualizar as variáveis de sincronização, verificando se houve mudanças no GameObjects ou recebendo chamadas de outros scripts para alterar as variáveis</a:t>
+            </a:r>
+          </a:p>
+          <a:p>
+            <a:r>
+              <a:rPr lang="pt-BR" sz="1200" kern="0" dirty="0" err="1"/>
+              <a:t>Palyer</a:t>
+            </a:r>
+            <a:r>
+              <a:rPr lang="pt-BR" sz="1200" kern="0" dirty="0"/>
+              <a:t> não é um parte incialmente da cena, ele é um Prefab um GameObject que já está configurado, em que ele é criado por outro script, no caso cada vez que uma </a:t>
+            </a:r>
+            <a:r>
+              <a:rPr lang="pt-BR" sz="1200" kern="0" dirty="0" err="1"/>
+              <a:t>instacia</a:t>
+            </a:r>
+            <a:r>
+              <a:rPr lang="pt-BR" sz="1200" kern="0" dirty="0"/>
+              <a:t> se conecta ao servidor ele cria um player para esta instancia;</a:t>
+            </a:r>
           </a:p>
         </p:txBody>
       </p:sp>
@@ -1510,7 +1399,7 @@
           <a:p>
             <a:fld id="{59D7498C-023E-4647-B375-524BE642DC09}" type="slidenum">
               <a:rPr lang="pt-BR" smtClean="0"/>
-              <a:t>18</a:t>
+              <a:t>17</a:t>
             </a:fld>
             <a:endParaRPr lang="pt-BR"/>
           </a:p>
@@ -1519,7 +1408,7 @@
     </p:spTree>
     <p:extLst>
       <p:ext uri="{BB962C8B-B14F-4D97-AF65-F5344CB8AC3E}">
-        <p14:creationId xmlns:p14="http://schemas.microsoft.com/office/powerpoint/2010/main" val="941518211"/>
+        <p14:creationId xmlns:p14="http://schemas.microsoft.com/office/powerpoint/2010/main" val="1212098644"/>
       </p:ext>
     </p:extLst>
   </p:cSld>
@@ -1575,6 +1464,202 @@
           <a:p>
             <a:r>
               <a:rPr lang="pt-BR" dirty="0"/>
+              <a:t>Agora indo para os botes e painel</a:t>
+            </a:r>
+          </a:p>
+          <a:p>
+            <a:r>
+              <a:rPr lang="pt-BR" dirty="0"/>
+              <a:t>Foram criados 4 scripts </a:t>
+            </a:r>
+          </a:p>
+          <a:p>
+            <a:pPr marL="0" marR="0" lvl="0" indent="0" algn="l" defTabSz="914400" rtl="0" eaLnBrk="1" fontAlgn="auto" latinLnBrk="0" hangingPunct="1">
+              <a:lnSpc>
+                <a:spcPct val="100000"/>
+              </a:lnSpc>
+              <a:spcBef>
+                <a:spcPts val="0"/>
+              </a:spcBef>
+              <a:spcAft>
+                <a:spcPts val="0"/>
+              </a:spcAft>
+              <a:buClrTx/>
+              <a:buSzTx/>
+              <a:buFontTx/>
+              <a:buNone/>
+              <a:tabLst/>
+              <a:defRPr/>
+            </a:pPr>
+            <a:r>
+              <a:rPr lang="pt-BR" dirty="0"/>
+              <a:t>Sendo o </a:t>
+            </a:r>
+            <a:r>
+              <a:rPr lang="pt-BR" sz="1200" kern="0" dirty="0"/>
+              <a:t>BotoesCallBack exclusivo da instancia do Windows e o outro três do Android</a:t>
+            </a:r>
+          </a:p>
+          <a:p>
+            <a:pPr marL="0" marR="0" lvl="0" indent="0" algn="l" defTabSz="914400" rtl="0" eaLnBrk="1" fontAlgn="auto" latinLnBrk="0" hangingPunct="1">
+              <a:lnSpc>
+                <a:spcPct val="100000"/>
+              </a:lnSpc>
+              <a:spcBef>
+                <a:spcPts val="0"/>
+              </a:spcBef>
+              <a:spcAft>
+                <a:spcPts val="0"/>
+              </a:spcAft>
+              <a:buClrTx/>
+              <a:buSzTx/>
+              <a:buFontTx/>
+              <a:buNone/>
+              <a:tabLst/>
+              <a:defRPr/>
+            </a:pPr>
+            <a:r>
+              <a:rPr lang="pt-BR" sz="1200" kern="0" dirty="0"/>
+              <a:t>O BotoesCallBack ele serve como uma interface entre o player no Windows e os botões de interação</a:t>
+            </a:r>
+          </a:p>
+          <a:p>
+            <a:pPr>
+              <a:lnSpc>
+                <a:spcPct val="200000"/>
+              </a:lnSpc>
+            </a:pPr>
+            <a:r>
+              <a:rPr lang="pt-BR" sz="1200" kern="0" dirty="0"/>
+              <a:t>O BotoesControler tem a função de controlar todas as respostas visuais das interações dos botões, alterando as os botões as linhas e o painel que o usuário está vendo</a:t>
+            </a:r>
+          </a:p>
+          <a:p>
+            <a:pPr>
+              <a:lnSpc>
+                <a:spcPct val="200000"/>
+              </a:lnSpc>
+            </a:pPr>
+            <a:r>
+              <a:rPr lang="pt-BR" sz="1200" kern="0" dirty="0"/>
+              <a:t>O script Linha serve para desenhar corretamente as linhas dependendo de cada contexto;</a:t>
+            </a:r>
+          </a:p>
+          <a:p>
+            <a:pPr>
+              <a:lnSpc>
+                <a:spcPct val="200000"/>
+              </a:lnSpc>
+            </a:pPr>
+            <a:r>
+              <a:rPr lang="pt-BR" sz="1200" kern="0" dirty="0"/>
+              <a:t> por fim temos o painel que guarda as informações de sobre o fóssil e  dependendo de que botão foi acionado e do contexto da cena, ele mostra as informações especificas.</a:t>
+            </a:r>
+          </a:p>
+          <a:p>
+            <a:pPr marL="0" marR="0" lvl="0" indent="0" algn="l" defTabSz="914400" rtl="0" eaLnBrk="1" fontAlgn="auto" latinLnBrk="0" hangingPunct="1">
+              <a:lnSpc>
+                <a:spcPct val="100000"/>
+              </a:lnSpc>
+              <a:spcBef>
+                <a:spcPts val="0"/>
+              </a:spcBef>
+              <a:spcAft>
+                <a:spcPts val="0"/>
+              </a:spcAft>
+              <a:buClrTx/>
+              <a:buSzTx/>
+              <a:buFontTx/>
+              <a:buNone/>
+              <a:tabLst/>
+              <a:defRPr/>
+            </a:pPr>
+            <a:endParaRPr lang="pt-BR" sz="1200" kern="0" dirty="0"/>
+          </a:p>
+        </p:txBody>
+      </p:sp>
+      <p:sp>
+        <p:nvSpPr>
+          <p:cNvPr id="4" name="Espaço Reservado para Número de Slide 3"/>
+          <p:cNvSpPr>
+            <a:spLocks noGrp="1"/>
+          </p:cNvSpPr>
+          <p:nvPr>
+            <p:ph type="sldNum" sz="quarter" idx="5"/>
+          </p:nvPr>
+        </p:nvSpPr>
+        <p:spPr/>
+        <p:txBody>
+          <a:bodyPr/>
+          <a:lstStyle/>
+          <a:p>
+            <a:fld id="{59D7498C-023E-4647-B375-524BE642DC09}" type="slidenum">
+              <a:rPr lang="pt-BR" smtClean="0"/>
+              <a:t>18</a:t>
+            </a:fld>
+            <a:endParaRPr lang="pt-BR"/>
+          </a:p>
+        </p:txBody>
+      </p:sp>
+    </p:spTree>
+    <p:extLst>
+      <p:ext uri="{BB962C8B-B14F-4D97-AF65-F5344CB8AC3E}">
+        <p14:creationId xmlns:p14="http://schemas.microsoft.com/office/powerpoint/2010/main" val="941518211"/>
+      </p:ext>
+    </p:extLst>
+  </p:cSld>
+  <p:clrMapOvr>
+    <a:masterClrMapping/>
+  </p:clrMapOvr>
+</p:notes>
+</file>
+
+<file path=ppt/notesSlides/notesSlide15.xml><?xml version="1.0" encoding="utf-8"?>
+<p:notes xmlns:a="http://schemas.openxmlformats.org/drawingml/2006/main" xmlns:r="http://schemas.openxmlformats.org/officeDocument/2006/relationships" xmlns:p="http://schemas.openxmlformats.org/presentationml/2006/main">
+  <p:cSld>
+    <p:spTree>
+      <p:nvGrpSpPr>
+        <p:cNvPr id="1" name=""/>
+        <p:cNvGrpSpPr/>
+        <p:nvPr/>
+      </p:nvGrpSpPr>
+      <p:grpSpPr>
+        <a:xfrm>
+          <a:off x="0" y="0"/>
+          <a:ext cx="0" cy="0"/>
+          <a:chOff x="0" y="0"/>
+          <a:chExt cx="0" cy="0"/>
+        </a:xfrm>
+      </p:grpSpPr>
+      <p:sp>
+        <p:nvSpPr>
+          <p:cNvPr id="2" name="Espaço Reservado para Imagem de Slide 1"/>
+          <p:cNvSpPr>
+            <a:spLocks noGrp="1" noRot="1" noChangeAspect="1"/>
+          </p:cNvSpPr>
+          <p:nvPr>
+            <p:ph type="sldImg"/>
+          </p:nvPr>
+        </p:nvSpPr>
+        <p:spPr/>
+      </p:sp>
+      <p:sp>
+        <p:nvSpPr>
+          <p:cNvPr id="3" name="Espaço Reservado para Anotações 2"/>
+          <p:cNvSpPr>
+            <a:spLocks noGrp="1"/>
+          </p:cNvSpPr>
+          <p:nvPr>
+            <p:ph type="body" idx="1"/>
+          </p:nvPr>
+        </p:nvSpPr>
+        <p:spPr/>
+        <p:txBody>
+          <a:bodyPr/>
+          <a:lstStyle/>
+          <a:p>
+            <a:r>
+              <a:rPr lang="pt-BR" dirty="0"/>
               <a:t>A primeira abordagem que consistia em deixar todo o processamento no computador  e o celular servir como uma tela pro usuário visualizar</a:t>
             </a:r>
           </a:p>
@@ -1643,6 +1728,90 @@
     <p:extLst>
       <p:ext uri="{BB962C8B-B14F-4D97-AF65-F5344CB8AC3E}">
         <p14:creationId xmlns:p14="http://schemas.microsoft.com/office/powerpoint/2010/main" val="3186062412"/>
+      </p:ext>
+    </p:extLst>
+  </p:cSld>
+  <p:clrMapOvr>
+    <a:masterClrMapping/>
+  </p:clrMapOvr>
+</p:notes>
+</file>
+
+<file path=ppt/notesSlides/notesSlide16.xml><?xml version="1.0" encoding="utf-8"?>
+<p:notes xmlns:a="http://schemas.openxmlformats.org/drawingml/2006/main" xmlns:r="http://schemas.openxmlformats.org/officeDocument/2006/relationships" xmlns:p="http://schemas.openxmlformats.org/presentationml/2006/main">
+  <p:cSld>
+    <p:spTree>
+      <p:nvGrpSpPr>
+        <p:cNvPr id="1" name=""/>
+        <p:cNvGrpSpPr/>
+        <p:nvPr/>
+      </p:nvGrpSpPr>
+      <p:grpSpPr>
+        <a:xfrm>
+          <a:off x="0" y="0"/>
+          <a:ext cx="0" cy="0"/>
+          <a:chOff x="0" y="0"/>
+          <a:chExt cx="0" cy="0"/>
+        </a:xfrm>
+      </p:grpSpPr>
+      <p:sp>
+        <p:nvSpPr>
+          <p:cNvPr id="2" name="Espaço Reservado para Imagem de Slide 1"/>
+          <p:cNvSpPr>
+            <a:spLocks noGrp="1" noRot="1" noChangeAspect="1"/>
+          </p:cNvSpPr>
+          <p:nvPr>
+            <p:ph type="sldImg"/>
+          </p:nvPr>
+        </p:nvSpPr>
+        <p:spPr/>
+      </p:sp>
+      <p:sp>
+        <p:nvSpPr>
+          <p:cNvPr id="3" name="Espaço Reservado para Anotações 2"/>
+          <p:cNvSpPr>
+            <a:spLocks noGrp="1"/>
+          </p:cNvSpPr>
+          <p:nvPr>
+            <p:ph type="body" idx="1"/>
+          </p:nvPr>
+        </p:nvSpPr>
+        <p:spPr/>
+        <p:txBody>
+          <a:bodyPr/>
+          <a:lstStyle/>
+          <a:p>
+            <a:endParaRPr lang="pt-BR" dirty="0"/>
+          </a:p>
+        </p:txBody>
+      </p:sp>
+      <p:sp>
+        <p:nvSpPr>
+          <p:cNvPr id="4" name="Espaço Reservado para Número de Slide 3"/>
+          <p:cNvSpPr>
+            <a:spLocks noGrp="1"/>
+          </p:cNvSpPr>
+          <p:nvPr>
+            <p:ph type="sldNum" sz="quarter" idx="5"/>
+          </p:nvPr>
+        </p:nvSpPr>
+        <p:spPr/>
+        <p:txBody>
+          <a:bodyPr/>
+          <a:lstStyle/>
+          <a:p>
+            <a:fld id="{59D7498C-023E-4647-B375-524BE642DC09}" type="slidenum">
+              <a:rPr lang="pt-BR" smtClean="0"/>
+              <a:t>25</a:t>
+            </a:fld>
+            <a:endParaRPr lang="pt-BR"/>
+          </a:p>
+        </p:txBody>
+      </p:sp>
+    </p:spTree>
+    <p:extLst>
+      <p:ext uri="{BB962C8B-B14F-4D97-AF65-F5344CB8AC3E}">
+        <p14:creationId xmlns:p14="http://schemas.microsoft.com/office/powerpoint/2010/main" val="1242583609"/>
       </p:ext>
     </p:extLst>
   </p:cSld>
@@ -1698,25 +1867,7 @@
           <a:p>
             <a:r>
               <a:rPr lang="pt-BR" dirty="0"/>
-              <a:t>Para poder desenvolver o meu trabalho foi nesse cario eu estudar primeiramente sobre os museus já que esse seria o foco do tema da minha aplicação</a:t>
-            </a:r>
-          </a:p>
-          <a:p>
-            <a:r>
-              <a:rPr lang="pt-BR" dirty="0"/>
-              <a:t>Segundamente sobre realidade aumentada, tentando entender melhor o que é realidade aumentada e suas principais características, como a ancoragem</a:t>
-            </a:r>
-          </a:p>
-          <a:p>
-            <a:r>
-              <a:rPr lang="pt-BR" dirty="0"/>
-              <a:t>Também precisei entender um pouco mais sobre o leap motion, já que eu teria que utiliza-lo</a:t>
-            </a:r>
-          </a:p>
-          <a:p>
-            <a:r>
-              <a:rPr lang="pt-BR" dirty="0"/>
-              <a:t>Por fim modelos virtuais já que tudo o que tudo o que eu iria fazer no desenvolvimento do trabalho acabaria usando os conceitos do modelos virtuais</a:t>
+              <a:t>É de conhecimento de todos a importância dos Museus por questões sociais e educacionais. Também é de conhecimento que os museus podem ter uma grande quantidade de peças em seus acervos. Peças que muitas vezes são muito valiosas e que podem acabar limitando a interação do visitante. Na busca de aumentar a interação dos visitantes com as peças do acervo, e diminuindo os problemas, poderia se usar a RA.A RA é uma área da realidade virtual que busca sobrepor o virtual no mundo real, podendo enriquecer a visão de mundo do usuário, trazendo novas informações pra ele, como também novas maneiras de interagir com o ambiente, e um dispositivo que pode ajudar nessa interação é o aparelho leap motion, que permite capturar os movimentos das mãos do usuário, fazendo assim que ele consiga usar as mãos para interagir com o virtual.</a:t>
             </a:r>
           </a:p>
         </p:txBody>
@@ -1738,7 +1889,7 @@
           <a:p>
             <a:fld id="{59D7498C-023E-4647-B375-524BE642DC09}" type="slidenum">
               <a:rPr lang="pt-BR" smtClean="0"/>
-              <a:t>6</a:t>
+              <a:t>3</a:t>
             </a:fld>
             <a:endParaRPr lang="pt-BR"/>
           </a:p>
@@ -1747,7 +1898,7 @@
     </p:spTree>
     <p:extLst>
       <p:ext uri="{BB962C8B-B14F-4D97-AF65-F5344CB8AC3E}">
-        <p14:creationId xmlns:p14="http://schemas.microsoft.com/office/powerpoint/2010/main" val="2650937782"/>
+        <p14:creationId xmlns:p14="http://schemas.microsoft.com/office/powerpoint/2010/main" val="1051707678"/>
       </p:ext>
     </p:extLst>
   </p:cSld>
@@ -1803,7 +1954,25 @@
           <a:p>
             <a:r>
               <a:rPr lang="pt-BR" dirty="0"/>
-              <a:t>Cardoso desenvolveu uma aplicação chamada RAINFOR, que usava realidade aumentada, para auxiliar o ensino, permitindo que os alunos pudessem visualizar os componentes que sobre os quais estavam aprendendo</a:t>
+              <a:t>Para poder desenvolver o meu trabalho foi necessário eu estudar primeiramente sobre os museus já que esse seria o foco do tema da minha aplicação</a:t>
+            </a:r>
+          </a:p>
+          <a:p>
+            <a:r>
+              <a:rPr lang="pt-BR" dirty="0"/>
+              <a:t>Segundamente sobre realidade aumentada, tentando entender melhor o que é realidade aumentada e suas principais características, como a ancoragem</a:t>
+            </a:r>
+          </a:p>
+          <a:p>
+            <a:r>
+              <a:rPr lang="pt-BR" dirty="0"/>
+              <a:t>Também precisei entender um pouco mais sobre o leap motion, já que eu teria que utiliza-lo</a:t>
+            </a:r>
+          </a:p>
+          <a:p>
+            <a:r>
+              <a:rPr lang="pt-BR" dirty="0"/>
+              <a:t>Por fim modelos virtuais já que tudo o que tudo o que eu iria fazer no desenvolvimento do trabalho acabaria usando os conceitos do modelos virtuais</a:t>
             </a:r>
           </a:p>
         </p:txBody>
@@ -1825,7 +1994,7 @@
           <a:p>
             <a:fld id="{59D7498C-023E-4647-B375-524BE642DC09}" type="slidenum">
               <a:rPr lang="pt-BR" smtClean="0"/>
-              <a:t>7</a:t>
+              <a:t>6</a:t>
             </a:fld>
             <a:endParaRPr lang="pt-BR"/>
           </a:p>
@@ -1834,7 +2003,7 @@
     </p:spTree>
     <p:extLst>
       <p:ext uri="{BB962C8B-B14F-4D97-AF65-F5344CB8AC3E}">
-        <p14:creationId xmlns:p14="http://schemas.microsoft.com/office/powerpoint/2010/main" val="2467832475"/>
+        <p14:creationId xmlns:p14="http://schemas.microsoft.com/office/powerpoint/2010/main" val="2650937782"/>
       </p:ext>
     </p:extLst>
   </p:cSld>
@@ -1890,7 +2059,7 @@
           <a:p>
             <a:r>
               <a:rPr lang="pt-BR" dirty="0"/>
-              <a:t>Bento desenvolveu uma aplicação para desenho em realidade virtual em conjunto com o leap motion, no qual permitia o usuário desenhar usando as mãos, além de opções de salva e apagar o desenho, e também de mudar o ambiente no qual se desenhava.</a:t>
+              <a:t>Cardoso desenvolveu uma aplicação chamada RAINFOR, que usava realidade aumentada, para auxiliar o ensino, permitindo que os alunos pudessem visualizar os componentes que sobre os quais estavam aprendendo</a:t>
             </a:r>
           </a:p>
         </p:txBody>
@@ -1912,7 +2081,7 @@
           <a:p>
             <a:fld id="{59D7498C-023E-4647-B375-524BE642DC09}" type="slidenum">
               <a:rPr lang="pt-BR" smtClean="0"/>
-              <a:t>8</a:t>
+              <a:t>7</a:t>
             </a:fld>
             <a:endParaRPr lang="pt-BR"/>
           </a:p>
@@ -1921,7 +2090,7 @@
     </p:spTree>
     <p:extLst>
       <p:ext uri="{BB962C8B-B14F-4D97-AF65-F5344CB8AC3E}">
-        <p14:creationId xmlns:p14="http://schemas.microsoft.com/office/powerpoint/2010/main" val="1842531399"/>
+        <p14:creationId xmlns:p14="http://schemas.microsoft.com/office/powerpoint/2010/main" val="2467832475"/>
       </p:ext>
     </p:extLst>
   </p:cSld>
@@ -1977,7 +2146,7 @@
           <a:p>
             <a:r>
               <a:rPr lang="pt-BR" dirty="0"/>
-              <a:t>Valentine fez no seu trabalho contava com um estudo sobre principais movimentos para manipular objetos e com detecta-los, em seguida ele criou uma experiencia para testar a eficácia de usar o leap motion e a realidade aumentada para implementar uma metodologia de montagem virtual interativa.</a:t>
+              <a:t>Bento desenvolveu uma aplicação para desenho em realidade virtual em conjunto com o leap motion, no qual permitia o usuário desenhar usando as mãos, além de opções de salva e apagar o desenho, e também de mudar o ambiente no qual se desenhava.</a:t>
             </a:r>
           </a:p>
         </p:txBody>
@@ -1999,7 +2168,7 @@
           <a:p>
             <a:fld id="{59D7498C-023E-4647-B375-524BE642DC09}" type="slidenum">
               <a:rPr lang="pt-BR" smtClean="0"/>
-              <a:t>9</a:t>
+              <a:t>8</a:t>
             </a:fld>
             <a:endParaRPr lang="pt-BR"/>
           </a:p>
@@ -2008,7 +2177,7 @@
     </p:spTree>
     <p:extLst>
       <p:ext uri="{BB962C8B-B14F-4D97-AF65-F5344CB8AC3E}">
-        <p14:creationId xmlns:p14="http://schemas.microsoft.com/office/powerpoint/2010/main" val="3518434804"/>
+        <p14:creationId xmlns:p14="http://schemas.microsoft.com/office/powerpoint/2010/main" val="1842531399"/>
       </p:ext>
     </p:extLst>
   </p:cSld>
@@ -2064,7 +2233,7 @@
           <a:p>
             <a:r>
               <a:rPr lang="pt-BR" dirty="0"/>
-              <a:t>O FossilAR foi desenvolvido pra criar uma experiencia de interação com peças do acervo da Exposição de História Natural Fritz Müller, que contava com quatro principais pontos, o fóssil sendo o marcador principal da cena, sendo ele que o usuário poderia manipular, em segundo os botões que se situavam em no fóssil , que o usuário poderia acionar para mostrar informações, estas que eram mostradas em um painel virtual ancorado ao um marcador que fica no banner da exposição, e por fim tem as miniatura ancoradas na mão esquerda do usuário, que permitiam o usuário ao aciona-las mudar o contexto da cena, mudando as informações que poderiam ser mostradas para o usuário, como os objetos em volta do fóssil.</a:t>
+              <a:t>Valentine fez no seu trabalho contava com um estudo sobre principais posições das mãos para manipular objetos e com detecta-los, em seguida ele criou uma experiencia para testar a eficácia de usar o leap motion e a realidade aumentada para implementar uma metodologia de montagem virtual interativa.</a:t>
             </a:r>
           </a:p>
         </p:txBody>
@@ -2086,7 +2255,7 @@
           <a:p>
             <a:fld id="{59D7498C-023E-4647-B375-524BE642DC09}" type="slidenum">
               <a:rPr lang="pt-BR" smtClean="0"/>
-              <a:t>11</a:t>
+              <a:t>9</a:t>
             </a:fld>
             <a:endParaRPr lang="pt-BR"/>
           </a:p>
@@ -2095,7 +2264,7 @@
     </p:spTree>
     <p:extLst>
       <p:ext uri="{BB962C8B-B14F-4D97-AF65-F5344CB8AC3E}">
-        <p14:creationId xmlns:p14="http://schemas.microsoft.com/office/powerpoint/2010/main" val="396102269"/>
+        <p14:creationId xmlns:p14="http://schemas.microsoft.com/office/powerpoint/2010/main" val="3518434804"/>
       </p:ext>
     </p:extLst>
   </p:cSld>
@@ -2149,62 +2318,10 @@
           <a:bodyPr/>
           <a:lstStyle/>
           <a:p>
-            <a:pPr>
-              <a:lnSpc>
-                <a:spcPct val="150000"/>
-              </a:lnSpc>
-            </a:pPr>
-            <a:r>
-              <a:rPr lang="pt-BR" sz="1200" kern="0" dirty="0"/>
-              <a:t>O FossilAR foi desenvolvido no Unity e em conjunto</a:t>
-            </a:r>
-          </a:p>
-          <a:p>
-            <a:pPr>
-              <a:lnSpc>
-                <a:spcPct val="150000"/>
-              </a:lnSpc>
-            </a:pPr>
-            <a:r>
-              <a:rPr lang="pt-BR" sz="1200" kern="0" dirty="0"/>
-              <a:t>Foram usada 3 bibliotecas para o desenvolvimento</a:t>
-            </a:r>
-          </a:p>
-          <a:p>
-            <a:pPr>
-              <a:lnSpc>
-                <a:spcPct val="150000"/>
-              </a:lnSpc>
-            </a:pPr>
-            <a:r>
-              <a:rPr lang="pt-BR" sz="1200" kern="0" dirty="0"/>
-              <a:t>Ultraleap Tracking para trabalhar com o leap motion</a:t>
-            </a:r>
-          </a:p>
-          <a:p>
-            <a:pPr>
-              <a:lnSpc>
-                <a:spcPct val="150000"/>
-              </a:lnSpc>
-            </a:pPr>
-            <a:r>
-              <a:rPr lang="pt-BR" sz="1200" kern="0" dirty="0"/>
-              <a:t>Vulforia para a parte de realidade aumentada</a:t>
-            </a:r>
-          </a:p>
-          <a:p>
-            <a:pPr>
-              <a:lnSpc>
-                <a:spcPct val="150000"/>
-              </a:lnSpc>
-            </a:pPr>
-            <a:r>
-              <a:rPr lang="pt-BR" sz="1200" kern="0" dirty="0"/>
-              <a:t>E o mirror para fazer a conexão entre o celular e o computador</a:t>
-            </a:r>
-          </a:p>
-          <a:p>
-            <a:endParaRPr lang="pt-BR" dirty="0"/>
+            <a:r>
+              <a:rPr lang="pt-BR" dirty="0"/>
+              <a:t>O FossilAR foi desenvolvido pra criar uma experiencia de interação com peças do acervo da Exposição de História Natural Fritz Müller, que contava com quatro principais pontos, o fóssil sendo o marcador principal da cena, sendo ele que o usuário poderia manipular, em segundo os botões que se situavam em no fóssil , que o usuário poderia acionar para mostrar informações, estas que eram mostradas em um painel virtual ancorado ao um marcador que fica no banner da exposição, e por fim tem as miniatura ancoradas na mão esquerda do usuário, que permitiam o usuário ao aciona-las mudar o contexto da cena, mudando as informações que poderiam ser mostradas para o usuário, como os objetos em volta do fóssil.</a:t>
+            </a:r>
           </a:p>
         </p:txBody>
       </p:sp>
@@ -2225,7 +2342,7 @@
           <a:p>
             <a:fld id="{59D7498C-023E-4647-B375-524BE642DC09}" type="slidenum">
               <a:rPr lang="pt-BR" smtClean="0"/>
-              <a:t>12</a:t>
+              <a:t>11</a:t>
             </a:fld>
             <a:endParaRPr lang="pt-BR"/>
           </a:p>
@@ -2234,7 +2351,7 @@
     </p:spTree>
     <p:extLst>
       <p:ext uri="{BB962C8B-B14F-4D97-AF65-F5344CB8AC3E}">
-        <p14:creationId xmlns:p14="http://schemas.microsoft.com/office/powerpoint/2010/main" val="486984422"/>
+        <p14:creationId xmlns:p14="http://schemas.microsoft.com/office/powerpoint/2010/main" val="396102269"/>
       </p:ext>
     </p:extLst>
   </p:cSld>
@@ -2294,26 +2411,9 @@
               </a:lnSpc>
             </a:pPr>
             <a:r>
-              <a:rPr lang="pt-BR" dirty="0"/>
-              <a:t>Da biblioteca Ultraleap Tracking foram usados 5 GameObjects, o </a:t>
-            </a:r>
-            <a:r>
               <a:rPr lang="pt-BR" sz="1200" kern="0" dirty="0"/>
-              <a:t>Service Provider é quem recebe os dados do software com o mesmo nome da biblioteca </a:t>
-            </a:r>
-            <a:r>
-              <a:rPr lang="pt-BR" dirty="0"/>
-              <a:t>Ultraleap Tracking, ou seja esse é o </a:t>
-            </a:r>
-            <a:r>
-              <a:rPr lang="pt-BR" dirty="0" err="1"/>
-              <a:t>Gamaobject</a:t>
-            </a:r>
-            <a:r>
-              <a:rPr lang="pt-BR" dirty="0"/>
-              <a:t> que pega os dados do leap motion</a:t>
-            </a:r>
-            <a:endParaRPr lang="pt-BR" sz="1200" kern="0" dirty="0"/>
+              <a:t>O FossilAR foi desenvolvido no Unity e em conjunto</a:t>
+            </a:r>
           </a:p>
           <a:p>
             <a:pPr>
@@ -2323,7 +2423,7 @@
             </a:pPr>
             <a:r>
               <a:rPr lang="pt-BR" sz="1200" kern="0" dirty="0"/>
-              <a:t>Skeleton Hands que são a representação das mãos reais no espaço virtual</a:t>
+              <a:t>Foram usada 3 bibliotecas para o desenvolvimento</a:t>
             </a:r>
           </a:p>
           <a:p>
@@ -2333,12 +2433,8 @@
               </a:lnSpc>
             </a:pPr>
             <a:r>
-              <a:rPr lang="pt-BR" sz="1200" kern="0" dirty="0" err="1"/>
-              <a:t>Attachment</a:t>
-            </a:r>
-            <a:r>
               <a:rPr lang="pt-BR" sz="1200" kern="0" dirty="0"/>
-              <a:t> Hands que são como uma extensão das Skeleton Hands, permitindo ancorar outro GameObjects nas mãos, que foram usados para ancorar as miniaturas;</a:t>
+              <a:t>Ultraleap Tracking para trabalhar com o leap motion</a:t>
             </a:r>
           </a:p>
           <a:p>
@@ -2348,20 +2444,8 @@
               </a:lnSpc>
             </a:pPr>
             <a:r>
-              <a:rPr lang="pt-BR" sz="1200" kern="0" dirty="0" err="1"/>
-              <a:t>Interactive</a:t>
-            </a:r>
-            <a:r>
               <a:rPr lang="pt-BR" sz="1200" kern="0" dirty="0"/>
-              <a:t> </a:t>
-            </a:r>
-            <a:r>
-              <a:rPr lang="pt-BR" sz="1200" kern="0" dirty="0" err="1"/>
-              <a:t>Maneger</a:t>
-            </a:r>
-            <a:r>
-              <a:rPr lang="pt-BR" sz="1200" kern="0" dirty="0"/>
-              <a:t>, como o próprio nome diz ele gerencia as interações, permitindo que se possa selecionar quais dedos vão ter interações e até podendo selecionar quais movimentos  podem ser usados para agarrar ;</a:t>
+              <a:t>Vulforia para a parte de realidade aumentada</a:t>
             </a:r>
           </a:p>
           <a:p>
@@ -2372,7 +2456,7 @@
             </a:pPr>
             <a:r>
               <a:rPr lang="pt-BR" sz="1200" kern="0" dirty="0"/>
-              <a:t>3D Button que são os botões que já possuem um script pra interagir com as mão da biblioteca, no caso esse é o GameObject usado para fazer os botões do fóssil e também as miniaturas na mão ;</a:t>
+              <a:t>E o mirror para fazer a conexão entre o celular e o computador</a:t>
             </a:r>
           </a:p>
           <a:p>
@@ -2397,7 +2481,7 @@
           <a:p>
             <a:fld id="{59D7498C-023E-4647-B375-524BE642DC09}" type="slidenum">
               <a:rPr lang="pt-BR" smtClean="0"/>
-              <a:t>13</a:t>
+              <a:t>12</a:t>
             </a:fld>
             <a:endParaRPr lang="pt-BR"/>
           </a:p>
@@ -2406,7 +2490,7 @@
     </p:spTree>
     <p:extLst>
       <p:ext uri="{BB962C8B-B14F-4D97-AF65-F5344CB8AC3E}">
-        <p14:creationId xmlns:p14="http://schemas.microsoft.com/office/powerpoint/2010/main" val="3144607312"/>
+        <p14:creationId xmlns:p14="http://schemas.microsoft.com/office/powerpoint/2010/main" val="486984422"/>
       </p:ext>
     </p:extLst>
   </p:cSld>
@@ -2460,62 +2544,91 @@
           <a:bodyPr/>
           <a:lstStyle/>
           <a:p>
-            <a:r>
-              <a:rPr lang="pt-BR" dirty="0"/>
-              <a:t>Já da biblioteca  Vuforia foram usados 3 GameObjects</a:t>
-            </a:r>
-          </a:p>
-          <a:p>
             <a:pPr>
               <a:lnSpc>
-                <a:spcPct val="200000"/>
+                <a:spcPct val="150000"/>
               </a:lnSpc>
             </a:pPr>
             <a:r>
+              <a:rPr lang="pt-BR" dirty="0"/>
+              <a:t>Da biblioteca Ultraleap Tracking foram usados 5 GameObjects, o </a:t>
+            </a:r>
+            <a:r>
               <a:rPr lang="pt-BR" sz="1200" kern="0" dirty="0"/>
-              <a:t>AR Câmera é como uma câmera normal do Unity, so que  com alguns scripts, esses que se conectam com a engine do vuforia, capturam a imagem da câmera do celular processam ela pra detectar os marcadores e criam um painel de fundo no limite de visualização da câmera virtual, e nele projetam a imagem da câmera do celular. assim criando a visão da </a:t>
-            </a:r>
-            <a:r>
-              <a:rPr lang="pt-BR" sz="1200" kern="0" dirty="0" err="1"/>
-              <a:t>ralidade</a:t>
-            </a:r>
-            <a:r>
-              <a:rPr lang="pt-BR" sz="1200" kern="0" dirty="0"/>
-              <a:t> aumentada;</a:t>
-            </a:r>
+              <a:t>Service Provider é quem recebe os dados do software com o mesmo nome da biblioteca </a:t>
+            </a:r>
+            <a:r>
+              <a:rPr lang="pt-BR" dirty="0"/>
+              <a:t>Ultraleap Tracking, ou seja esse é o </a:t>
+            </a:r>
+            <a:r>
+              <a:rPr lang="pt-BR" dirty="0" err="1"/>
+              <a:t>Gamaobject</a:t>
+            </a:r>
+            <a:r>
+              <a:rPr lang="pt-BR" dirty="0"/>
+              <a:t> que pega os dados do leap motion</a:t>
+            </a:r>
+            <a:endParaRPr lang="pt-BR" sz="1200" kern="0" dirty="0"/>
           </a:p>
           <a:p>
             <a:pPr>
               <a:lnSpc>
-                <a:spcPct val="200000"/>
+                <a:spcPct val="150000"/>
               </a:lnSpc>
             </a:pPr>
             <a:r>
-              <a:rPr lang="pt-BR" sz="1200" kern="0" dirty="0" err="1"/>
-              <a:t>Image</a:t>
-            </a:r>
-            <a:r>
               <a:rPr lang="pt-BR" sz="1200" kern="0" dirty="0"/>
-              <a:t> Target que é o GameObject que representa o marcador de uma imagem , que se pode selecionar a imagem que ele vai detectar, esse e o que foi usado no painel, e é nele que você trabalha para mostrar os objetos que vão ficar ancorados a imagem;</a:t>
+              <a:t>Skeleton Hands que são a representação das mãos reais no espaço virtual</a:t>
             </a:r>
           </a:p>
           <a:p>
             <a:pPr>
               <a:lnSpc>
-                <a:spcPct val="200000"/>
+                <a:spcPct val="150000"/>
               </a:lnSpc>
             </a:pPr>
             <a:r>
+              <a:rPr lang="pt-BR" sz="1200" kern="0" dirty="0" err="1"/>
+              <a:t>Attachment</a:t>
+            </a:r>
+            <a:r>
               <a:rPr lang="pt-BR" sz="1200" kern="0" dirty="0"/>
-              <a:t>Model Target tem um funcionamento semelhante ao </a:t>
-            </a:r>
+              <a:t> Hands que são como uma extensão das Skeleton Hands, permitindo ancorar outro GameObjects nas mãos, que foram usados para ancorar as miniaturas;</a:t>
+            </a:r>
+          </a:p>
+          <a:p>
+            <a:pPr>
+              <a:lnSpc>
+                <a:spcPct val="150000"/>
+              </a:lnSpc>
+            </a:pPr>
             <a:r>
               <a:rPr lang="pt-BR" sz="1200" kern="0" dirty="0" err="1"/>
-              <a:t>Image</a:t>
+              <a:t>Interactive</a:t>
             </a:r>
             <a:r>
               <a:rPr lang="pt-BR" sz="1200" kern="0" dirty="0"/>
-              <a:t> Target mudando somente o que ele vai detectar, nesse caso ele precisa de um modelo 3D;</a:t>
+              <a:t> </a:t>
+            </a:r>
+            <a:r>
+              <a:rPr lang="pt-BR" sz="1200" kern="0" dirty="0" err="1"/>
+              <a:t>Maneger</a:t>
+            </a:r>
+            <a:r>
+              <a:rPr lang="pt-BR" sz="1200" kern="0" dirty="0"/>
+              <a:t>, como o próprio nome diz ele gerencia as interações, permitindo que se possa selecionar quais dedos vão ter interações e até podendo selecionar quais movimentos  podem ser usados para agarrar ;</a:t>
+            </a:r>
+          </a:p>
+          <a:p>
+            <a:pPr>
+              <a:lnSpc>
+                <a:spcPct val="150000"/>
+              </a:lnSpc>
+            </a:pPr>
+            <a:r>
+              <a:rPr lang="pt-BR" sz="1200" kern="0" dirty="0"/>
+              <a:t>3D Button que são os botões que já possuem um script pra interagir com as mão da biblioteca, no caso esse é o GameObject usado para fazer os botões do fóssil e também as miniaturas na mão ;</a:t>
             </a:r>
           </a:p>
           <a:p>
@@ -2540,7 +2653,7 @@
           <a:p>
             <a:fld id="{59D7498C-023E-4647-B375-524BE642DC09}" type="slidenum">
               <a:rPr lang="pt-BR" smtClean="0"/>
-              <a:t>14</a:t>
+              <a:t>13</a:t>
             </a:fld>
             <a:endParaRPr lang="pt-BR"/>
           </a:p>
@@ -2549,7 +2662,7 @@
     </p:spTree>
     <p:extLst>
       <p:ext uri="{BB962C8B-B14F-4D97-AF65-F5344CB8AC3E}">
-        <p14:creationId xmlns:p14="http://schemas.microsoft.com/office/powerpoint/2010/main" val="1733245119"/>
+        <p14:creationId xmlns:p14="http://schemas.microsoft.com/office/powerpoint/2010/main" val="3144607312"/>
       </p:ext>
     </p:extLst>
   </p:cSld>
@@ -5934,7 +6047,7 @@
         </p:nvSpPr>
         <p:spPr>
           <a:xfrm>
-            <a:off x="457200" y="274638"/>
+            <a:off x="-2484784" y="-172817"/>
             <a:ext cx="8229600" cy="1143000"/>
           </a:xfrm>
         </p:spPr>
@@ -5945,7 +6058,7 @@
           <a:lstStyle/>
           <a:p>
             <a:r>
-              <a:rPr lang="pt-BR" dirty="0"/>
+              <a:rPr lang="pt-BR" sz="3200" dirty="0"/>
               <a:t>Especificação</a:t>
             </a:r>
           </a:p>
@@ -5980,7 +6093,7 @@
             </a:pPr>
             <a:r>
               <a:rPr lang="pt-BR" dirty="0"/>
-              <a:t>Fóssil</a:t>
+              <a:t>Fóssil;</a:t>
             </a:r>
           </a:p>
           <a:p>
@@ -5991,7 +6104,7 @@
             </a:pPr>
             <a:r>
               <a:rPr lang="pt-BR" dirty="0"/>
-              <a:t>Botões</a:t>
+              <a:t>Botões;</a:t>
             </a:r>
           </a:p>
           <a:p>
@@ -6002,7 +6115,7 @@
             </a:pPr>
             <a:r>
               <a:rPr lang="pt-BR" dirty="0"/>
-              <a:t>Painel</a:t>
+              <a:t>Painel;</a:t>
             </a:r>
           </a:p>
           <a:p>
@@ -6013,7 +6126,7 @@
             </a:pPr>
             <a:r>
               <a:rPr lang="pt-BR" dirty="0"/>
-              <a:t>Miniaturas </a:t>
+              <a:t>Miniaturas.</a:t>
             </a:r>
           </a:p>
           <a:p>
@@ -6055,8 +6168,8 @@
         </p:blipFill>
         <p:spPr>
           <a:xfrm>
-            <a:off x="3519394" y="1387681"/>
-            <a:ext cx="4162644" cy="4664976"/>
+            <a:off x="3131840" y="160745"/>
+            <a:ext cx="5832648" cy="6536510"/>
           </a:xfrm>
           <a:prstGeom prst="rect">
             <a:avLst/>
@@ -6148,11 +6261,8 @@
             </a:pPr>
             <a:r>
               <a:rPr lang="pt-BR" sz="2000" b="1" dirty="0"/>
-              <a:t>Bibliotecas usadas</a:t>
-            </a:r>
-          </a:p>
-          <a:p>
-            <a:pPr algn="ctr"/>
+              <a:t>Ferramenta e bibliotecas</a:t>
+            </a:r>
             <a:endParaRPr lang="pt-BR" dirty="0"/>
           </a:p>
         </p:txBody>
@@ -6174,6 +6284,561 @@
         <p:spPr bwMode="auto">
           <a:xfrm>
             <a:off x="755576" y="1547664"/>
+            <a:ext cx="4038600" cy="4525963"/>
+          </a:xfrm>
+          <a:prstGeom prst="rect">
+            <a:avLst/>
+          </a:prstGeom>
+          <a:noFill/>
+          <a:ln w="9525">
+            <a:noFill/>
+            <a:miter lim="800000"/>
+            <a:headEnd/>
+            <a:tailEnd/>
+          </a:ln>
+          <a:effectLst/>
+        </p:spPr>
+        <p:txBody>
+          <a:bodyPr vert="horz" wrap="square" lIns="91440" tIns="45720" rIns="91440" bIns="45720" numCol="1" anchor="t" anchorCtr="0" compatLnSpc="1">
+            <a:prstTxWarp prst="textNoShape">
+              <a:avLst/>
+            </a:prstTxWarp>
+            <a:normAutofit lnSpcReduction="10000"/>
+          </a:bodyPr>
+          <a:lstStyle>
+            <a:lvl1pPr marL="342900" indent="-342900" algn="l" rtl="0" fontAlgn="base">
+              <a:spcBef>
+                <a:spcPct val="20000"/>
+              </a:spcBef>
+              <a:spcAft>
+                <a:spcPct val="0"/>
+              </a:spcAft>
+              <a:buChar char="•"/>
+              <a:defRPr sz="3200">
+                <a:solidFill>
+                  <a:schemeClr val="tx1"/>
+                </a:solidFill>
+                <a:latin typeface="+mn-lt"/>
+                <a:ea typeface="+mn-ea"/>
+                <a:cs typeface="+mn-cs"/>
+              </a:defRPr>
+            </a:lvl1pPr>
+            <a:lvl2pPr marL="742950" indent="-285750" algn="l" rtl="0" fontAlgn="base">
+              <a:spcBef>
+                <a:spcPct val="20000"/>
+              </a:spcBef>
+              <a:spcAft>
+                <a:spcPct val="0"/>
+              </a:spcAft>
+              <a:buChar char="–"/>
+              <a:defRPr sz="2800">
+                <a:solidFill>
+                  <a:schemeClr val="tx1"/>
+                </a:solidFill>
+                <a:latin typeface="+mn-lt"/>
+              </a:defRPr>
+            </a:lvl2pPr>
+            <a:lvl3pPr marL="1143000" indent="-228600" algn="l" rtl="0" fontAlgn="base">
+              <a:spcBef>
+                <a:spcPct val="20000"/>
+              </a:spcBef>
+              <a:spcAft>
+                <a:spcPct val="0"/>
+              </a:spcAft>
+              <a:buChar char="•"/>
+              <a:defRPr sz="2400">
+                <a:solidFill>
+                  <a:schemeClr val="tx1"/>
+                </a:solidFill>
+                <a:latin typeface="+mn-lt"/>
+              </a:defRPr>
+            </a:lvl3pPr>
+            <a:lvl4pPr marL="1600200" indent="-228600" algn="l" rtl="0" fontAlgn="base">
+              <a:spcBef>
+                <a:spcPct val="20000"/>
+              </a:spcBef>
+              <a:spcAft>
+                <a:spcPct val="0"/>
+              </a:spcAft>
+              <a:buChar char="–"/>
+              <a:defRPr sz="2000">
+                <a:solidFill>
+                  <a:schemeClr val="tx1"/>
+                </a:solidFill>
+                <a:latin typeface="+mn-lt"/>
+              </a:defRPr>
+            </a:lvl4pPr>
+            <a:lvl5pPr marL="2057400" indent="-228600" algn="l" rtl="0" fontAlgn="base">
+              <a:spcBef>
+                <a:spcPct val="20000"/>
+              </a:spcBef>
+              <a:spcAft>
+                <a:spcPct val="0"/>
+              </a:spcAft>
+              <a:buChar char="»"/>
+              <a:defRPr sz="2000">
+                <a:solidFill>
+                  <a:schemeClr val="tx1"/>
+                </a:solidFill>
+                <a:latin typeface="+mn-lt"/>
+              </a:defRPr>
+            </a:lvl5pPr>
+            <a:lvl6pPr marL="2514600" indent="-228600" algn="l" rtl="0" fontAlgn="base">
+              <a:spcBef>
+                <a:spcPct val="20000"/>
+              </a:spcBef>
+              <a:spcAft>
+                <a:spcPct val="0"/>
+              </a:spcAft>
+              <a:buChar char="»"/>
+              <a:defRPr sz="2000">
+                <a:solidFill>
+                  <a:schemeClr val="tx1"/>
+                </a:solidFill>
+                <a:latin typeface="+mn-lt"/>
+              </a:defRPr>
+            </a:lvl6pPr>
+            <a:lvl7pPr marL="2971800" indent="-228600" algn="l" rtl="0" fontAlgn="base">
+              <a:spcBef>
+                <a:spcPct val="20000"/>
+              </a:spcBef>
+              <a:spcAft>
+                <a:spcPct val="0"/>
+              </a:spcAft>
+              <a:buChar char="»"/>
+              <a:defRPr sz="2000">
+                <a:solidFill>
+                  <a:schemeClr val="tx1"/>
+                </a:solidFill>
+                <a:latin typeface="+mn-lt"/>
+              </a:defRPr>
+            </a:lvl7pPr>
+            <a:lvl8pPr marL="3429000" indent="-228600" algn="l" rtl="0" fontAlgn="base">
+              <a:spcBef>
+                <a:spcPct val="20000"/>
+              </a:spcBef>
+              <a:spcAft>
+                <a:spcPct val="0"/>
+              </a:spcAft>
+              <a:buChar char="»"/>
+              <a:defRPr sz="2000">
+                <a:solidFill>
+                  <a:schemeClr val="tx1"/>
+                </a:solidFill>
+                <a:latin typeface="+mn-lt"/>
+              </a:defRPr>
+            </a:lvl8pPr>
+            <a:lvl9pPr marL="3886200" indent="-228600" algn="l" rtl="0" fontAlgn="base">
+              <a:spcBef>
+                <a:spcPct val="20000"/>
+              </a:spcBef>
+              <a:spcAft>
+                <a:spcPct val="0"/>
+              </a:spcAft>
+              <a:buChar char="»"/>
+              <a:defRPr sz="2000">
+                <a:solidFill>
+                  <a:schemeClr val="tx1"/>
+                </a:solidFill>
+                <a:latin typeface="+mn-lt"/>
+              </a:defRPr>
+            </a:lvl9pPr>
+          </a:lstStyle>
+          <a:p>
+            <a:pPr>
+              <a:lnSpc>
+                <a:spcPct val="250000"/>
+              </a:lnSpc>
+            </a:pPr>
+            <a:r>
+              <a:rPr lang="pt-BR" sz="2800" kern="0" dirty="0"/>
+              <a:t>Unity</a:t>
+            </a:r>
+          </a:p>
+          <a:p>
+            <a:pPr>
+              <a:lnSpc>
+                <a:spcPct val="250000"/>
+              </a:lnSpc>
+            </a:pPr>
+            <a:r>
+              <a:rPr lang="pt-BR" sz="2800" kern="0" dirty="0"/>
+              <a:t>Ultraleap Tracking;</a:t>
+            </a:r>
+          </a:p>
+          <a:p>
+            <a:pPr>
+              <a:lnSpc>
+                <a:spcPct val="250000"/>
+              </a:lnSpc>
+            </a:pPr>
+            <a:r>
+              <a:rPr lang="pt-BR" sz="2800" kern="0" dirty="0"/>
+              <a:t>Vuforia;</a:t>
+            </a:r>
+          </a:p>
+          <a:p>
+            <a:pPr>
+              <a:lnSpc>
+                <a:spcPct val="250000"/>
+              </a:lnSpc>
+            </a:pPr>
+            <a:r>
+              <a:rPr lang="pt-BR" sz="2800" kern="0" dirty="0"/>
+              <a:t>Mirror.</a:t>
+            </a:r>
+          </a:p>
+          <a:p>
+            <a:pPr>
+              <a:lnSpc>
+                <a:spcPct val="90000"/>
+              </a:lnSpc>
+            </a:pPr>
+            <a:endParaRPr lang="pt-BR" sz="2000" kern="0" dirty="0"/>
+          </a:p>
+        </p:txBody>
+      </p:sp>
+      <p:pic>
+        <p:nvPicPr>
+          <p:cNvPr id="1026" name="Picture 2" descr="Ultraleap - techSPARK">
+            <a:extLst>
+              <a:ext uri="{FF2B5EF4-FFF2-40B4-BE49-F238E27FC236}">
+                <a16:creationId xmlns:a16="http://schemas.microsoft.com/office/drawing/2014/main" id="{10E2D794-6B84-35CE-84C8-4332BD2950A3}"/>
+              </a:ext>
+            </a:extLst>
+          </p:cNvPr>
+          <p:cNvPicPr>
+            <a:picLocks noChangeAspect="1" noChangeArrowheads="1"/>
+          </p:cNvPicPr>
+          <p:nvPr/>
+        </p:nvPicPr>
+        <p:blipFill>
+          <a:blip r:embed="rId3">
+            <a:extLst>
+              <a:ext uri="{28A0092B-C50C-407E-A947-70E740481C1C}">
+                <a14:useLocalDpi xmlns:a14="http://schemas.microsoft.com/office/drawing/2010/main" val="0"/>
+              </a:ext>
+            </a:extLst>
+          </a:blip>
+          <a:srcRect/>
+          <a:stretch>
+            <a:fillRect/>
+          </a:stretch>
+        </p:blipFill>
+        <p:spPr bwMode="auto">
+          <a:xfrm>
+            <a:off x="5724128" y="2633197"/>
+            <a:ext cx="1078768" cy="1078768"/>
+          </a:xfrm>
+          <a:prstGeom prst="rect">
+            <a:avLst/>
+          </a:prstGeom>
+          <a:noFill/>
+          <a:extLst>
+            <a:ext uri="{909E8E84-426E-40DD-AFC4-6F175D3DCCD1}">
+              <a14:hiddenFill xmlns:a14="http://schemas.microsoft.com/office/drawing/2010/main">
+                <a:solidFill>
+                  <a:srgbClr val="FFFFFF"/>
+                </a:solidFill>
+              </a14:hiddenFill>
+            </a:ext>
+          </a:extLst>
+        </p:spPr>
+      </p:pic>
+      <p:pic>
+        <p:nvPicPr>
+          <p:cNvPr id="1032" name="Picture 8" descr="Vuforia-Logo-OLx2a896 | LUDWIG &amp; LOEHN">
+            <a:extLst>
+              <a:ext uri="{FF2B5EF4-FFF2-40B4-BE49-F238E27FC236}">
+                <a16:creationId xmlns:a16="http://schemas.microsoft.com/office/drawing/2014/main" id="{0F9D0A3A-C4D8-B04C-58F3-24408B430D5B}"/>
+              </a:ext>
+            </a:extLst>
+          </p:cNvPr>
+          <p:cNvPicPr>
+            <a:picLocks noChangeAspect="1" noChangeArrowheads="1"/>
+          </p:cNvPicPr>
+          <p:nvPr/>
+        </p:nvPicPr>
+        <p:blipFill>
+          <a:blip r:embed="rId4">
+            <a:extLst>
+              <a:ext uri="{28A0092B-C50C-407E-A947-70E740481C1C}">
+                <a14:useLocalDpi xmlns:a14="http://schemas.microsoft.com/office/drawing/2010/main" val="0"/>
+              </a:ext>
+            </a:extLst>
+          </a:blip>
+          <a:srcRect/>
+          <a:stretch>
+            <a:fillRect/>
+          </a:stretch>
+        </p:blipFill>
+        <p:spPr bwMode="auto">
+          <a:xfrm>
+            <a:off x="4572000" y="4221088"/>
+            <a:ext cx="3008188" cy="804032"/>
+          </a:xfrm>
+          <a:prstGeom prst="rect">
+            <a:avLst/>
+          </a:prstGeom>
+          <a:noFill/>
+          <a:extLst>
+            <a:ext uri="{909E8E84-426E-40DD-AFC4-6F175D3DCCD1}">
+              <a14:hiddenFill xmlns:a14="http://schemas.microsoft.com/office/drawing/2010/main">
+                <a:solidFill>
+                  <a:srgbClr val="FFFFFF"/>
+                </a:solidFill>
+              </a14:hiddenFill>
+            </a:ext>
+          </a:extLst>
+        </p:spPr>
+      </p:pic>
+      <p:pic>
+        <p:nvPicPr>
+          <p:cNvPr id="1034" name="Picture 10" descr="Mirror LTS | Network | Unity Asset Store">
+            <a:extLst>
+              <a:ext uri="{FF2B5EF4-FFF2-40B4-BE49-F238E27FC236}">
+                <a16:creationId xmlns:a16="http://schemas.microsoft.com/office/drawing/2014/main" id="{7A3B148E-1B20-F8DD-FE80-567D116AA76D}"/>
+              </a:ext>
+            </a:extLst>
+          </p:cNvPr>
+          <p:cNvPicPr>
+            <a:picLocks noChangeAspect="1" noChangeArrowheads="1"/>
+          </p:cNvPicPr>
+          <p:nvPr/>
+        </p:nvPicPr>
+        <p:blipFill>
+          <a:blip r:embed="rId5">
+            <a:extLst>
+              <a:ext uri="{28A0092B-C50C-407E-A947-70E740481C1C}">
+                <a14:useLocalDpi xmlns:a14="http://schemas.microsoft.com/office/drawing/2010/main" val="0"/>
+              </a:ext>
+            </a:extLst>
+          </a:blip>
+          <a:srcRect/>
+          <a:stretch>
+            <a:fillRect/>
+          </a:stretch>
+        </p:blipFill>
+        <p:spPr bwMode="auto">
+          <a:xfrm>
+            <a:off x="3185414" y="5278265"/>
+            <a:ext cx="1076705" cy="1076705"/>
+          </a:xfrm>
+          <a:prstGeom prst="rect">
+            <a:avLst/>
+          </a:prstGeom>
+          <a:noFill/>
+          <a:extLst>
+            <a:ext uri="{909E8E84-426E-40DD-AFC4-6F175D3DCCD1}">
+              <a14:hiddenFill xmlns:a14="http://schemas.microsoft.com/office/drawing/2010/main">
+                <a:solidFill>
+                  <a:srgbClr val="FFFFFF"/>
+                </a:solidFill>
+              </a14:hiddenFill>
+            </a:ext>
+          </a:extLst>
+        </p:spPr>
+      </p:pic>
+      <p:pic>
+        <p:nvPicPr>
+          <p:cNvPr id="4" name="Picture 2" descr="Unity New 2021 Logo PNG vector in SVG, PDF, AI, CDR format">
+            <a:extLst>
+              <a:ext uri="{FF2B5EF4-FFF2-40B4-BE49-F238E27FC236}">
+                <a16:creationId xmlns:a16="http://schemas.microsoft.com/office/drawing/2014/main" id="{A6494CB8-AE7E-7C15-C9B9-2BE4F6142069}"/>
+              </a:ext>
+            </a:extLst>
+          </p:cNvPr>
+          <p:cNvPicPr>
+            <a:picLocks noChangeAspect="1" noChangeArrowheads="1"/>
+          </p:cNvPicPr>
+          <p:nvPr/>
+        </p:nvPicPr>
+        <p:blipFill>
+          <a:blip r:embed="rId6" cstate="print">
+            <a:extLst>
+              <a:ext uri="{28A0092B-C50C-407E-A947-70E740481C1C}">
+                <a14:useLocalDpi xmlns:a14="http://schemas.microsoft.com/office/drawing/2010/main" val="0"/>
+              </a:ext>
+            </a:extLst>
+          </a:blip>
+          <a:srcRect/>
+          <a:stretch>
+            <a:fillRect/>
+          </a:stretch>
+        </p:blipFill>
+        <p:spPr bwMode="auto">
+          <a:xfrm>
+            <a:off x="2876619" y="1698829"/>
+            <a:ext cx="1695381" cy="1272514"/>
+          </a:xfrm>
+          <a:prstGeom prst="rect">
+            <a:avLst/>
+          </a:prstGeom>
+          <a:noFill/>
+          <a:extLst>
+            <a:ext uri="{909E8E84-426E-40DD-AFC4-6F175D3DCCD1}">
+              <a14:hiddenFill xmlns:a14="http://schemas.microsoft.com/office/drawing/2010/main">
+                <a:solidFill>
+                  <a:srgbClr val="FFFFFF"/>
+                </a:solidFill>
+              </a14:hiddenFill>
+            </a:ext>
+          </a:extLst>
+        </p:spPr>
+      </p:pic>
+    </p:spTree>
+    <p:extLst>
+      <p:ext uri="{BB962C8B-B14F-4D97-AF65-F5344CB8AC3E}">
+        <p14:creationId xmlns:p14="http://schemas.microsoft.com/office/powerpoint/2010/main" val="2241453464"/>
+      </p:ext>
+    </p:extLst>
+  </p:cSld>
+  <p:clrMapOvr>
+    <a:masterClrMapping/>
+  </p:clrMapOvr>
+</p:sld>
+</file>
+
+<file path=ppt/slides/slide13.xml><?xml version="1.0" encoding="utf-8"?>
+<p:sld xmlns:a="http://schemas.openxmlformats.org/drawingml/2006/main" xmlns:r="http://schemas.openxmlformats.org/officeDocument/2006/relationships" xmlns:p="http://schemas.openxmlformats.org/presentationml/2006/main">
+  <p:cSld>
+    <p:spTree>
+      <p:nvGrpSpPr>
+        <p:cNvPr id="1" name=""/>
+        <p:cNvGrpSpPr/>
+        <p:nvPr/>
+      </p:nvGrpSpPr>
+      <p:grpSpPr>
+        <a:xfrm>
+          <a:off x="0" y="0"/>
+          <a:ext cx="0" cy="0"/>
+          <a:chOff x="0" y="0"/>
+          <a:chExt cx="0" cy="0"/>
+        </a:xfrm>
+      </p:grpSpPr>
+      <p:sp>
+        <p:nvSpPr>
+          <p:cNvPr id="2" name="Título 1"/>
+          <p:cNvSpPr>
+            <a:spLocks noGrp="1"/>
+          </p:cNvSpPr>
+          <p:nvPr>
+            <p:ph type="title"/>
+          </p:nvPr>
+        </p:nvSpPr>
+        <p:spPr>
+          <a:xfrm>
+            <a:off x="-1915988" y="0"/>
+            <a:ext cx="8229600" cy="1143000"/>
+          </a:xfrm>
+        </p:spPr>
+        <p:txBody>
+          <a:bodyPr/>
+          <a:lstStyle/>
+          <a:p>
+            <a:r>
+              <a:rPr lang="pt-BR" sz="3600" dirty="0"/>
+              <a:t>Implementação</a:t>
+            </a:r>
+          </a:p>
+        </p:txBody>
+      </p:sp>
+      <p:sp>
+        <p:nvSpPr>
+          <p:cNvPr id="3" name="Espaço Reservado para Conteúdo 2"/>
+          <p:cNvSpPr>
+            <a:spLocks noGrp="1"/>
+          </p:cNvSpPr>
+          <p:nvPr>
+            <p:ph idx="1"/>
+          </p:nvPr>
+        </p:nvSpPr>
+        <p:spPr>
+          <a:xfrm>
+            <a:off x="-2124744" y="1120200"/>
+            <a:ext cx="8229600" cy="432048"/>
+          </a:xfrm>
+        </p:spPr>
+        <p:txBody>
+          <a:bodyPr>
+            <a:normAutofit/>
+          </a:bodyPr>
+          <a:lstStyle/>
+          <a:p>
+            <a:pPr marL="0" indent="0" algn="ctr">
+              <a:buNone/>
+            </a:pPr>
+            <a:r>
+              <a:rPr lang="pt-BR" sz="2000" b="1" dirty="0"/>
+              <a:t>Ultraleap Tracking</a:t>
+            </a:r>
+          </a:p>
+          <a:p>
+            <a:pPr algn="ctr"/>
+            <a:endParaRPr lang="pt-BR" dirty="0"/>
+          </a:p>
+        </p:txBody>
+      </p:sp>
+      <p:pic>
+        <p:nvPicPr>
+          <p:cNvPr id="4" name="Imagem 3" descr="Interface gráfica do usuário, Site&#10;&#10;Descrição gerada automaticamente">
+            <a:extLst>
+              <a:ext uri="{FF2B5EF4-FFF2-40B4-BE49-F238E27FC236}">
+                <a16:creationId xmlns:a16="http://schemas.microsoft.com/office/drawing/2014/main" id="{9BD9930B-0D20-5C10-CF98-16F1BFE249AD}"/>
+              </a:ext>
+            </a:extLst>
+          </p:cNvPr>
+          <p:cNvPicPr>
+            <a:picLocks noChangeAspect="1"/>
+          </p:cNvPicPr>
+          <p:nvPr/>
+        </p:nvPicPr>
+        <p:blipFill>
+          <a:blip r:embed="rId3">
+            <a:extLst>
+              <a:ext uri="{28A0092B-C50C-407E-A947-70E740481C1C}">
+                <a14:useLocalDpi xmlns:a14="http://schemas.microsoft.com/office/drawing/2010/main" val="0"/>
+              </a:ext>
+            </a:extLst>
+          </a:blip>
+          <a:srcRect/>
+          <a:stretch>
+            <a:fillRect/>
+          </a:stretch>
+        </p:blipFill>
+        <p:spPr bwMode="auto">
+          <a:xfrm>
+            <a:off x="3790386" y="1120200"/>
+            <a:ext cx="5174102" cy="4320480"/>
+          </a:xfrm>
+          <a:prstGeom prst="rect">
+            <a:avLst/>
+          </a:prstGeom>
+          <a:noFill/>
+          <a:ln w="12700">
+            <a:solidFill>
+              <a:schemeClr val="tx1"/>
+            </a:solidFill>
+          </a:ln>
+        </p:spPr>
+      </p:pic>
+      <p:sp>
+        <p:nvSpPr>
+          <p:cNvPr id="6" name="Espaço Reservado para Conteúdo 2">
+            <a:extLst>
+              <a:ext uri="{FF2B5EF4-FFF2-40B4-BE49-F238E27FC236}">
+                <a16:creationId xmlns:a16="http://schemas.microsoft.com/office/drawing/2014/main" id="{FC014FD7-0929-8FDD-16FB-6CEC3707DA9A}"/>
+              </a:ext>
+            </a:extLst>
+          </p:cNvPr>
+          <p:cNvSpPr txBox="1">
+            <a:spLocks/>
+          </p:cNvSpPr>
+          <p:nvPr/>
+        </p:nvSpPr>
+        <p:spPr bwMode="auto">
+          <a:xfrm>
+            <a:off x="21734" y="1700808"/>
             <a:ext cx="4038600" cy="4525963"/>
           </a:xfrm>
           <a:prstGeom prst="rect">
@@ -6337,34 +7002,80 @@
           <a:p>
             <a:pPr>
               <a:lnSpc>
-                <a:spcPct val="250000"/>
+                <a:spcPct val="150000"/>
               </a:lnSpc>
             </a:pPr>
             <a:r>
-              <a:rPr lang="pt-BR" sz="2800" kern="0" dirty="0"/>
-              <a:t>Ultraleap Tracking;</a:t>
+              <a:rPr lang="pt-BR" sz="2400" kern="0" dirty="0"/>
+              <a:t>1) Service Provider;</a:t>
             </a:r>
           </a:p>
           <a:p>
             <a:pPr>
               <a:lnSpc>
-                <a:spcPct val="250000"/>
+                <a:spcPct val="150000"/>
               </a:lnSpc>
             </a:pPr>
             <a:r>
-              <a:rPr lang="pt-BR" sz="2800" kern="0" dirty="0"/>
-              <a:t>Vuforia;</a:t>
+              <a:rPr lang="pt-BR" sz="2400" kern="0" dirty="0"/>
+              <a:t>2) Skeleton Hands;</a:t>
             </a:r>
           </a:p>
           <a:p>
             <a:pPr>
               <a:lnSpc>
-                <a:spcPct val="250000"/>
+                <a:spcPct val="150000"/>
               </a:lnSpc>
             </a:pPr>
             <a:r>
-              <a:rPr lang="pt-BR" sz="2800" kern="0" dirty="0"/>
-              <a:t>Mirror.</a:t>
+              <a:rPr lang="pt-BR" sz="2400" kern="0" dirty="0"/>
+              <a:t>3) </a:t>
+            </a:r>
+            <a:r>
+              <a:rPr lang="pt-BR" sz="2400" kern="0" dirty="0" err="1"/>
+              <a:t>Attachment</a:t>
+            </a:r>
+            <a:r>
+              <a:rPr lang="pt-BR" sz="2400" kern="0" dirty="0"/>
+              <a:t> Hands;</a:t>
+            </a:r>
+          </a:p>
+          <a:p>
+            <a:pPr>
+              <a:lnSpc>
+                <a:spcPct val="150000"/>
+              </a:lnSpc>
+            </a:pPr>
+            <a:r>
+              <a:rPr lang="pt-BR" sz="2400" kern="0" dirty="0"/>
+              <a:t>4) </a:t>
+            </a:r>
+            <a:r>
+              <a:rPr lang="pt-BR" sz="2400" kern="0" dirty="0" err="1"/>
+              <a:t>Interactive</a:t>
+            </a:r>
+            <a:r>
+              <a:rPr lang="pt-BR" sz="2400" kern="0" dirty="0"/>
+              <a:t> </a:t>
+            </a:r>
+            <a:r>
+              <a:rPr lang="pt-BR" sz="2400" kern="0" dirty="0" err="1"/>
+              <a:t>Maneger</a:t>
+            </a:r>
+            <a:r>
+              <a:rPr lang="pt-BR" sz="2400" kern="0" dirty="0"/>
+              <a:t>;</a:t>
+            </a:r>
+          </a:p>
+          <a:p>
+            <a:pPr>
+              <a:lnSpc>
+                <a:spcPct val="150000"/>
+              </a:lnSpc>
+            </a:pPr>
+            <a:r>
+              <a:rPr lang="pt-BR" sz="2400" kern="0" dirty="0"/>
+              <a:t>5) 3D Button;</a:t>
             </a:r>
           </a:p>
           <a:p>
@@ -6373,155 +7084,14 @@
                 <a:spcPct val="90000"/>
               </a:lnSpc>
             </a:pPr>
-            <a:endParaRPr lang="pt-BR" sz="2000" kern="0" dirty="0"/>
-          </a:p>
-        </p:txBody>
-      </p:sp>
-      <p:pic>
-        <p:nvPicPr>
-          <p:cNvPr id="1026" name="Picture 2" descr="Ultraleap - techSPARK">
-            <a:extLst>
-              <a:ext uri="{FF2B5EF4-FFF2-40B4-BE49-F238E27FC236}">
-                <a16:creationId xmlns:a16="http://schemas.microsoft.com/office/drawing/2014/main" id="{10E2D794-6B84-35CE-84C8-4332BD2950A3}"/>
-              </a:ext>
-            </a:extLst>
-          </p:cNvPr>
-          <p:cNvPicPr>
-            <a:picLocks noChangeAspect="1" noChangeArrowheads="1"/>
-          </p:cNvPicPr>
-          <p:nvPr/>
-        </p:nvPicPr>
-        <p:blipFill>
-          <a:blip r:embed="rId3">
-            <a:extLst>
-              <a:ext uri="{28A0092B-C50C-407E-A947-70E740481C1C}">
-                <a14:useLocalDpi xmlns:a14="http://schemas.microsoft.com/office/drawing/2010/main" val="0"/>
-              </a:ext>
-            </a:extLst>
-          </a:blip>
-          <a:srcRect/>
-          <a:stretch>
-            <a:fillRect/>
-          </a:stretch>
-        </p:blipFill>
-        <p:spPr bwMode="auto">
-          <a:xfrm>
-            <a:off x="4932040" y="1702160"/>
-            <a:ext cx="1544960" cy="1544960"/>
-          </a:xfrm>
-          <a:prstGeom prst="rect">
-            <a:avLst/>
-          </a:prstGeom>
-          <a:noFill/>
-          <a:extLst>
-            <a:ext uri="{909E8E84-426E-40DD-AFC4-6F175D3DCCD1}">
-              <a14:hiddenFill xmlns:a14="http://schemas.microsoft.com/office/drawing/2010/main">
-                <a:solidFill>
-                  <a:srgbClr val="FFFFFF"/>
-                </a:solidFill>
-              </a14:hiddenFill>
-            </a:ext>
-          </a:extLst>
-        </p:spPr>
-      </p:pic>
-      <p:pic>
-        <p:nvPicPr>
-          <p:cNvPr id="1032" name="Picture 8" descr="Vuforia-Logo-OLx2a896 | LUDWIG &amp; LOEHN">
-            <a:extLst>
-              <a:ext uri="{FF2B5EF4-FFF2-40B4-BE49-F238E27FC236}">
-                <a16:creationId xmlns:a16="http://schemas.microsoft.com/office/drawing/2014/main" id="{0F9D0A3A-C4D8-B04C-58F3-24408B430D5B}"/>
-              </a:ext>
-            </a:extLst>
-          </p:cNvPr>
-          <p:cNvPicPr>
-            <a:picLocks noChangeAspect="1" noChangeArrowheads="1"/>
-          </p:cNvPicPr>
-          <p:nvPr/>
-        </p:nvPicPr>
-        <p:blipFill>
-          <a:blip r:embed="rId4">
-            <a:extLst>
-              <a:ext uri="{28A0092B-C50C-407E-A947-70E740481C1C}">
-                <a14:useLocalDpi xmlns:a14="http://schemas.microsoft.com/office/drawing/2010/main" val="0"/>
-              </a:ext>
-            </a:extLst>
-          </a:blip>
-          <a:srcRect/>
-          <a:stretch>
-            <a:fillRect/>
-          </a:stretch>
-        </p:blipFill>
-        <p:spPr bwMode="auto">
-          <a:xfrm>
-            <a:off x="4771462" y="3463144"/>
-            <a:ext cx="3008188" cy="804032"/>
-          </a:xfrm>
-          <a:prstGeom prst="rect">
-            <a:avLst/>
-          </a:prstGeom>
-          <a:noFill/>
-          <a:extLst>
-            <a:ext uri="{909E8E84-426E-40DD-AFC4-6F175D3DCCD1}">
-              <a14:hiddenFill xmlns:a14="http://schemas.microsoft.com/office/drawing/2010/main">
-                <a:solidFill>
-                  <a:srgbClr val="FFFFFF"/>
-                </a:solidFill>
-              </a14:hiddenFill>
-            </a:ext>
-          </a:extLst>
-        </p:spPr>
-      </p:pic>
-      <p:pic>
-        <p:nvPicPr>
-          <p:cNvPr id="1034" name="Picture 10" descr="Mirror LTS | Network | Unity Asset Store">
-            <a:extLst>
-              <a:ext uri="{FF2B5EF4-FFF2-40B4-BE49-F238E27FC236}">
-                <a16:creationId xmlns:a16="http://schemas.microsoft.com/office/drawing/2014/main" id="{7A3B148E-1B20-F8DD-FE80-567D116AA76D}"/>
-              </a:ext>
-            </a:extLst>
-          </p:cNvPr>
-          <p:cNvPicPr>
-            <a:picLocks noChangeAspect="1" noChangeArrowheads="1"/>
-          </p:cNvPicPr>
-          <p:nvPr/>
-        </p:nvPicPr>
-        <p:blipFill>
-          <a:blip r:embed="rId5">
-            <a:extLst>
-              <a:ext uri="{28A0092B-C50C-407E-A947-70E740481C1C}">
-                <a14:useLocalDpi xmlns:a14="http://schemas.microsoft.com/office/drawing/2010/main" val="0"/>
-              </a:ext>
-            </a:extLst>
-          </a:blip>
-          <a:srcRect/>
-          <a:stretch>
-            <a:fillRect/>
-          </a:stretch>
-        </p:blipFill>
-        <p:spPr bwMode="auto">
-          <a:xfrm>
-            <a:off x="4005503" y="4657639"/>
-            <a:ext cx="1524000" cy="1524000"/>
-          </a:xfrm>
-          <a:prstGeom prst="rect">
-            <a:avLst/>
-          </a:prstGeom>
-          <a:noFill/>
-          <a:extLst>
-            <a:ext uri="{909E8E84-426E-40DD-AFC4-6F175D3DCCD1}">
-              <a14:hiddenFill xmlns:a14="http://schemas.microsoft.com/office/drawing/2010/main">
-                <a:solidFill>
-                  <a:srgbClr val="FFFFFF"/>
-                </a:solidFill>
-              </a14:hiddenFill>
-            </a:ext>
-          </a:extLst>
-        </p:spPr>
-      </p:pic>
+            <a:endParaRPr lang="pt-BR" sz="1800" kern="0" dirty="0"/>
+          </a:p>
+        </p:txBody>
+      </p:sp>
     </p:spTree>
     <p:extLst>
       <p:ext uri="{BB962C8B-B14F-4D97-AF65-F5344CB8AC3E}">
-        <p14:creationId xmlns:p14="http://schemas.microsoft.com/office/powerpoint/2010/main" val="2241453464"/>
+        <p14:creationId xmlns:p14="http://schemas.microsoft.com/office/powerpoint/2010/main" val="1981003854"/>
       </p:ext>
     </p:extLst>
   </p:cSld>
@@ -6531,7 +7101,7 @@
 </p:sld>
 </file>
 
-<file path=ppt/slides/slide13.xml><?xml version="1.0" encoding="utf-8"?>
+<file path=ppt/slides/slide14.xml><?xml version="1.0" encoding="utf-8"?>
 <p:sld xmlns:a="http://schemas.openxmlformats.org/drawingml/2006/main" xmlns:r="http://schemas.openxmlformats.org/officeDocument/2006/relationships" xmlns:p="http://schemas.openxmlformats.org/presentationml/2006/main">
   <p:cSld>
     <p:spTree>
@@ -6597,7 +7167,7 @@
             </a:pPr>
             <a:r>
               <a:rPr lang="pt-BR" sz="2000" b="1" dirty="0"/>
-              <a:t>Ultraleap Tracking</a:t>
+              <a:t>Vuforia</a:t>
             </a:r>
           </a:p>
           <a:p>
@@ -6606,55 +7176,12 @@
           </a:p>
         </p:txBody>
       </p:sp>
-      <p:pic>
-        <p:nvPicPr>
-          <p:cNvPr id="4" name="Imagem 3" descr="Interface gráfica do usuário, Site&#10;&#10;Descrição gerada automaticamente">
+      <p:sp>
+        <p:nvSpPr>
+          <p:cNvPr id="4" name="Espaço Reservado para Conteúdo 2">
             <a:extLst>
               <a:ext uri="{FF2B5EF4-FFF2-40B4-BE49-F238E27FC236}">
-                <a16:creationId xmlns:a16="http://schemas.microsoft.com/office/drawing/2014/main" id="{9BD9930B-0D20-5C10-CF98-16F1BFE249AD}"/>
-              </a:ext>
-            </a:extLst>
-          </p:cNvPr>
-          <p:cNvPicPr>
-            <a:picLocks noChangeAspect="1"/>
-          </p:cNvPicPr>
-          <p:nvPr/>
-        </p:nvPicPr>
-        <p:blipFill>
-          <a:blip r:embed="rId3">
-            <a:extLst>
-              <a:ext uri="{28A0092B-C50C-407E-A947-70E740481C1C}">
-                <a14:useLocalDpi xmlns:a14="http://schemas.microsoft.com/office/drawing/2010/main" val="0"/>
-              </a:ext>
-            </a:extLst>
-          </a:blip>
-          <a:srcRect/>
-          <a:stretch>
-            <a:fillRect/>
-          </a:stretch>
-        </p:blipFill>
-        <p:spPr bwMode="auto">
-          <a:xfrm>
-            <a:off x="4465142" y="1700808"/>
-            <a:ext cx="4397987" cy="3672408"/>
-          </a:xfrm>
-          <a:prstGeom prst="rect">
-            <a:avLst/>
-          </a:prstGeom>
-          <a:noFill/>
-          <a:ln w="12700">
-            <a:solidFill>
-              <a:schemeClr val="tx1"/>
-            </a:solidFill>
-          </a:ln>
-        </p:spPr>
-      </p:pic>
-      <p:sp>
-        <p:nvSpPr>
-          <p:cNvPr id="6" name="Espaço Reservado para Conteúdo 2">
-            <a:extLst>
-              <a:ext uri="{FF2B5EF4-FFF2-40B4-BE49-F238E27FC236}">
-                <a16:creationId xmlns:a16="http://schemas.microsoft.com/office/drawing/2014/main" id="{FC014FD7-0929-8FDD-16FB-6CEC3707DA9A}"/>
+                <a16:creationId xmlns:a16="http://schemas.microsoft.com/office/drawing/2014/main" id="{C022FE70-0660-7C09-D417-B9B0ED6E14D7}"/>
               </a:ext>
             </a:extLst>
           </p:cNvPr>
@@ -6665,7 +7192,7 @@
         </p:nvSpPr>
         <p:spPr bwMode="auto">
           <a:xfrm>
-            <a:off x="457200" y="1600200"/>
+            <a:off x="323528" y="1844824"/>
             <a:ext cx="4038600" cy="4525963"/>
           </a:xfrm>
           <a:prstGeom prst="rect">
@@ -6829,72 +7356,50 @@
           <a:p>
             <a:pPr>
               <a:lnSpc>
-                <a:spcPct val="150000"/>
+                <a:spcPct val="200000"/>
               </a:lnSpc>
             </a:pPr>
             <a:r>
               <a:rPr lang="pt-BR" sz="2800" kern="0" dirty="0"/>
-              <a:t>Service Provider;</a:t>
+              <a:t>1) AR </a:t>
+            </a:r>
+            <a:r>
+              <a:rPr lang="pt-BR" sz="2800" kern="0" dirty="0" err="1"/>
+              <a:t>Camera</a:t>
+            </a:r>
+            <a:r>
+              <a:rPr lang="pt-BR" sz="2800" kern="0" dirty="0"/>
+              <a:t>;</a:t>
             </a:r>
           </a:p>
           <a:p>
             <a:pPr>
               <a:lnSpc>
-                <a:spcPct val="150000"/>
+                <a:spcPct val="200000"/>
               </a:lnSpc>
             </a:pPr>
             <a:r>
               <a:rPr lang="pt-BR" sz="2800" kern="0" dirty="0"/>
-              <a:t>Skeleton Hands;</a:t>
+              <a:t>2) </a:t>
+            </a:r>
+            <a:r>
+              <a:rPr lang="pt-BR" sz="2800" kern="0" dirty="0" err="1"/>
+              <a:t>Image</a:t>
+            </a:r>
+            <a:r>
+              <a:rPr lang="pt-BR" sz="2800" kern="0" dirty="0"/>
+              <a:t> Target;</a:t>
             </a:r>
           </a:p>
           <a:p>
             <a:pPr>
               <a:lnSpc>
-                <a:spcPct val="150000"/>
+                <a:spcPct val="200000"/>
               </a:lnSpc>
             </a:pPr>
             <a:r>
-              <a:rPr lang="pt-BR" sz="2800" kern="0" dirty="0" err="1"/>
-              <a:t>Attachment</a:t>
-            </a:r>
-            <a:r>
               <a:rPr lang="pt-BR" sz="2800" kern="0" dirty="0"/>
-              <a:t> Hands;</a:t>
-            </a:r>
-          </a:p>
-          <a:p>
-            <a:pPr>
-              <a:lnSpc>
-                <a:spcPct val="150000"/>
-              </a:lnSpc>
-            </a:pPr>
-            <a:r>
-              <a:rPr lang="pt-BR" sz="2800" kern="0" dirty="0" err="1"/>
-              <a:t>Interactive</a:t>
-            </a:r>
-            <a:r>
-              <a:rPr lang="pt-BR" sz="2800" kern="0" dirty="0"/>
-              <a:t> </a:t>
-            </a:r>
-            <a:r>
-              <a:rPr lang="pt-BR" sz="2800" kern="0" dirty="0" err="1"/>
-              <a:t>Maneger</a:t>
-            </a:r>
-            <a:r>
-              <a:rPr lang="pt-BR" sz="2800" kern="0" dirty="0"/>
-              <a:t>;</a:t>
-            </a:r>
-          </a:p>
-          <a:p>
-            <a:pPr>
-              <a:lnSpc>
-                <a:spcPct val="150000"/>
-              </a:lnSpc>
-            </a:pPr>
-            <a:r>
-              <a:rPr lang="pt-BR" sz="2800" kern="0" dirty="0"/>
-              <a:t>3D Button;</a:t>
+              <a:t>3) Model Target;</a:t>
             </a:r>
           </a:p>
           <a:p>
@@ -6907,10 +7412,53 @@
           </a:p>
         </p:txBody>
       </p:sp>
+      <p:pic>
+        <p:nvPicPr>
+          <p:cNvPr id="5" name="Imagem 4">
+            <a:extLst>
+              <a:ext uri="{FF2B5EF4-FFF2-40B4-BE49-F238E27FC236}">
+                <a16:creationId xmlns:a16="http://schemas.microsoft.com/office/drawing/2014/main" id="{D26B2818-1D86-5DAD-203F-34374CDBA1D9}"/>
+              </a:ext>
+            </a:extLst>
+          </p:cNvPr>
+          <p:cNvPicPr>
+            <a:picLocks noChangeAspect="1"/>
+          </p:cNvPicPr>
+          <p:nvPr/>
+        </p:nvPicPr>
+        <p:blipFill>
+          <a:blip r:embed="rId3">
+            <a:extLst>
+              <a:ext uri="{28A0092B-C50C-407E-A947-70E740481C1C}">
+                <a14:useLocalDpi xmlns:a14="http://schemas.microsoft.com/office/drawing/2010/main" val="0"/>
+              </a:ext>
+            </a:extLst>
+          </a:blip>
+          <a:srcRect/>
+          <a:stretch>
+            <a:fillRect/>
+          </a:stretch>
+        </p:blipFill>
+        <p:spPr bwMode="auto">
+          <a:xfrm>
+            <a:off x="3779912" y="1738784"/>
+            <a:ext cx="5189212" cy="3380431"/>
+          </a:xfrm>
+          <a:prstGeom prst="rect">
+            <a:avLst/>
+          </a:prstGeom>
+          <a:noFill/>
+          <a:ln w="12700">
+            <a:solidFill>
+              <a:schemeClr val="tx1"/>
+            </a:solidFill>
+          </a:ln>
+        </p:spPr>
+      </p:pic>
     </p:spTree>
     <p:extLst>
       <p:ext uri="{BB962C8B-B14F-4D97-AF65-F5344CB8AC3E}">
-        <p14:creationId xmlns:p14="http://schemas.microsoft.com/office/powerpoint/2010/main" val="1981003854"/>
+        <p14:creationId xmlns:p14="http://schemas.microsoft.com/office/powerpoint/2010/main" val="1245702101"/>
       </p:ext>
     </p:extLst>
   </p:cSld>
@@ -6920,7 +7468,7 @@
 </p:sld>
 </file>
 
-<file path=ppt/slides/slide14.xml><?xml version="1.0" encoding="utf-8"?>
+<file path=ppt/slides/slide15.xml><?xml version="1.0" encoding="utf-8"?>
 <p:sld xmlns:a="http://schemas.openxmlformats.org/drawingml/2006/main" xmlns:r="http://schemas.openxmlformats.org/officeDocument/2006/relationships" xmlns:p="http://schemas.openxmlformats.org/presentationml/2006/main">
   <p:cSld>
     <p:spTree>
@@ -6986,7 +7534,7 @@
             </a:pPr>
             <a:r>
               <a:rPr lang="pt-BR" sz="2000" b="1" dirty="0"/>
-              <a:t>Vuforia</a:t>
+              <a:t>Mirror</a:t>
             </a:r>
           </a:p>
           <a:p>
@@ -7000,7 +7548,7 @@
           <p:cNvPr id="4" name="Espaço Reservado para Conteúdo 2">
             <a:extLst>
               <a:ext uri="{FF2B5EF4-FFF2-40B4-BE49-F238E27FC236}">
-                <a16:creationId xmlns:a16="http://schemas.microsoft.com/office/drawing/2014/main" id="{C022FE70-0660-7C09-D417-B9B0ED6E14D7}"/>
+                <a16:creationId xmlns:a16="http://schemas.microsoft.com/office/drawing/2014/main" id="{D51DA1C0-3A5F-2E89-C3F7-ECCDF83651AA}"/>
               </a:ext>
             </a:extLst>
           </p:cNvPr>
@@ -7011,8 +7559,8 @@
         </p:nvSpPr>
         <p:spPr bwMode="auto">
           <a:xfrm>
-            <a:off x="323528" y="1844824"/>
-            <a:ext cx="4038600" cy="4525963"/>
+            <a:off x="107504" y="2143397"/>
+            <a:ext cx="4248473" cy="4525963"/>
           </a:xfrm>
           <a:prstGeom prst="rect">
             <a:avLst/>
@@ -7175,46 +7723,46 @@
           <a:p>
             <a:pPr>
               <a:lnSpc>
-                <a:spcPct val="200000"/>
+                <a:spcPct val="150000"/>
               </a:lnSpc>
             </a:pPr>
             <a:r>
-              <a:rPr lang="pt-BR" sz="2800" kern="0" dirty="0"/>
-              <a:t>AR </a:t>
-            </a:r>
-            <a:r>
-              <a:rPr lang="pt-BR" sz="2800" kern="0" dirty="0" err="1"/>
-              <a:t>Camera</a:t>
-            </a:r>
-            <a:r>
-              <a:rPr lang="pt-BR" sz="2800" kern="0" dirty="0"/>
-              <a:t>;</a:t>
+              <a:rPr lang="pt-BR" sz="2400" kern="0" dirty="0"/>
+              <a:t>Network Manager;</a:t>
             </a:r>
           </a:p>
           <a:p>
             <a:pPr>
               <a:lnSpc>
-                <a:spcPct val="200000"/>
+                <a:spcPct val="150000"/>
               </a:lnSpc>
             </a:pPr>
             <a:r>
-              <a:rPr lang="pt-BR" sz="2800" kern="0" dirty="0" err="1"/>
-              <a:t>Image</a:t>
-            </a:r>
-            <a:r>
-              <a:rPr lang="pt-BR" sz="2800" kern="0" dirty="0"/>
-              <a:t> Target;</a:t>
+              <a:rPr lang="pt-BR" sz="2400" kern="0" dirty="0"/>
+              <a:t>Network Manager HUD</a:t>
             </a:r>
           </a:p>
           <a:p>
             <a:pPr>
               <a:lnSpc>
-                <a:spcPct val="200000"/>
+                <a:spcPct val="150000"/>
               </a:lnSpc>
             </a:pPr>
             <a:r>
-              <a:rPr lang="pt-BR" sz="2800" kern="0" dirty="0"/>
-              <a:t>Model Target;</a:t>
+              <a:rPr lang="pt-BR" sz="2400" kern="0" dirty="0" err="1"/>
+              <a:t>Telepathy</a:t>
+            </a:r>
+            <a:r>
+              <a:rPr lang="pt-BR" sz="2400" kern="0" dirty="0"/>
+              <a:t> </a:t>
+            </a:r>
+            <a:r>
+              <a:rPr lang="pt-BR" sz="2400" kern="0" dirty="0" err="1"/>
+              <a:t>Transport</a:t>
+            </a:r>
+            <a:r>
+              <a:rPr lang="pt-BR" sz="2400" kern="0" dirty="0"/>
+              <a:t>;</a:t>
             </a:r>
           </a:p>
           <a:p>
@@ -7223,16 +7771,16 @@
                 <a:spcPct val="90000"/>
               </a:lnSpc>
             </a:pPr>
-            <a:endParaRPr lang="pt-BR" sz="2000" kern="0" dirty="0"/>
+            <a:endParaRPr lang="pt-BR" sz="1800" kern="0" dirty="0"/>
           </a:p>
         </p:txBody>
       </p:sp>
       <p:pic>
         <p:nvPicPr>
-          <p:cNvPr id="5" name="Imagem 4">
+          <p:cNvPr id="7" name="Imagem 6" descr="Interface gráfica do usuário&#10;&#10;Descrição gerada automaticamente com confiança média">
             <a:extLst>
               <a:ext uri="{FF2B5EF4-FFF2-40B4-BE49-F238E27FC236}">
-                <a16:creationId xmlns:a16="http://schemas.microsoft.com/office/drawing/2014/main" id="{D26B2818-1D86-5DAD-203F-34374CDBA1D9}"/>
+                <a16:creationId xmlns:a16="http://schemas.microsoft.com/office/drawing/2014/main" id="{B19C538A-434C-8744-7279-F71794DDC900}"/>
               </a:ext>
             </a:extLst>
           </p:cNvPr>
@@ -7249,31 +7797,24 @@
               </a:ext>
             </a:extLst>
           </a:blip>
-          <a:srcRect/>
           <a:stretch>
             <a:fillRect/>
           </a:stretch>
         </p:blipFill>
-        <p:spPr bwMode="auto">
+        <p:spPr>
           <a:xfrm>
-            <a:off x="4913557" y="2060848"/>
-            <a:ext cx="3748522" cy="2441916"/>
+            <a:off x="3800753" y="1523658"/>
+            <a:ext cx="5254009" cy="3639244"/>
           </a:xfrm>
           <a:prstGeom prst="rect">
             <a:avLst/>
           </a:prstGeom>
-          <a:noFill/>
-          <a:ln w="12700">
-            <a:solidFill>
-              <a:schemeClr val="tx1"/>
-            </a:solidFill>
-          </a:ln>
         </p:spPr>
       </p:pic>
     </p:spTree>
     <p:extLst>
       <p:ext uri="{BB962C8B-B14F-4D97-AF65-F5344CB8AC3E}">
-        <p14:creationId xmlns:p14="http://schemas.microsoft.com/office/powerpoint/2010/main" val="1245702101"/>
+        <p14:creationId xmlns:p14="http://schemas.microsoft.com/office/powerpoint/2010/main" val="2387549956"/>
       </p:ext>
     </p:extLst>
   </p:cSld>
@@ -7283,7 +7824,7 @@
 </p:sld>
 </file>
 
-<file path=ppt/slides/slide15.xml><?xml version="1.0" encoding="utf-8"?>
+<file path=ppt/slides/slide16.xml><?xml version="1.0" encoding="utf-8"?>
 <p:sld xmlns:a="http://schemas.openxmlformats.org/drawingml/2006/main" xmlns:r="http://schemas.openxmlformats.org/officeDocument/2006/relationships" xmlns:p="http://schemas.openxmlformats.org/presentationml/2006/main">
   <p:cSld>
     <p:spTree>
@@ -7302,6 +7843,107 @@
       </p:grpSpPr>
       <p:sp>
         <p:nvSpPr>
+          <p:cNvPr id="3" name="Espaço Reservado para Conteúdo 2"/>
+          <p:cNvSpPr>
+            <a:spLocks noGrp="1"/>
+          </p:cNvSpPr>
+          <p:nvPr>
+            <p:ph idx="1"/>
+          </p:nvPr>
+        </p:nvSpPr>
+        <p:spPr>
+          <a:xfrm>
+            <a:off x="-1620688" y="177840"/>
+            <a:ext cx="8229600" cy="432048"/>
+          </a:xfrm>
+        </p:spPr>
+        <p:txBody>
+          <a:bodyPr>
+            <a:normAutofit lnSpcReduction="10000"/>
+          </a:bodyPr>
+          <a:lstStyle/>
+          <a:p>
+            <a:pPr marL="0" indent="0" algn="ctr">
+              <a:buNone/>
+            </a:pPr>
+            <a:r>
+              <a:rPr lang="pt-BR" sz="2400" b="1" dirty="0"/>
+              <a:t>Estrutura dos Dispositivos</a:t>
+            </a:r>
+          </a:p>
+          <a:p>
+            <a:pPr algn="ctr"/>
+            <a:endParaRPr lang="pt-BR" sz="3600" dirty="0"/>
+          </a:p>
+        </p:txBody>
+      </p:sp>
+      <p:pic>
+        <p:nvPicPr>
+          <p:cNvPr id="8" name="Imagem 7" descr="Diagrama, Esquemático&#10;&#10;Descrição gerada automaticamente">
+            <a:extLst>
+              <a:ext uri="{FF2B5EF4-FFF2-40B4-BE49-F238E27FC236}">
+                <a16:creationId xmlns:a16="http://schemas.microsoft.com/office/drawing/2014/main" id="{60C33D56-4B2B-D1E9-0E65-3BA41CA68444}"/>
+              </a:ext>
+            </a:extLst>
+          </p:cNvPr>
+          <p:cNvPicPr>
+            <a:picLocks noChangeAspect="1"/>
+          </p:cNvPicPr>
+          <p:nvPr/>
+        </p:nvPicPr>
+        <p:blipFill>
+          <a:blip r:embed="rId3"/>
+          <a:stretch>
+            <a:fillRect/>
+          </a:stretch>
+        </p:blipFill>
+        <p:spPr>
+          <a:xfrm>
+            <a:off x="1763688" y="609888"/>
+            <a:ext cx="5616624" cy="5899766"/>
+          </a:xfrm>
+          <a:prstGeom prst="rect">
+            <a:avLst/>
+          </a:prstGeom>
+          <a:ln w="12700">
+            <a:solidFill>
+              <a:schemeClr val="tx1"/>
+            </a:solidFill>
+          </a:ln>
+        </p:spPr>
+      </p:pic>
+    </p:spTree>
+    <p:extLst>
+      <p:ext uri="{BB962C8B-B14F-4D97-AF65-F5344CB8AC3E}">
+        <p14:creationId xmlns:p14="http://schemas.microsoft.com/office/powerpoint/2010/main" val="1542138769"/>
+      </p:ext>
+    </p:extLst>
+  </p:cSld>
+  <p:clrMapOvr>
+    <a:masterClrMapping/>
+  </p:clrMapOvr>
+</p:sld>
+</file>
+
+<file path=ppt/slides/slide17.xml><?xml version="1.0" encoding="utf-8"?>
+<p:sld xmlns:a="http://schemas.openxmlformats.org/drawingml/2006/main" xmlns:r="http://schemas.openxmlformats.org/officeDocument/2006/relationships" xmlns:p="http://schemas.openxmlformats.org/presentationml/2006/main">
+  <p:cSld>
+    <p:spTree>
+      <p:nvGrpSpPr>
+        <p:cNvPr id="1" name=""/>
+        <p:cNvGrpSpPr/>
+        <p:nvPr/>
+      </p:nvGrpSpPr>
+      <p:grpSpPr>
+        <a:xfrm>
+          <a:off x="0" y="0"/>
+          <a:ext cx="0" cy="0"/>
+          <a:chOff x="0" y="0"/>
+          <a:chExt cx="0" cy="0"/>
+        </a:xfrm>
+      </p:grpSpPr>
+      <p:sp>
+        <p:nvSpPr>
           <p:cNvPr id="2" name="Título 1"/>
           <p:cNvSpPr>
             <a:spLocks noGrp="1"/>
@@ -7310,15 +7952,21 @@
             <p:ph type="title"/>
           </p:nvPr>
         </p:nvSpPr>
-        <p:spPr/>
+        <p:spPr>
+          <a:xfrm>
+            <a:off x="323528" y="-81622"/>
+            <a:ext cx="8229600" cy="1143000"/>
+          </a:xfrm>
+        </p:spPr>
         <p:txBody>
           <a:bodyPr/>
           <a:lstStyle/>
           <a:p>
             <a:r>
-              <a:rPr lang="pt-BR" dirty="0"/>
+              <a:rPr lang="pt-BR" sz="4000" dirty="0"/>
               <a:t>Implementação</a:t>
             </a:r>
+            <a:endParaRPr lang="pt-BR" dirty="0"/>
           </a:p>
         </p:txBody>
       </p:sp>
@@ -7334,7 +7982,7 @@
         </p:nvSpPr>
         <p:spPr>
           <a:xfrm>
-            <a:off x="467544" y="1115616"/>
+            <a:off x="1795506" y="1141614"/>
             <a:ext cx="8229600" cy="432048"/>
           </a:xfrm>
         </p:spPr>
@@ -7349,7 +7997,7 @@
             </a:pPr>
             <a:r>
               <a:rPr lang="pt-BR" sz="2000" b="1" dirty="0"/>
-              <a:t>Mirror</a:t>
+              <a:t>Player e Servidor</a:t>
             </a:r>
           </a:p>
           <a:p>
@@ -7363,7 +8011,7 @@
           <p:cNvPr id="4" name="Espaço Reservado para Conteúdo 2">
             <a:extLst>
               <a:ext uri="{FF2B5EF4-FFF2-40B4-BE49-F238E27FC236}">
-                <a16:creationId xmlns:a16="http://schemas.microsoft.com/office/drawing/2014/main" id="{D51DA1C0-3A5F-2E89-C3F7-ECCDF83651AA}"/>
+                <a16:creationId xmlns:a16="http://schemas.microsoft.com/office/drawing/2014/main" id="{42CE02FE-DB76-754F-071C-49EA8708C041}"/>
               </a:ext>
             </a:extLst>
           </p:cNvPr>
@@ -7374,8 +8022,8 @@
         </p:nvSpPr>
         <p:spPr bwMode="auto">
           <a:xfrm>
-            <a:off x="323527" y="2122743"/>
-            <a:ext cx="4248473" cy="4525963"/>
+            <a:off x="107504" y="1988840"/>
+            <a:ext cx="4038600" cy="4525963"/>
           </a:xfrm>
           <a:prstGeom prst="rect">
             <a:avLst/>
@@ -7542,8 +8190,8 @@
               </a:lnSpc>
             </a:pPr>
             <a:r>
-              <a:rPr lang="pt-BR" sz="2800" kern="0" dirty="0"/>
-              <a:t>Network Manager;</a:t>
+              <a:rPr lang="pt-BR" sz="2400" kern="0" dirty="0"/>
+              <a:t>Network Identity;</a:t>
             </a:r>
           </a:p>
           <a:p>
@@ -7553,8 +8201,8 @@
               </a:lnSpc>
             </a:pPr>
             <a:r>
-              <a:rPr lang="pt-BR" sz="2800" kern="0" dirty="0"/>
-              <a:t>Network Manager HUD</a:t>
+              <a:rPr lang="pt-BR" sz="2400" kern="0" dirty="0"/>
+              <a:t>Script Servidor;</a:t>
             </a:r>
           </a:p>
           <a:p>
@@ -7564,38 +8212,18 @@
               </a:lnSpc>
             </a:pPr>
             <a:r>
-              <a:rPr lang="pt-BR" sz="2800" kern="0" dirty="0" err="1"/>
-              <a:t>Telepathy</a:t>
-            </a:r>
-            <a:r>
-              <a:rPr lang="pt-BR" sz="2800" kern="0" dirty="0"/>
-              <a:t> </a:t>
-            </a:r>
-            <a:r>
-              <a:rPr lang="pt-BR" sz="2800" kern="0" dirty="0" err="1"/>
-              <a:t>Transport</a:t>
-            </a:r>
-            <a:r>
-              <a:rPr lang="pt-BR" sz="2800" kern="0" dirty="0"/>
-              <a:t>;</a:t>
-            </a:r>
-          </a:p>
-          <a:p>
-            <a:pPr>
-              <a:lnSpc>
-                <a:spcPct val="90000"/>
-              </a:lnSpc>
-            </a:pPr>
-            <a:endParaRPr lang="pt-BR" sz="2000" kern="0" dirty="0"/>
+              <a:rPr lang="pt-BR" sz="2400" kern="0" dirty="0"/>
+              <a:t>Script Player.</a:t>
+            </a:r>
           </a:p>
         </p:txBody>
       </p:sp>
       <p:pic>
         <p:nvPicPr>
-          <p:cNvPr id="5" name="Imagem 4" descr="Interface gráfica do usuário&#10;&#10;Descrição gerada automaticamente">
+          <p:cNvPr id="7" name="Imagem 6" descr="Interface gráfica do usuário, Texto, Aplicativo&#10;&#10;Descrição gerada automaticamente">
             <a:extLst>
               <a:ext uri="{FF2B5EF4-FFF2-40B4-BE49-F238E27FC236}">
-                <a16:creationId xmlns:a16="http://schemas.microsoft.com/office/drawing/2014/main" id="{EC8C410C-8902-FC7D-908C-74813C080DF2}"/>
+                <a16:creationId xmlns:a16="http://schemas.microsoft.com/office/drawing/2014/main" id="{F3C168B5-0087-C67A-65F4-E458E635D3D3}"/>
               </a:ext>
             </a:extLst>
           </p:cNvPr>
@@ -7605,30 +8233,31 @@
           <p:nvPr/>
         </p:nvPicPr>
         <p:blipFill>
-          <a:blip r:embed="rId3"/>
+          <a:blip r:embed="rId3">
+            <a:extLst>
+              <a:ext uri="{28A0092B-C50C-407E-A947-70E740481C1C}">
+                <a14:useLocalDpi xmlns:a14="http://schemas.microsoft.com/office/drawing/2010/main" val="0"/>
+              </a:ext>
+            </a:extLst>
+          </a:blip>
           <a:stretch>
             <a:fillRect/>
           </a:stretch>
         </p:blipFill>
         <p:spPr>
           <a:xfrm>
-            <a:off x="4788024" y="2258616"/>
-            <a:ext cx="3811904" cy="2229604"/>
+            <a:off x="3131840" y="1497114"/>
+            <a:ext cx="5808687" cy="4283032"/>
           </a:xfrm>
           <a:prstGeom prst="rect">
             <a:avLst/>
           </a:prstGeom>
-          <a:ln w="12700">
-            <a:solidFill>
-              <a:schemeClr val="tx1"/>
-            </a:solidFill>
-          </a:ln>
         </p:spPr>
       </p:pic>
     </p:spTree>
     <p:extLst>
       <p:ext uri="{BB962C8B-B14F-4D97-AF65-F5344CB8AC3E}">
-        <p14:creationId xmlns:p14="http://schemas.microsoft.com/office/powerpoint/2010/main" val="2387549956"/>
+        <p14:creationId xmlns:p14="http://schemas.microsoft.com/office/powerpoint/2010/main" val="1595847294"/>
       </p:ext>
     </p:extLst>
   </p:cSld>
@@ -7638,7 +8267,7 @@
 </p:sld>
 </file>
 
-<file path=ppt/slides/slide16.xml><?xml version="1.0" encoding="utf-8"?>
+<file path=ppt/slides/slide18.xml><?xml version="1.0" encoding="utf-8"?>
 <p:sld xmlns:a="http://schemas.openxmlformats.org/drawingml/2006/main" xmlns:r="http://schemas.openxmlformats.org/officeDocument/2006/relationships" xmlns:p="http://schemas.openxmlformats.org/presentationml/2006/main">
   <p:cSld>
     <p:spTree>
@@ -7704,130 +8333,7 @@
             </a:pPr>
             <a:r>
               <a:rPr lang="pt-BR" sz="2000" b="1" dirty="0"/>
-              <a:t>Estrutura de dos Dispositivos</a:t>
-            </a:r>
-          </a:p>
-          <a:p>
-            <a:pPr algn="ctr"/>
-            <a:endParaRPr lang="pt-BR" dirty="0"/>
-          </a:p>
-        </p:txBody>
-      </p:sp>
-      <p:pic>
-        <p:nvPicPr>
-          <p:cNvPr id="8" name="Imagem 7" descr="Diagrama, Esquemático&#10;&#10;Descrição gerada automaticamente">
-            <a:extLst>
-              <a:ext uri="{FF2B5EF4-FFF2-40B4-BE49-F238E27FC236}">
-                <a16:creationId xmlns:a16="http://schemas.microsoft.com/office/drawing/2014/main" id="{60C33D56-4B2B-D1E9-0E65-3BA41CA68444}"/>
-              </a:ext>
-            </a:extLst>
-          </p:cNvPr>
-          <p:cNvPicPr>
-            <a:picLocks noChangeAspect="1"/>
-          </p:cNvPicPr>
-          <p:nvPr/>
-        </p:nvPicPr>
-        <p:blipFill>
-          <a:blip r:embed="rId3"/>
-          <a:stretch>
-            <a:fillRect/>
-          </a:stretch>
-        </p:blipFill>
-        <p:spPr>
-          <a:xfrm>
-            <a:off x="2242084" y="1547664"/>
-            <a:ext cx="4680520" cy="4916472"/>
-          </a:xfrm>
-          <a:prstGeom prst="rect">
-            <a:avLst/>
-          </a:prstGeom>
-          <a:ln w="12700">
-            <a:solidFill>
-              <a:schemeClr val="tx1"/>
-            </a:solidFill>
-          </a:ln>
-        </p:spPr>
-      </p:pic>
-    </p:spTree>
-    <p:extLst>
-      <p:ext uri="{BB962C8B-B14F-4D97-AF65-F5344CB8AC3E}">
-        <p14:creationId xmlns:p14="http://schemas.microsoft.com/office/powerpoint/2010/main" val="1542138769"/>
-      </p:ext>
-    </p:extLst>
-  </p:cSld>
-  <p:clrMapOvr>
-    <a:masterClrMapping/>
-  </p:clrMapOvr>
-</p:sld>
-</file>
-
-<file path=ppt/slides/slide17.xml><?xml version="1.0" encoding="utf-8"?>
-<p:sld xmlns:a="http://schemas.openxmlformats.org/drawingml/2006/main" xmlns:r="http://schemas.openxmlformats.org/officeDocument/2006/relationships" xmlns:p="http://schemas.openxmlformats.org/presentationml/2006/main">
-  <p:cSld>
-    <p:spTree>
-      <p:nvGrpSpPr>
-        <p:cNvPr id="1" name=""/>
-        <p:cNvGrpSpPr/>
-        <p:nvPr/>
-      </p:nvGrpSpPr>
-      <p:grpSpPr>
-        <a:xfrm>
-          <a:off x="0" y="0"/>
-          <a:ext cx="0" cy="0"/>
-          <a:chOff x="0" y="0"/>
-          <a:chExt cx="0" cy="0"/>
-        </a:xfrm>
-      </p:grpSpPr>
-      <p:sp>
-        <p:nvSpPr>
-          <p:cNvPr id="2" name="Título 1"/>
-          <p:cNvSpPr>
-            <a:spLocks noGrp="1"/>
-          </p:cNvSpPr>
-          <p:nvPr>
-            <p:ph type="title"/>
-          </p:nvPr>
-        </p:nvSpPr>
-        <p:spPr/>
-        <p:txBody>
-          <a:bodyPr/>
-          <a:lstStyle/>
-          <a:p>
-            <a:r>
-              <a:rPr lang="pt-BR" dirty="0"/>
-              <a:t>Implementação</a:t>
-            </a:r>
-          </a:p>
-        </p:txBody>
-      </p:sp>
-      <p:sp>
-        <p:nvSpPr>
-          <p:cNvPr id="3" name="Espaço Reservado para Conteúdo 2"/>
-          <p:cNvSpPr>
-            <a:spLocks noGrp="1"/>
-          </p:cNvSpPr>
-          <p:nvPr>
-            <p:ph idx="1"/>
-          </p:nvPr>
-        </p:nvSpPr>
-        <p:spPr>
-          <a:xfrm>
-            <a:off x="467544" y="1115616"/>
-            <a:ext cx="8229600" cy="432048"/>
-          </a:xfrm>
-        </p:spPr>
-        <p:txBody>
-          <a:bodyPr>
-            <a:normAutofit/>
-          </a:bodyPr>
-          <a:lstStyle/>
-          <a:p>
-            <a:pPr marL="0" indent="0" algn="ctr">
-              <a:buNone/>
-            </a:pPr>
-            <a:r>
-              <a:rPr lang="pt-BR" sz="2000" b="1" dirty="0"/>
-              <a:t>Player e Servidor</a:t>
+              <a:t>Botões e Painel</a:t>
             </a:r>
           </a:p>
           <a:p>
@@ -7841,7 +8347,7 @@
           <p:cNvPr id="4" name="Espaço Reservado para Conteúdo 2">
             <a:extLst>
               <a:ext uri="{FF2B5EF4-FFF2-40B4-BE49-F238E27FC236}">
-                <a16:creationId xmlns:a16="http://schemas.microsoft.com/office/drawing/2014/main" id="{42CE02FE-DB76-754F-071C-49EA8708C041}"/>
+                <a16:creationId xmlns:a16="http://schemas.microsoft.com/office/drawing/2014/main" id="{E2F1A53D-9002-A1AA-6D2B-F9DF23827DB9}"/>
               </a:ext>
             </a:extLst>
           </p:cNvPr>
@@ -7852,7 +8358,7 @@
         </p:nvSpPr>
         <p:spPr bwMode="auto">
           <a:xfrm>
-            <a:off x="457200" y="1600200"/>
+            <a:off x="11450" y="1593366"/>
             <a:ext cx="4038600" cy="4525963"/>
           </a:xfrm>
           <a:prstGeom prst="rect">
@@ -8016,44 +8522,74 @@
           <a:p>
             <a:pPr>
               <a:lnSpc>
-                <a:spcPct val="150000"/>
+                <a:spcPct val="200000"/>
               </a:lnSpc>
             </a:pPr>
             <a:r>
-              <a:rPr lang="pt-BR" sz="2800" kern="0" dirty="0"/>
-              <a:t>Network Identity;</a:t>
+              <a:rPr lang="pt-BR" sz="2400" kern="0" dirty="0"/>
+              <a:t>BotoesCallBack;</a:t>
+            </a:r>
+          </a:p>
+          <a:p>
+            <a:pPr lvl="1">
+              <a:lnSpc>
+                <a:spcPct val="200000"/>
+              </a:lnSpc>
+            </a:pPr>
+            <a:r>
+              <a:rPr lang="pt-BR" sz="1600" kern="0" dirty="0"/>
+              <a:t>Interface;</a:t>
             </a:r>
           </a:p>
           <a:p>
             <a:pPr>
               <a:lnSpc>
-                <a:spcPct val="150000"/>
+                <a:spcPct val="200000"/>
               </a:lnSpc>
             </a:pPr>
             <a:r>
-              <a:rPr lang="pt-BR" sz="2800" kern="0" dirty="0"/>
-              <a:t>Script Servidor;</a:t>
+              <a:rPr lang="pt-BR" sz="2400" kern="0" dirty="0"/>
+              <a:t>BotoesControler; </a:t>
             </a:r>
           </a:p>
           <a:p>
             <a:pPr>
               <a:lnSpc>
-                <a:spcPct val="150000"/>
+                <a:spcPct val="200000"/>
               </a:lnSpc>
             </a:pPr>
             <a:r>
-              <a:rPr lang="pt-BR" sz="2800" kern="0" dirty="0"/>
-              <a:t>Script Player.</a:t>
-            </a:r>
+              <a:rPr lang="pt-BR" sz="2400" kern="0" dirty="0"/>
+              <a:t>Linha;</a:t>
+            </a:r>
+          </a:p>
+          <a:p>
+            <a:pPr>
+              <a:lnSpc>
+                <a:spcPct val="200000"/>
+              </a:lnSpc>
+            </a:pPr>
+            <a:r>
+              <a:rPr lang="pt-BR" sz="2400" kern="0" dirty="0"/>
+              <a:t>Painel.</a:t>
+            </a:r>
+          </a:p>
+          <a:p>
+            <a:pPr>
+              <a:lnSpc>
+                <a:spcPct val="90000"/>
+              </a:lnSpc>
+            </a:pPr>
+            <a:endParaRPr lang="pt-BR" sz="1800" kern="0" dirty="0"/>
           </a:p>
         </p:txBody>
       </p:sp>
       <p:pic>
         <p:nvPicPr>
-          <p:cNvPr id="5" name="Imagem 4" descr="Interface gráfica do usuário&#10;&#10;Descrição gerada automaticamente">
+          <p:cNvPr id="5" name="Imagem 4" descr="Diagrama&#10;&#10;Descrição gerada automaticamente">
             <a:extLst>
               <a:ext uri="{FF2B5EF4-FFF2-40B4-BE49-F238E27FC236}">
-                <a16:creationId xmlns:a16="http://schemas.microsoft.com/office/drawing/2014/main" id="{882EAC3E-E29B-1202-525C-C2C054A51F72}"/>
+                <a16:creationId xmlns:a16="http://schemas.microsoft.com/office/drawing/2014/main" id="{29FABDF7-55DF-37FA-C9CE-CC3E949BC03E}"/>
               </a:ext>
             </a:extLst>
           </p:cNvPr>
@@ -8063,27 +8599,19 @@
           <p:nvPr/>
         </p:nvPicPr>
         <p:blipFill>
-          <a:blip r:embed="rId3">
-            <a:extLst>
-              <a:ext uri="{28A0092B-C50C-407E-A947-70E740481C1C}">
-                <a14:useLocalDpi xmlns:a14="http://schemas.microsoft.com/office/drawing/2010/main" val="0"/>
-              </a:ext>
-            </a:extLst>
-          </a:blip>
-          <a:srcRect/>
+          <a:blip r:embed="rId3"/>
           <a:stretch>
             <a:fillRect/>
           </a:stretch>
         </p:blipFill>
-        <p:spPr bwMode="auto">
+        <p:spPr>
           <a:xfrm>
-            <a:off x="4675926" y="1772816"/>
-            <a:ext cx="3909060" cy="3116580"/>
+            <a:off x="2843808" y="1568224"/>
+            <a:ext cx="6048672" cy="4351372"/>
           </a:xfrm>
           <a:prstGeom prst="rect">
             <a:avLst/>
           </a:prstGeom>
-          <a:noFill/>
           <a:ln w="12700">
             <a:solidFill>
               <a:schemeClr val="tx1"/>
@@ -8094,7 +8622,7 @@
     </p:spTree>
     <p:extLst>
       <p:ext uri="{BB962C8B-B14F-4D97-AF65-F5344CB8AC3E}">
-        <p14:creationId xmlns:p14="http://schemas.microsoft.com/office/powerpoint/2010/main" val="1595847294"/>
+        <p14:creationId xmlns:p14="http://schemas.microsoft.com/office/powerpoint/2010/main" val="1096152604"/>
       </p:ext>
     </p:extLst>
   </p:cSld>
@@ -8104,7 +8632,7 @@
 </p:sld>
 </file>
 
-<file path=ppt/slides/slide18.xml><?xml version="1.0" encoding="utf-8"?>
+<file path=ppt/slides/slide19.xml><?xml version="1.0" encoding="utf-8"?>
 <p:sld xmlns:a="http://schemas.openxmlformats.org/drawingml/2006/main" xmlns:r="http://schemas.openxmlformats.org/officeDocument/2006/relationships" xmlns:p="http://schemas.openxmlformats.org/presentationml/2006/main">
   <p:cSld>
     <p:spTree>
@@ -8138,7 +8666,7 @@
           <a:p>
             <a:r>
               <a:rPr lang="pt-BR" dirty="0"/>
-              <a:t>Implementação</a:t>
+              <a:t>Análise dos Resultados</a:t>
             </a:r>
           </a:p>
         </p:txBody>
@@ -8155,27 +8683,56 @@
         </p:nvSpPr>
         <p:spPr>
           <a:xfrm>
-            <a:off x="467544" y="1115616"/>
-            <a:ext cx="8229600" cy="432048"/>
+            <a:off x="467544" y="1549332"/>
+            <a:ext cx="8229600" cy="4680520"/>
           </a:xfrm>
         </p:spPr>
         <p:txBody>
-          <a:bodyPr>
-            <a:normAutofit/>
-          </a:bodyPr>
+          <a:bodyPr/>
           <a:lstStyle/>
           <a:p>
-            <a:pPr marL="0" indent="0" algn="ctr">
-              <a:buNone/>
+            <a:pPr>
+              <a:lnSpc>
+                <a:spcPct val="150000"/>
+              </a:lnSpc>
             </a:pPr>
             <a:r>
-              <a:rPr lang="pt-BR" sz="2000" b="1" dirty="0"/>
-              <a:t>Botões e Painel</a:t>
-            </a:r>
-          </a:p>
-          <a:p>
-            <a:pPr algn="ctr"/>
-            <a:endParaRPr lang="pt-BR" dirty="0"/>
+              <a:rPr lang="pt-BR" dirty="0"/>
+              <a:t>Primeira abordagem;</a:t>
+            </a:r>
+          </a:p>
+          <a:p>
+            <a:pPr>
+              <a:lnSpc>
+                <a:spcPct val="150000"/>
+              </a:lnSpc>
+            </a:pPr>
+            <a:r>
+              <a:rPr lang="pt-BR" dirty="0"/>
+              <a:t>Problema de sincronização;</a:t>
+            </a:r>
+          </a:p>
+          <a:p>
+            <a:pPr>
+              <a:lnSpc>
+                <a:spcPct val="150000"/>
+              </a:lnSpc>
+            </a:pPr>
+            <a:r>
+              <a:rPr lang="pt-BR" dirty="0"/>
+              <a:t>Variação dos GameObjects;</a:t>
+            </a:r>
+          </a:p>
+          <a:p>
+            <a:pPr>
+              <a:lnSpc>
+                <a:spcPct val="150000"/>
+              </a:lnSpc>
+            </a:pPr>
+            <a:r>
+              <a:rPr lang="pt-BR" dirty="0"/>
+              <a:t>Detecção do marcador do Fóssil.</a:t>
+            </a:r>
           </a:p>
         </p:txBody>
       </p:sp>
@@ -8184,7 +8741,7 @@
           <p:cNvPr id="4" name="Espaço Reservado para Conteúdo 2">
             <a:extLst>
               <a:ext uri="{FF2B5EF4-FFF2-40B4-BE49-F238E27FC236}">
-                <a16:creationId xmlns:a16="http://schemas.microsoft.com/office/drawing/2014/main" id="{E2F1A53D-9002-A1AA-6D2B-F9DF23827DB9}"/>
+                <a16:creationId xmlns:a16="http://schemas.microsoft.com/office/drawing/2014/main" id="{79063599-FA85-84F7-530E-0F9F754FEA3D}"/>
               </a:ext>
             </a:extLst>
           </p:cNvPr>
@@ -8195,8 +8752,8 @@
         </p:nvSpPr>
         <p:spPr bwMode="auto">
           <a:xfrm>
-            <a:off x="444575" y="1593366"/>
-            <a:ext cx="4038600" cy="4525963"/>
+            <a:off x="467544" y="1115616"/>
+            <a:ext cx="8229600" cy="432048"/>
           </a:xfrm>
           <a:prstGeom prst="rect">
             <a:avLst/>
@@ -8357,98 +8914,22 @@
             </a:lvl9pPr>
           </a:lstStyle>
           <a:p>
-            <a:pPr>
-              <a:lnSpc>
-                <a:spcPct val="200000"/>
-              </a:lnSpc>
+            <a:pPr marL="0" indent="0" algn="ctr">
+              <a:buFontTx/>
+              <a:buNone/>
             </a:pPr>
             <a:r>
-              <a:rPr lang="pt-BR" sz="2800" kern="0" dirty="0"/>
-              <a:t>BotoesCallBack;</a:t>
-            </a:r>
-          </a:p>
-          <a:p>
-            <a:pPr>
-              <a:lnSpc>
-                <a:spcPct val="200000"/>
-              </a:lnSpc>
-            </a:pPr>
-            <a:r>
-              <a:rPr lang="pt-BR" sz="2800" kern="0" dirty="0"/>
-              <a:t>BotoesControler; </a:t>
-            </a:r>
-          </a:p>
-          <a:p>
-            <a:pPr>
-              <a:lnSpc>
-                <a:spcPct val="200000"/>
-              </a:lnSpc>
-            </a:pPr>
-            <a:r>
-              <a:rPr lang="pt-BR" sz="2800" kern="0" dirty="0"/>
-              <a:t>Linha;</a:t>
-            </a:r>
-          </a:p>
-          <a:p>
-            <a:pPr>
-              <a:lnSpc>
-                <a:spcPct val="200000"/>
-              </a:lnSpc>
-            </a:pPr>
-            <a:r>
-              <a:rPr lang="pt-BR" sz="2800" kern="0" dirty="0"/>
-              <a:t>Painel.</a:t>
-            </a:r>
-          </a:p>
-          <a:p>
-            <a:pPr>
-              <a:lnSpc>
-                <a:spcPct val="90000"/>
-              </a:lnSpc>
-            </a:pPr>
-            <a:endParaRPr lang="pt-BR" sz="2000" kern="0" dirty="0"/>
-          </a:p>
-        </p:txBody>
-      </p:sp>
-      <p:pic>
-        <p:nvPicPr>
-          <p:cNvPr id="5" name="Imagem 4" descr="Diagrama&#10;&#10;Descrição gerada automaticamente">
-            <a:extLst>
-              <a:ext uri="{FF2B5EF4-FFF2-40B4-BE49-F238E27FC236}">
-                <a16:creationId xmlns:a16="http://schemas.microsoft.com/office/drawing/2014/main" id="{29FABDF7-55DF-37FA-C9CE-CC3E949BC03E}"/>
-              </a:ext>
-            </a:extLst>
-          </p:cNvPr>
-          <p:cNvPicPr>
-            <a:picLocks noChangeAspect="1"/>
-          </p:cNvPicPr>
-          <p:nvPr/>
-        </p:nvPicPr>
-        <p:blipFill>
-          <a:blip r:embed="rId3"/>
-          <a:stretch>
-            <a:fillRect/>
-          </a:stretch>
-        </p:blipFill>
-        <p:spPr>
-          <a:xfrm>
-            <a:off x="3749040" y="1712444"/>
-            <a:ext cx="4937760" cy="3552190"/>
-          </a:xfrm>
-          <a:prstGeom prst="rect">
-            <a:avLst/>
-          </a:prstGeom>
-          <a:ln w="12700">
-            <a:solidFill>
-              <a:schemeClr val="tx1"/>
-            </a:solidFill>
-          </a:ln>
-        </p:spPr>
-      </p:pic>
+              <a:rPr lang="pt-BR" sz="2000" b="1" kern="0" dirty="0"/>
+              <a:t>Testes de Funcionalidades</a:t>
+            </a:r>
+            <a:endParaRPr lang="pt-BR" kern="0" dirty="0"/>
+          </a:p>
+        </p:txBody>
+      </p:sp>
     </p:spTree>
     <p:extLst>
       <p:ext uri="{BB962C8B-B14F-4D97-AF65-F5344CB8AC3E}">
-        <p14:creationId xmlns:p14="http://schemas.microsoft.com/office/powerpoint/2010/main" val="1096152604"/>
+        <p14:creationId xmlns:p14="http://schemas.microsoft.com/office/powerpoint/2010/main" val="841686488"/>
       </p:ext>
     </p:extLst>
   </p:cSld>
@@ -8458,7 +8939,7 @@
 </p:sld>
 </file>
 
-<file path=ppt/slides/slide19.xml><?xml version="1.0" encoding="utf-8"?>
+<file path=ppt/slides/slide2.xml><?xml version="1.0" encoding="utf-8"?>
 <p:sld xmlns:a="http://schemas.openxmlformats.org/drawingml/2006/main" xmlns:r="http://schemas.openxmlformats.org/officeDocument/2006/relationships" xmlns:p="http://schemas.openxmlformats.org/presentationml/2006/main">
   <p:cSld>
     <p:spTree>
@@ -8492,6 +8973,136 @@
           <a:p>
             <a:r>
               <a:rPr lang="pt-BR" dirty="0"/>
+              <a:t>Roteiro</a:t>
+            </a:r>
+          </a:p>
+        </p:txBody>
+      </p:sp>
+      <p:sp>
+        <p:nvSpPr>
+          <p:cNvPr id="3" name="Espaço Reservado para Conteúdo 2"/>
+          <p:cNvSpPr>
+            <a:spLocks noGrp="1"/>
+          </p:cNvSpPr>
+          <p:nvPr>
+            <p:ph idx="1"/>
+          </p:nvPr>
+        </p:nvSpPr>
+        <p:spPr/>
+        <p:txBody>
+          <a:bodyPr>
+            <a:normAutofit fontScale="92500" lnSpcReduction="10000"/>
+          </a:bodyPr>
+          <a:lstStyle/>
+          <a:p>
+            <a:r>
+              <a:rPr lang="pt-BR" dirty="0"/>
+              <a:t>Introdução;</a:t>
+            </a:r>
+          </a:p>
+          <a:p>
+            <a:r>
+              <a:rPr lang="pt-BR" dirty="0"/>
+              <a:t>Objetivos;</a:t>
+            </a:r>
+          </a:p>
+          <a:p>
+            <a:r>
+              <a:rPr lang="pt-BR" dirty="0"/>
+              <a:t>Fundamentação Teórica;</a:t>
+            </a:r>
+          </a:p>
+          <a:p>
+            <a:r>
+              <a:rPr lang="pt-BR" dirty="0"/>
+              <a:t>Trabalhos Correlatos;</a:t>
+            </a:r>
+          </a:p>
+          <a:p>
+            <a:r>
+              <a:rPr lang="pt-BR" dirty="0"/>
+              <a:t>Requisitos;</a:t>
+            </a:r>
+          </a:p>
+          <a:p>
+            <a:r>
+              <a:rPr lang="pt-BR" dirty="0"/>
+              <a:t>Especificação;</a:t>
+            </a:r>
+          </a:p>
+          <a:p>
+            <a:r>
+              <a:rPr lang="pt-BR" dirty="0"/>
+              <a:t>Implementação;</a:t>
+            </a:r>
+          </a:p>
+          <a:p>
+            <a:r>
+              <a:rPr lang="pt-BR" dirty="0"/>
+              <a:t>Análise de Resultados;</a:t>
+            </a:r>
+          </a:p>
+          <a:p>
+            <a:r>
+              <a:rPr lang="pt-BR" dirty="0"/>
+              <a:t>Conclusões e Sugestões.</a:t>
+            </a:r>
+          </a:p>
+          <a:p>
+            <a:endParaRPr lang="pt-BR" dirty="0"/>
+          </a:p>
+          <a:p>
+            <a:endParaRPr lang="pt-BR" dirty="0"/>
+          </a:p>
+        </p:txBody>
+      </p:sp>
+    </p:spTree>
+    <p:extLst>
+      <p:ext uri="{BB962C8B-B14F-4D97-AF65-F5344CB8AC3E}">
+        <p14:creationId xmlns:p14="http://schemas.microsoft.com/office/powerpoint/2010/main" val="2472996622"/>
+      </p:ext>
+    </p:extLst>
+  </p:cSld>
+  <p:clrMapOvr>
+    <a:masterClrMapping/>
+  </p:clrMapOvr>
+</p:sld>
+</file>
+
+<file path=ppt/slides/slide20.xml><?xml version="1.0" encoding="utf-8"?>
+<p:sld xmlns:a="http://schemas.openxmlformats.org/drawingml/2006/main" xmlns:r="http://schemas.openxmlformats.org/officeDocument/2006/relationships" xmlns:p="http://schemas.openxmlformats.org/presentationml/2006/main">
+  <p:cSld>
+    <p:spTree>
+      <p:nvGrpSpPr>
+        <p:cNvPr id="1" name=""/>
+        <p:cNvGrpSpPr/>
+        <p:nvPr/>
+      </p:nvGrpSpPr>
+      <p:grpSpPr>
+        <a:xfrm>
+          <a:off x="0" y="0"/>
+          <a:ext cx="0" cy="0"/>
+          <a:chOff x="0" y="0"/>
+          <a:chExt cx="0" cy="0"/>
+        </a:xfrm>
+      </p:grpSpPr>
+      <p:sp>
+        <p:nvSpPr>
+          <p:cNvPr id="2" name="Título 1"/>
+          <p:cNvSpPr>
+            <a:spLocks noGrp="1"/>
+          </p:cNvSpPr>
+          <p:nvPr>
+            <p:ph type="title"/>
+          </p:nvPr>
+        </p:nvSpPr>
+        <p:spPr/>
+        <p:txBody>
+          <a:bodyPr/>
+          <a:lstStyle/>
+          <a:p>
+            <a:r>
+              <a:rPr lang="pt-BR" dirty="0"/>
               <a:t>Análise dos Resultados</a:t>
             </a:r>
           </a:p>
@@ -8509,12 +9120,14 @@
         </p:nvSpPr>
         <p:spPr>
           <a:xfrm>
-            <a:off x="467544" y="1549332"/>
+            <a:off x="457200" y="1576521"/>
             <a:ext cx="8229600" cy="4680520"/>
           </a:xfrm>
         </p:spPr>
         <p:txBody>
-          <a:bodyPr/>
+          <a:bodyPr>
+            <a:normAutofit/>
+          </a:bodyPr>
           <a:lstStyle/>
           <a:p>
             <a:pPr>
@@ -8523,8 +9136,8 @@
               </a:lnSpc>
             </a:pPr>
             <a:r>
-              <a:rPr lang="pt-BR" dirty="0"/>
-              <a:t>Primeira abordagem;</a:t>
+              <a:rPr lang="pt-BR" sz="3600" dirty="0"/>
+              <a:t>Testes: 5 participantes;</a:t>
             </a:r>
           </a:p>
           <a:p>
@@ -8534,30 +9147,38 @@
               </a:lnSpc>
             </a:pPr>
             <a:r>
-              <a:rPr lang="pt-BR" dirty="0"/>
-              <a:t>Problema de sincronização;</a:t>
-            </a:r>
-          </a:p>
-          <a:p>
-            <a:pPr>
+              <a:rPr lang="pt-BR" sz="3600" dirty="0"/>
+              <a:t>Formulário no Google </a:t>
+            </a:r>
+            <a:r>
+              <a:rPr lang="pt-BR" sz="3600" dirty="0" err="1"/>
+              <a:t>Docs</a:t>
+            </a:r>
+            <a:r>
+              <a:rPr lang="pt-BR" sz="3600" dirty="0"/>
+              <a:t>:</a:t>
+            </a:r>
+          </a:p>
+          <a:p>
+            <a:pPr lvl="1">
               <a:lnSpc>
                 <a:spcPct val="150000"/>
               </a:lnSpc>
             </a:pPr>
             <a:r>
-              <a:rPr lang="pt-BR" dirty="0"/>
-              <a:t>Variação dos GameObjects;</a:t>
-            </a:r>
-          </a:p>
-          <a:p>
-            <a:pPr>
+              <a:rPr lang="pt-BR" sz="3200" dirty="0"/>
+              <a:t>Perfil dos participantes;</a:t>
+            </a:r>
+          </a:p>
+          <a:p>
+            <a:pPr lvl="1">
               <a:lnSpc>
                 <a:spcPct val="150000"/>
               </a:lnSpc>
             </a:pPr>
             <a:r>
-              <a:rPr lang="pt-BR" dirty="0"/>
-              <a:t>Detecção do marcador do Fóssil.</a:t>
+              <a:rPr lang="pt-BR" sz="3200" dirty="0"/>
+              <a:t>Usabilidade e proposta.</a:t>
             </a:r>
           </a:p>
         </p:txBody>
@@ -8746,8 +9367,11 @@
             </a:pPr>
             <a:r>
               <a:rPr lang="pt-BR" sz="2000" b="1" kern="0" dirty="0"/>
-              <a:t>Testes de Funcionalidades</a:t>
-            </a:r>
+              <a:t>Testes com usuários</a:t>
+            </a:r>
+          </a:p>
+          <a:p>
+            <a:pPr algn="ctr"/>
             <a:endParaRPr lang="pt-BR" kern="0" dirty="0"/>
           </a:p>
         </p:txBody>
@@ -8755,7 +9379,7 @@
     </p:spTree>
     <p:extLst>
       <p:ext uri="{BB962C8B-B14F-4D97-AF65-F5344CB8AC3E}">
-        <p14:creationId xmlns:p14="http://schemas.microsoft.com/office/powerpoint/2010/main" val="841686488"/>
+        <p14:creationId xmlns:p14="http://schemas.microsoft.com/office/powerpoint/2010/main" val="879166770"/>
       </p:ext>
     </p:extLst>
   </p:cSld>
@@ -8765,7 +9389,7 @@
 </p:sld>
 </file>
 
-<file path=ppt/slides/slide2.xml><?xml version="1.0" encoding="utf-8"?>
+<file path=ppt/slides/slide21.xml><?xml version="1.0" encoding="utf-8"?>
 <p:sld xmlns:a="http://schemas.openxmlformats.org/drawingml/2006/main" xmlns:r="http://schemas.openxmlformats.org/officeDocument/2006/relationships" xmlns:p="http://schemas.openxmlformats.org/presentationml/2006/main">
   <p:cSld>
     <p:spTree>
@@ -8799,136 +9423,6 @@
           <a:p>
             <a:r>
               <a:rPr lang="pt-BR" dirty="0"/>
-              <a:t>Roteiro</a:t>
-            </a:r>
-          </a:p>
-        </p:txBody>
-      </p:sp>
-      <p:sp>
-        <p:nvSpPr>
-          <p:cNvPr id="3" name="Espaço Reservado para Conteúdo 2"/>
-          <p:cNvSpPr>
-            <a:spLocks noGrp="1"/>
-          </p:cNvSpPr>
-          <p:nvPr>
-            <p:ph idx="1"/>
-          </p:nvPr>
-        </p:nvSpPr>
-        <p:spPr/>
-        <p:txBody>
-          <a:bodyPr>
-            <a:normAutofit fontScale="92500" lnSpcReduction="10000"/>
-          </a:bodyPr>
-          <a:lstStyle/>
-          <a:p>
-            <a:r>
-              <a:rPr lang="pt-BR" dirty="0"/>
-              <a:t>Introdução;</a:t>
-            </a:r>
-          </a:p>
-          <a:p>
-            <a:r>
-              <a:rPr lang="pt-BR" dirty="0"/>
-              <a:t>Objetivos;</a:t>
-            </a:r>
-          </a:p>
-          <a:p>
-            <a:r>
-              <a:rPr lang="pt-BR" dirty="0"/>
-              <a:t>Fundamentação Teórica;</a:t>
-            </a:r>
-          </a:p>
-          <a:p>
-            <a:r>
-              <a:rPr lang="pt-BR" dirty="0"/>
-              <a:t>Trabalhos Correlatos;</a:t>
-            </a:r>
-          </a:p>
-          <a:p>
-            <a:r>
-              <a:rPr lang="pt-BR" dirty="0"/>
-              <a:t>Requisitos;</a:t>
-            </a:r>
-          </a:p>
-          <a:p>
-            <a:r>
-              <a:rPr lang="pt-BR" dirty="0"/>
-              <a:t>Especificação;</a:t>
-            </a:r>
-          </a:p>
-          <a:p>
-            <a:r>
-              <a:rPr lang="pt-BR" dirty="0"/>
-              <a:t>Implementação;</a:t>
-            </a:r>
-          </a:p>
-          <a:p>
-            <a:r>
-              <a:rPr lang="pt-BR" dirty="0"/>
-              <a:t>Análise de Resultados;</a:t>
-            </a:r>
-          </a:p>
-          <a:p>
-            <a:r>
-              <a:rPr lang="pt-BR" dirty="0"/>
-              <a:t>Conclusões e Sugestões.</a:t>
-            </a:r>
-          </a:p>
-          <a:p>
-            <a:endParaRPr lang="pt-BR" dirty="0"/>
-          </a:p>
-          <a:p>
-            <a:endParaRPr lang="pt-BR" dirty="0"/>
-          </a:p>
-        </p:txBody>
-      </p:sp>
-    </p:spTree>
-    <p:extLst>
-      <p:ext uri="{BB962C8B-B14F-4D97-AF65-F5344CB8AC3E}">
-        <p14:creationId xmlns:p14="http://schemas.microsoft.com/office/powerpoint/2010/main" val="2472996622"/>
-      </p:ext>
-    </p:extLst>
-  </p:cSld>
-  <p:clrMapOvr>
-    <a:masterClrMapping/>
-  </p:clrMapOvr>
-</p:sld>
-</file>
-
-<file path=ppt/slides/slide20.xml><?xml version="1.0" encoding="utf-8"?>
-<p:sld xmlns:a="http://schemas.openxmlformats.org/drawingml/2006/main" xmlns:r="http://schemas.openxmlformats.org/officeDocument/2006/relationships" xmlns:p="http://schemas.openxmlformats.org/presentationml/2006/main">
-  <p:cSld>
-    <p:spTree>
-      <p:nvGrpSpPr>
-        <p:cNvPr id="1" name=""/>
-        <p:cNvGrpSpPr/>
-        <p:nvPr/>
-      </p:nvGrpSpPr>
-      <p:grpSpPr>
-        <a:xfrm>
-          <a:off x="0" y="0"/>
-          <a:ext cx="0" cy="0"/>
-          <a:chOff x="0" y="0"/>
-          <a:chExt cx="0" cy="0"/>
-        </a:xfrm>
-      </p:grpSpPr>
-      <p:sp>
-        <p:nvSpPr>
-          <p:cNvPr id="2" name="Título 1"/>
-          <p:cNvSpPr>
-            <a:spLocks noGrp="1"/>
-          </p:cNvSpPr>
-          <p:nvPr>
-            <p:ph type="title"/>
-          </p:nvPr>
-        </p:nvSpPr>
-        <p:spPr/>
-        <p:txBody>
-          <a:bodyPr/>
-          <a:lstStyle/>
-          <a:p>
-            <a:r>
-              <a:rPr lang="pt-BR" dirty="0"/>
               <a:t>Análise dos Resultados</a:t>
             </a:r>
           </a:p>
@@ -8946,59 +9440,68 @@
         </p:nvSpPr>
         <p:spPr>
           <a:xfrm>
-            <a:off x="457200" y="1576521"/>
+            <a:off x="467544" y="1549332"/>
             <a:ext cx="8229600" cy="4680520"/>
           </a:xfrm>
         </p:spPr>
         <p:txBody>
-          <a:bodyPr/>
+          <a:bodyPr>
+            <a:normAutofit lnSpcReduction="10000"/>
+          </a:bodyPr>
           <a:lstStyle/>
           <a:p>
             <a:r>
-              <a:rPr lang="pt-BR" dirty="0"/>
-              <a:t>5 participantes;</a:t>
-            </a:r>
-          </a:p>
-          <a:p>
-            <a:r>
-              <a:rPr lang="pt-BR" dirty="0"/>
-              <a:t>Formulário no Google </a:t>
-            </a:r>
-            <a:r>
-              <a:rPr lang="pt-BR" dirty="0" err="1"/>
-              <a:t>Docs</a:t>
-            </a:r>
-            <a:r>
-              <a:rPr lang="pt-BR" dirty="0"/>
-              <a:t>;</a:t>
-            </a:r>
-          </a:p>
-          <a:p>
-            <a:r>
-              <a:rPr lang="pt-BR" dirty="0"/>
-              <a:t>Primeira etapa: perfil dos participantes;</a:t>
-            </a:r>
-          </a:p>
-          <a:p>
-            <a:r>
-              <a:rPr lang="pt-BR" dirty="0"/>
-              <a:t>Segunda etapa: usabilidade e proposta;</a:t>
-            </a:r>
-          </a:p>
-          <a:p>
-            <a:r>
-              <a:rPr lang="pt-BR" dirty="0"/>
-              <a:t>No geral os participantes gostaram da aplicação e avaliaram ela bem;</a:t>
-            </a:r>
-          </a:p>
-          <a:p>
-            <a:r>
-              <a:rPr lang="pt-BR" dirty="0"/>
-              <a:t>Todos conseguiram visualizar  bem os textos e os objetos virtuais.</a:t>
-            </a:r>
-          </a:p>
-          <a:p>
-            <a:endParaRPr lang="pt-BR" dirty="0"/>
+              <a:rPr lang="pt-BR" sz="3600" dirty="0"/>
+              <a:t>Participantes: </a:t>
+            </a:r>
+          </a:p>
+          <a:p>
+            <a:pPr lvl="1"/>
+            <a:r>
+              <a:rPr lang="pt-BR" sz="3200" dirty="0"/>
+              <a:t>Avaliação;</a:t>
+            </a:r>
+          </a:p>
+          <a:p>
+            <a:pPr lvl="1"/>
+            <a:r>
+              <a:rPr lang="pt-BR" sz="3200" dirty="0"/>
+              <a:t>Dificuldade em acionar os botões;</a:t>
+            </a:r>
+          </a:p>
+          <a:p>
+            <a:pPr lvl="1"/>
+            <a:r>
+              <a:rPr lang="pt-BR" sz="3200" dirty="0"/>
+              <a:t>Pequeno desconforto no uso do HMD;</a:t>
+            </a:r>
+          </a:p>
+          <a:p>
+            <a:pPr lvl="1"/>
+            <a:r>
+              <a:rPr lang="pt-BR" sz="3200" dirty="0"/>
+              <a:t>Visualizaram: textos e objetos virtuais;</a:t>
+            </a:r>
+          </a:p>
+          <a:p>
+            <a:r>
+              <a:rPr lang="pt-BR" sz="3600" dirty="0"/>
+              <a:t>Aplicação:</a:t>
+            </a:r>
+          </a:p>
+          <a:p>
+            <a:pPr lvl="1"/>
+            <a:r>
+              <a:rPr lang="pt-BR" sz="3200" dirty="0"/>
+              <a:t>Bateria do Celular;</a:t>
+            </a:r>
+          </a:p>
+          <a:p>
+            <a:pPr lvl="1"/>
+            <a:r>
+              <a:rPr lang="pt-BR" sz="3200" dirty="0"/>
+              <a:t>Cabo Leap motion.</a:t>
+            </a:r>
           </a:p>
         </p:txBody>
       </p:sp>
@@ -9193,12 +9696,16 @@
             <a:pPr algn="ctr"/>
             <a:endParaRPr lang="pt-BR" kern="0" dirty="0"/>
           </a:p>
+          <a:p>
+            <a:pPr algn="ctr"/>
+            <a:endParaRPr lang="pt-BR" kern="0" dirty="0"/>
+          </a:p>
         </p:txBody>
       </p:sp>
     </p:spTree>
     <p:extLst>
       <p:ext uri="{BB962C8B-B14F-4D97-AF65-F5344CB8AC3E}">
-        <p14:creationId xmlns:p14="http://schemas.microsoft.com/office/powerpoint/2010/main" val="879166770"/>
+        <p14:creationId xmlns:p14="http://schemas.microsoft.com/office/powerpoint/2010/main" val="2580007318"/>
       </p:ext>
     </p:extLst>
   </p:cSld>
@@ -9208,7 +9715,7 @@
 </p:sld>
 </file>
 
-<file path=ppt/slides/slide21.xml><?xml version="1.0" encoding="utf-8"?>
+<file path=ppt/slides/slide22.xml><?xml version="1.0" encoding="utf-8"?>
 <p:sld xmlns:a="http://schemas.openxmlformats.org/drawingml/2006/main" xmlns:r="http://schemas.openxmlformats.org/officeDocument/2006/relationships" xmlns:p="http://schemas.openxmlformats.org/presentationml/2006/main">
   <p:cSld>
     <p:spTree>
@@ -9243,53 +9750,6 @@
             <a:r>
               <a:rPr lang="pt-BR" dirty="0"/>
               <a:t>Análise dos Resultados</a:t>
-            </a:r>
-          </a:p>
-        </p:txBody>
-      </p:sp>
-      <p:sp>
-        <p:nvSpPr>
-          <p:cNvPr id="3" name="Espaço Reservado para Conteúdo 2"/>
-          <p:cNvSpPr>
-            <a:spLocks noGrp="1"/>
-          </p:cNvSpPr>
-          <p:nvPr>
-            <p:ph idx="1"/>
-          </p:nvPr>
-        </p:nvSpPr>
-        <p:spPr>
-          <a:xfrm>
-            <a:off x="467544" y="1549332"/>
-            <a:ext cx="8229600" cy="4680520"/>
-          </a:xfrm>
-        </p:spPr>
-        <p:txBody>
-          <a:bodyPr>
-            <a:normAutofit lnSpcReduction="10000"/>
-          </a:bodyPr>
-          <a:lstStyle/>
-          <a:p>
-            <a:r>
-              <a:rPr lang="pt-BR" dirty="0"/>
-              <a:t>Os participantes apontaram uma dificuldade em acionar os botões;</a:t>
-            </a:r>
-          </a:p>
-          <a:p>
-            <a:r>
-              <a:rPr lang="pt-BR" dirty="0"/>
-              <a:t>Alguns participantes relataram que um pequeno desconforto no uso do HMD;</a:t>
-            </a:r>
-          </a:p>
-          <a:p>
-            <a:r>
-              <a:rPr lang="pt-BR" dirty="0"/>
-              <a:t>Foi notado que o celular não conseguia se manter carregado com a aplicação em execução;</a:t>
-            </a:r>
-          </a:p>
-          <a:p>
-            <a:r>
-              <a:rPr lang="pt-BR" dirty="0"/>
-              <a:t>O comprimento do cabo limitava a movimentação dos participantes.</a:t>
             </a:r>
           </a:p>
         </p:txBody>
@@ -9478,251 +9938,6 @@
             </a:pPr>
             <a:r>
               <a:rPr lang="pt-BR" sz="2000" b="1" kern="0" dirty="0"/>
-              <a:t>Testes com usuários</a:t>
-            </a:r>
-          </a:p>
-          <a:p>
-            <a:pPr algn="ctr"/>
-            <a:endParaRPr lang="pt-BR" kern="0" dirty="0"/>
-          </a:p>
-        </p:txBody>
-      </p:sp>
-    </p:spTree>
-    <p:extLst>
-      <p:ext uri="{BB962C8B-B14F-4D97-AF65-F5344CB8AC3E}">
-        <p14:creationId xmlns:p14="http://schemas.microsoft.com/office/powerpoint/2010/main" val="2580007318"/>
-      </p:ext>
-    </p:extLst>
-  </p:cSld>
-  <p:clrMapOvr>
-    <a:masterClrMapping/>
-  </p:clrMapOvr>
-</p:sld>
-</file>
-
-<file path=ppt/slides/slide22.xml><?xml version="1.0" encoding="utf-8"?>
-<p:sld xmlns:a="http://schemas.openxmlformats.org/drawingml/2006/main" xmlns:r="http://schemas.openxmlformats.org/officeDocument/2006/relationships" xmlns:p="http://schemas.openxmlformats.org/presentationml/2006/main">
-  <p:cSld>
-    <p:spTree>
-      <p:nvGrpSpPr>
-        <p:cNvPr id="1" name=""/>
-        <p:cNvGrpSpPr/>
-        <p:nvPr/>
-      </p:nvGrpSpPr>
-      <p:grpSpPr>
-        <a:xfrm>
-          <a:off x="0" y="0"/>
-          <a:ext cx="0" cy="0"/>
-          <a:chOff x="0" y="0"/>
-          <a:chExt cx="0" cy="0"/>
-        </a:xfrm>
-      </p:grpSpPr>
-      <p:sp>
-        <p:nvSpPr>
-          <p:cNvPr id="2" name="Título 1"/>
-          <p:cNvSpPr>
-            <a:spLocks noGrp="1"/>
-          </p:cNvSpPr>
-          <p:nvPr>
-            <p:ph type="title"/>
-          </p:nvPr>
-        </p:nvSpPr>
-        <p:spPr/>
-        <p:txBody>
-          <a:bodyPr/>
-          <a:lstStyle/>
-          <a:p>
-            <a:r>
-              <a:rPr lang="pt-BR" dirty="0"/>
-              <a:t>Análise dos Resultados</a:t>
-            </a:r>
-          </a:p>
-        </p:txBody>
-      </p:sp>
-      <p:sp>
-        <p:nvSpPr>
-          <p:cNvPr id="4" name="Espaço Reservado para Conteúdo 2">
-            <a:extLst>
-              <a:ext uri="{FF2B5EF4-FFF2-40B4-BE49-F238E27FC236}">
-                <a16:creationId xmlns:a16="http://schemas.microsoft.com/office/drawing/2014/main" id="{79063599-FA85-84F7-530E-0F9F754FEA3D}"/>
-              </a:ext>
-            </a:extLst>
-          </p:cNvPr>
-          <p:cNvSpPr txBox="1">
-            <a:spLocks/>
-          </p:cNvSpPr>
-          <p:nvPr/>
-        </p:nvSpPr>
-        <p:spPr bwMode="auto">
-          <a:xfrm>
-            <a:off x="467544" y="1115616"/>
-            <a:ext cx="8229600" cy="432048"/>
-          </a:xfrm>
-          <a:prstGeom prst="rect">
-            <a:avLst/>
-          </a:prstGeom>
-          <a:noFill/>
-          <a:ln w="9525">
-            <a:noFill/>
-            <a:miter lim="800000"/>
-            <a:headEnd/>
-            <a:tailEnd/>
-          </a:ln>
-          <a:effectLst/>
-        </p:spPr>
-        <p:txBody>
-          <a:bodyPr vert="horz" wrap="square" lIns="91440" tIns="45720" rIns="91440" bIns="45720" numCol="1" anchor="t" anchorCtr="0" compatLnSpc="1">
-            <a:prstTxWarp prst="textNoShape">
-              <a:avLst/>
-            </a:prstTxWarp>
-            <a:normAutofit/>
-          </a:bodyPr>
-          <a:lstStyle>
-            <a:lvl1pPr marL="342900" indent="-342900" algn="l" rtl="0" fontAlgn="base">
-              <a:spcBef>
-                <a:spcPct val="20000"/>
-              </a:spcBef>
-              <a:spcAft>
-                <a:spcPct val="0"/>
-              </a:spcAft>
-              <a:buChar char="•"/>
-              <a:defRPr sz="3200">
-                <a:solidFill>
-                  <a:schemeClr val="tx1"/>
-                </a:solidFill>
-                <a:latin typeface="+mn-lt"/>
-                <a:ea typeface="+mn-ea"/>
-                <a:cs typeface="+mn-cs"/>
-              </a:defRPr>
-            </a:lvl1pPr>
-            <a:lvl2pPr marL="742950" indent="-285750" algn="l" rtl="0" fontAlgn="base">
-              <a:spcBef>
-                <a:spcPct val="20000"/>
-              </a:spcBef>
-              <a:spcAft>
-                <a:spcPct val="0"/>
-              </a:spcAft>
-              <a:buChar char="–"/>
-              <a:defRPr sz="2800">
-                <a:solidFill>
-                  <a:schemeClr val="tx1"/>
-                </a:solidFill>
-                <a:latin typeface="+mn-lt"/>
-              </a:defRPr>
-            </a:lvl2pPr>
-            <a:lvl3pPr marL="1143000" indent="-228600" algn="l" rtl="0" fontAlgn="base">
-              <a:spcBef>
-                <a:spcPct val="20000"/>
-              </a:spcBef>
-              <a:spcAft>
-                <a:spcPct val="0"/>
-              </a:spcAft>
-              <a:buChar char="•"/>
-              <a:defRPr sz="2400">
-                <a:solidFill>
-                  <a:schemeClr val="tx1"/>
-                </a:solidFill>
-                <a:latin typeface="+mn-lt"/>
-              </a:defRPr>
-            </a:lvl3pPr>
-            <a:lvl4pPr marL="1600200" indent="-228600" algn="l" rtl="0" fontAlgn="base">
-              <a:spcBef>
-                <a:spcPct val="20000"/>
-              </a:spcBef>
-              <a:spcAft>
-                <a:spcPct val="0"/>
-              </a:spcAft>
-              <a:buChar char="–"/>
-              <a:defRPr sz="2000">
-                <a:solidFill>
-                  <a:schemeClr val="tx1"/>
-                </a:solidFill>
-                <a:latin typeface="+mn-lt"/>
-              </a:defRPr>
-            </a:lvl4pPr>
-            <a:lvl5pPr marL="2057400" indent="-228600" algn="l" rtl="0" fontAlgn="base">
-              <a:spcBef>
-                <a:spcPct val="20000"/>
-              </a:spcBef>
-              <a:spcAft>
-                <a:spcPct val="0"/>
-              </a:spcAft>
-              <a:buChar char="»"/>
-              <a:defRPr sz="2000">
-                <a:solidFill>
-                  <a:schemeClr val="tx1"/>
-                </a:solidFill>
-                <a:latin typeface="+mn-lt"/>
-              </a:defRPr>
-            </a:lvl5pPr>
-            <a:lvl6pPr marL="2514600" indent="-228600" algn="l" rtl="0" fontAlgn="base">
-              <a:spcBef>
-                <a:spcPct val="20000"/>
-              </a:spcBef>
-              <a:spcAft>
-                <a:spcPct val="0"/>
-              </a:spcAft>
-              <a:buChar char="»"/>
-              <a:defRPr sz="2000">
-                <a:solidFill>
-                  <a:schemeClr val="tx1"/>
-                </a:solidFill>
-                <a:latin typeface="+mn-lt"/>
-              </a:defRPr>
-            </a:lvl6pPr>
-            <a:lvl7pPr marL="2971800" indent="-228600" algn="l" rtl="0" fontAlgn="base">
-              <a:spcBef>
-                <a:spcPct val="20000"/>
-              </a:spcBef>
-              <a:spcAft>
-                <a:spcPct val="0"/>
-              </a:spcAft>
-              <a:buChar char="»"/>
-              <a:defRPr sz="2000">
-                <a:solidFill>
-                  <a:schemeClr val="tx1"/>
-                </a:solidFill>
-                <a:latin typeface="+mn-lt"/>
-              </a:defRPr>
-            </a:lvl7pPr>
-            <a:lvl8pPr marL="3429000" indent="-228600" algn="l" rtl="0" fontAlgn="base">
-              <a:spcBef>
-                <a:spcPct val="20000"/>
-              </a:spcBef>
-              <a:spcAft>
-                <a:spcPct val="0"/>
-              </a:spcAft>
-              <a:buChar char="»"/>
-              <a:defRPr sz="2000">
-                <a:solidFill>
-                  <a:schemeClr val="tx1"/>
-                </a:solidFill>
-                <a:latin typeface="+mn-lt"/>
-              </a:defRPr>
-            </a:lvl8pPr>
-            <a:lvl9pPr marL="3886200" indent="-228600" algn="l" rtl="0" fontAlgn="base">
-              <a:spcBef>
-                <a:spcPct val="20000"/>
-              </a:spcBef>
-              <a:spcAft>
-                <a:spcPct val="0"/>
-              </a:spcAft>
-              <a:buChar char="»"/>
-              <a:defRPr sz="2000">
-                <a:solidFill>
-                  <a:schemeClr val="tx1"/>
-                </a:solidFill>
-                <a:latin typeface="+mn-lt"/>
-              </a:defRPr>
-            </a:lvl9pPr>
-          </a:lstStyle>
-          <a:p>
-            <a:pPr marL="0" indent="0" algn="ctr">
-              <a:buFontTx/>
-              <a:buNone/>
-            </a:pPr>
-            <a:r>
-              <a:rPr lang="pt-BR" sz="2000" b="1" kern="0" dirty="0"/>
               <a:t>Comparação com correlatos</a:t>
             </a:r>
           </a:p>
@@ -9754,8 +9969,8 @@
         </p:blipFill>
         <p:spPr>
           <a:xfrm>
-            <a:off x="780931" y="2105980"/>
-            <a:ext cx="7808017" cy="2664296"/>
+            <a:off x="127047" y="1700808"/>
+            <a:ext cx="8889905" cy="3033464"/>
           </a:xfrm>
           <a:prstGeom prst="rect">
             <a:avLst/>
@@ -9809,7 +10024,7 @@
           <a:p>
             <a:r>
               <a:rPr lang="pt-BR" dirty="0"/>
-              <a:t>Conclusões e Sugestões</a:t>
+              <a:t>Conclusões</a:t>
             </a:r>
           </a:p>
         </p:txBody>
@@ -9831,7 +10046,7 @@
           <a:p>
             <a:r>
               <a:rPr lang="pt-BR" dirty="0"/>
-              <a:t>Conseguiu atingir o objetivo de criar uma experiencia de interação suando as mãos;</a:t>
+              <a:t>Conseguiu atingir o objetivo de criar uma experiencia de interação usando as mãos;</a:t>
             </a:r>
           </a:p>
           <a:p>
@@ -9842,11 +10057,11 @@
             </a:pPr>
             <a:r>
               <a:rPr lang="pt-BR" dirty="0"/>
-              <a:t>Unity;</a:t>
-            </a:r>
-          </a:p>
-          <a:p>
-            <a:pPr>
+              <a:t>Unity:</a:t>
+            </a:r>
+          </a:p>
+          <a:p>
+            <a:pPr lvl="1">
               <a:lnSpc>
                 <a:spcPct val="150000"/>
               </a:lnSpc>
@@ -9857,7 +10072,7 @@
             </a:r>
           </a:p>
           <a:p>
-            <a:pPr>
+            <a:pPr lvl="1">
               <a:lnSpc>
                 <a:spcPct val="150000"/>
               </a:lnSpc>
@@ -9868,7 +10083,7 @@
             </a:r>
           </a:p>
           <a:p>
-            <a:pPr>
+            <a:pPr lvl="1">
               <a:lnSpc>
                 <a:spcPct val="150000"/>
               </a:lnSpc>
@@ -9927,7 +10142,7 @@
           <a:p>
             <a:r>
               <a:rPr lang="pt-BR" dirty="0"/>
-              <a:t>Conclusões e Sugestões</a:t>
+              <a:t>Sugestões</a:t>
             </a:r>
           </a:p>
         </p:txBody>
@@ -9945,7 +10160,7 @@
         <p:spPr/>
         <p:txBody>
           <a:bodyPr>
-            <a:normAutofit lnSpcReduction="10000"/>
+            <a:normAutofit/>
           </a:bodyPr>
           <a:lstStyle/>
           <a:p>
@@ -9958,18 +10173,12 @@
             </a:r>
           </a:p>
           <a:p>
-            <a:r>
-              <a:rPr lang="pt-BR" sz="2400" dirty="0">
-                <a:ea typeface="Times New Roman" panose="02020603050405020304" pitchFamily="18" charset="0"/>
-              </a:rPr>
-              <a:t>A</a:t>
-            </a:r>
             <a:r>
               <a:rPr lang="pt-BR" sz="2400" dirty="0">
                 <a:effectLst/>
                 <a:ea typeface="Times New Roman" panose="02020603050405020304" pitchFamily="18" charset="0"/>
               </a:rPr>
-              <a:t>dição da oclusão das mãos;</a:t>
+              <a:t>Oclusão das mãos;</a:t>
             </a:r>
           </a:p>
           <a:p>
@@ -9978,7 +10187,7 @@
                 <a:effectLst/>
                 <a:ea typeface="Times New Roman" panose="02020603050405020304" pitchFamily="18" charset="0"/>
               </a:rPr>
-              <a:t>Adição de novos fósseis para interação;</a:t>
+              <a:t>Novos fósseis;</a:t>
             </a:r>
           </a:p>
           <a:p>
@@ -9987,16 +10196,22 @@
                 <a:effectLst/>
                 <a:ea typeface="Times New Roman" panose="02020603050405020304" pitchFamily="18" charset="0"/>
               </a:rPr>
-              <a:t>Procurar alternativas para melhorar a identificação do marcador do fóssil;</a:t>
-            </a:r>
-          </a:p>
-          <a:p>
+              <a:t>Melhorar a identificação do marcador do fóssil;</a:t>
+            </a:r>
+          </a:p>
+          <a:p>
+            <a:r>
+              <a:rPr lang="pt-BR" sz="2400" dirty="0">
+                <a:ea typeface="Times New Roman" panose="02020603050405020304" pitchFamily="18" charset="0"/>
+              </a:rPr>
+              <a:t>E</a:t>
+            </a:r>
             <a:r>
               <a:rPr lang="pt-BR" sz="2400" dirty="0">
                 <a:effectLst/>
                 <a:ea typeface="Times New Roman" panose="02020603050405020304" pitchFamily="18" charset="0"/>
               </a:rPr>
-              <a:t>Adição de efeitos sonoros;</a:t>
+              <a:t>feitos sonoros;</a:t>
             </a:r>
           </a:p>
           <a:p>
@@ -10005,16 +10220,22 @@
                 <a:effectLst/>
                 <a:ea typeface="Times New Roman" panose="02020603050405020304" pitchFamily="18" charset="0"/>
               </a:rPr>
-              <a:t>Procurar maneiras diferentes de demonstrar as informações ao usuário;</a:t>
-            </a:r>
-          </a:p>
-          <a:p>
+              <a:t>Novas formas de demostrar informações; </a:t>
+            </a:r>
+          </a:p>
+          <a:p>
+            <a:r>
+              <a:rPr lang="pt-BR" sz="2400" dirty="0">
+                <a:ea typeface="Times New Roman" panose="02020603050405020304" pitchFamily="18" charset="0"/>
+              </a:rPr>
+              <a:t>E</a:t>
+            </a:r>
             <a:r>
               <a:rPr lang="pt-BR" sz="2400" dirty="0">
                 <a:effectLst/>
                 <a:ea typeface="Times New Roman" panose="02020603050405020304" pitchFamily="18" charset="0"/>
               </a:rPr>
-              <a:t>Acionar a estereoscopia na visualização do usuário;</a:t>
+              <a:t>stereoscopia;</a:t>
             </a:r>
           </a:p>
           <a:p>
@@ -10023,7 +10244,7 @@
                 <a:effectLst/>
                 <a:ea typeface="Times New Roman" panose="02020603050405020304" pitchFamily="18" charset="0"/>
               </a:rPr>
-              <a:t>Procurar maneiras de sincronizar as cenas de maneira mais precisa.</a:t>
+              <a:t>Melhorar a sincronização.</a:t>
             </a:r>
             <a:endParaRPr lang="pt-BR" sz="2400" dirty="0"/>
           </a:p>
@@ -10061,6 +10282,379 @@
       </p:grpSpPr>
       <p:sp>
         <p:nvSpPr>
+          <p:cNvPr id="3" name="Título 1">
+            <a:extLst>
+              <a:ext uri="{FF2B5EF4-FFF2-40B4-BE49-F238E27FC236}">
+                <a16:creationId xmlns:a16="http://schemas.microsoft.com/office/drawing/2014/main" id="{4F908587-A89B-5582-9CD0-1CB056B8DE21}"/>
+              </a:ext>
+            </a:extLst>
+          </p:cNvPr>
+          <p:cNvSpPr txBox="1">
+            <a:spLocks/>
+          </p:cNvSpPr>
+          <p:nvPr/>
+        </p:nvSpPr>
+        <p:spPr bwMode="auto">
+          <a:xfrm>
+            <a:off x="467544" y="188640"/>
+            <a:ext cx="8229600" cy="1143000"/>
+          </a:xfrm>
+          <a:prstGeom prst="rect">
+            <a:avLst/>
+          </a:prstGeom>
+          <a:noFill/>
+          <a:ln w="9525">
+            <a:noFill/>
+            <a:miter lim="800000"/>
+            <a:headEnd/>
+            <a:tailEnd/>
+          </a:ln>
+          <a:effectLst/>
+        </p:spPr>
+        <p:txBody>
+          <a:bodyPr vert="horz" wrap="square" lIns="91440" tIns="45720" rIns="91440" bIns="45720" numCol="1" anchor="ctr" anchorCtr="0" compatLnSpc="1">
+            <a:prstTxWarp prst="textNoShape">
+              <a:avLst/>
+            </a:prstTxWarp>
+          </a:bodyPr>
+          <a:lstStyle>
+            <a:lvl1pPr algn="ctr" rtl="0" fontAlgn="base">
+              <a:spcBef>
+                <a:spcPct val="0"/>
+              </a:spcBef>
+              <a:spcAft>
+                <a:spcPct val="0"/>
+              </a:spcAft>
+              <a:defRPr sz="4400" b="1">
+                <a:solidFill>
+                  <a:schemeClr val="tx2"/>
+                </a:solidFill>
+                <a:effectLst>
+                  <a:outerShdw blurRad="38100" dist="38100" dir="2700000" algn="tl">
+                    <a:srgbClr val="000000">
+                      <a:alpha val="43137"/>
+                    </a:srgbClr>
+                  </a:outerShdw>
+                </a:effectLst>
+                <a:latin typeface="+mj-lt"/>
+                <a:ea typeface="+mj-ea"/>
+                <a:cs typeface="+mj-cs"/>
+              </a:defRPr>
+            </a:lvl1pPr>
+            <a:lvl2pPr algn="ctr" rtl="0" fontAlgn="base">
+              <a:spcBef>
+                <a:spcPct val="0"/>
+              </a:spcBef>
+              <a:spcAft>
+                <a:spcPct val="0"/>
+              </a:spcAft>
+              <a:defRPr sz="4400">
+                <a:solidFill>
+                  <a:schemeClr val="tx2"/>
+                </a:solidFill>
+                <a:latin typeface="Arial" charset="0"/>
+              </a:defRPr>
+            </a:lvl2pPr>
+            <a:lvl3pPr algn="ctr" rtl="0" fontAlgn="base">
+              <a:spcBef>
+                <a:spcPct val="0"/>
+              </a:spcBef>
+              <a:spcAft>
+                <a:spcPct val="0"/>
+              </a:spcAft>
+              <a:defRPr sz="4400">
+                <a:solidFill>
+                  <a:schemeClr val="tx2"/>
+                </a:solidFill>
+                <a:latin typeface="Arial" charset="0"/>
+              </a:defRPr>
+            </a:lvl3pPr>
+            <a:lvl4pPr algn="ctr" rtl="0" fontAlgn="base">
+              <a:spcBef>
+                <a:spcPct val="0"/>
+              </a:spcBef>
+              <a:spcAft>
+                <a:spcPct val="0"/>
+              </a:spcAft>
+              <a:defRPr sz="4400">
+                <a:solidFill>
+                  <a:schemeClr val="tx2"/>
+                </a:solidFill>
+                <a:latin typeface="Arial" charset="0"/>
+              </a:defRPr>
+            </a:lvl4pPr>
+            <a:lvl5pPr algn="ctr" rtl="0" fontAlgn="base">
+              <a:spcBef>
+                <a:spcPct val="0"/>
+              </a:spcBef>
+              <a:spcAft>
+                <a:spcPct val="0"/>
+              </a:spcAft>
+              <a:defRPr sz="4400">
+                <a:solidFill>
+                  <a:schemeClr val="tx2"/>
+                </a:solidFill>
+                <a:latin typeface="Arial" charset="0"/>
+              </a:defRPr>
+            </a:lvl5pPr>
+            <a:lvl6pPr marL="457200" algn="ctr" rtl="0" fontAlgn="base">
+              <a:spcBef>
+                <a:spcPct val="0"/>
+              </a:spcBef>
+              <a:spcAft>
+                <a:spcPct val="0"/>
+              </a:spcAft>
+              <a:defRPr sz="4400">
+                <a:solidFill>
+                  <a:schemeClr val="tx2"/>
+                </a:solidFill>
+                <a:latin typeface="Arial" charset="0"/>
+              </a:defRPr>
+            </a:lvl6pPr>
+            <a:lvl7pPr marL="914400" algn="ctr" rtl="0" fontAlgn="base">
+              <a:spcBef>
+                <a:spcPct val="0"/>
+              </a:spcBef>
+              <a:spcAft>
+                <a:spcPct val="0"/>
+              </a:spcAft>
+              <a:defRPr sz="4400">
+                <a:solidFill>
+                  <a:schemeClr val="tx2"/>
+                </a:solidFill>
+                <a:latin typeface="Arial" charset="0"/>
+              </a:defRPr>
+            </a:lvl7pPr>
+            <a:lvl8pPr marL="1371600" algn="ctr" rtl="0" fontAlgn="base">
+              <a:spcBef>
+                <a:spcPct val="0"/>
+              </a:spcBef>
+              <a:spcAft>
+                <a:spcPct val="0"/>
+              </a:spcAft>
+              <a:defRPr sz="4400">
+                <a:solidFill>
+                  <a:schemeClr val="tx2"/>
+                </a:solidFill>
+                <a:latin typeface="Arial" charset="0"/>
+              </a:defRPr>
+            </a:lvl8pPr>
+            <a:lvl9pPr marL="1828800" algn="ctr" rtl="0" fontAlgn="base">
+              <a:spcBef>
+                <a:spcPct val="0"/>
+              </a:spcBef>
+              <a:spcAft>
+                <a:spcPct val="0"/>
+              </a:spcAft>
+              <a:defRPr sz="4400">
+                <a:solidFill>
+                  <a:schemeClr val="tx2"/>
+                </a:solidFill>
+                <a:latin typeface="Arial" charset="0"/>
+              </a:defRPr>
+            </a:lvl9pPr>
+          </a:lstStyle>
+          <a:p>
+            <a:r>
+              <a:rPr lang="pt-BR" kern="0" dirty="0"/>
+              <a:t>Melhorias pôs entrega</a:t>
+            </a:r>
+          </a:p>
+        </p:txBody>
+      </p:sp>
+      <p:pic>
+        <p:nvPicPr>
+          <p:cNvPr id="5" name="Imagem 4">
+            <a:extLst>
+              <a:ext uri="{FF2B5EF4-FFF2-40B4-BE49-F238E27FC236}">
+                <a16:creationId xmlns:a16="http://schemas.microsoft.com/office/drawing/2014/main" id="{19710BAD-39F1-0FB2-7360-7DB3F8B92149}"/>
+              </a:ext>
+            </a:extLst>
+          </p:cNvPr>
+          <p:cNvPicPr>
+            <a:picLocks noChangeAspect="1"/>
+          </p:cNvPicPr>
+          <p:nvPr/>
+        </p:nvPicPr>
+        <p:blipFill>
+          <a:blip r:embed="rId3"/>
+          <a:stretch>
+            <a:fillRect/>
+          </a:stretch>
+        </p:blipFill>
+        <p:spPr>
+          <a:xfrm>
+            <a:off x="2771800" y="1679792"/>
+            <a:ext cx="6241491" cy="3498416"/>
+          </a:xfrm>
+          <a:prstGeom prst="rect">
+            <a:avLst/>
+          </a:prstGeom>
+        </p:spPr>
+      </p:pic>
+      <p:sp>
+        <p:nvSpPr>
+          <p:cNvPr id="6" name="Espaço Reservado para Conteúdo 2">
+            <a:extLst>
+              <a:ext uri="{FF2B5EF4-FFF2-40B4-BE49-F238E27FC236}">
+                <a16:creationId xmlns:a16="http://schemas.microsoft.com/office/drawing/2014/main" id="{13507E58-6C76-4404-CC8A-A0757FCB0A3F}"/>
+              </a:ext>
+            </a:extLst>
+          </p:cNvPr>
+          <p:cNvSpPr>
+            <a:spLocks noGrp="1"/>
+          </p:cNvSpPr>
+          <p:nvPr>
+            <p:ph idx="1"/>
+          </p:nvPr>
+        </p:nvSpPr>
+        <p:spPr>
+          <a:xfrm>
+            <a:off x="17160" y="2276872"/>
+            <a:ext cx="8229600" cy="2160240"/>
+          </a:xfrm>
+        </p:spPr>
+        <p:txBody>
+          <a:bodyPr>
+            <a:normAutofit/>
+          </a:bodyPr>
+          <a:lstStyle/>
+          <a:p>
+            <a:pPr>
+              <a:lnSpc>
+                <a:spcPct val="200000"/>
+              </a:lnSpc>
+            </a:pPr>
+            <a:r>
+              <a:rPr lang="pt-BR" sz="2400" dirty="0"/>
+              <a:t>Descanso;</a:t>
+            </a:r>
+          </a:p>
+          <a:p>
+            <a:pPr>
+              <a:lnSpc>
+                <a:spcPct val="200000"/>
+              </a:lnSpc>
+            </a:pPr>
+            <a:r>
+              <a:rPr lang="pt-BR" sz="2400" dirty="0"/>
+              <a:t>Tela de entrada.</a:t>
+            </a:r>
+          </a:p>
+        </p:txBody>
+      </p:sp>
+    </p:spTree>
+    <p:extLst>
+      <p:ext uri="{BB962C8B-B14F-4D97-AF65-F5344CB8AC3E}">
+        <p14:creationId xmlns:p14="http://schemas.microsoft.com/office/powerpoint/2010/main" val="1082481956"/>
+      </p:ext>
+    </p:extLst>
+  </p:cSld>
+  <p:clrMapOvr>
+    <a:masterClrMapping/>
+  </p:clrMapOvr>
+</p:sld>
+</file>
+
+<file path=ppt/slides/slide26.xml><?xml version="1.0" encoding="utf-8"?>
+<p:sld xmlns:a="http://schemas.openxmlformats.org/drawingml/2006/main" xmlns:r="http://schemas.openxmlformats.org/officeDocument/2006/relationships" xmlns:p="http://schemas.openxmlformats.org/presentationml/2006/main">
+  <p:cSld>
+    <p:spTree>
+      <p:nvGrpSpPr>
+        <p:cNvPr id="1" name=""/>
+        <p:cNvGrpSpPr/>
+        <p:nvPr/>
+      </p:nvGrpSpPr>
+      <p:grpSpPr>
+        <a:xfrm>
+          <a:off x="0" y="0"/>
+          <a:ext cx="0" cy="0"/>
+          <a:chOff x="0" y="0"/>
+          <a:chExt cx="0" cy="0"/>
+        </a:xfrm>
+      </p:grpSpPr>
+      <p:sp>
+        <p:nvSpPr>
+          <p:cNvPr id="2" name="Título 1"/>
+          <p:cNvSpPr>
+            <a:spLocks noGrp="1"/>
+          </p:cNvSpPr>
+          <p:nvPr>
+            <p:ph type="title"/>
+          </p:nvPr>
+        </p:nvSpPr>
+        <p:spPr>
+          <a:xfrm>
+            <a:off x="457200" y="2173424"/>
+            <a:ext cx="8229600" cy="2511152"/>
+          </a:xfrm>
+        </p:spPr>
+        <p:txBody>
+          <a:bodyPr/>
+          <a:lstStyle/>
+          <a:p>
+            <a:r>
+              <a:rPr lang="pt-BR" sz="2800" b="0" i="0" dirty="0">
+                <a:solidFill>
+                  <a:srgbClr val="222222"/>
+                </a:solidFill>
+                <a:effectLst/>
+                <a:latin typeface="Source Sans Pro" panose="020F0502020204030204" pitchFamily="34" charset="0"/>
+              </a:rPr>
+              <a:t>S-201</a:t>
+            </a:r>
+            <a:br>
+              <a:rPr lang="pt-BR" sz="3200" b="0" i="0" dirty="0">
+                <a:solidFill>
+                  <a:srgbClr val="222222"/>
+                </a:solidFill>
+                <a:effectLst/>
+                <a:latin typeface="Source Sans Pro" panose="020F0502020204030204" pitchFamily="34" charset="0"/>
+              </a:rPr>
+            </a:br>
+            <a:r>
+              <a:rPr lang="pt-BR" sz="2800" b="0" dirty="0">
+                <a:effectLst/>
+                <a:ea typeface="Times New Roman" panose="02020603050405020304" pitchFamily="18" charset="0"/>
+              </a:rPr>
+              <a:t>Exposição de História Natural Fritz Müller - FURB</a:t>
+            </a:r>
+            <a:endParaRPr lang="pt-BR" sz="3200" b="0" dirty="0"/>
+          </a:p>
+        </p:txBody>
+      </p:sp>
+    </p:spTree>
+    <p:extLst>
+      <p:ext uri="{BB962C8B-B14F-4D97-AF65-F5344CB8AC3E}">
+        <p14:creationId xmlns:p14="http://schemas.microsoft.com/office/powerpoint/2010/main" val="3861395617"/>
+      </p:ext>
+    </p:extLst>
+  </p:cSld>
+  <p:clrMapOvr>
+    <a:masterClrMapping/>
+  </p:clrMapOvr>
+</p:sld>
+</file>
+
+<file path=ppt/slides/slide27.xml><?xml version="1.0" encoding="utf-8"?>
+<p:sld xmlns:a="http://schemas.openxmlformats.org/drawingml/2006/main" xmlns:r="http://schemas.openxmlformats.org/officeDocument/2006/relationships" xmlns:p="http://schemas.openxmlformats.org/presentationml/2006/main">
+  <p:cSld>
+    <p:spTree>
+      <p:nvGrpSpPr>
+        <p:cNvPr id="1" name=""/>
+        <p:cNvGrpSpPr/>
+        <p:nvPr/>
+      </p:nvGrpSpPr>
+      <p:grpSpPr>
+        <a:xfrm>
+          <a:off x="0" y="0"/>
+          <a:ext cx="0" cy="0"/>
+          <a:chOff x="0" y="0"/>
+          <a:chExt cx="0" cy="0"/>
+        </a:xfrm>
+      </p:grpSpPr>
+      <p:sp>
+        <p:nvSpPr>
           <p:cNvPr id="2" name="Título 1"/>
           <p:cNvSpPr>
             <a:spLocks noGrp="1"/>
@@ -10089,7 +10683,7 @@
     </p:spTree>
     <p:extLst>
       <p:ext uri="{BB962C8B-B14F-4D97-AF65-F5344CB8AC3E}">
-        <p14:creationId xmlns:p14="http://schemas.microsoft.com/office/powerpoint/2010/main" val="1082481956"/>
+        <p14:creationId xmlns:p14="http://schemas.microsoft.com/office/powerpoint/2010/main" val="634331574"/>
       </p:ext>
     </p:extLst>
   </p:cSld>
@@ -10157,35 +10751,40 @@
           <a:p>
             <a:r>
               <a:rPr lang="pt-BR" dirty="0"/>
-              <a:t>Museus;</a:t>
+              <a:t>Museus:</a:t>
+            </a:r>
+          </a:p>
+          <a:p>
+            <a:pPr lvl="1"/>
+            <a:r>
+              <a:rPr lang="pt-BR" sz="2400" dirty="0"/>
+              <a:t>Informações acervo x Novas formas interações; </a:t>
             </a:r>
           </a:p>
           <a:p>
             <a:r>
               <a:rPr lang="pt-BR" dirty="0"/>
-              <a:t>Realidade Virtual / Realidade Aumentada;</a:t>
+              <a:t>Realidade Aumentada;</a:t>
             </a:r>
           </a:p>
           <a:p>
             <a:r>
               <a:rPr lang="pt-BR" dirty="0"/>
-              <a:t>Auxilio ao aprendizado;</a:t>
-            </a:r>
-          </a:p>
-          <a:p>
-            <a:r>
-              <a:rPr lang="pt-BR" dirty="0"/>
-              <a:t>Interação com o Usuário;</a:t>
-            </a:r>
-          </a:p>
-          <a:p>
+              <a:t>Interação com o Usuário:</a:t>
+            </a:r>
+          </a:p>
+          <a:p>
+            <a:pPr lvl="1"/>
             <a:r>
               <a:rPr lang="pt-BR" dirty="0"/>
               <a:t>Leap Motion.</a:t>
             </a:r>
           </a:p>
           <a:p>
-            <a:endParaRPr lang="pt-BR" dirty="0"/>
+            <a:r>
+              <a:rPr lang="pt-BR" dirty="0"/>
+              <a:t>O uso de RA com Leap Motion pode inovar as interação com o acervo de um museu?</a:t>
+            </a:r>
           </a:p>
         </p:txBody>
       </p:sp>
@@ -10370,7 +10969,7 @@
                 <a:effectLst/>
                 <a:ea typeface="Times New Roman" panose="02020603050405020304" pitchFamily="18" charset="0"/>
               </a:rPr>
-              <a:t>Avaliar o uso de modelos virtuais sobrepostos as peças do acervo usando RA</a:t>
+              <a:t>Avaliar o uso de modelos virtuais sobrepostos as peças do acervo usando RA;</a:t>
             </a:r>
           </a:p>
           <a:p>
@@ -10379,7 +10978,7 @@
                 <a:effectLst/>
                 <a:ea typeface="Times New Roman" panose="02020603050405020304" pitchFamily="18" charset="0"/>
               </a:rPr>
-              <a:t>Verificar se gestos da mão possibilitam uma interação com os modelos virtuais</a:t>
+              <a:t>Verificar se gestos da mão possibilitam uma interação com os modelos virtuais;</a:t>
             </a:r>
           </a:p>
           <a:p>
@@ -10467,7 +11066,7 @@
             </a:pPr>
             <a:r>
               <a:rPr lang="pt-BR" dirty="0"/>
-              <a:t>Museus</a:t>
+              <a:t>Museus;</a:t>
             </a:r>
           </a:p>
           <a:p>
@@ -10478,7 +11077,7 @@
             </a:pPr>
             <a:r>
               <a:rPr lang="pt-BR" dirty="0"/>
-              <a:t>Realidade Aumentada</a:t>
+              <a:t>Realidade Aumentada;</a:t>
             </a:r>
           </a:p>
           <a:p>
@@ -10489,7 +11088,7 @@
             </a:pPr>
             <a:r>
               <a:rPr lang="pt-BR" dirty="0"/>
-              <a:t>Leap Motion</a:t>
+              <a:t>Leap Motion;</a:t>
             </a:r>
           </a:p>
           <a:p>
@@ -10500,7 +11099,7 @@
             </a:pPr>
             <a:r>
               <a:rPr lang="pt-BR" dirty="0"/>
-              <a:t>Modelos Virtuais</a:t>
+              <a:t>Modelos Virtuais.</a:t>
             </a:r>
           </a:p>
           <a:p>
@@ -10579,19 +11178,27 @@
           <a:p>
             <a:r>
               <a:rPr lang="pt-BR" sz="2400" dirty="0"/>
-              <a:t>Título: USO DA REALIDADE AUMENTADA EM AUXÍLIO À EDUCAÇÃO </a:t>
+              <a:t>Título: USO DA REALIDADE AUMENTADA EM AUXÍLIO À EDUCAÇÃO;</a:t>
             </a:r>
           </a:p>
           <a:p>
             <a:r>
               <a:rPr lang="pt-BR" sz="2400" dirty="0"/>
-              <a:t>Cardoso et al. (2014) </a:t>
-            </a:r>
-          </a:p>
-          <a:p>
+              <a:t>Cardoso </a:t>
+            </a:r>
+            <a:r>
+              <a:rPr lang="pt-BR" sz="2400" i="1" dirty="0"/>
+              <a:t>et al</a:t>
+            </a:r>
             <a:r>
               <a:rPr lang="pt-BR" sz="2400" dirty="0"/>
-              <a:t>RAINFOR</a:t>
+              <a:t>. (2014);</a:t>
+            </a:r>
+          </a:p>
+          <a:p>
+            <a:r>
+              <a:rPr lang="pt-BR" sz="2400" dirty="0"/>
+              <a:t>RAINFOR.</a:t>
             </a:r>
           </a:p>
           <a:p>
@@ -10631,8 +11238,8 @@
         </p:blipFill>
         <p:spPr bwMode="auto">
           <a:xfrm>
-            <a:off x="1421650" y="3396376"/>
-            <a:ext cx="6300700" cy="1800200"/>
+            <a:off x="501910" y="3284984"/>
+            <a:ext cx="8179150" cy="2336900"/>
           </a:xfrm>
           <a:prstGeom prst="rect">
             <a:avLst/>
@@ -10720,13 +11327,13 @@
           <a:p>
             <a:r>
               <a:rPr lang="pt-BR" sz="2400" dirty="0"/>
-              <a:t>Título: UM APLICATIVO DE DESENHO EM REALIDADE VIRTUAL UTILIZANDO O LEAP MOTION</a:t>
+              <a:t>Título: UM APLICATIVO DE DESENHO EM REALIDADE VIRTUAL UTILIZANDO O LEAP MOTION;</a:t>
             </a:r>
           </a:p>
           <a:p>
             <a:r>
               <a:rPr lang="pt-BR" sz="2400" dirty="0"/>
-              <a:t>Bento (2021) </a:t>
+              <a:t>Bento (2021).</a:t>
             </a:r>
           </a:p>
           <a:p>
@@ -10781,8 +11388,8 @@
         </p:blipFill>
         <p:spPr bwMode="auto">
           <a:xfrm>
-            <a:off x="1693545" y="2852936"/>
-            <a:ext cx="5756910" cy="3034665"/>
+            <a:off x="935596" y="2708920"/>
+            <a:ext cx="7272808" cy="3833747"/>
           </a:xfrm>
           <a:prstGeom prst="rect">
             <a:avLst/>
@@ -10874,13 +11481,13 @@
             </a:r>
             <a:r>
               <a:rPr lang="en-US" sz="2400" dirty="0"/>
-              <a:t>NATURAL INTERFACE FOR INTERACTIVE VIRTUAL ASSEMBLY IN AUGMENTED REALITY USING LEAP MOTION CONTROLLER</a:t>
+              <a:t>NATURAL INTERFACE FOR INTERACTIVE VIRTUAL ASSEMBLY IN AUGMENTED REALITY USING LEAP MOTION CONTROLLER;</a:t>
             </a:r>
           </a:p>
           <a:p>
             <a:r>
               <a:rPr lang="pt-BR" sz="2400" dirty="0"/>
-              <a:t>Valentini (2018) </a:t>
+              <a:t>Valentini (2018).</a:t>
             </a:r>
           </a:p>
         </p:txBody>
@@ -10907,8 +11514,8 @@
         </p:blipFill>
         <p:spPr>
           <a:xfrm>
-            <a:off x="4402508" y="3142779"/>
-            <a:ext cx="3562456" cy="2448272"/>
+            <a:off x="4162771" y="3123317"/>
+            <a:ext cx="4635921" cy="3186003"/>
           </a:xfrm>
           <a:prstGeom prst="rect">
             <a:avLst/>
@@ -10937,8 +11544,8 @@
         </p:blipFill>
         <p:spPr>
           <a:xfrm>
-            <a:off x="989694" y="3142779"/>
-            <a:ext cx="2880320" cy="2983188"/>
+            <a:off x="755576" y="3123317"/>
+            <a:ext cx="3384376" cy="3505246"/>
           </a:xfrm>
           <a:prstGeom prst="rect">
             <a:avLst/>

--- a/_julio/ApresentaçãoTCC-Julio_Vicente_Brych.pptx
+++ b/_julio/ApresentaçãoTCC-Julio_Vicente_Brych.pptx
@@ -485,7 +485,7 @@
           <a:p>
             <a:fld id="{4DA4C31C-22C3-40E3-8117-26A998868580}" type="datetimeFigureOut">
               <a:rPr lang="pt-BR" smtClean="0"/>
-              <a:t>12/12/2023</a:t>
+              <a:t>13/12/2023</a:t>
             </a:fld>
             <a:endParaRPr lang="pt-BR"/>
           </a:p>
@@ -10538,7 +10538,7 @@
             </a:pPr>
             <a:r>
               <a:rPr lang="pt-BR" sz="2400" dirty="0"/>
-              <a:t>Tela de entrada.</a:t>
+              <a:t>Novo HUD.</a:t>
             </a:r>
           </a:p>
         </p:txBody>
